--- a/basic_erlang_4/presentation/erlang_part_4_testing.pptx
+++ b/basic_erlang_4/presentation/erlang_part_4_testing.pptx
@@ -5,10 +5,10 @@
     <p:sldMasterId id="2147483676" r:id="rId1"/>
   </p:sldMasterIdLst>
   <p:notesMasterIdLst>
-    <p:notesMasterId r:id="rId25"/>
+    <p:notesMasterId r:id="rId30"/>
   </p:notesMasterIdLst>
   <p:handoutMasterIdLst>
-    <p:handoutMasterId r:id="rId26"/>
+    <p:handoutMasterId r:id="rId31"/>
   </p:handoutMasterIdLst>
   <p:sldIdLst>
     <p:sldId id="259" r:id="rId2"/>
@@ -31,23 +31,28 @@
     <p:sldId id="277" r:id="rId19"/>
     <p:sldId id="278" r:id="rId20"/>
     <p:sldId id="279" r:id="rId21"/>
-    <p:sldId id="280" r:id="rId22"/>
-    <p:sldId id="281" r:id="rId23"/>
-    <p:sldId id="282" r:id="rId24"/>
+    <p:sldId id="287" r:id="rId22"/>
+    <p:sldId id="280" r:id="rId23"/>
+    <p:sldId id="281" r:id="rId24"/>
+    <p:sldId id="286" r:id="rId25"/>
+    <p:sldId id="284" r:id="rId26"/>
+    <p:sldId id="283" r:id="rId27"/>
+    <p:sldId id="285" r:id="rId28"/>
+    <p:sldId id="282" r:id="rId29"/>
   </p:sldIdLst>
   <p:sldSz cx="12192000" cy="6858000"/>
   <p:notesSz cx="6884988" cy="10018713"/>
   <p:embeddedFontLst>
     <p:embeddedFont>
       <p:font typeface="Consolas" panose="020B0609020204030204" pitchFamily="49" charset="0"/>
-      <p:regular r:id="rId27"/>
-      <p:bold r:id="rId28"/>
-      <p:italic r:id="rId29"/>
-      <p:boldItalic r:id="rId30"/>
+      <p:regular r:id="rId32"/>
+      <p:bold r:id="rId33"/>
+      <p:italic r:id="rId34"/>
+      <p:boldItalic r:id="rId35"/>
     </p:embeddedFont>
     <p:embeddedFont>
       <p:font typeface="Ericsson Capital TT" panose="02000503000000020004" pitchFamily="2" charset="0"/>
-      <p:regular r:id="rId31"/>
+      <p:regular r:id="rId36"/>
     </p:embeddedFont>
   </p:embeddedFontLst>
   <p:defaultTextStyle>
@@ -200,8 +205,13 @@
             <p14:sldId id="277"/>
             <p14:sldId id="278"/>
             <p14:sldId id="279"/>
+            <p14:sldId id="287"/>
             <p14:sldId id="280"/>
             <p14:sldId id="281"/>
+            <p14:sldId id="286"/>
+            <p14:sldId id="284"/>
+            <p14:sldId id="283"/>
+            <p14:sldId id="285"/>
             <p14:sldId id="282"/>
           </p14:sldIdLst>
         </p14:section>
@@ -1714,7 +1724,7 @@
             <a:fld id="{5852353D-F306-481A-B3D0-C36CE0BF9563}" type="slidenum">
               <a:rPr lang="en-US" smtClean="0"/>
               <a:pPr/>
-              <a:t>22</a:t>
+              <a:t>21</a:t>
             </a:fld>
             <a:endParaRPr lang="en-US" dirty="0"/>
           </a:p>
@@ -1769,7 +1779,7 @@
     </p:spTree>
     <p:extLst>
       <p:ext uri="{BB962C8B-B14F-4D97-AF65-F5344CB8AC3E}">
-        <p14:creationId xmlns:p14="http://schemas.microsoft.com/office/powerpoint/2010/main" val="2059806007"/>
+        <p14:creationId xmlns:p14="http://schemas.microsoft.com/office/powerpoint/2010/main" val="47537287"/>
       </p:ext>
     </p:extLst>
   </p:cSld>
@@ -1806,12 +1816,7 @@
             <p:ph type="sldImg"/>
           </p:nvPr>
         </p:nvSpPr>
-        <p:spPr>
-          <a:xfrm>
-            <a:off x="103188" y="750888"/>
-            <a:ext cx="6678612" cy="3757612"/>
-          </a:xfrm>
-        </p:spPr>
+        <p:spPr/>
       </p:sp>
       <p:sp>
         <p:nvSpPr>
@@ -1828,10 +1833,7 @@
           <a:bodyPr/>
           <a:lstStyle/>
           <a:p>
-            <a:r>
-              <a:rPr lang="en-US" dirty="0"/>
-              <a:t>http://erlang.org/doc/apps/eunit/chapter.html</a:t>
-            </a:r>
+            <a:endParaRPr lang="en-US" dirty="0"/>
           </a:p>
         </p:txBody>
       </p:sp>
@@ -1877,6 +1879,484 @@
               <a:rPr lang="en-US" smtClean="0"/>
               <a:pPr/>
               <a:t>23</a:t>
+            </a:fld>
+            <a:endParaRPr lang="en-US" dirty="0"/>
+          </a:p>
+        </p:txBody>
+      </p:sp>
+      <p:sp>
+        <p:nvSpPr>
+          <p:cNvPr id="6" name="Header Placeholder 5"/>
+          <p:cNvSpPr>
+            <a:spLocks noGrp="1"/>
+          </p:cNvSpPr>
+          <p:nvPr>
+            <p:ph type="hdr" sz="quarter" idx="12"/>
+          </p:nvPr>
+        </p:nvSpPr>
+        <p:spPr/>
+        <p:txBody>
+          <a:bodyPr/>
+          <a:lstStyle/>
+          <a:p>
+            <a:r>
+              <a:rPr lang="en-US"/>
+              <a:t>Basic Erlang - Part 2 </a:t>
+            </a:r>
+            <a:endParaRPr lang="en-US" dirty="0"/>
+          </a:p>
+        </p:txBody>
+      </p:sp>
+      <p:sp>
+        <p:nvSpPr>
+          <p:cNvPr id="7" name="Footer Placeholder 6"/>
+          <p:cNvSpPr>
+            <a:spLocks noGrp="1"/>
+          </p:cNvSpPr>
+          <p:nvPr>
+            <p:ph type="ftr" sz="quarter" idx="13"/>
+          </p:nvPr>
+        </p:nvSpPr>
+        <p:spPr/>
+        <p:txBody>
+          <a:bodyPr/>
+          <a:lstStyle/>
+          <a:p>
+            <a:r>
+              <a:rPr lang="en-US"/>
+              <a:t> </a:t>
+            </a:r>
+            <a:endParaRPr lang="en-US" dirty="0"/>
+          </a:p>
+        </p:txBody>
+      </p:sp>
+    </p:spTree>
+    <p:extLst>
+      <p:ext uri="{BB962C8B-B14F-4D97-AF65-F5344CB8AC3E}">
+        <p14:creationId xmlns:p14="http://schemas.microsoft.com/office/powerpoint/2010/main" val="2059806007"/>
+      </p:ext>
+    </p:extLst>
+  </p:cSld>
+  <p:clrMapOvr>
+    <a:masterClrMapping/>
+  </p:clrMapOvr>
+</p:notes>
+</file>
+
+<file path=ppt/notesSlides/notesSlide7.xml><?xml version="1.0" encoding="utf-8"?>
+<p:notes xmlns:a="http://schemas.openxmlformats.org/drawingml/2006/main" xmlns:r="http://schemas.openxmlformats.org/officeDocument/2006/relationships" xmlns:p="http://schemas.openxmlformats.org/presentationml/2006/main">
+  <p:cSld>
+    <p:spTree>
+      <p:nvGrpSpPr>
+        <p:cNvPr id="1" name=""/>
+        <p:cNvGrpSpPr/>
+        <p:nvPr/>
+      </p:nvGrpSpPr>
+      <p:grpSpPr>
+        <a:xfrm>
+          <a:off x="0" y="0"/>
+          <a:ext cx="0" cy="0"/>
+          <a:chOff x="0" y="0"/>
+          <a:chExt cx="0" cy="0"/>
+        </a:xfrm>
+      </p:grpSpPr>
+      <p:sp>
+        <p:nvSpPr>
+          <p:cNvPr id="2" name="Slide Image Placeholder 1"/>
+          <p:cNvSpPr>
+            <a:spLocks noGrp="1" noRot="1" noChangeAspect="1"/>
+          </p:cNvSpPr>
+          <p:nvPr>
+            <p:ph type="sldImg"/>
+          </p:nvPr>
+        </p:nvSpPr>
+        <p:spPr/>
+      </p:sp>
+      <p:sp>
+        <p:nvSpPr>
+          <p:cNvPr id="3" name="Notes Placeholder 2"/>
+          <p:cNvSpPr>
+            <a:spLocks noGrp="1"/>
+          </p:cNvSpPr>
+          <p:nvPr>
+            <p:ph type="body" idx="1"/>
+          </p:nvPr>
+        </p:nvSpPr>
+        <p:spPr/>
+        <p:txBody>
+          <a:bodyPr/>
+          <a:lstStyle/>
+          <a:p>
+            <a:endParaRPr lang="en-US" dirty="0"/>
+          </a:p>
+        </p:txBody>
+      </p:sp>
+      <p:sp>
+        <p:nvSpPr>
+          <p:cNvPr id="4" name="Date Placeholder 3"/>
+          <p:cNvSpPr>
+            <a:spLocks noGrp="1"/>
+          </p:cNvSpPr>
+          <p:nvPr>
+            <p:ph type="dt" idx="10"/>
+          </p:nvPr>
+        </p:nvSpPr>
+        <p:spPr/>
+        <p:txBody>
+          <a:bodyPr/>
+          <a:lstStyle/>
+          <a:p>
+            <a:r>
+              <a:rPr lang="en-US"/>
+              <a:t>2017-03-07 </a:t>
+            </a:r>
+            <a:endParaRPr lang="en-US" dirty="0"/>
+          </a:p>
+        </p:txBody>
+      </p:sp>
+      <p:sp>
+        <p:nvSpPr>
+          <p:cNvPr id="5" name="Slide Number Placeholder 4"/>
+          <p:cNvSpPr>
+            <a:spLocks noGrp="1"/>
+          </p:cNvSpPr>
+          <p:nvPr>
+            <p:ph type="sldNum" sz="quarter" idx="11"/>
+          </p:nvPr>
+        </p:nvSpPr>
+        <p:spPr/>
+        <p:txBody>
+          <a:bodyPr/>
+          <a:lstStyle/>
+          <a:p>
+            <a:fld id="{5852353D-F306-481A-B3D0-C36CE0BF9563}" type="slidenum">
+              <a:rPr lang="en-US" smtClean="0"/>
+              <a:pPr/>
+              <a:t>24</a:t>
+            </a:fld>
+            <a:endParaRPr lang="en-US" dirty="0"/>
+          </a:p>
+        </p:txBody>
+      </p:sp>
+      <p:sp>
+        <p:nvSpPr>
+          <p:cNvPr id="6" name="Header Placeholder 5"/>
+          <p:cNvSpPr>
+            <a:spLocks noGrp="1"/>
+          </p:cNvSpPr>
+          <p:nvPr>
+            <p:ph type="hdr" sz="quarter" idx="12"/>
+          </p:nvPr>
+        </p:nvSpPr>
+        <p:spPr/>
+        <p:txBody>
+          <a:bodyPr/>
+          <a:lstStyle/>
+          <a:p>
+            <a:r>
+              <a:rPr lang="en-US"/>
+              <a:t>Basic Erlang - Part 2 </a:t>
+            </a:r>
+            <a:endParaRPr lang="en-US" dirty="0"/>
+          </a:p>
+        </p:txBody>
+      </p:sp>
+      <p:sp>
+        <p:nvSpPr>
+          <p:cNvPr id="7" name="Footer Placeholder 6"/>
+          <p:cNvSpPr>
+            <a:spLocks noGrp="1"/>
+          </p:cNvSpPr>
+          <p:nvPr>
+            <p:ph type="ftr" sz="quarter" idx="13"/>
+          </p:nvPr>
+        </p:nvSpPr>
+        <p:spPr/>
+        <p:txBody>
+          <a:bodyPr/>
+          <a:lstStyle/>
+          <a:p>
+            <a:r>
+              <a:rPr lang="en-US"/>
+              <a:t> </a:t>
+            </a:r>
+            <a:endParaRPr lang="en-US" dirty="0"/>
+          </a:p>
+        </p:txBody>
+      </p:sp>
+    </p:spTree>
+    <p:extLst>
+      <p:ext uri="{BB962C8B-B14F-4D97-AF65-F5344CB8AC3E}">
+        <p14:creationId xmlns:p14="http://schemas.microsoft.com/office/powerpoint/2010/main" val="139531292"/>
+      </p:ext>
+    </p:extLst>
+  </p:cSld>
+  <p:clrMapOvr>
+    <a:masterClrMapping/>
+  </p:clrMapOvr>
+</p:notes>
+</file>
+
+<file path=ppt/notesSlides/notesSlide8.xml><?xml version="1.0" encoding="utf-8"?>
+<p:notes xmlns:a="http://schemas.openxmlformats.org/drawingml/2006/main" xmlns:r="http://schemas.openxmlformats.org/officeDocument/2006/relationships" xmlns:p="http://schemas.openxmlformats.org/presentationml/2006/main">
+  <p:cSld>
+    <p:spTree>
+      <p:nvGrpSpPr>
+        <p:cNvPr id="1" name=""/>
+        <p:cNvGrpSpPr/>
+        <p:nvPr/>
+      </p:nvGrpSpPr>
+      <p:grpSpPr>
+        <a:xfrm>
+          <a:off x="0" y="0"/>
+          <a:ext cx="0" cy="0"/>
+          <a:chOff x="0" y="0"/>
+          <a:chExt cx="0" cy="0"/>
+        </a:xfrm>
+      </p:grpSpPr>
+      <p:sp>
+        <p:nvSpPr>
+          <p:cNvPr id="2" name="Slide Image Placeholder 1"/>
+          <p:cNvSpPr>
+            <a:spLocks noGrp="1" noRot="1" noChangeAspect="1"/>
+          </p:cNvSpPr>
+          <p:nvPr>
+            <p:ph type="sldImg"/>
+          </p:nvPr>
+        </p:nvSpPr>
+        <p:spPr>
+          <a:xfrm>
+            <a:off x="103188" y="750888"/>
+            <a:ext cx="6678612" cy="3757612"/>
+          </a:xfrm>
+        </p:spPr>
+      </p:sp>
+      <p:sp>
+        <p:nvSpPr>
+          <p:cNvPr id="3" name="Notes Placeholder 2"/>
+          <p:cNvSpPr>
+            <a:spLocks noGrp="1"/>
+          </p:cNvSpPr>
+          <p:nvPr>
+            <p:ph type="body" idx="1"/>
+          </p:nvPr>
+        </p:nvSpPr>
+        <p:spPr/>
+        <p:txBody>
+          <a:bodyPr/>
+          <a:lstStyle/>
+          <a:p>
+            <a:r>
+              <a:rPr lang="en-US" dirty="0"/>
+              <a:t>http://erlang.org/doc/apps/eunit/chapter.html</a:t>
+            </a:r>
+          </a:p>
+        </p:txBody>
+      </p:sp>
+      <p:sp>
+        <p:nvSpPr>
+          <p:cNvPr id="4" name="Date Placeholder 3"/>
+          <p:cNvSpPr>
+            <a:spLocks noGrp="1"/>
+          </p:cNvSpPr>
+          <p:nvPr>
+            <p:ph type="dt" idx="10"/>
+          </p:nvPr>
+        </p:nvSpPr>
+        <p:spPr/>
+        <p:txBody>
+          <a:bodyPr/>
+          <a:lstStyle/>
+          <a:p>
+            <a:r>
+              <a:rPr lang="en-US"/>
+              <a:t>2017-03-07 </a:t>
+            </a:r>
+            <a:endParaRPr lang="en-US" dirty="0"/>
+          </a:p>
+        </p:txBody>
+      </p:sp>
+      <p:sp>
+        <p:nvSpPr>
+          <p:cNvPr id="5" name="Slide Number Placeholder 4"/>
+          <p:cNvSpPr>
+            <a:spLocks noGrp="1"/>
+          </p:cNvSpPr>
+          <p:nvPr>
+            <p:ph type="sldNum" sz="quarter" idx="11"/>
+          </p:nvPr>
+        </p:nvSpPr>
+        <p:spPr/>
+        <p:txBody>
+          <a:bodyPr/>
+          <a:lstStyle/>
+          <a:p>
+            <a:fld id="{5852353D-F306-481A-B3D0-C36CE0BF9563}" type="slidenum">
+              <a:rPr lang="en-US" smtClean="0"/>
+              <a:pPr/>
+              <a:t>25</a:t>
+            </a:fld>
+            <a:endParaRPr lang="en-US" dirty="0"/>
+          </a:p>
+        </p:txBody>
+      </p:sp>
+      <p:sp>
+        <p:nvSpPr>
+          <p:cNvPr id="6" name="Header Placeholder 5"/>
+          <p:cNvSpPr>
+            <a:spLocks noGrp="1"/>
+          </p:cNvSpPr>
+          <p:nvPr>
+            <p:ph type="hdr" sz="quarter" idx="12"/>
+          </p:nvPr>
+        </p:nvSpPr>
+        <p:spPr/>
+        <p:txBody>
+          <a:bodyPr/>
+          <a:lstStyle/>
+          <a:p>
+            <a:r>
+              <a:rPr lang="en-US"/>
+              <a:t>Basic Erlang - Part 2 </a:t>
+            </a:r>
+            <a:endParaRPr lang="en-US" dirty="0"/>
+          </a:p>
+        </p:txBody>
+      </p:sp>
+      <p:sp>
+        <p:nvSpPr>
+          <p:cNvPr id="7" name="Footer Placeholder 6"/>
+          <p:cNvSpPr>
+            <a:spLocks noGrp="1"/>
+          </p:cNvSpPr>
+          <p:nvPr>
+            <p:ph type="ftr" sz="quarter" idx="13"/>
+          </p:nvPr>
+        </p:nvSpPr>
+        <p:spPr/>
+        <p:txBody>
+          <a:bodyPr/>
+          <a:lstStyle/>
+          <a:p>
+            <a:r>
+              <a:rPr lang="en-US"/>
+              <a:t> </a:t>
+            </a:r>
+            <a:endParaRPr lang="en-US" dirty="0"/>
+          </a:p>
+        </p:txBody>
+      </p:sp>
+    </p:spTree>
+    <p:extLst>
+      <p:ext uri="{BB962C8B-B14F-4D97-AF65-F5344CB8AC3E}">
+        <p14:creationId xmlns:p14="http://schemas.microsoft.com/office/powerpoint/2010/main" val="3828296707"/>
+      </p:ext>
+    </p:extLst>
+  </p:cSld>
+  <p:clrMapOvr>
+    <a:masterClrMapping/>
+  </p:clrMapOvr>
+</p:notes>
+</file>
+
+<file path=ppt/notesSlides/notesSlide9.xml><?xml version="1.0" encoding="utf-8"?>
+<p:notes xmlns:a="http://schemas.openxmlformats.org/drawingml/2006/main" xmlns:r="http://schemas.openxmlformats.org/officeDocument/2006/relationships" xmlns:p="http://schemas.openxmlformats.org/presentationml/2006/main">
+  <p:cSld>
+    <p:spTree>
+      <p:nvGrpSpPr>
+        <p:cNvPr id="1" name=""/>
+        <p:cNvGrpSpPr/>
+        <p:nvPr/>
+      </p:nvGrpSpPr>
+      <p:grpSpPr>
+        <a:xfrm>
+          <a:off x="0" y="0"/>
+          <a:ext cx="0" cy="0"/>
+          <a:chOff x="0" y="0"/>
+          <a:chExt cx="0" cy="0"/>
+        </a:xfrm>
+      </p:grpSpPr>
+      <p:sp>
+        <p:nvSpPr>
+          <p:cNvPr id="2" name="Slide Image Placeholder 1"/>
+          <p:cNvSpPr>
+            <a:spLocks noGrp="1" noRot="1" noChangeAspect="1"/>
+          </p:cNvSpPr>
+          <p:nvPr>
+            <p:ph type="sldImg"/>
+          </p:nvPr>
+        </p:nvSpPr>
+        <p:spPr>
+          <a:xfrm>
+            <a:off x="103188" y="750888"/>
+            <a:ext cx="6678612" cy="3757612"/>
+          </a:xfrm>
+        </p:spPr>
+      </p:sp>
+      <p:sp>
+        <p:nvSpPr>
+          <p:cNvPr id="3" name="Notes Placeholder 2"/>
+          <p:cNvSpPr>
+            <a:spLocks noGrp="1"/>
+          </p:cNvSpPr>
+          <p:nvPr>
+            <p:ph type="body" idx="1"/>
+          </p:nvPr>
+        </p:nvSpPr>
+        <p:spPr/>
+        <p:txBody>
+          <a:bodyPr/>
+          <a:lstStyle/>
+          <a:p>
+            <a:r>
+              <a:rPr lang="en-US" dirty="0"/>
+              <a:t>http://erlang.org/doc/apps/eunit/chapter.html</a:t>
+            </a:r>
+          </a:p>
+        </p:txBody>
+      </p:sp>
+      <p:sp>
+        <p:nvSpPr>
+          <p:cNvPr id="4" name="Date Placeholder 3"/>
+          <p:cNvSpPr>
+            <a:spLocks noGrp="1"/>
+          </p:cNvSpPr>
+          <p:nvPr>
+            <p:ph type="dt" idx="10"/>
+          </p:nvPr>
+        </p:nvSpPr>
+        <p:spPr/>
+        <p:txBody>
+          <a:bodyPr/>
+          <a:lstStyle/>
+          <a:p>
+            <a:r>
+              <a:rPr lang="en-US"/>
+              <a:t>2017-03-07 </a:t>
+            </a:r>
+            <a:endParaRPr lang="en-US" dirty="0"/>
+          </a:p>
+        </p:txBody>
+      </p:sp>
+      <p:sp>
+        <p:nvSpPr>
+          <p:cNvPr id="5" name="Slide Number Placeholder 4"/>
+          <p:cNvSpPr>
+            <a:spLocks noGrp="1"/>
+          </p:cNvSpPr>
+          <p:nvPr>
+            <p:ph type="sldNum" sz="quarter" idx="11"/>
+          </p:nvPr>
+        </p:nvSpPr>
+        <p:spPr/>
+        <p:txBody>
+          <a:bodyPr/>
+          <a:lstStyle/>
+          <a:p>
+            <a:fld id="{5852353D-F306-481A-B3D0-C36CE0BF9563}" type="slidenum">
+              <a:rPr lang="en-US" smtClean="0"/>
+              <a:pPr/>
+              <a:t>28</a:t>
             </a:fld>
             <a:endParaRPr lang="en-US" dirty="0"/>
           </a:p>
@@ -7318,6 +7798,21 @@
               <a:t>Macros</a:t>
             </a:r>
           </a:p>
+          <a:p>
+            <a:pPr marL="0" indent="0">
+              <a:buNone/>
+            </a:pPr>
+            <a:r>
+              <a:rPr lang="en-US" sz="4400" dirty="0">
+                <a:solidFill>
+                  <a:schemeClr val="accent6">
+                    <a:lumMod val="75000"/>
+                  </a:schemeClr>
+                </a:solidFill>
+              </a:rPr>
+              <a:t>Control</a:t>
+            </a:r>
+          </a:p>
         </p:txBody>
       </p:sp>
       <p:sp>
@@ -7400,6 +7895,46 @@
           <a:xfrm>
             <a:off x="1716506" y="4310785"/>
             <a:ext cx="8293769" cy="794975"/>
+          </a:xfrm>
+          <a:prstGeom prst="rect">
+            <a:avLst/>
+          </a:prstGeom>
+          <a:solidFill>
+            <a:schemeClr val="bg1">
+              <a:alpha val="70000"/>
+            </a:schemeClr>
+          </a:solidFill>
+          <a:ln w="12700" cap="flat" cmpd="sng" algn="ctr">
+            <a:noFill/>
+            <a:prstDash val="solid"/>
+            <a:round/>
+            <a:headEnd type="none" w="med" len="med"/>
+            <a:tailEnd type="none" w="med" len="med"/>
+          </a:ln>
+          <a:effectLst/>
+        </p:spPr>
+        <p:txBody>
+          <a:bodyPr vert="horz" wrap="none" lIns="72000" tIns="45720" rIns="72000" bIns="45720" numCol="1" rtlCol="0" anchor="t" anchorCtr="0" compatLnSpc="1">
+            <a:prstTxWarp prst="textNoShape">
+              <a:avLst/>
+            </a:prstTxWarp>
+          </a:bodyPr>
+          <a:lstStyle/>
+          <a:p>
+            <a:endParaRPr lang="en-US"/>
+          </a:p>
+        </p:txBody>
+      </p:sp>
+      <p:sp>
+        <p:nvSpPr>
+          <p:cNvPr id="7" name="Rectangle 6"/>
+          <p:cNvSpPr/>
+          <p:nvPr/>
+        </p:nvSpPr>
+        <p:spPr bwMode="auto">
+          <a:xfrm>
+            <a:off x="1975772" y="5825876"/>
+            <a:ext cx="8293769" cy="646164"/>
           </a:xfrm>
           <a:prstGeom prst="rect">
             <a:avLst/>
@@ -7745,6 +8280,9 @@
             </a:r>
           </a:p>
           <a:p>
+            <a:endParaRPr lang="en-US" dirty="0"/>
+          </a:p>
+          <a:p>
             <a:r>
               <a:rPr lang="en-US" dirty="0">
                 <a:latin typeface="Consolas" panose="020B0609020204030204" pitchFamily="49" charset="0"/>
@@ -7983,6 +8521,21 @@
               <a:t>Macros</a:t>
             </a:r>
           </a:p>
+          <a:p>
+            <a:pPr marL="0" indent="0">
+              <a:buNone/>
+            </a:pPr>
+            <a:r>
+              <a:rPr lang="en-US" sz="4400" dirty="0">
+                <a:solidFill>
+                  <a:schemeClr val="accent6">
+                    <a:lumMod val="75000"/>
+                  </a:schemeClr>
+                </a:solidFill>
+              </a:rPr>
+              <a:t>Control</a:t>
+            </a:r>
+          </a:p>
         </p:txBody>
       </p:sp>
       <p:sp>
@@ -8024,7 +8577,7 @@
         <p:spPr bwMode="auto">
           <a:xfrm>
             <a:off x="1868906" y="4219074"/>
-            <a:ext cx="8293769" cy="1914187"/>
+            <a:ext cx="8293769" cy="2198659"/>
           </a:xfrm>
           <a:prstGeom prst="rect">
             <a:avLst/>
@@ -8114,7 +8667,7 @@
                 </a:solidFill>
                 <a:latin typeface="+mn-lt"/>
               </a:rPr>
-              <a:t>Macros</a:t>
+              <a:t>Test objects</a:t>
             </a:r>
             <a:endParaRPr lang="en-US" dirty="0">
               <a:latin typeface="+mn-lt"/>
@@ -8143,82 +8696,29 @@
           <a:lstStyle/>
           <a:p>
             <a:r>
-              <a:rPr lang="en-US" dirty="0"/>
+              <a:rPr lang="en-US" sz="3600" dirty="0"/>
               <a:t>Remember the fixtures from before and how the tests in the list could either be just a fun or a tuple with a description and a fun?</a:t>
             </a:r>
           </a:p>
           <a:p>
-            <a:r>
-              <a:rPr lang="en-US" dirty="0"/>
-              <a:t>These are only two of many different representation a test in a fixture can have – these different representations are called "test objects".</a:t>
-            </a:r>
-          </a:p>
-          <a:p>
-            <a:r>
-              <a:rPr lang="en-US" dirty="0"/>
-              <a:t>Another example of a test object is</a:t>
-            </a:r>
-            <a:br>
-              <a:rPr lang="en-US" dirty="0"/>
-            </a:br>
-            <a:r>
-              <a:rPr lang="en-US" dirty="0">
-                <a:latin typeface="Consolas" panose="020B0609020204030204" pitchFamily="49" charset="0"/>
-                <a:cs typeface="Consolas" panose="020B0609020204030204" pitchFamily="49" charset="0"/>
-              </a:rPr>
-              <a:t>{</a:t>
-            </a:r>
-            <a:r>
-              <a:rPr lang="en-US" dirty="0" err="1">
-                <a:latin typeface="Consolas" panose="020B0609020204030204" pitchFamily="49" charset="0"/>
-                <a:cs typeface="Consolas" panose="020B0609020204030204" pitchFamily="49" charset="0"/>
-              </a:rPr>
-              <a:t>LineNumber</a:t>
-            </a:r>
-            <a:r>
-              <a:rPr lang="en-US" dirty="0">
-                <a:latin typeface="Consolas" panose="020B0609020204030204" pitchFamily="49" charset="0"/>
-                <a:cs typeface="Consolas" panose="020B0609020204030204" pitchFamily="49" charset="0"/>
-              </a:rPr>
-              <a:t>, </a:t>
-            </a:r>
-            <a:r>
-              <a:rPr lang="en-US" dirty="0" err="1">
-                <a:latin typeface="Consolas" panose="020B0609020204030204" pitchFamily="49" charset="0"/>
-                <a:cs typeface="Consolas" panose="020B0609020204030204" pitchFamily="49" charset="0"/>
-              </a:rPr>
-              <a:t>TestObject</a:t>
-            </a:r>
-            <a:r>
-              <a:rPr lang="en-US" dirty="0">
-                <a:latin typeface="Consolas" panose="020B0609020204030204" pitchFamily="49" charset="0"/>
-                <a:cs typeface="Consolas" panose="020B0609020204030204" pitchFamily="49" charset="0"/>
-              </a:rPr>
-              <a:t>} </a:t>
-            </a:r>
-            <a:r>
-              <a:rPr lang="en-US" dirty="0"/>
-              <a:t>where </a:t>
-            </a:r>
-            <a:r>
-              <a:rPr lang="en-US" dirty="0" err="1"/>
-              <a:t>LineNumber</a:t>
-            </a:r>
-            <a:r>
-              <a:rPr lang="en-US" dirty="0"/>
-              <a:t> is an integer and </a:t>
-            </a:r>
-            <a:r>
-              <a:rPr lang="en-US" dirty="0" err="1"/>
-              <a:t>TestObject</a:t>
-            </a:r>
-            <a:r>
-              <a:rPr lang="en-US" dirty="0"/>
-              <a:t> is another test object, for example a fun or a {Description, fun}.</a:t>
-            </a:r>
-          </a:p>
-          <a:p>
-            <a:endParaRPr lang="en-US" dirty="0"/>
+            <a:endParaRPr lang="en-US" sz="3600" dirty="0"/>
+          </a:p>
+          <a:p>
+            <a:r>
+              <a:rPr lang="en-US" sz="3600" dirty="0"/>
+              <a:t>These are only some of many different representation a test can have – these different representations are called </a:t>
+            </a:r>
+            <a:r>
+              <a:rPr lang="en-US" sz="3600" i="1" dirty="0"/>
+              <a:t>test objects</a:t>
+            </a:r>
+            <a:r>
+              <a:rPr lang="en-US" sz="3600" dirty="0"/>
+              <a:t>.</a:t>
+            </a:r>
+          </a:p>
+          <a:p>
+            <a:endParaRPr lang="en-US" sz="3600" dirty="0"/>
           </a:p>
         </p:txBody>
       </p:sp>
@@ -8254,7 +8754,124 @@
       </p:grpSpPr>
       <p:sp>
         <p:nvSpPr>
-          <p:cNvPr id="8" name="Title 2"/>
+          <p:cNvPr id="2" name="Content Placeholder 1"/>
+          <p:cNvSpPr>
+            <a:spLocks noGrp="1"/>
+          </p:cNvSpPr>
+          <p:nvPr>
+            <p:ph idx="1"/>
+          </p:nvPr>
+        </p:nvSpPr>
+        <p:spPr/>
+        <p:txBody>
+          <a:bodyPr/>
+          <a:lstStyle/>
+          <a:p>
+            <a:r>
+              <a:rPr lang="en-US" sz="3600" dirty="0"/>
+              <a:t>Another example of a test object is</a:t>
+            </a:r>
+            <a:br>
+              <a:rPr lang="en-US" sz="3600" dirty="0"/>
+            </a:br>
+            <a:r>
+              <a:rPr lang="en-US" sz="3600" dirty="0">
+                <a:latin typeface="Consolas" panose="020B0609020204030204" pitchFamily="49" charset="0"/>
+                <a:cs typeface="Consolas" panose="020B0609020204030204" pitchFamily="49" charset="0"/>
+              </a:rPr>
+              <a:t>{</a:t>
+            </a:r>
+            <a:r>
+              <a:rPr lang="en-US" sz="3600" dirty="0" err="1">
+                <a:latin typeface="Consolas" panose="020B0609020204030204" pitchFamily="49" charset="0"/>
+                <a:cs typeface="Consolas" panose="020B0609020204030204" pitchFamily="49" charset="0"/>
+              </a:rPr>
+              <a:t>LineNumber</a:t>
+            </a:r>
+            <a:r>
+              <a:rPr lang="en-US" sz="3600" dirty="0">
+                <a:latin typeface="Consolas" panose="020B0609020204030204" pitchFamily="49" charset="0"/>
+                <a:cs typeface="Consolas" panose="020B0609020204030204" pitchFamily="49" charset="0"/>
+              </a:rPr>
+              <a:t>, </a:t>
+            </a:r>
+            <a:r>
+              <a:rPr lang="en-US" sz="3600" dirty="0" err="1">
+                <a:latin typeface="Consolas" panose="020B0609020204030204" pitchFamily="49" charset="0"/>
+                <a:cs typeface="Consolas" panose="020B0609020204030204" pitchFamily="49" charset="0"/>
+              </a:rPr>
+              <a:t>TestObject</a:t>
+            </a:r>
+            <a:r>
+              <a:rPr lang="en-US" sz="3600" dirty="0">
+                <a:latin typeface="Consolas" panose="020B0609020204030204" pitchFamily="49" charset="0"/>
+                <a:cs typeface="Consolas" panose="020B0609020204030204" pitchFamily="49" charset="0"/>
+              </a:rPr>
+              <a:t>}</a:t>
+            </a:r>
+            <a:br>
+              <a:rPr lang="en-US" sz="3600" dirty="0">
+                <a:latin typeface="Consolas" panose="020B0609020204030204" pitchFamily="49" charset="0"/>
+                <a:cs typeface="Consolas" panose="020B0609020204030204" pitchFamily="49" charset="0"/>
+              </a:rPr>
+            </a:br>
+            <a:r>
+              <a:rPr lang="en-US" sz="3600" dirty="0"/>
+              <a:t>where </a:t>
+            </a:r>
+            <a:r>
+              <a:rPr lang="en-US" sz="3600" dirty="0" err="1"/>
+              <a:t>LineNumber</a:t>
+            </a:r>
+            <a:r>
+              <a:rPr lang="en-US" sz="3600" dirty="0"/>
+              <a:t> is an integer and </a:t>
+            </a:r>
+            <a:r>
+              <a:rPr lang="en-US" sz="3600" dirty="0" err="1"/>
+              <a:t>TestObject</a:t>
+            </a:r>
+            <a:r>
+              <a:rPr lang="en-US" sz="3600" dirty="0"/>
+              <a:t> is another test object, for example a fun() or a </a:t>
+            </a:r>
+            <a:r>
+              <a:rPr lang="en-US" sz="3600" dirty="0">
+                <a:latin typeface="Consolas" panose="020B0609020204030204" pitchFamily="49" charset="0"/>
+                <a:cs typeface="Consolas" panose="020B0609020204030204" pitchFamily="49" charset="0"/>
+              </a:rPr>
+              <a:t>{Description, fun()}</a:t>
+            </a:r>
+            <a:r>
+              <a:rPr lang="en-US" sz="3600" dirty="0"/>
+              <a:t>.</a:t>
+            </a:r>
+          </a:p>
+          <a:p>
+            <a:r>
+              <a:rPr lang="en-US" sz="3600" dirty="0"/>
+              <a:t>In other words, a simple </a:t>
+            </a:r>
+            <a:r>
+              <a:rPr lang="en-US" sz="3600" dirty="0" err="1"/>
+              <a:t>nullary</a:t>
+            </a:r>
+            <a:r>
+              <a:rPr lang="en-US" sz="3600" dirty="0"/>
+              <a:t> fun() – a fun() with 0 arguments – is also a test object.</a:t>
+            </a:r>
+          </a:p>
+          <a:p>
+            <a:pPr marL="0" indent="0">
+              <a:buNone/>
+            </a:pPr>
+            <a:endParaRPr lang="en-US" dirty="0"/>
+          </a:p>
+        </p:txBody>
+      </p:sp>
+      <p:sp>
+        <p:nvSpPr>
+          <p:cNvPr id="3" name="Title 2"/>
           <p:cNvSpPr>
             <a:spLocks noGrp="1"/>
           </p:cNvSpPr>
@@ -8262,12 +8879,7 @@
             <p:ph type="title"/>
           </p:nvPr>
         </p:nvSpPr>
-        <p:spPr>
-          <a:xfrm>
-            <a:off x="524935" y="239714"/>
-            <a:ext cx="9992784" cy="1085371"/>
-          </a:xfrm>
-        </p:spPr>
+        <p:spPr/>
         <p:txBody>
           <a:bodyPr/>
           <a:lstStyle/>
@@ -8281,7 +8893,7 @@
                 </a:solidFill>
                 <a:latin typeface="+mn-lt"/>
               </a:rPr>
-              <a:t>Macros</a:t>
+              <a:t>Test objects</a:t>
             </a:r>
             <a:endParaRPr lang="en-US" dirty="0">
               <a:latin typeface="+mn-lt"/>
@@ -8289,106 +8901,10 @@
           </a:p>
         </p:txBody>
       </p:sp>
-      <p:sp>
-        <p:nvSpPr>
-          <p:cNvPr id="9" name="Content Placeholder 1"/>
-          <p:cNvSpPr>
-            <a:spLocks noGrp="1"/>
-          </p:cNvSpPr>
-          <p:nvPr>
-            <p:ph idx="1"/>
-          </p:nvPr>
-        </p:nvSpPr>
-        <p:spPr>
-          <a:xfrm>
-            <a:off x="529168" y="1800000"/>
-            <a:ext cx="11135785" cy="3852000"/>
-          </a:xfrm>
-        </p:spPr>
-        <p:txBody>
-          <a:bodyPr/>
-          <a:lstStyle/>
-          <a:p>
-            <a:r>
-              <a:rPr lang="en-US" dirty="0"/>
-              <a:t>All assert macros from before also have versions starting with _ (underscore).</a:t>
-            </a:r>
-            <a:br>
-              <a:rPr lang="en-US" dirty="0"/>
-            </a:br>
-            <a:r>
-              <a:rPr lang="en-US" dirty="0"/>
-              <a:t>For example: </a:t>
-            </a:r>
-            <a:r>
-              <a:rPr lang="en-US" dirty="0">
-                <a:latin typeface="Consolas" panose="020B0609020204030204" pitchFamily="49" charset="0"/>
-                <a:cs typeface="Consolas" panose="020B0609020204030204" pitchFamily="49" charset="0"/>
-              </a:rPr>
-              <a:t>?_</a:t>
-            </a:r>
-            <a:r>
-              <a:rPr lang="en-US" dirty="0" err="1">
-                <a:latin typeface="Consolas" panose="020B0609020204030204" pitchFamily="49" charset="0"/>
-                <a:cs typeface="Consolas" panose="020B0609020204030204" pitchFamily="49" charset="0"/>
-              </a:rPr>
-              <a:t>assertEqual</a:t>
-            </a:r>
-            <a:r>
-              <a:rPr lang="en-US" dirty="0">
-                <a:latin typeface="Consolas" panose="020B0609020204030204" pitchFamily="49" charset="0"/>
-                <a:cs typeface="Consolas" panose="020B0609020204030204" pitchFamily="49" charset="0"/>
-              </a:rPr>
-              <a:t>(5, 3+2).</a:t>
-            </a:r>
-          </a:p>
-          <a:p>
-            <a:r>
-              <a:rPr lang="en-US" dirty="0"/>
-              <a:t>The difference: instead of executing the test, as ?</a:t>
-            </a:r>
-            <a:r>
-              <a:rPr lang="en-US" dirty="0" err="1"/>
-              <a:t>assertEqual</a:t>
-            </a:r>
-            <a:r>
-              <a:rPr lang="en-US" dirty="0"/>
-              <a:t> would do, the underscore macros generate a test object – incidentally, they generate </a:t>
-            </a:r>
-            <a:r>
-              <a:rPr lang="en-US" dirty="0">
-                <a:latin typeface="Consolas" panose="020B0609020204030204" pitchFamily="49" charset="0"/>
-                <a:cs typeface="Consolas" panose="020B0609020204030204" pitchFamily="49" charset="0"/>
-              </a:rPr>
-              <a:t>{</a:t>
-            </a:r>
-            <a:r>
-              <a:rPr lang="en-US" dirty="0" err="1">
-                <a:latin typeface="Consolas" panose="020B0609020204030204" pitchFamily="49" charset="0"/>
-                <a:cs typeface="Consolas" panose="020B0609020204030204" pitchFamily="49" charset="0"/>
-              </a:rPr>
-              <a:t>LineNumber</a:t>
-            </a:r>
-            <a:r>
-              <a:rPr lang="en-US" dirty="0">
-                <a:latin typeface="Consolas" panose="020B0609020204030204" pitchFamily="49" charset="0"/>
-                <a:cs typeface="Consolas" panose="020B0609020204030204" pitchFamily="49" charset="0"/>
-              </a:rPr>
-              <a:t>, fun()}</a:t>
-            </a:r>
-          </a:p>
-          <a:p>
-            <a:r>
-              <a:rPr lang="en-US" dirty="0"/>
-              <a:t>This is a nice shorthand for creating fixtures of short tests.</a:t>
-            </a:r>
-          </a:p>
-        </p:txBody>
-      </p:sp>
     </p:spTree>
     <p:extLst>
       <p:ext uri="{BB962C8B-B14F-4D97-AF65-F5344CB8AC3E}">
-        <p14:creationId xmlns:p14="http://schemas.microsoft.com/office/powerpoint/2010/main" val="3585499033"/>
+        <p14:creationId xmlns:p14="http://schemas.microsoft.com/office/powerpoint/2010/main" val="1654031167"/>
       </p:ext>
     </p:extLst>
   </p:cSld>
@@ -8417,6 +8933,173 @@
       </p:grpSpPr>
       <p:sp>
         <p:nvSpPr>
+          <p:cNvPr id="8" name="Title 2"/>
+          <p:cNvSpPr>
+            <a:spLocks noGrp="1"/>
+          </p:cNvSpPr>
+          <p:nvPr>
+            <p:ph type="title"/>
+          </p:nvPr>
+        </p:nvSpPr>
+        <p:spPr>
+          <a:xfrm>
+            <a:off x="524935" y="239714"/>
+            <a:ext cx="9992784" cy="1085371"/>
+          </a:xfrm>
+        </p:spPr>
+        <p:txBody>
+          <a:bodyPr/>
+          <a:lstStyle/>
+          <a:p>
+            <a:r>
+              <a:rPr lang="en-US" dirty="0">
+                <a:solidFill>
+                  <a:schemeClr val="accent1">
+                    <a:lumMod val="75000"/>
+                  </a:schemeClr>
+                </a:solidFill>
+                <a:latin typeface="+mn-lt"/>
+              </a:rPr>
+              <a:t>Macros</a:t>
+            </a:r>
+            <a:endParaRPr lang="en-US" dirty="0">
+              <a:latin typeface="+mn-lt"/>
+            </a:endParaRPr>
+          </a:p>
+        </p:txBody>
+      </p:sp>
+      <p:sp>
+        <p:nvSpPr>
+          <p:cNvPr id="9" name="Content Placeholder 1"/>
+          <p:cNvSpPr>
+            <a:spLocks noGrp="1"/>
+          </p:cNvSpPr>
+          <p:nvPr>
+            <p:ph idx="1"/>
+          </p:nvPr>
+        </p:nvSpPr>
+        <p:spPr>
+          <a:xfrm>
+            <a:off x="529168" y="1800000"/>
+            <a:ext cx="11135785" cy="3852000"/>
+          </a:xfrm>
+        </p:spPr>
+        <p:txBody>
+          <a:bodyPr/>
+          <a:lstStyle/>
+          <a:p>
+            <a:r>
+              <a:rPr lang="en-US" sz="2800" dirty="0"/>
+              <a:t>All assert macros from before also have versions starting with _ (underscore).</a:t>
+            </a:r>
+            <a:br>
+              <a:rPr lang="en-US" sz="2800" dirty="0"/>
+            </a:br>
+            <a:r>
+              <a:rPr lang="en-US" sz="2800" dirty="0"/>
+              <a:t>For example: </a:t>
+            </a:r>
+            <a:r>
+              <a:rPr lang="en-US" sz="2800" dirty="0">
+                <a:latin typeface="Consolas" panose="020B0609020204030204" pitchFamily="49" charset="0"/>
+                <a:cs typeface="Consolas" panose="020B0609020204030204" pitchFamily="49" charset="0"/>
+              </a:rPr>
+              <a:t>?_</a:t>
+            </a:r>
+            <a:r>
+              <a:rPr lang="en-US" sz="2800" dirty="0" err="1">
+                <a:latin typeface="Consolas" panose="020B0609020204030204" pitchFamily="49" charset="0"/>
+                <a:cs typeface="Consolas" panose="020B0609020204030204" pitchFamily="49" charset="0"/>
+              </a:rPr>
+              <a:t>assertEqual</a:t>
+            </a:r>
+            <a:r>
+              <a:rPr lang="en-US" sz="2800" dirty="0">
+                <a:latin typeface="Consolas" panose="020B0609020204030204" pitchFamily="49" charset="0"/>
+                <a:cs typeface="Consolas" panose="020B0609020204030204" pitchFamily="49" charset="0"/>
+              </a:rPr>
+              <a:t>(5, 3+2).</a:t>
+            </a:r>
+          </a:p>
+          <a:p>
+            <a:endParaRPr lang="en-US" sz="2800" dirty="0">
+              <a:latin typeface="Consolas" panose="020B0609020204030204" pitchFamily="49" charset="0"/>
+              <a:cs typeface="Consolas" panose="020B0609020204030204" pitchFamily="49" charset="0"/>
+            </a:endParaRPr>
+          </a:p>
+          <a:p>
+            <a:r>
+              <a:rPr lang="en-US" sz="2800" dirty="0"/>
+              <a:t>The difference: underscore macros generate test objects – incidentally, they generate </a:t>
+            </a:r>
+            <a:r>
+              <a:rPr lang="en-US" sz="2800" dirty="0">
+                <a:latin typeface="Consolas" panose="020B0609020204030204" pitchFamily="49" charset="0"/>
+                <a:cs typeface="Consolas" panose="020B0609020204030204" pitchFamily="49" charset="0"/>
+              </a:rPr>
+              <a:t>{</a:t>
+            </a:r>
+            <a:r>
+              <a:rPr lang="en-US" sz="2800" dirty="0" err="1">
+                <a:latin typeface="Consolas" panose="020B0609020204030204" pitchFamily="49" charset="0"/>
+                <a:cs typeface="Consolas" panose="020B0609020204030204" pitchFamily="49" charset="0"/>
+              </a:rPr>
+              <a:t>LineNumber</a:t>
+            </a:r>
+            <a:r>
+              <a:rPr lang="en-US" sz="2800" dirty="0">
+                <a:latin typeface="Consolas" panose="020B0609020204030204" pitchFamily="49" charset="0"/>
+                <a:cs typeface="Consolas" panose="020B0609020204030204" pitchFamily="49" charset="0"/>
+              </a:rPr>
+              <a:t>, fun()}</a:t>
+            </a:r>
+          </a:p>
+          <a:p>
+            <a:endParaRPr lang="en-US" sz="2800" dirty="0">
+              <a:latin typeface="Consolas" panose="020B0609020204030204" pitchFamily="49" charset="0"/>
+              <a:cs typeface="Consolas" panose="020B0609020204030204" pitchFamily="49" charset="0"/>
+            </a:endParaRPr>
+          </a:p>
+          <a:p>
+            <a:r>
+              <a:rPr lang="en-US" sz="2800" dirty="0"/>
+              <a:t>This is a nice shorthand for creating fixtures of multiple short tests.</a:t>
+            </a:r>
+          </a:p>
+        </p:txBody>
+      </p:sp>
+    </p:spTree>
+    <p:extLst>
+      <p:ext uri="{BB962C8B-B14F-4D97-AF65-F5344CB8AC3E}">
+        <p14:creationId xmlns:p14="http://schemas.microsoft.com/office/powerpoint/2010/main" val="3585499033"/>
+      </p:ext>
+    </p:extLst>
+  </p:cSld>
+  <p:clrMapOvr>
+    <a:masterClrMapping/>
+  </p:clrMapOvr>
+</p:sld>
+</file>
+
+<file path=ppt/slides/slide23.xml><?xml version="1.0" encoding="utf-8"?>
+<p:sld xmlns:a="http://schemas.openxmlformats.org/drawingml/2006/main" xmlns:r="http://schemas.openxmlformats.org/officeDocument/2006/relationships" xmlns:p="http://schemas.openxmlformats.org/presentationml/2006/main">
+  <p:cSld>
+    <p:spTree>
+      <p:nvGrpSpPr>
+        <p:cNvPr id="1" name=""/>
+        <p:cNvGrpSpPr/>
+        <p:nvPr/>
+      </p:nvGrpSpPr>
+      <p:grpSpPr>
+        <a:xfrm>
+          <a:off x="0" y="0"/>
+          <a:ext cx="0" cy="0"/>
+          <a:chOff x="0" y="0"/>
+          <a:chExt cx="0" cy="0"/>
+        </a:xfrm>
+      </p:grpSpPr>
+      <p:sp>
+        <p:nvSpPr>
           <p:cNvPr id="7" name="Rectangle: Rounded Corners 6"/>
           <p:cNvSpPr/>
           <p:nvPr/>
@@ -8611,7 +9294,871 @@
 </p:sld>
 </file>
 
-<file path=ppt/slides/slide23.xml><?xml version="1.0" encoding="utf-8"?>
+<file path=ppt/slides/slide24.xml><?xml version="1.0" encoding="utf-8"?>
+<p:sld xmlns:a="http://schemas.openxmlformats.org/drawingml/2006/main" xmlns:r="http://schemas.openxmlformats.org/officeDocument/2006/relationships" xmlns:p="http://schemas.openxmlformats.org/presentationml/2006/main">
+  <p:cSld>
+    <p:spTree>
+      <p:nvGrpSpPr>
+        <p:cNvPr id="1" name=""/>
+        <p:cNvGrpSpPr/>
+        <p:nvPr/>
+      </p:nvGrpSpPr>
+      <p:grpSpPr>
+        <a:xfrm>
+          <a:off x="0" y="0"/>
+          <a:ext cx="0" cy="0"/>
+          <a:chOff x="0" y="0"/>
+          <a:chExt cx="0" cy="0"/>
+        </a:xfrm>
+      </p:grpSpPr>
+      <p:sp>
+        <p:nvSpPr>
+          <p:cNvPr id="9" name="Rectangle: Rounded Corners 8"/>
+          <p:cNvSpPr/>
+          <p:nvPr/>
+        </p:nvSpPr>
+        <p:spPr bwMode="auto">
+          <a:xfrm>
+            <a:off x="3037419" y="3236118"/>
+            <a:ext cx="4967815" cy="2180694"/>
+          </a:xfrm>
+          <a:prstGeom prst="roundRect">
+            <a:avLst/>
+          </a:prstGeom>
+          <a:solidFill>
+            <a:srgbClr val="000000"/>
+          </a:solidFill>
+          <a:ln w="12700" cap="flat" cmpd="sng" algn="ctr">
+            <a:noFill/>
+            <a:prstDash val="solid"/>
+            <a:round/>
+            <a:headEnd type="none" w="med" len="med"/>
+            <a:tailEnd type="none" w="med" len="med"/>
+          </a:ln>
+          <a:effectLst/>
+        </p:spPr>
+        <p:txBody>
+          <a:bodyPr vert="horz" wrap="none" lIns="72000" tIns="45720" rIns="72000" bIns="45720" numCol="1" rtlCol="0" anchor="t" anchorCtr="0" compatLnSpc="1">
+            <a:prstTxWarp prst="textNoShape">
+              <a:avLst/>
+            </a:prstTxWarp>
+          </a:bodyPr>
+          <a:lstStyle/>
+          <a:p>
+            <a:endParaRPr lang="en-US"/>
+          </a:p>
+        </p:txBody>
+      </p:sp>
+      <p:sp>
+        <p:nvSpPr>
+          <p:cNvPr id="2" name="Content Placeholder 1"/>
+          <p:cNvSpPr>
+            <a:spLocks noGrp="1"/>
+          </p:cNvSpPr>
+          <p:nvPr>
+            <p:ph idx="1"/>
+          </p:nvPr>
+        </p:nvSpPr>
+        <p:spPr/>
+        <p:txBody>
+          <a:bodyPr/>
+          <a:lstStyle/>
+          <a:p>
+            <a:r>
+              <a:rPr lang="en-US" dirty="0" err="1"/>
+              <a:t>eunit</a:t>
+            </a:r>
+            <a:r>
+              <a:rPr lang="en-US" dirty="0"/>
+              <a:t> will automagically convert all of your </a:t>
+            </a:r>
+            <a:r>
+              <a:rPr lang="en-US" dirty="0" err="1">
+                <a:latin typeface="Consolas" panose="020B0609020204030204" pitchFamily="49" charset="0"/>
+                <a:cs typeface="Consolas" panose="020B0609020204030204" pitchFamily="49" charset="0"/>
+              </a:rPr>
+              <a:t>some_test</a:t>
+            </a:r>
+            <a:r>
+              <a:rPr lang="en-US" dirty="0">
+                <a:latin typeface="Consolas" panose="020B0609020204030204" pitchFamily="49" charset="0"/>
+                <a:cs typeface="Consolas" panose="020B0609020204030204" pitchFamily="49" charset="0"/>
+              </a:rPr>
+              <a:t>()</a:t>
+            </a:r>
+            <a:r>
+              <a:rPr lang="en-US" dirty="0"/>
+              <a:t> cases to test descriptors, </a:t>
+            </a:r>
+            <a:r>
+              <a:rPr lang="en-US" dirty="0">
+                <a:latin typeface="Consolas" panose="020B0609020204030204" pitchFamily="49" charset="0"/>
+                <a:cs typeface="Consolas" panose="020B0609020204030204" pitchFamily="49" charset="0"/>
+              </a:rPr>
+              <a:t>fun() -&gt; </a:t>
+            </a:r>
+            <a:r>
+              <a:rPr lang="en-US" dirty="0" err="1">
+                <a:latin typeface="Consolas" panose="020B0609020204030204" pitchFamily="49" charset="0"/>
+                <a:cs typeface="Consolas" panose="020B0609020204030204" pitchFamily="49" charset="0"/>
+              </a:rPr>
+              <a:t>some_test</a:t>
+            </a:r>
+            <a:r>
+              <a:rPr lang="en-US" dirty="0">
+                <a:latin typeface="Consolas" panose="020B0609020204030204" pitchFamily="49" charset="0"/>
+                <a:cs typeface="Consolas" panose="020B0609020204030204" pitchFamily="49" charset="0"/>
+              </a:rPr>
+              <a:t>() end</a:t>
+            </a:r>
+            <a:r>
+              <a:rPr lang="en-US" dirty="0"/>
+              <a:t> and run them like that.</a:t>
+            </a:r>
+          </a:p>
+        </p:txBody>
+      </p:sp>
+      <p:sp>
+        <p:nvSpPr>
+          <p:cNvPr id="8" name="Title 2"/>
+          <p:cNvSpPr>
+            <a:spLocks noGrp="1"/>
+          </p:cNvSpPr>
+          <p:nvPr>
+            <p:ph type="title"/>
+          </p:nvPr>
+        </p:nvSpPr>
+        <p:spPr>
+          <a:xfrm>
+            <a:off x="524935" y="239714"/>
+            <a:ext cx="9992784" cy="1085371"/>
+          </a:xfrm>
+        </p:spPr>
+        <p:txBody>
+          <a:bodyPr/>
+          <a:lstStyle/>
+          <a:p>
+            <a:r>
+              <a:rPr lang="en-US" dirty="0">
+                <a:solidFill>
+                  <a:schemeClr val="accent1">
+                    <a:lumMod val="75000"/>
+                  </a:schemeClr>
+                </a:solidFill>
+                <a:latin typeface="+mn-lt"/>
+              </a:rPr>
+              <a:t>By the way…</a:t>
+            </a:r>
+            <a:endParaRPr lang="en-US" dirty="0">
+              <a:latin typeface="+mn-lt"/>
+            </a:endParaRPr>
+          </a:p>
+        </p:txBody>
+      </p:sp>
+      <p:pic>
+        <p:nvPicPr>
+          <p:cNvPr id="3" name="Picture 2"/>
+          <p:cNvPicPr>
+            <a:picLocks noChangeAspect="1"/>
+          </p:cNvPicPr>
+          <p:nvPr/>
+        </p:nvPicPr>
+        <p:blipFill>
+          <a:blip r:embed="rId3"/>
+          <a:stretch>
+            <a:fillRect/>
+          </a:stretch>
+        </p:blipFill>
+        <p:spPr>
+          <a:xfrm>
+            <a:off x="3559177" y="3559703"/>
+            <a:ext cx="3924300" cy="1533525"/>
+          </a:xfrm>
+          <a:prstGeom prst="rect">
+            <a:avLst/>
+          </a:prstGeom>
+        </p:spPr>
+      </p:pic>
+    </p:spTree>
+    <p:extLst>
+      <p:ext uri="{BB962C8B-B14F-4D97-AF65-F5344CB8AC3E}">
+        <p14:creationId xmlns:p14="http://schemas.microsoft.com/office/powerpoint/2010/main" val="3428248145"/>
+      </p:ext>
+    </p:extLst>
+  </p:cSld>
+  <p:clrMapOvr>
+    <a:masterClrMapping/>
+  </p:clrMapOvr>
+</p:sld>
+</file>
+
+<file path=ppt/slides/slide25.xml><?xml version="1.0" encoding="utf-8"?>
+<p:sld xmlns:a="http://schemas.openxmlformats.org/drawingml/2006/main" xmlns:r="http://schemas.openxmlformats.org/officeDocument/2006/relationships" xmlns:p="http://schemas.openxmlformats.org/presentationml/2006/main">
+  <p:cSld>
+    <p:spTree>
+      <p:nvGrpSpPr>
+        <p:cNvPr id="1" name=""/>
+        <p:cNvGrpSpPr/>
+        <p:nvPr/>
+      </p:nvGrpSpPr>
+      <p:grpSpPr>
+        <a:xfrm>
+          <a:off x="0" y="0"/>
+          <a:ext cx="0" cy="0"/>
+          <a:chOff x="0" y="0"/>
+          <a:chExt cx="0" cy="0"/>
+        </a:xfrm>
+      </p:grpSpPr>
+      <p:sp>
+        <p:nvSpPr>
+          <p:cNvPr id="2" name="Content Placeholder 1"/>
+          <p:cNvSpPr>
+            <a:spLocks noGrp="1"/>
+          </p:cNvSpPr>
+          <p:nvPr>
+            <p:ph idx="1"/>
+          </p:nvPr>
+        </p:nvSpPr>
+        <p:spPr>
+          <a:xfrm>
+            <a:off x="1917702" y="3416968"/>
+            <a:ext cx="8351839" cy="2700253"/>
+          </a:xfrm>
+        </p:spPr>
+        <p:txBody>
+          <a:bodyPr/>
+          <a:lstStyle/>
+          <a:p>
+            <a:pPr marL="0" indent="0">
+              <a:buNone/>
+            </a:pPr>
+            <a:r>
+              <a:rPr lang="en-US" sz="4400" dirty="0">
+                <a:solidFill>
+                  <a:schemeClr val="tx2">
+                    <a:lumMod val="50000"/>
+                    <a:lumOff val="50000"/>
+                  </a:schemeClr>
+                </a:solidFill>
+              </a:rPr>
+              <a:t>Test modules and test functions</a:t>
+            </a:r>
+          </a:p>
+          <a:p>
+            <a:pPr marL="0" indent="0">
+              <a:buNone/>
+            </a:pPr>
+            <a:r>
+              <a:rPr lang="en-US" sz="4400" dirty="0">
+                <a:solidFill>
+                  <a:srgbClr val="C00000"/>
+                </a:solidFill>
+              </a:rPr>
+              <a:t>Fixtures</a:t>
+            </a:r>
+          </a:p>
+          <a:p>
+            <a:pPr marL="0" indent="0">
+              <a:buNone/>
+            </a:pPr>
+            <a:r>
+              <a:rPr lang="en-US" sz="4400" dirty="0">
+                <a:solidFill>
+                  <a:schemeClr val="accent1">
+                    <a:lumMod val="75000"/>
+                  </a:schemeClr>
+                </a:solidFill>
+              </a:rPr>
+              <a:t>Macros</a:t>
+            </a:r>
+          </a:p>
+          <a:p>
+            <a:pPr marL="0" indent="0">
+              <a:buNone/>
+            </a:pPr>
+            <a:r>
+              <a:rPr lang="en-US" sz="4400" dirty="0">
+                <a:solidFill>
+                  <a:schemeClr val="accent6">
+                    <a:lumMod val="75000"/>
+                  </a:schemeClr>
+                </a:solidFill>
+              </a:rPr>
+              <a:t>Control</a:t>
+            </a:r>
+          </a:p>
+        </p:txBody>
+      </p:sp>
+      <p:sp>
+        <p:nvSpPr>
+          <p:cNvPr id="3" name="Title 2"/>
+          <p:cNvSpPr>
+            <a:spLocks noGrp="1"/>
+          </p:cNvSpPr>
+          <p:nvPr>
+            <p:ph type="title"/>
+          </p:nvPr>
+        </p:nvSpPr>
+        <p:spPr>
+          <a:xfrm>
+            <a:off x="1917701" y="239714"/>
+            <a:ext cx="7494588" cy="3161213"/>
+          </a:xfrm>
+        </p:spPr>
+        <p:txBody>
+          <a:bodyPr>
+            <a:normAutofit/>
+          </a:bodyPr>
+          <a:lstStyle/>
+          <a:p>
+            <a:r>
+              <a:rPr lang="en-US" sz="16600" dirty="0" err="1"/>
+              <a:t>Eunit</a:t>
+            </a:r>
+            <a:endParaRPr lang="en-US" sz="16600" dirty="0"/>
+          </a:p>
+        </p:txBody>
+      </p:sp>
+      <p:sp>
+        <p:nvSpPr>
+          <p:cNvPr id="5" name="Rectangle 4"/>
+          <p:cNvSpPr/>
+          <p:nvPr/>
+        </p:nvSpPr>
+        <p:spPr bwMode="auto">
+          <a:xfrm>
+            <a:off x="1716506" y="3310826"/>
+            <a:ext cx="8293769" cy="794975"/>
+          </a:xfrm>
+          <a:prstGeom prst="rect">
+            <a:avLst/>
+          </a:prstGeom>
+          <a:solidFill>
+            <a:schemeClr val="bg1">
+              <a:alpha val="70000"/>
+            </a:schemeClr>
+          </a:solidFill>
+          <a:ln w="12700" cap="flat" cmpd="sng" algn="ctr">
+            <a:noFill/>
+            <a:prstDash val="solid"/>
+            <a:round/>
+            <a:headEnd type="none" w="med" len="med"/>
+            <a:tailEnd type="none" w="med" len="med"/>
+          </a:ln>
+          <a:effectLst/>
+        </p:spPr>
+        <p:txBody>
+          <a:bodyPr vert="horz" wrap="none" lIns="72000" tIns="45720" rIns="72000" bIns="45720" numCol="1" rtlCol="0" anchor="t" anchorCtr="0" compatLnSpc="1">
+            <a:prstTxWarp prst="textNoShape">
+              <a:avLst/>
+            </a:prstTxWarp>
+          </a:bodyPr>
+          <a:lstStyle/>
+          <a:p>
+            <a:endParaRPr lang="en-US"/>
+          </a:p>
+        </p:txBody>
+      </p:sp>
+      <p:sp>
+        <p:nvSpPr>
+          <p:cNvPr id="6" name="Rectangle 5"/>
+          <p:cNvSpPr/>
+          <p:nvPr/>
+        </p:nvSpPr>
+        <p:spPr bwMode="auto">
+          <a:xfrm>
+            <a:off x="1716506" y="4310785"/>
+            <a:ext cx="8293769" cy="794975"/>
+          </a:xfrm>
+          <a:prstGeom prst="rect">
+            <a:avLst/>
+          </a:prstGeom>
+          <a:solidFill>
+            <a:schemeClr val="bg1">
+              <a:alpha val="70000"/>
+            </a:schemeClr>
+          </a:solidFill>
+          <a:ln w="12700" cap="flat" cmpd="sng" algn="ctr">
+            <a:noFill/>
+            <a:prstDash val="solid"/>
+            <a:round/>
+            <a:headEnd type="none" w="med" len="med"/>
+            <a:tailEnd type="none" w="med" len="med"/>
+          </a:ln>
+          <a:effectLst/>
+        </p:spPr>
+        <p:txBody>
+          <a:bodyPr vert="horz" wrap="none" lIns="72000" tIns="45720" rIns="72000" bIns="45720" numCol="1" rtlCol="0" anchor="t" anchorCtr="0" compatLnSpc="1">
+            <a:prstTxWarp prst="textNoShape">
+              <a:avLst/>
+            </a:prstTxWarp>
+          </a:bodyPr>
+          <a:lstStyle/>
+          <a:p>
+            <a:endParaRPr lang="en-US"/>
+          </a:p>
+        </p:txBody>
+      </p:sp>
+      <p:sp>
+        <p:nvSpPr>
+          <p:cNvPr id="7" name="Rectangle 6"/>
+          <p:cNvSpPr/>
+          <p:nvPr/>
+        </p:nvSpPr>
+        <p:spPr bwMode="auto">
+          <a:xfrm>
+            <a:off x="1975772" y="5105760"/>
+            <a:ext cx="8293769" cy="646164"/>
+          </a:xfrm>
+          <a:prstGeom prst="rect">
+            <a:avLst/>
+          </a:prstGeom>
+          <a:solidFill>
+            <a:schemeClr val="bg1">
+              <a:alpha val="70000"/>
+            </a:schemeClr>
+          </a:solidFill>
+          <a:ln w="12700" cap="flat" cmpd="sng" algn="ctr">
+            <a:noFill/>
+            <a:prstDash val="solid"/>
+            <a:round/>
+            <a:headEnd type="none" w="med" len="med"/>
+            <a:tailEnd type="none" w="med" len="med"/>
+          </a:ln>
+          <a:effectLst/>
+        </p:spPr>
+        <p:txBody>
+          <a:bodyPr vert="horz" wrap="none" lIns="72000" tIns="45720" rIns="72000" bIns="45720" numCol="1" rtlCol="0" anchor="t" anchorCtr="0" compatLnSpc="1">
+            <a:prstTxWarp prst="textNoShape">
+              <a:avLst/>
+            </a:prstTxWarp>
+          </a:bodyPr>
+          <a:lstStyle/>
+          <a:p>
+            <a:endParaRPr lang="en-US"/>
+          </a:p>
+        </p:txBody>
+      </p:sp>
+    </p:spTree>
+    <p:extLst>
+      <p:ext uri="{BB962C8B-B14F-4D97-AF65-F5344CB8AC3E}">
+        <p14:creationId xmlns:p14="http://schemas.microsoft.com/office/powerpoint/2010/main" val="484043581"/>
+      </p:ext>
+    </p:extLst>
+  </p:cSld>
+  <p:clrMapOvr>
+    <a:masterClrMapping/>
+  </p:clrMapOvr>
+</p:sld>
+</file>
+
+<file path=ppt/slides/slide26.xml><?xml version="1.0" encoding="utf-8"?>
+<p:sld xmlns:a="http://schemas.openxmlformats.org/drawingml/2006/main" xmlns:r="http://schemas.openxmlformats.org/officeDocument/2006/relationships" xmlns:p="http://schemas.openxmlformats.org/presentationml/2006/main">
+  <p:cSld>
+    <p:spTree>
+      <p:nvGrpSpPr>
+        <p:cNvPr id="1" name=""/>
+        <p:cNvGrpSpPr/>
+        <p:nvPr/>
+      </p:nvGrpSpPr>
+      <p:grpSpPr>
+        <a:xfrm>
+          <a:off x="0" y="0"/>
+          <a:ext cx="0" cy="0"/>
+          <a:chOff x="0" y="0"/>
+          <a:chExt cx="0" cy="0"/>
+        </a:xfrm>
+      </p:grpSpPr>
+      <p:sp>
+        <p:nvSpPr>
+          <p:cNvPr id="8" name="Title 2"/>
+          <p:cNvSpPr>
+            <a:spLocks noGrp="1"/>
+          </p:cNvSpPr>
+          <p:nvPr>
+            <p:ph type="title"/>
+          </p:nvPr>
+        </p:nvSpPr>
+        <p:spPr>
+          <a:xfrm>
+            <a:off x="524935" y="239714"/>
+            <a:ext cx="9992784" cy="1085371"/>
+          </a:xfrm>
+        </p:spPr>
+        <p:txBody>
+          <a:bodyPr/>
+          <a:lstStyle/>
+          <a:p>
+            <a:r>
+              <a:rPr lang="en-US" dirty="0">
+                <a:solidFill>
+                  <a:schemeClr val="accent6">
+                    <a:lumMod val="75000"/>
+                  </a:schemeClr>
+                </a:solidFill>
+                <a:latin typeface="+mn-lt"/>
+              </a:rPr>
+              <a:t>Control</a:t>
+            </a:r>
+          </a:p>
+        </p:txBody>
+      </p:sp>
+      <p:sp>
+        <p:nvSpPr>
+          <p:cNvPr id="9" name="Content Placeholder 1"/>
+          <p:cNvSpPr>
+            <a:spLocks noGrp="1"/>
+          </p:cNvSpPr>
+          <p:nvPr>
+            <p:ph idx="1"/>
+          </p:nvPr>
+        </p:nvSpPr>
+        <p:spPr>
+          <a:xfrm>
+            <a:off x="529168" y="1800000"/>
+            <a:ext cx="11135785" cy="3852000"/>
+          </a:xfrm>
+        </p:spPr>
+        <p:txBody>
+          <a:bodyPr/>
+          <a:lstStyle/>
+          <a:p>
+            <a:r>
+              <a:rPr lang="en-US" dirty="0"/>
+              <a:t>There are also some </a:t>
+            </a:r>
+            <a:r>
+              <a:rPr lang="en-US" i="1" dirty="0"/>
+              <a:t>control </a:t>
+            </a:r>
+            <a:r>
+              <a:rPr lang="en-US" dirty="0"/>
+              <a:t>options available.</a:t>
+            </a:r>
+          </a:p>
+          <a:p>
+            <a:r>
+              <a:rPr lang="en-US" dirty="0">
+                <a:latin typeface="Consolas" panose="020B0609020204030204" pitchFamily="49" charset="0"/>
+                <a:cs typeface="Consolas" panose="020B0609020204030204" pitchFamily="49" charset="0"/>
+              </a:rPr>
+              <a:t>{spawn, Tests}</a:t>
+            </a:r>
+            <a:r>
+              <a:rPr lang="en-US" dirty="0"/>
+              <a:t> runs the test in a new </a:t>
+            </a:r>
+            <a:r>
+              <a:rPr lang="en-US" dirty="0" err="1"/>
+              <a:t>subprocess</a:t>
+            </a:r>
+            <a:r>
+              <a:rPr lang="en-US" dirty="0"/>
+              <a:t>.</a:t>
+            </a:r>
+          </a:p>
+          <a:p>
+            <a:r>
+              <a:rPr lang="en-US" dirty="0">
+                <a:latin typeface="Consolas" panose="020B0609020204030204" pitchFamily="49" charset="0"/>
+                <a:cs typeface="Consolas" panose="020B0609020204030204" pitchFamily="49" charset="0"/>
+              </a:rPr>
+              <a:t>{spawn, Node, Tests}</a:t>
+            </a:r>
+            <a:r>
+              <a:rPr lang="en-US" dirty="0"/>
+              <a:t> additionally runs the tests on the specified node.</a:t>
+            </a:r>
+          </a:p>
+          <a:p>
+            <a:r>
+              <a:rPr lang="en-US" dirty="0">
+                <a:latin typeface="Consolas" panose="020B0609020204030204" pitchFamily="49" charset="0"/>
+                <a:cs typeface="Consolas" panose="020B0609020204030204" pitchFamily="49" charset="0"/>
+              </a:rPr>
+              <a:t>{timeout, Seconds, Tests}</a:t>
+            </a:r>
+            <a:r>
+              <a:rPr lang="en-US" dirty="0"/>
+              <a:t> sets a timeout value for the tests.</a:t>
+            </a:r>
+          </a:p>
+          <a:p>
+            <a:r>
+              <a:rPr lang="en-US" dirty="0">
+                <a:latin typeface="Consolas" panose="020B0609020204030204" pitchFamily="49" charset="0"/>
+                <a:cs typeface="Consolas" panose="020B0609020204030204" pitchFamily="49" charset="0"/>
+              </a:rPr>
+              <a:t>{</a:t>
+            </a:r>
+            <a:r>
+              <a:rPr lang="en-US" dirty="0" err="1">
+                <a:latin typeface="Consolas" panose="020B0609020204030204" pitchFamily="49" charset="0"/>
+                <a:cs typeface="Consolas" panose="020B0609020204030204" pitchFamily="49" charset="0"/>
+              </a:rPr>
+              <a:t>inorder</a:t>
+            </a:r>
+            <a:r>
+              <a:rPr lang="en-US" dirty="0">
+                <a:latin typeface="Consolas" panose="020B0609020204030204" pitchFamily="49" charset="0"/>
+                <a:cs typeface="Consolas" panose="020B0609020204030204" pitchFamily="49" charset="0"/>
+              </a:rPr>
+              <a:t>, Tests}</a:t>
+            </a:r>
+            <a:r>
+              <a:rPr lang="en-US" dirty="0"/>
+              <a:t> runs the tests in the specified order.</a:t>
+            </a:r>
+          </a:p>
+          <a:p>
+            <a:r>
+              <a:rPr lang="en-US" dirty="0">
+                <a:latin typeface="Consolas" panose="020B0609020204030204" pitchFamily="49" charset="0"/>
+                <a:cs typeface="Consolas" panose="020B0609020204030204" pitchFamily="49" charset="0"/>
+              </a:rPr>
+              <a:t>{</a:t>
+            </a:r>
+            <a:r>
+              <a:rPr lang="en-US" dirty="0" err="1">
+                <a:latin typeface="Consolas" panose="020B0609020204030204" pitchFamily="49" charset="0"/>
+                <a:cs typeface="Consolas" panose="020B0609020204030204" pitchFamily="49" charset="0"/>
+              </a:rPr>
+              <a:t>inparallel</a:t>
+            </a:r>
+            <a:r>
+              <a:rPr lang="en-US" dirty="0">
+                <a:latin typeface="Consolas" panose="020B0609020204030204" pitchFamily="49" charset="0"/>
+                <a:cs typeface="Consolas" panose="020B0609020204030204" pitchFamily="49" charset="0"/>
+              </a:rPr>
+              <a:t>, Tests}</a:t>
+            </a:r>
+            <a:r>
+              <a:rPr lang="en-US" dirty="0"/>
+              <a:t> runs the tests in parallel, if possible.</a:t>
+            </a:r>
+          </a:p>
+          <a:p>
+            <a:r>
+              <a:rPr lang="en-US" dirty="0">
+                <a:latin typeface="Consolas" panose="020B0609020204030204" pitchFamily="49" charset="0"/>
+                <a:cs typeface="Consolas" panose="020B0609020204030204" pitchFamily="49" charset="0"/>
+              </a:rPr>
+              <a:t>{</a:t>
+            </a:r>
+            <a:r>
+              <a:rPr lang="en-US" dirty="0" err="1">
+                <a:latin typeface="Consolas" panose="020B0609020204030204" pitchFamily="49" charset="0"/>
+                <a:cs typeface="Consolas" panose="020B0609020204030204" pitchFamily="49" charset="0"/>
+              </a:rPr>
+              <a:t>inparallel</a:t>
+            </a:r>
+            <a:r>
+              <a:rPr lang="en-US" dirty="0">
+                <a:latin typeface="Consolas" panose="020B0609020204030204" pitchFamily="49" charset="0"/>
+                <a:cs typeface="Consolas" panose="020B0609020204030204" pitchFamily="49" charset="0"/>
+              </a:rPr>
+              <a:t>, Max, Tests}</a:t>
+            </a:r>
+            <a:r>
+              <a:rPr lang="en-US" dirty="0"/>
+              <a:t> runs at most </a:t>
+            </a:r>
+            <a:r>
+              <a:rPr lang="en-US" dirty="0">
+                <a:latin typeface="Consolas" panose="020B0609020204030204" pitchFamily="49" charset="0"/>
+                <a:cs typeface="Consolas" panose="020B0609020204030204" pitchFamily="49" charset="0"/>
+              </a:rPr>
+              <a:t>Max</a:t>
+            </a:r>
+            <a:r>
+              <a:rPr lang="en-US" dirty="0"/>
+              <a:t> tests in parallel.</a:t>
+            </a:r>
+          </a:p>
+          <a:p>
+            <a:endParaRPr lang="en-US" dirty="0"/>
+          </a:p>
+        </p:txBody>
+      </p:sp>
+    </p:spTree>
+    <p:extLst>
+      <p:ext uri="{BB962C8B-B14F-4D97-AF65-F5344CB8AC3E}">
+        <p14:creationId xmlns:p14="http://schemas.microsoft.com/office/powerpoint/2010/main" val="797656659"/>
+      </p:ext>
+    </p:extLst>
+  </p:cSld>
+  <p:clrMapOvr>
+    <a:masterClrMapping/>
+  </p:clrMapOvr>
+</p:sld>
+</file>
+
+<file path=ppt/slides/slide27.xml><?xml version="1.0" encoding="utf-8"?>
+<p:sld xmlns:a="http://schemas.openxmlformats.org/drawingml/2006/main" xmlns:r="http://schemas.openxmlformats.org/officeDocument/2006/relationships" xmlns:p="http://schemas.openxmlformats.org/presentationml/2006/main">
+  <p:cSld>
+    <p:spTree>
+      <p:nvGrpSpPr>
+        <p:cNvPr id="1" name=""/>
+        <p:cNvGrpSpPr/>
+        <p:nvPr/>
+      </p:nvGrpSpPr>
+      <p:grpSpPr>
+        <a:xfrm>
+          <a:off x="0" y="0"/>
+          <a:ext cx="0" cy="0"/>
+          <a:chOff x="0" y="0"/>
+          <a:chExt cx="0" cy="0"/>
+        </a:xfrm>
+      </p:grpSpPr>
+      <p:sp>
+        <p:nvSpPr>
+          <p:cNvPr id="5" name="Rectangle: Rounded Corners 4"/>
+          <p:cNvSpPr/>
+          <p:nvPr/>
+        </p:nvSpPr>
+        <p:spPr bwMode="auto">
+          <a:xfrm>
+            <a:off x="1608667" y="2607732"/>
+            <a:ext cx="9330266" cy="3647371"/>
+          </a:xfrm>
+          <a:prstGeom prst="roundRect">
+            <a:avLst/>
+          </a:prstGeom>
+          <a:solidFill>
+            <a:srgbClr val="000000"/>
+          </a:solidFill>
+          <a:ln w="12700" cap="flat" cmpd="sng" algn="ctr">
+            <a:noFill/>
+            <a:prstDash val="solid"/>
+            <a:round/>
+            <a:headEnd type="none" w="med" len="med"/>
+            <a:tailEnd type="none" w="med" len="med"/>
+          </a:ln>
+          <a:effectLst/>
+        </p:spPr>
+        <p:txBody>
+          <a:bodyPr vert="horz" wrap="none" lIns="72000" tIns="45720" rIns="72000" bIns="45720" numCol="1" rtlCol="0" anchor="t" anchorCtr="0" compatLnSpc="1">
+            <a:prstTxWarp prst="textNoShape">
+              <a:avLst/>
+            </a:prstTxWarp>
+          </a:bodyPr>
+          <a:lstStyle/>
+          <a:p>
+            <a:endParaRPr lang="en-US"/>
+          </a:p>
+        </p:txBody>
+      </p:sp>
+      <p:sp>
+        <p:nvSpPr>
+          <p:cNvPr id="8" name="Title 2"/>
+          <p:cNvSpPr>
+            <a:spLocks noGrp="1"/>
+          </p:cNvSpPr>
+          <p:nvPr>
+            <p:ph type="title"/>
+          </p:nvPr>
+        </p:nvSpPr>
+        <p:spPr>
+          <a:xfrm>
+            <a:off x="524935" y="239714"/>
+            <a:ext cx="9992784" cy="1085371"/>
+          </a:xfrm>
+        </p:spPr>
+        <p:txBody>
+          <a:bodyPr/>
+          <a:lstStyle/>
+          <a:p>
+            <a:r>
+              <a:rPr lang="en-US" dirty="0">
+                <a:solidFill>
+                  <a:schemeClr val="accent6">
+                    <a:lumMod val="75000"/>
+                  </a:schemeClr>
+                </a:solidFill>
+                <a:latin typeface="+mn-lt"/>
+              </a:rPr>
+              <a:t>Control</a:t>
+            </a:r>
+          </a:p>
+        </p:txBody>
+      </p:sp>
+      <p:sp>
+        <p:nvSpPr>
+          <p:cNvPr id="9" name="Content Placeholder 1"/>
+          <p:cNvSpPr>
+            <a:spLocks noGrp="1"/>
+          </p:cNvSpPr>
+          <p:nvPr>
+            <p:ph idx="1"/>
+          </p:nvPr>
+        </p:nvSpPr>
+        <p:spPr>
+          <a:xfrm>
+            <a:off x="529168" y="1139600"/>
+            <a:ext cx="11135785" cy="3852000"/>
+          </a:xfrm>
+        </p:spPr>
+        <p:txBody>
+          <a:bodyPr/>
+          <a:lstStyle/>
+          <a:p>
+            <a:r>
+              <a:rPr lang="en-US" dirty="0"/>
+              <a:t>Remember that a test representation contains another test representation, which in turn can contain another test representation.</a:t>
+            </a:r>
+          </a:p>
+          <a:p>
+            <a:r>
+              <a:rPr lang="en-US" dirty="0"/>
+              <a:t>This test is completely legal:</a:t>
+            </a:r>
+          </a:p>
+          <a:p>
+            <a:endParaRPr lang="en-US" dirty="0">
+              <a:latin typeface="Consolas" panose="020B0609020204030204" pitchFamily="49" charset="0"/>
+              <a:cs typeface="Consolas" panose="020B0609020204030204" pitchFamily="49" charset="0"/>
+            </a:endParaRPr>
+          </a:p>
+        </p:txBody>
+      </p:sp>
+      <p:pic>
+        <p:nvPicPr>
+          <p:cNvPr id="2" name="Picture 1"/>
+          <p:cNvPicPr>
+            <a:picLocks noChangeAspect="1"/>
+          </p:cNvPicPr>
+          <p:nvPr/>
+        </p:nvPicPr>
+        <p:blipFill>
+          <a:blip r:embed="rId2"/>
+          <a:stretch>
+            <a:fillRect/>
+          </a:stretch>
+        </p:blipFill>
+        <p:spPr>
+          <a:xfrm>
+            <a:off x="2023533" y="2928151"/>
+            <a:ext cx="8686800" cy="3048000"/>
+          </a:xfrm>
+          <a:prstGeom prst="rect">
+            <a:avLst/>
+          </a:prstGeom>
+        </p:spPr>
+      </p:pic>
+    </p:spTree>
+    <p:extLst>
+      <p:ext uri="{BB962C8B-B14F-4D97-AF65-F5344CB8AC3E}">
+        <p14:creationId xmlns:p14="http://schemas.microsoft.com/office/powerpoint/2010/main" val="1940740018"/>
+      </p:ext>
+    </p:extLst>
+  </p:cSld>
+  <p:clrMapOvr>
+    <a:masterClrMapping/>
+  </p:clrMapOvr>
+</p:sld>
+</file>
+
+<file path=ppt/slides/slide28.xml><?xml version="1.0" encoding="utf-8"?>
 <p:sld xmlns:a="http://schemas.openxmlformats.org/drawingml/2006/main" xmlns:r="http://schemas.openxmlformats.org/officeDocument/2006/relationships" xmlns:p="http://schemas.openxmlformats.org/presentationml/2006/main">
   <p:cSld>
     <p:spTree>
@@ -9378,6 +10925,21 @@
               <a:t>Macros</a:t>
             </a:r>
           </a:p>
+          <a:p>
+            <a:pPr marL="0" indent="0">
+              <a:buNone/>
+            </a:pPr>
+            <a:r>
+              <a:rPr lang="en-US" sz="4400" dirty="0">
+                <a:solidFill>
+                  <a:schemeClr val="accent6">
+                    <a:lumMod val="75000"/>
+                  </a:schemeClr>
+                </a:solidFill>
+              </a:rPr>
+              <a:t>Control</a:t>
+            </a:r>
+          </a:p>
         </p:txBody>
       </p:sp>
       <p:sp>
@@ -9459,7 +11021,7 @@
         <p:spPr bwMode="auto">
           <a:xfrm>
             <a:off x="1716506" y="5105760"/>
-            <a:ext cx="8293769" cy="794975"/>
+            <a:ext cx="8293769" cy="1366279"/>
           </a:xfrm>
           <a:prstGeom prst="rect">
             <a:avLst/>

--- a/basic_erlang_4/presentation/erlang_part_4_testing.pptx
+++ b/basic_erlang_4/presentation/erlang_part_4_testing.pptx
@@ -5,10 +5,10 @@
     <p:sldMasterId id="2147483676" r:id="rId1"/>
   </p:sldMasterIdLst>
   <p:notesMasterIdLst>
-    <p:notesMasterId r:id="rId30"/>
+    <p:notesMasterId r:id="rId36"/>
   </p:notesMasterIdLst>
   <p:handoutMasterIdLst>
-    <p:handoutMasterId r:id="rId31"/>
+    <p:handoutMasterId r:id="rId37"/>
   </p:handoutMasterIdLst>
   <p:sldIdLst>
     <p:sldId id="259" r:id="rId2"/>
@@ -39,20 +39,26 @@
     <p:sldId id="283" r:id="rId27"/>
     <p:sldId id="285" r:id="rId28"/>
     <p:sldId id="282" r:id="rId29"/>
+    <p:sldId id="288" r:id="rId30"/>
+    <p:sldId id="289" r:id="rId31"/>
+    <p:sldId id="290" r:id="rId32"/>
+    <p:sldId id="291" r:id="rId33"/>
+    <p:sldId id="292" r:id="rId34"/>
+    <p:sldId id="293" r:id="rId35"/>
   </p:sldIdLst>
   <p:sldSz cx="12192000" cy="6858000"/>
   <p:notesSz cx="6884988" cy="10018713"/>
   <p:embeddedFontLst>
     <p:embeddedFont>
       <p:font typeface="Consolas" panose="020B0609020204030204" pitchFamily="49" charset="0"/>
-      <p:regular r:id="rId32"/>
-      <p:bold r:id="rId33"/>
-      <p:italic r:id="rId34"/>
-      <p:boldItalic r:id="rId35"/>
+      <p:regular r:id="rId38"/>
+      <p:bold r:id="rId39"/>
+      <p:italic r:id="rId40"/>
+      <p:boldItalic r:id="rId41"/>
     </p:embeddedFont>
     <p:embeddedFont>
       <p:font typeface="Ericsson Capital TT" panose="02000503000000020004" pitchFamily="2" charset="0"/>
-      <p:regular r:id="rId36"/>
+      <p:regular r:id="rId42"/>
     </p:embeddedFont>
   </p:embeddedFontLst>
   <p:defaultTextStyle>
@@ -213,6 +219,12 @@
             <p14:sldId id="283"/>
             <p14:sldId id="285"/>
             <p14:sldId id="282"/>
+            <p14:sldId id="288"/>
+            <p14:sldId id="289"/>
+            <p14:sldId id="290"/>
+            <p14:sldId id="291"/>
+            <p14:sldId id="292"/>
+            <p14:sldId id="293"/>
           </p14:sldIdLst>
         </p14:section>
       </p14:sectionLst>
@@ -10239,10 +10251,154 @@
           </a:p>
         </p:txBody>
       </p:sp>
+      <p:sp>
+        <p:nvSpPr>
+          <p:cNvPr id="4" name="TextBox 3"/>
+          <p:cNvSpPr txBox="1"/>
+          <p:nvPr/>
+        </p:nvSpPr>
+        <p:spPr>
+          <a:xfrm>
+            <a:off x="0" y="3966016"/>
+            <a:ext cx="12005734" cy="523220"/>
+          </a:xfrm>
+          <a:prstGeom prst="rect">
+            <a:avLst/>
+          </a:prstGeom>
+          <a:noFill/>
+        </p:spPr>
+        <p:txBody>
+          <a:bodyPr wrap="square" rtlCol="0">
+            <a:spAutoFit/>
+          </a:bodyPr>
+          <a:lstStyle/>
+          <a:p>
+            <a:pPr algn="ctr"/>
+            <a:r>
+              <a:rPr lang="en-US" sz="2800" dirty="0">
+                <a:latin typeface="Consolas" panose="020B0609020204030204" pitchFamily="49" charset="0"/>
+                <a:cs typeface="Consolas" panose="020B0609020204030204" pitchFamily="49" charset="0"/>
+              </a:rPr>
+              <a:t>https://github.com/eproxus/meck</a:t>
+            </a:r>
+          </a:p>
+        </p:txBody>
+      </p:sp>
     </p:spTree>
     <p:extLst>
       <p:ext uri="{BB962C8B-B14F-4D97-AF65-F5344CB8AC3E}">
         <p14:creationId xmlns:p14="http://schemas.microsoft.com/office/powerpoint/2010/main" val="1175298411"/>
+      </p:ext>
+    </p:extLst>
+  </p:cSld>
+  <p:clrMapOvr>
+    <a:masterClrMapping/>
+  </p:clrMapOvr>
+</p:sld>
+</file>
+
+<file path=ppt/slides/slide29.xml><?xml version="1.0" encoding="utf-8"?>
+<p:sld xmlns:a="http://schemas.openxmlformats.org/drawingml/2006/main" xmlns:r="http://schemas.openxmlformats.org/officeDocument/2006/relationships" xmlns:p="http://schemas.openxmlformats.org/presentationml/2006/main">
+  <p:cSld>
+    <p:spTree>
+      <p:nvGrpSpPr>
+        <p:cNvPr id="1" name=""/>
+        <p:cNvGrpSpPr/>
+        <p:nvPr/>
+      </p:nvGrpSpPr>
+      <p:grpSpPr>
+        <a:xfrm>
+          <a:off x="0" y="0"/>
+          <a:ext cx="0" cy="0"/>
+          <a:chOff x="0" y="0"/>
+          <a:chExt cx="0" cy="0"/>
+        </a:xfrm>
+      </p:grpSpPr>
+      <p:sp>
+        <p:nvSpPr>
+          <p:cNvPr id="2" name="Content Placeholder 1"/>
+          <p:cNvSpPr>
+            <a:spLocks noGrp="1"/>
+          </p:cNvSpPr>
+          <p:nvPr>
+            <p:ph idx="1"/>
+          </p:nvPr>
+        </p:nvSpPr>
+        <p:spPr/>
+        <p:txBody>
+          <a:bodyPr/>
+          <a:lstStyle/>
+          <a:p>
+            <a:r>
+              <a:rPr lang="en-US" dirty="0" err="1"/>
+              <a:t>meck</a:t>
+            </a:r>
+            <a:r>
+              <a:rPr lang="en-US" dirty="0"/>
+              <a:t> is not part of OTP. No-one knows why.</a:t>
+            </a:r>
+          </a:p>
+          <a:p>
+            <a:r>
+              <a:rPr lang="en-US" dirty="0"/>
+              <a:t>We must add it to dependencies to be able to use it.</a:t>
+            </a:r>
+          </a:p>
+        </p:txBody>
+      </p:sp>
+      <p:sp>
+        <p:nvSpPr>
+          <p:cNvPr id="3" name="Title 2"/>
+          <p:cNvSpPr>
+            <a:spLocks noGrp="1"/>
+          </p:cNvSpPr>
+          <p:nvPr>
+            <p:ph type="title"/>
+          </p:nvPr>
+        </p:nvSpPr>
+        <p:spPr/>
+        <p:txBody>
+          <a:bodyPr/>
+          <a:lstStyle/>
+          <a:p>
+            <a:r>
+              <a:rPr lang="en-US" dirty="0">
+                <a:solidFill>
+                  <a:srgbClr val="007B78"/>
+                </a:solidFill>
+                <a:latin typeface="+mn-lt"/>
+                <a:ea typeface="+mn-ea"/>
+                <a:cs typeface="+mn-cs"/>
+              </a:rPr>
+              <a:t>Oh no! </a:t>
+            </a:r>
+            <a:r>
+              <a:rPr lang="en-US" dirty="0">
+                <a:solidFill>
+                  <a:srgbClr val="007B78"/>
+                </a:solidFill>
+                <a:latin typeface="+mn-lt"/>
+                <a:ea typeface="+mn-ea"/>
+                <a:cs typeface="+mn-cs"/>
+                <a:sym typeface="Wingdings" panose="05000000000000000000" pitchFamily="2" charset="2"/>
+              </a:rPr>
+              <a:t></a:t>
+            </a:r>
+            <a:endParaRPr lang="en-US" dirty="0">
+              <a:solidFill>
+                <a:srgbClr val="007B78"/>
+              </a:solidFill>
+              <a:latin typeface="+mn-lt"/>
+              <a:ea typeface="+mn-ea"/>
+              <a:cs typeface="+mn-cs"/>
+            </a:endParaRPr>
+          </a:p>
+        </p:txBody>
+      </p:sp>
+    </p:spTree>
+    <p:extLst>
+      <p:ext uri="{BB962C8B-B14F-4D97-AF65-F5344CB8AC3E}">
+        <p14:creationId xmlns:p14="http://schemas.microsoft.com/office/powerpoint/2010/main" val="898449355"/>
       </p:ext>
     </p:extLst>
   </p:cSld>
@@ -10354,6 +10510,987 @@
     <p:extLst>
       <p:ext uri="{BB962C8B-B14F-4D97-AF65-F5344CB8AC3E}">
         <p14:creationId xmlns:p14="http://schemas.microsoft.com/office/powerpoint/2010/main" val="1168478043"/>
+      </p:ext>
+    </p:extLst>
+  </p:cSld>
+  <p:clrMapOvr>
+    <a:masterClrMapping/>
+  </p:clrMapOvr>
+</p:sld>
+</file>
+
+<file path=ppt/slides/slide30.xml><?xml version="1.0" encoding="utf-8"?>
+<p:sld xmlns:a="http://schemas.openxmlformats.org/drawingml/2006/main" xmlns:r="http://schemas.openxmlformats.org/officeDocument/2006/relationships" xmlns:p="http://schemas.openxmlformats.org/presentationml/2006/main">
+  <p:cSld>
+    <p:spTree>
+      <p:nvGrpSpPr>
+        <p:cNvPr id="1" name=""/>
+        <p:cNvGrpSpPr/>
+        <p:nvPr/>
+      </p:nvGrpSpPr>
+      <p:grpSpPr>
+        <a:xfrm>
+          <a:off x="0" y="0"/>
+          <a:ext cx="0" cy="0"/>
+          <a:chOff x="0" y="0"/>
+          <a:chExt cx="0" cy="0"/>
+        </a:xfrm>
+      </p:grpSpPr>
+      <p:sp>
+        <p:nvSpPr>
+          <p:cNvPr id="6" name="Rectangle: Rounded Corners 5"/>
+          <p:cNvSpPr/>
+          <p:nvPr/>
+        </p:nvSpPr>
+        <p:spPr bwMode="auto">
+          <a:xfrm>
+            <a:off x="1049867" y="3081867"/>
+            <a:ext cx="10024533" cy="2387600"/>
+          </a:xfrm>
+          <a:prstGeom prst="roundRect">
+            <a:avLst/>
+          </a:prstGeom>
+          <a:solidFill>
+            <a:srgbClr val="000000"/>
+          </a:solidFill>
+          <a:ln w="12700" cap="flat" cmpd="sng" algn="ctr">
+            <a:noFill/>
+            <a:prstDash val="solid"/>
+            <a:round/>
+            <a:headEnd type="none" w="med" len="med"/>
+            <a:tailEnd type="none" w="med" len="med"/>
+          </a:ln>
+          <a:effectLst/>
+        </p:spPr>
+        <p:txBody>
+          <a:bodyPr vert="horz" wrap="none" lIns="72000" tIns="45720" rIns="72000" bIns="45720" numCol="1" rtlCol="0" anchor="t" anchorCtr="0" compatLnSpc="1">
+            <a:prstTxWarp prst="textNoShape">
+              <a:avLst/>
+            </a:prstTxWarp>
+          </a:bodyPr>
+          <a:lstStyle/>
+          <a:p>
+            <a:endParaRPr lang="en-US"/>
+          </a:p>
+        </p:txBody>
+      </p:sp>
+      <p:sp>
+        <p:nvSpPr>
+          <p:cNvPr id="2" name="Content Placeholder 1"/>
+          <p:cNvSpPr>
+            <a:spLocks noGrp="1"/>
+          </p:cNvSpPr>
+          <p:nvPr>
+            <p:ph idx="1"/>
+          </p:nvPr>
+        </p:nvSpPr>
+        <p:spPr/>
+        <p:txBody>
+          <a:bodyPr/>
+          <a:lstStyle/>
+          <a:p>
+            <a:r>
+              <a:rPr lang="en-US" dirty="0"/>
+              <a:t>If rebar3 is used, it is easy to add external dependencies.</a:t>
+            </a:r>
+          </a:p>
+          <a:p>
+            <a:r>
+              <a:rPr lang="en-US" dirty="0"/>
+              <a:t>Your project root has a file called </a:t>
+            </a:r>
+            <a:r>
+              <a:rPr lang="en-US" dirty="0" err="1"/>
+              <a:t>rebar.config</a:t>
+            </a:r>
+            <a:r>
+              <a:rPr lang="en-US" dirty="0"/>
+              <a:t>. Add </a:t>
+            </a:r>
+            <a:r>
+              <a:rPr lang="en-US" dirty="0" err="1"/>
+              <a:t>meck</a:t>
+            </a:r>
+            <a:r>
+              <a:rPr lang="en-US" dirty="0"/>
+              <a:t> as a dependency.</a:t>
+            </a:r>
+          </a:p>
+          <a:p>
+            <a:endParaRPr lang="en-US" dirty="0"/>
+          </a:p>
+          <a:p>
+            <a:endParaRPr lang="en-US" dirty="0"/>
+          </a:p>
+          <a:p>
+            <a:endParaRPr lang="en-US" dirty="0"/>
+          </a:p>
+          <a:p>
+            <a:endParaRPr lang="en-US" dirty="0"/>
+          </a:p>
+          <a:p>
+            <a:endParaRPr lang="en-US" dirty="0"/>
+          </a:p>
+          <a:p>
+            <a:endParaRPr lang="en-US" dirty="0"/>
+          </a:p>
+          <a:p>
+            <a:endParaRPr lang="en-US" dirty="0"/>
+          </a:p>
+          <a:p>
+            <a:pPr marL="0" indent="0">
+              <a:buNone/>
+            </a:pPr>
+            <a:r>
+              <a:rPr lang="en-US" dirty="0"/>
+              <a:t>(This will also make </a:t>
+            </a:r>
+            <a:r>
+              <a:rPr lang="en-US" dirty="0" err="1"/>
+              <a:t>meck</a:t>
+            </a:r>
+            <a:r>
+              <a:rPr lang="en-US" dirty="0"/>
+              <a:t> available in the shell if you want to play around with it)</a:t>
+            </a:r>
+          </a:p>
+        </p:txBody>
+      </p:sp>
+      <p:sp>
+        <p:nvSpPr>
+          <p:cNvPr id="3" name="Title 2"/>
+          <p:cNvSpPr>
+            <a:spLocks noGrp="1"/>
+          </p:cNvSpPr>
+          <p:nvPr>
+            <p:ph type="title"/>
+          </p:nvPr>
+        </p:nvSpPr>
+        <p:spPr/>
+        <p:txBody>
+          <a:bodyPr/>
+          <a:lstStyle/>
+          <a:p>
+            <a:r>
+              <a:rPr lang="en-US" dirty="0">
+                <a:solidFill>
+                  <a:srgbClr val="007B78"/>
+                </a:solidFill>
+                <a:latin typeface="+mn-lt"/>
+                <a:ea typeface="+mn-ea"/>
+                <a:cs typeface="+mn-cs"/>
+              </a:rPr>
+              <a:t>Dependencies</a:t>
+            </a:r>
+          </a:p>
+        </p:txBody>
+      </p:sp>
+      <p:pic>
+        <p:nvPicPr>
+          <p:cNvPr id="5" name="Picture 4"/>
+          <p:cNvPicPr>
+            <a:picLocks noChangeAspect="1"/>
+          </p:cNvPicPr>
+          <p:nvPr/>
+        </p:nvPicPr>
+        <p:blipFill>
+          <a:blip r:embed="rId2"/>
+          <a:stretch>
+            <a:fillRect/>
+          </a:stretch>
+        </p:blipFill>
+        <p:spPr>
+          <a:xfrm>
+            <a:off x="1482197" y="3429000"/>
+            <a:ext cx="9229725" cy="1790700"/>
+          </a:xfrm>
+          <a:prstGeom prst="rect">
+            <a:avLst/>
+          </a:prstGeom>
+        </p:spPr>
+      </p:pic>
+    </p:spTree>
+    <p:extLst>
+      <p:ext uri="{BB962C8B-B14F-4D97-AF65-F5344CB8AC3E}">
+        <p14:creationId xmlns:p14="http://schemas.microsoft.com/office/powerpoint/2010/main" val="1924964411"/>
+      </p:ext>
+    </p:extLst>
+  </p:cSld>
+  <p:clrMapOvr>
+    <a:masterClrMapping/>
+  </p:clrMapOvr>
+</p:sld>
+</file>
+
+<file path=ppt/slides/slide31.xml><?xml version="1.0" encoding="utf-8"?>
+<p:sld xmlns:a="http://schemas.openxmlformats.org/drawingml/2006/main" xmlns:r="http://schemas.openxmlformats.org/officeDocument/2006/relationships" xmlns:p="http://schemas.openxmlformats.org/presentationml/2006/main">
+  <p:cSld>
+    <p:spTree>
+      <p:nvGrpSpPr>
+        <p:cNvPr id="1" name=""/>
+        <p:cNvGrpSpPr/>
+        <p:nvPr/>
+      </p:nvGrpSpPr>
+      <p:grpSpPr>
+        <a:xfrm>
+          <a:off x="0" y="0"/>
+          <a:ext cx="0" cy="0"/>
+          <a:chOff x="0" y="0"/>
+          <a:chExt cx="0" cy="0"/>
+        </a:xfrm>
+      </p:grpSpPr>
+      <p:sp>
+        <p:nvSpPr>
+          <p:cNvPr id="2" name="Content Placeholder 1"/>
+          <p:cNvSpPr>
+            <a:spLocks noGrp="1"/>
+          </p:cNvSpPr>
+          <p:nvPr>
+            <p:ph idx="1"/>
+          </p:nvPr>
+        </p:nvSpPr>
+        <p:spPr/>
+        <p:txBody>
+          <a:bodyPr/>
+          <a:lstStyle/>
+          <a:p>
+            <a:r>
+              <a:rPr lang="en-US" dirty="0" err="1">
+                <a:latin typeface="Consolas" panose="020B0609020204030204" pitchFamily="49" charset="0"/>
+                <a:cs typeface="Consolas" panose="020B0609020204030204" pitchFamily="49" charset="0"/>
+              </a:rPr>
+              <a:t>meck:new</a:t>
+            </a:r>
+            <a:r>
+              <a:rPr lang="en-US" dirty="0">
+                <a:latin typeface="Consolas" panose="020B0609020204030204" pitchFamily="49" charset="0"/>
+                <a:cs typeface="Consolas" panose="020B0609020204030204" pitchFamily="49" charset="0"/>
+              </a:rPr>
+              <a:t>(Module</a:t>
+            </a:r>
+            <a:r>
+              <a:rPr lang="en-US" dirty="0"/>
+              <a:t>) will start mocking Module.</a:t>
+            </a:r>
+          </a:p>
+          <a:p>
+            <a:endParaRPr lang="en-US" dirty="0"/>
+          </a:p>
+          <a:p>
+            <a:r>
+              <a:rPr lang="en-US" dirty="0"/>
+              <a:t>The dyadic version also takes a list of options.</a:t>
+            </a:r>
+            <a:br>
+              <a:rPr lang="en-US" dirty="0"/>
+            </a:br>
+            <a:r>
+              <a:rPr lang="en-US" dirty="0" err="1">
+                <a:latin typeface="Consolas" panose="020B0609020204030204" pitchFamily="49" charset="0"/>
+                <a:cs typeface="Consolas" panose="020B0609020204030204" pitchFamily="49" charset="0"/>
+              </a:rPr>
+              <a:t>meck:new</a:t>
+            </a:r>
+            <a:r>
+              <a:rPr lang="en-US" dirty="0">
+                <a:latin typeface="Consolas" panose="020B0609020204030204" pitchFamily="49" charset="0"/>
+                <a:cs typeface="Consolas" panose="020B0609020204030204" pitchFamily="49" charset="0"/>
+              </a:rPr>
+              <a:t>(Module, Options)</a:t>
+            </a:r>
+            <a:br>
+              <a:rPr lang="en-US" dirty="0">
+                <a:latin typeface="Consolas" panose="020B0609020204030204" pitchFamily="49" charset="0"/>
+                <a:cs typeface="Consolas" panose="020B0609020204030204" pitchFamily="49" charset="0"/>
+              </a:rPr>
+            </a:br>
+            <a:r>
+              <a:rPr lang="en-US" dirty="0"/>
+              <a:t>We will look at some of the options in detail.</a:t>
+            </a:r>
+          </a:p>
+        </p:txBody>
+      </p:sp>
+      <p:sp>
+        <p:nvSpPr>
+          <p:cNvPr id="3" name="Title 2"/>
+          <p:cNvSpPr>
+            <a:spLocks noGrp="1"/>
+          </p:cNvSpPr>
+          <p:nvPr>
+            <p:ph type="title"/>
+          </p:nvPr>
+        </p:nvSpPr>
+        <p:spPr/>
+        <p:txBody>
+          <a:bodyPr/>
+          <a:lstStyle/>
+          <a:p>
+            <a:r>
+              <a:rPr lang="en-US" dirty="0" err="1">
+                <a:solidFill>
+                  <a:srgbClr val="007B78"/>
+                </a:solidFill>
+                <a:latin typeface="+mn-lt"/>
+                <a:ea typeface="+mn-ea"/>
+                <a:cs typeface="+mn-cs"/>
+              </a:rPr>
+              <a:t>meck:new</a:t>
+            </a:r>
+            <a:r>
+              <a:rPr lang="en-US" dirty="0">
+                <a:solidFill>
+                  <a:srgbClr val="007B78"/>
+                </a:solidFill>
+                <a:latin typeface="+mn-lt"/>
+                <a:ea typeface="+mn-ea"/>
+                <a:cs typeface="+mn-cs"/>
+              </a:rPr>
+              <a:t>/1 and </a:t>
+            </a:r>
+            <a:r>
+              <a:rPr lang="en-US" dirty="0" err="1">
+                <a:solidFill>
+                  <a:srgbClr val="007B78"/>
+                </a:solidFill>
+                <a:latin typeface="+mn-lt"/>
+                <a:ea typeface="+mn-ea"/>
+                <a:cs typeface="+mn-cs"/>
+              </a:rPr>
+              <a:t>meck:new</a:t>
+            </a:r>
+            <a:r>
+              <a:rPr lang="en-US" dirty="0">
+                <a:solidFill>
+                  <a:srgbClr val="007B78"/>
+                </a:solidFill>
+                <a:latin typeface="+mn-lt"/>
+                <a:ea typeface="+mn-ea"/>
+                <a:cs typeface="+mn-cs"/>
+              </a:rPr>
+              <a:t>/2</a:t>
+            </a:r>
+          </a:p>
+        </p:txBody>
+      </p:sp>
+    </p:spTree>
+    <p:extLst>
+      <p:ext uri="{BB962C8B-B14F-4D97-AF65-F5344CB8AC3E}">
+        <p14:creationId xmlns:p14="http://schemas.microsoft.com/office/powerpoint/2010/main" val="2015843137"/>
+      </p:ext>
+    </p:extLst>
+  </p:cSld>
+  <p:clrMapOvr>
+    <a:masterClrMapping/>
+  </p:clrMapOvr>
+</p:sld>
+</file>
+
+<file path=ppt/slides/slide32.xml><?xml version="1.0" encoding="utf-8"?>
+<p:sld xmlns:a="http://schemas.openxmlformats.org/drawingml/2006/main" xmlns:r="http://schemas.openxmlformats.org/officeDocument/2006/relationships" xmlns:p="http://schemas.openxmlformats.org/presentationml/2006/main">
+  <p:cSld>
+    <p:spTree>
+      <p:nvGrpSpPr>
+        <p:cNvPr id="1" name=""/>
+        <p:cNvGrpSpPr/>
+        <p:nvPr/>
+      </p:nvGrpSpPr>
+      <p:grpSpPr>
+        <a:xfrm>
+          <a:off x="0" y="0"/>
+          <a:ext cx="0" cy="0"/>
+          <a:chOff x="0" y="0"/>
+          <a:chExt cx="0" cy="0"/>
+        </a:xfrm>
+      </p:grpSpPr>
+      <p:sp>
+        <p:nvSpPr>
+          <p:cNvPr id="2" name="Content Placeholder 1"/>
+          <p:cNvSpPr>
+            <a:spLocks noGrp="1"/>
+          </p:cNvSpPr>
+          <p:nvPr>
+            <p:ph idx="1"/>
+          </p:nvPr>
+        </p:nvSpPr>
+        <p:spPr/>
+        <p:txBody>
+          <a:bodyPr/>
+          <a:lstStyle/>
+          <a:p>
+            <a:r>
+              <a:rPr lang="en-US" dirty="0" err="1">
+                <a:latin typeface="Consolas" panose="020B0609020204030204" pitchFamily="49" charset="0"/>
+                <a:cs typeface="Consolas" panose="020B0609020204030204" pitchFamily="49" charset="0"/>
+              </a:rPr>
+              <a:t>meck:expect</a:t>
+            </a:r>
+            <a:r>
+              <a:rPr lang="en-US" dirty="0">
+                <a:latin typeface="Consolas" panose="020B0609020204030204" pitchFamily="49" charset="0"/>
+                <a:cs typeface="Consolas" panose="020B0609020204030204" pitchFamily="49" charset="0"/>
+              </a:rPr>
+              <a:t>(Module, Function, Fun</a:t>
+            </a:r>
+            <a:r>
+              <a:rPr lang="en-US" dirty="0"/>
+              <a:t>) will define the behavior of a function in a mocked module.</a:t>
+            </a:r>
+            <a:br>
+              <a:rPr lang="en-US" dirty="0"/>
+            </a:br>
+            <a:br>
+              <a:rPr lang="en-US" dirty="0"/>
+            </a:br>
+            <a:r>
+              <a:rPr lang="en-US" dirty="0" err="1">
+                <a:latin typeface="Consolas" panose="020B0609020204030204" pitchFamily="49" charset="0"/>
+                <a:cs typeface="Consolas" panose="020B0609020204030204" pitchFamily="49" charset="0"/>
+              </a:rPr>
+              <a:t>meck:expect</a:t>
+            </a:r>
+            <a:r>
+              <a:rPr lang="en-US" dirty="0">
+                <a:latin typeface="Consolas" panose="020B0609020204030204" pitchFamily="49" charset="0"/>
+                <a:cs typeface="Consolas" panose="020B0609020204030204" pitchFamily="49" charset="0"/>
+              </a:rPr>
+              <a:t>(</a:t>
+            </a:r>
+            <a:r>
+              <a:rPr lang="en-US" dirty="0" err="1">
+                <a:latin typeface="Consolas" panose="020B0609020204030204" pitchFamily="49" charset="0"/>
+                <a:cs typeface="Consolas" panose="020B0609020204030204" pitchFamily="49" charset="0"/>
+              </a:rPr>
+              <a:t>my_chat_client</a:t>
+            </a:r>
+            <a:r>
+              <a:rPr lang="en-US" dirty="0">
+                <a:latin typeface="Consolas" panose="020B0609020204030204" pitchFamily="49" charset="0"/>
+                <a:cs typeface="Consolas" panose="020B0609020204030204" pitchFamily="49" charset="0"/>
+              </a:rPr>
+              <a:t>, ping, fun(_) -&gt; pong end).</a:t>
+            </a:r>
+          </a:p>
+        </p:txBody>
+      </p:sp>
+      <p:sp>
+        <p:nvSpPr>
+          <p:cNvPr id="3" name="Title 2"/>
+          <p:cNvSpPr>
+            <a:spLocks noGrp="1"/>
+          </p:cNvSpPr>
+          <p:nvPr>
+            <p:ph type="title"/>
+          </p:nvPr>
+        </p:nvSpPr>
+        <p:spPr/>
+        <p:txBody>
+          <a:bodyPr/>
+          <a:lstStyle/>
+          <a:p>
+            <a:r>
+              <a:rPr lang="en-US" dirty="0" err="1">
+                <a:solidFill>
+                  <a:srgbClr val="007B78"/>
+                </a:solidFill>
+                <a:latin typeface="+mn-lt"/>
+                <a:ea typeface="+mn-ea"/>
+                <a:cs typeface="+mn-cs"/>
+              </a:rPr>
+              <a:t>meck:expect</a:t>
+            </a:r>
+            <a:r>
+              <a:rPr lang="en-US" dirty="0">
+                <a:solidFill>
+                  <a:srgbClr val="007B78"/>
+                </a:solidFill>
+                <a:latin typeface="+mn-lt"/>
+                <a:ea typeface="+mn-ea"/>
+                <a:cs typeface="+mn-cs"/>
+              </a:rPr>
+              <a:t>/3</a:t>
+            </a:r>
+          </a:p>
+        </p:txBody>
+      </p:sp>
+    </p:spTree>
+    <p:extLst>
+      <p:ext uri="{BB962C8B-B14F-4D97-AF65-F5344CB8AC3E}">
+        <p14:creationId xmlns:p14="http://schemas.microsoft.com/office/powerpoint/2010/main" val="3714116135"/>
+      </p:ext>
+    </p:extLst>
+  </p:cSld>
+  <p:clrMapOvr>
+    <a:masterClrMapping/>
+  </p:clrMapOvr>
+</p:sld>
+</file>
+
+<file path=ppt/slides/slide33.xml><?xml version="1.0" encoding="utf-8"?>
+<p:sld xmlns:a="http://schemas.openxmlformats.org/drawingml/2006/main" xmlns:r="http://schemas.openxmlformats.org/officeDocument/2006/relationships" xmlns:p="http://schemas.openxmlformats.org/presentationml/2006/main">
+  <p:cSld>
+    <p:spTree>
+      <p:nvGrpSpPr>
+        <p:cNvPr id="1" name=""/>
+        <p:cNvGrpSpPr/>
+        <p:nvPr/>
+      </p:nvGrpSpPr>
+      <p:grpSpPr>
+        <a:xfrm>
+          <a:off x="0" y="0"/>
+          <a:ext cx="0" cy="0"/>
+          <a:chOff x="0" y="0"/>
+          <a:chExt cx="0" cy="0"/>
+        </a:xfrm>
+      </p:grpSpPr>
+      <p:sp>
+        <p:nvSpPr>
+          <p:cNvPr id="2" name="Content Placeholder 1"/>
+          <p:cNvSpPr>
+            <a:spLocks noGrp="1"/>
+          </p:cNvSpPr>
+          <p:nvPr>
+            <p:ph idx="1"/>
+          </p:nvPr>
+        </p:nvSpPr>
+        <p:spPr/>
+        <p:txBody>
+          <a:bodyPr/>
+          <a:lstStyle/>
+          <a:p>
+            <a:r>
+              <a:rPr lang="en-US" dirty="0"/>
+              <a:t>If a module is mocked, by default, </a:t>
+            </a:r>
+            <a:r>
+              <a:rPr lang="en-US" i="1" dirty="0"/>
+              <a:t>all </a:t>
+            </a:r>
+            <a:r>
+              <a:rPr lang="en-US" dirty="0"/>
+              <a:t>functionality will be replaced by the mocked instance of the module.</a:t>
+            </a:r>
+          </a:p>
+          <a:p>
+            <a:r>
+              <a:rPr lang="en-US" dirty="0"/>
+              <a:t>What if we just want to mock some functionality?</a:t>
+            </a:r>
+          </a:p>
+          <a:p>
+            <a:r>
+              <a:rPr lang="en-US" dirty="0"/>
+              <a:t>The </a:t>
+            </a:r>
+            <a:r>
+              <a:rPr lang="en-US" dirty="0" err="1"/>
+              <a:t>passthrough</a:t>
+            </a:r>
+            <a:r>
+              <a:rPr lang="en-US" dirty="0"/>
+              <a:t> option keeps all functionality of a module intact, unless it has been explicitly overwritten by </a:t>
+            </a:r>
+            <a:r>
+              <a:rPr lang="en-US" dirty="0" err="1"/>
+              <a:t>meck:expect</a:t>
+            </a:r>
+            <a:r>
+              <a:rPr lang="en-US" dirty="0"/>
+              <a:t>/3.</a:t>
+            </a:r>
+            <a:br>
+              <a:rPr lang="en-US" dirty="0"/>
+            </a:br>
+            <a:br>
+              <a:rPr lang="en-US" dirty="0">
+                <a:latin typeface="Consolas" panose="020B0609020204030204" pitchFamily="49" charset="0"/>
+                <a:cs typeface="Consolas" panose="020B0609020204030204" pitchFamily="49" charset="0"/>
+              </a:rPr>
+            </a:br>
+            <a:r>
+              <a:rPr lang="en-US" dirty="0" err="1">
+                <a:latin typeface="Consolas" panose="020B0609020204030204" pitchFamily="49" charset="0"/>
+                <a:cs typeface="Consolas" panose="020B0609020204030204" pitchFamily="49" charset="0"/>
+              </a:rPr>
+              <a:t>meck:new</a:t>
+            </a:r>
+            <a:r>
+              <a:rPr lang="en-US" dirty="0">
+                <a:latin typeface="Consolas" panose="020B0609020204030204" pitchFamily="49" charset="0"/>
+                <a:cs typeface="Consolas" panose="020B0609020204030204" pitchFamily="49" charset="0"/>
+              </a:rPr>
+              <a:t>(</a:t>
+            </a:r>
+            <a:r>
+              <a:rPr lang="en-US" dirty="0" err="1">
+                <a:latin typeface="Consolas" panose="020B0609020204030204" pitchFamily="49" charset="0"/>
+                <a:cs typeface="Consolas" panose="020B0609020204030204" pitchFamily="49" charset="0"/>
+              </a:rPr>
+              <a:t>my_chat_client</a:t>
+            </a:r>
+            <a:r>
+              <a:rPr lang="en-US" dirty="0">
+                <a:latin typeface="Consolas" panose="020B0609020204030204" pitchFamily="49" charset="0"/>
+                <a:cs typeface="Consolas" panose="020B0609020204030204" pitchFamily="49" charset="0"/>
+              </a:rPr>
+              <a:t>, [</a:t>
+            </a:r>
+            <a:r>
+              <a:rPr lang="en-US" dirty="0" err="1">
+                <a:latin typeface="Consolas" panose="020B0609020204030204" pitchFamily="49" charset="0"/>
+                <a:cs typeface="Consolas" panose="020B0609020204030204" pitchFamily="49" charset="0"/>
+              </a:rPr>
+              <a:t>passthrough</a:t>
+            </a:r>
+            <a:r>
+              <a:rPr lang="en-US" dirty="0">
+                <a:latin typeface="Consolas" panose="020B0609020204030204" pitchFamily="49" charset="0"/>
+                <a:cs typeface="Consolas" panose="020B0609020204030204" pitchFamily="49" charset="0"/>
+              </a:rPr>
+              <a:t>]),</a:t>
+            </a:r>
+            <a:br>
+              <a:rPr lang="en-US" dirty="0">
+                <a:latin typeface="Consolas" panose="020B0609020204030204" pitchFamily="49" charset="0"/>
+                <a:cs typeface="Consolas" panose="020B0609020204030204" pitchFamily="49" charset="0"/>
+              </a:rPr>
+            </a:br>
+            <a:r>
+              <a:rPr lang="en-US" dirty="0" err="1">
+                <a:latin typeface="Consolas" panose="020B0609020204030204" pitchFamily="49" charset="0"/>
+                <a:cs typeface="Consolas" panose="020B0609020204030204" pitchFamily="49" charset="0"/>
+              </a:rPr>
+              <a:t>meck:expect</a:t>
+            </a:r>
+            <a:r>
+              <a:rPr lang="en-US" dirty="0">
+                <a:latin typeface="Consolas" panose="020B0609020204030204" pitchFamily="49" charset="0"/>
+                <a:cs typeface="Consolas" panose="020B0609020204030204" pitchFamily="49" charset="0"/>
+              </a:rPr>
+              <a:t>(</a:t>
+            </a:r>
+            <a:r>
+              <a:rPr lang="en-US" dirty="0" err="1">
+                <a:latin typeface="Consolas" panose="020B0609020204030204" pitchFamily="49" charset="0"/>
+                <a:cs typeface="Consolas" panose="020B0609020204030204" pitchFamily="49" charset="0"/>
+              </a:rPr>
+              <a:t>my_chat_client</a:t>
+            </a:r>
+            <a:r>
+              <a:rPr lang="en-US" dirty="0">
+                <a:latin typeface="Consolas" panose="020B0609020204030204" pitchFamily="49" charset="0"/>
+                <a:cs typeface="Consolas" panose="020B0609020204030204" pitchFamily="49" charset="0"/>
+              </a:rPr>
+              <a:t>, ping, fun(_) -&gt; pong end).</a:t>
+            </a:r>
+          </a:p>
+          <a:p>
+            <a:endParaRPr lang="en-US" dirty="0"/>
+          </a:p>
+        </p:txBody>
+      </p:sp>
+      <p:sp>
+        <p:nvSpPr>
+          <p:cNvPr id="3" name="Title 2"/>
+          <p:cNvSpPr>
+            <a:spLocks noGrp="1"/>
+          </p:cNvSpPr>
+          <p:nvPr>
+            <p:ph type="title"/>
+          </p:nvPr>
+        </p:nvSpPr>
+        <p:spPr/>
+        <p:txBody>
+          <a:bodyPr/>
+          <a:lstStyle/>
+          <a:p>
+            <a:r>
+              <a:rPr lang="en-US" dirty="0">
+                <a:solidFill>
+                  <a:srgbClr val="007B78"/>
+                </a:solidFill>
+                <a:latin typeface="+mn-lt"/>
+                <a:ea typeface="+mn-ea"/>
+                <a:cs typeface="+mn-cs"/>
+              </a:rPr>
+              <a:t>Options – </a:t>
+            </a:r>
+            <a:r>
+              <a:rPr lang="en-US" dirty="0" err="1">
+                <a:solidFill>
+                  <a:srgbClr val="007B78"/>
+                </a:solidFill>
+                <a:latin typeface="+mn-lt"/>
+                <a:ea typeface="+mn-ea"/>
+                <a:cs typeface="+mn-cs"/>
+              </a:rPr>
+              <a:t>passthrough</a:t>
+            </a:r>
+            <a:endParaRPr lang="en-US" dirty="0">
+              <a:solidFill>
+                <a:srgbClr val="007B78"/>
+              </a:solidFill>
+              <a:latin typeface="+mn-lt"/>
+              <a:ea typeface="+mn-ea"/>
+              <a:cs typeface="+mn-cs"/>
+            </a:endParaRPr>
+          </a:p>
+        </p:txBody>
+      </p:sp>
+    </p:spTree>
+    <p:extLst>
+      <p:ext uri="{BB962C8B-B14F-4D97-AF65-F5344CB8AC3E}">
+        <p14:creationId xmlns:p14="http://schemas.microsoft.com/office/powerpoint/2010/main" val="174357172"/>
+      </p:ext>
+    </p:extLst>
+  </p:cSld>
+  <p:clrMapOvr>
+    <a:masterClrMapping/>
+  </p:clrMapOvr>
+</p:sld>
+</file>
+
+<file path=ppt/slides/slide34.xml><?xml version="1.0" encoding="utf-8"?>
+<p:sld xmlns:a="http://schemas.openxmlformats.org/drawingml/2006/main" xmlns:r="http://schemas.openxmlformats.org/officeDocument/2006/relationships" xmlns:p="http://schemas.openxmlformats.org/presentationml/2006/main">
+  <p:cSld>
+    <p:spTree>
+      <p:nvGrpSpPr>
+        <p:cNvPr id="1" name=""/>
+        <p:cNvGrpSpPr/>
+        <p:nvPr/>
+      </p:nvGrpSpPr>
+      <p:grpSpPr>
+        <a:xfrm>
+          <a:off x="0" y="0"/>
+          <a:ext cx="0" cy="0"/>
+          <a:chOff x="0" y="0"/>
+          <a:chExt cx="0" cy="0"/>
+        </a:xfrm>
+      </p:grpSpPr>
+      <p:sp>
+        <p:nvSpPr>
+          <p:cNvPr id="2" name="Content Placeholder 1"/>
+          <p:cNvSpPr>
+            <a:spLocks noGrp="1"/>
+          </p:cNvSpPr>
+          <p:nvPr>
+            <p:ph idx="1"/>
+          </p:nvPr>
+        </p:nvSpPr>
+        <p:spPr/>
+        <p:txBody>
+          <a:bodyPr/>
+          <a:lstStyle/>
+          <a:p>
+            <a:r>
+              <a:rPr lang="en-US" dirty="0"/>
+              <a:t>It is possible to mock modules that do not even exist. This is done with the option </a:t>
+            </a:r>
+            <a:r>
+              <a:rPr lang="en-US" dirty="0" err="1"/>
+              <a:t>non_strict</a:t>
+            </a:r>
+            <a:r>
+              <a:rPr lang="en-US" dirty="0"/>
+              <a:t>.</a:t>
+            </a:r>
+            <a:br>
+              <a:rPr lang="en-US" dirty="0"/>
+            </a:br>
+            <a:br>
+              <a:rPr lang="en-US" dirty="0">
+                <a:latin typeface="Consolas" panose="020B0609020204030204" pitchFamily="49" charset="0"/>
+                <a:cs typeface="Consolas" panose="020B0609020204030204" pitchFamily="49" charset="0"/>
+              </a:rPr>
+            </a:br>
+            <a:r>
+              <a:rPr lang="en-US" dirty="0" err="1">
+                <a:latin typeface="Consolas" panose="020B0609020204030204" pitchFamily="49" charset="0"/>
+                <a:cs typeface="Consolas" panose="020B0609020204030204" pitchFamily="49" charset="0"/>
+              </a:rPr>
+              <a:t>meck:new</a:t>
+            </a:r>
+            <a:r>
+              <a:rPr lang="en-US" dirty="0">
+                <a:latin typeface="Consolas" panose="020B0609020204030204" pitchFamily="49" charset="0"/>
+                <a:cs typeface="Consolas" panose="020B0609020204030204" pitchFamily="49" charset="0"/>
+              </a:rPr>
+              <a:t>(</a:t>
+            </a:r>
+            <a:r>
+              <a:rPr lang="en-US" dirty="0" err="1">
+                <a:latin typeface="Consolas" panose="020B0609020204030204" pitchFamily="49" charset="0"/>
+                <a:cs typeface="Consolas" panose="020B0609020204030204" pitchFamily="49" charset="0"/>
+              </a:rPr>
+              <a:t>better_lists</a:t>
+            </a:r>
+            <a:r>
+              <a:rPr lang="en-US" dirty="0">
+                <a:latin typeface="Consolas" panose="020B0609020204030204" pitchFamily="49" charset="0"/>
+                <a:cs typeface="Consolas" panose="020B0609020204030204" pitchFamily="49" charset="0"/>
+              </a:rPr>
+              <a:t>, [</a:t>
+            </a:r>
+            <a:r>
+              <a:rPr lang="en-US" dirty="0" err="1">
+                <a:latin typeface="Consolas" panose="020B0609020204030204" pitchFamily="49" charset="0"/>
+                <a:cs typeface="Consolas" panose="020B0609020204030204" pitchFamily="49" charset="0"/>
+              </a:rPr>
+              <a:t>non_strict</a:t>
+            </a:r>
+            <a:r>
+              <a:rPr lang="en-US" dirty="0">
+                <a:latin typeface="Consolas" panose="020B0609020204030204" pitchFamily="49" charset="0"/>
+                <a:cs typeface="Consolas" panose="020B0609020204030204" pitchFamily="49" charset="0"/>
+              </a:rPr>
+              <a:t>]),</a:t>
+            </a:r>
+            <a:br>
+              <a:rPr lang="en-US" dirty="0">
+                <a:latin typeface="Consolas" panose="020B0609020204030204" pitchFamily="49" charset="0"/>
+                <a:cs typeface="Consolas" panose="020B0609020204030204" pitchFamily="49" charset="0"/>
+              </a:rPr>
+            </a:br>
+            <a:r>
+              <a:rPr lang="en-US" dirty="0" err="1">
+                <a:latin typeface="Consolas" panose="020B0609020204030204" pitchFamily="49" charset="0"/>
+                <a:cs typeface="Consolas" panose="020B0609020204030204" pitchFamily="49" charset="0"/>
+              </a:rPr>
+              <a:t>meck:expect</a:t>
+            </a:r>
+            <a:r>
+              <a:rPr lang="en-US" dirty="0">
+                <a:latin typeface="Consolas" panose="020B0609020204030204" pitchFamily="49" charset="0"/>
+                <a:cs typeface="Consolas" panose="020B0609020204030204" pitchFamily="49" charset="0"/>
+              </a:rPr>
+              <a:t>(</a:t>
+            </a:r>
+            <a:r>
+              <a:rPr lang="en-US" dirty="0" err="1">
+                <a:latin typeface="Consolas" panose="020B0609020204030204" pitchFamily="49" charset="0"/>
+                <a:cs typeface="Consolas" panose="020B0609020204030204" pitchFamily="49" charset="0"/>
+              </a:rPr>
+              <a:t>better_lists</a:t>
+            </a:r>
+            <a:r>
+              <a:rPr lang="en-US" dirty="0">
+                <a:latin typeface="Consolas" panose="020B0609020204030204" pitchFamily="49" charset="0"/>
+                <a:cs typeface="Consolas" panose="020B0609020204030204" pitchFamily="49" charset="0"/>
+              </a:rPr>
+              <a:t>,</a:t>
+            </a:r>
+            <a:br>
+              <a:rPr lang="en-US" dirty="0">
+                <a:latin typeface="Consolas" panose="020B0609020204030204" pitchFamily="49" charset="0"/>
+                <a:cs typeface="Consolas" panose="020B0609020204030204" pitchFamily="49" charset="0"/>
+              </a:rPr>
+            </a:br>
+            <a:r>
+              <a:rPr lang="en-US" dirty="0">
+                <a:latin typeface="Consolas" panose="020B0609020204030204" pitchFamily="49" charset="0"/>
+                <a:cs typeface="Consolas" panose="020B0609020204030204" pitchFamily="49" charset="0"/>
+              </a:rPr>
+              <a:t>            </a:t>
+            </a:r>
+            <a:r>
+              <a:rPr lang="en-US" dirty="0" err="1">
+                <a:latin typeface="Consolas" panose="020B0609020204030204" pitchFamily="49" charset="0"/>
+                <a:cs typeface="Consolas" panose="020B0609020204030204" pitchFamily="49" charset="0"/>
+              </a:rPr>
+              <a:t>better_sort</a:t>
+            </a:r>
+            <a:r>
+              <a:rPr lang="en-US" dirty="0">
+                <a:latin typeface="Consolas" panose="020B0609020204030204" pitchFamily="49" charset="0"/>
+                <a:cs typeface="Consolas" panose="020B0609020204030204" pitchFamily="49" charset="0"/>
+              </a:rPr>
+              <a:t>,</a:t>
+            </a:r>
+            <a:br>
+              <a:rPr lang="en-US" dirty="0">
+                <a:latin typeface="Consolas" panose="020B0609020204030204" pitchFamily="49" charset="0"/>
+                <a:cs typeface="Consolas" panose="020B0609020204030204" pitchFamily="49" charset="0"/>
+              </a:rPr>
+            </a:br>
+            <a:r>
+              <a:rPr lang="en-US" dirty="0">
+                <a:latin typeface="Consolas" panose="020B0609020204030204" pitchFamily="49" charset="0"/>
+                <a:cs typeface="Consolas" panose="020B0609020204030204" pitchFamily="49" charset="0"/>
+              </a:rPr>
+              <a:t>            fun </a:t>
+            </a:r>
+            <a:r>
+              <a:rPr lang="en-US" dirty="0" err="1">
+                <a:latin typeface="Consolas" panose="020B0609020204030204" pitchFamily="49" charset="0"/>
+                <a:cs typeface="Consolas" panose="020B0609020204030204" pitchFamily="49" charset="0"/>
+              </a:rPr>
+              <a:t>super_quicksort</a:t>
+            </a:r>
+            <a:r>
+              <a:rPr lang="en-US" dirty="0">
+                <a:latin typeface="Consolas" panose="020B0609020204030204" pitchFamily="49" charset="0"/>
+                <a:cs typeface="Consolas" panose="020B0609020204030204" pitchFamily="49" charset="0"/>
+              </a:rPr>
+              <a:t>/1).</a:t>
+            </a:r>
+          </a:p>
+          <a:p>
+            <a:endParaRPr lang="en-US" dirty="0"/>
+          </a:p>
+        </p:txBody>
+      </p:sp>
+      <p:sp>
+        <p:nvSpPr>
+          <p:cNvPr id="3" name="Title 2"/>
+          <p:cNvSpPr>
+            <a:spLocks noGrp="1"/>
+          </p:cNvSpPr>
+          <p:nvPr>
+            <p:ph type="title"/>
+          </p:nvPr>
+        </p:nvSpPr>
+        <p:spPr/>
+        <p:txBody>
+          <a:bodyPr/>
+          <a:lstStyle/>
+          <a:p>
+            <a:r>
+              <a:rPr lang="en-US" dirty="0">
+                <a:solidFill>
+                  <a:srgbClr val="007B78"/>
+                </a:solidFill>
+                <a:latin typeface="+mn-lt"/>
+                <a:ea typeface="+mn-ea"/>
+                <a:cs typeface="+mn-cs"/>
+              </a:rPr>
+              <a:t>Options – </a:t>
+            </a:r>
+            <a:r>
+              <a:rPr lang="en-US" dirty="0" err="1">
+                <a:solidFill>
+                  <a:srgbClr val="007B78"/>
+                </a:solidFill>
+                <a:latin typeface="+mn-lt"/>
+                <a:ea typeface="+mn-ea"/>
+                <a:cs typeface="+mn-cs"/>
+              </a:rPr>
+              <a:t>non_strict</a:t>
+            </a:r>
+            <a:endParaRPr lang="en-US" dirty="0">
+              <a:solidFill>
+                <a:srgbClr val="007B78"/>
+              </a:solidFill>
+              <a:latin typeface="+mn-lt"/>
+              <a:ea typeface="+mn-ea"/>
+              <a:cs typeface="+mn-cs"/>
+            </a:endParaRPr>
+          </a:p>
+        </p:txBody>
+      </p:sp>
+    </p:spTree>
+    <p:extLst>
+      <p:ext uri="{BB962C8B-B14F-4D97-AF65-F5344CB8AC3E}">
+        <p14:creationId xmlns:p14="http://schemas.microsoft.com/office/powerpoint/2010/main" val="394629017"/>
       </p:ext>
     </p:extLst>
   </p:cSld>

--- a/basic_erlang_4/presentation/erlang_part_4_testing.pptx
+++ b/basic_erlang_4/presentation/erlang_part_4_testing.pptx
@@ -5,10 +5,10 @@
     <p:sldMasterId id="2147483676" r:id="rId1"/>
   </p:sldMasterIdLst>
   <p:notesMasterIdLst>
-    <p:notesMasterId r:id="rId36"/>
+    <p:notesMasterId r:id="rId38"/>
   </p:notesMasterIdLst>
   <p:handoutMasterIdLst>
-    <p:handoutMasterId r:id="rId37"/>
+    <p:handoutMasterId r:id="rId39"/>
   </p:handoutMasterIdLst>
   <p:sldIdLst>
     <p:sldId id="259" r:id="rId2"/>
@@ -45,20 +45,22 @@
     <p:sldId id="291" r:id="rId33"/>
     <p:sldId id="292" r:id="rId34"/>
     <p:sldId id="293" r:id="rId35"/>
+    <p:sldId id="294" r:id="rId36"/>
+    <p:sldId id="295" r:id="rId37"/>
   </p:sldIdLst>
   <p:sldSz cx="12192000" cy="6858000"/>
   <p:notesSz cx="6884988" cy="10018713"/>
   <p:embeddedFontLst>
     <p:embeddedFont>
       <p:font typeface="Consolas" panose="020B0609020204030204" pitchFamily="49" charset="0"/>
-      <p:regular r:id="rId38"/>
-      <p:bold r:id="rId39"/>
-      <p:italic r:id="rId40"/>
-      <p:boldItalic r:id="rId41"/>
+      <p:regular r:id="rId40"/>
+      <p:bold r:id="rId41"/>
+      <p:italic r:id="rId42"/>
+      <p:boldItalic r:id="rId43"/>
     </p:embeddedFont>
     <p:embeddedFont>
       <p:font typeface="Ericsson Capital TT" panose="02000503000000020004" pitchFamily="2" charset="0"/>
-      <p:regular r:id="rId42"/>
+      <p:regular r:id="rId44"/>
     </p:embeddedFont>
   </p:embeddedFontLst>
   <p:defaultTextStyle>
@@ -225,6 +227,8 @@
             <p14:sldId id="291"/>
             <p14:sldId id="292"/>
             <p14:sldId id="293"/>
+            <p14:sldId id="294"/>
+            <p14:sldId id="295"/>
           </p14:sldIdLst>
         </p14:section>
       </p14:sectionLst>
@@ -10538,6 +10542,88 @@
       </p:grpSpPr>
       <p:sp>
         <p:nvSpPr>
+          <p:cNvPr id="2" name="Content Placeholder 1"/>
+          <p:cNvSpPr>
+            <a:spLocks noGrp="1"/>
+          </p:cNvSpPr>
+          <p:nvPr>
+            <p:ph idx="1"/>
+          </p:nvPr>
+        </p:nvSpPr>
+        <p:spPr/>
+        <p:txBody>
+          <a:bodyPr/>
+          <a:lstStyle/>
+          <a:p>
+            <a:r>
+              <a:rPr lang="en-US" dirty="0"/>
+              <a:t>If rebar3 is used, it is easy to add external dependencies.</a:t>
+            </a:r>
+          </a:p>
+          <a:p>
+            <a:r>
+              <a:rPr lang="en-US" dirty="0"/>
+              <a:t>Your project root has a file called </a:t>
+            </a:r>
+            <a:r>
+              <a:rPr lang="en-US" dirty="0" err="1"/>
+              <a:t>rebar.config</a:t>
+            </a:r>
+            <a:r>
+              <a:rPr lang="en-US" dirty="0"/>
+              <a:t>. Add </a:t>
+            </a:r>
+            <a:r>
+              <a:rPr lang="en-US" dirty="0" err="1"/>
+              <a:t>meck</a:t>
+            </a:r>
+            <a:r>
+              <a:rPr lang="en-US" dirty="0"/>
+              <a:t> as a dependency.</a:t>
+            </a:r>
+          </a:p>
+          <a:p>
+            <a:endParaRPr lang="en-US" dirty="0"/>
+          </a:p>
+          <a:p>
+            <a:endParaRPr lang="en-US" dirty="0"/>
+          </a:p>
+          <a:p>
+            <a:endParaRPr lang="en-US" dirty="0"/>
+          </a:p>
+          <a:p>
+            <a:endParaRPr lang="en-US" dirty="0"/>
+          </a:p>
+          <a:p>
+            <a:endParaRPr lang="en-US" dirty="0"/>
+          </a:p>
+          <a:p>
+            <a:endParaRPr lang="en-US" dirty="0"/>
+          </a:p>
+          <a:p>
+            <a:endParaRPr lang="en-US" dirty="0"/>
+          </a:p>
+          <a:p>
+            <a:pPr marL="0" indent="0">
+              <a:buNone/>
+            </a:pPr>
+            <a:r>
+              <a:rPr lang="en-US" dirty="0"/>
+              <a:t>(This will also make </a:t>
+            </a:r>
+            <a:r>
+              <a:rPr lang="en-US" dirty="0" err="1"/>
+              <a:t>meck</a:t>
+            </a:r>
+            <a:r>
+              <a:rPr lang="en-US" dirty="0"/>
+              <a:t> available in the shell if you want to play around with it)</a:t>
+            </a:r>
+          </a:p>
+        </p:txBody>
+      </p:sp>
+      <p:sp>
+        <p:nvSpPr>
           <p:cNvPr id="6" name="Rectangle: Rounded Corners 5"/>
           <p:cNvSpPr/>
           <p:nvPr/>
@@ -10571,88 +10657,6 @@
           <a:lstStyle/>
           <a:p>
             <a:endParaRPr lang="en-US"/>
-          </a:p>
-        </p:txBody>
-      </p:sp>
-      <p:sp>
-        <p:nvSpPr>
-          <p:cNvPr id="2" name="Content Placeholder 1"/>
-          <p:cNvSpPr>
-            <a:spLocks noGrp="1"/>
-          </p:cNvSpPr>
-          <p:nvPr>
-            <p:ph idx="1"/>
-          </p:nvPr>
-        </p:nvSpPr>
-        <p:spPr/>
-        <p:txBody>
-          <a:bodyPr/>
-          <a:lstStyle/>
-          <a:p>
-            <a:r>
-              <a:rPr lang="en-US" dirty="0"/>
-              <a:t>If rebar3 is used, it is easy to add external dependencies.</a:t>
-            </a:r>
-          </a:p>
-          <a:p>
-            <a:r>
-              <a:rPr lang="en-US" dirty="0"/>
-              <a:t>Your project root has a file called </a:t>
-            </a:r>
-            <a:r>
-              <a:rPr lang="en-US" dirty="0" err="1"/>
-              <a:t>rebar.config</a:t>
-            </a:r>
-            <a:r>
-              <a:rPr lang="en-US" dirty="0"/>
-              <a:t>. Add </a:t>
-            </a:r>
-            <a:r>
-              <a:rPr lang="en-US" dirty="0" err="1"/>
-              <a:t>meck</a:t>
-            </a:r>
-            <a:r>
-              <a:rPr lang="en-US" dirty="0"/>
-              <a:t> as a dependency.</a:t>
-            </a:r>
-          </a:p>
-          <a:p>
-            <a:endParaRPr lang="en-US" dirty="0"/>
-          </a:p>
-          <a:p>
-            <a:endParaRPr lang="en-US" dirty="0"/>
-          </a:p>
-          <a:p>
-            <a:endParaRPr lang="en-US" dirty="0"/>
-          </a:p>
-          <a:p>
-            <a:endParaRPr lang="en-US" dirty="0"/>
-          </a:p>
-          <a:p>
-            <a:endParaRPr lang="en-US" dirty="0"/>
-          </a:p>
-          <a:p>
-            <a:endParaRPr lang="en-US" dirty="0"/>
-          </a:p>
-          <a:p>
-            <a:endParaRPr lang="en-US" dirty="0"/>
-          </a:p>
-          <a:p>
-            <a:pPr marL="0" indent="0">
-              <a:buNone/>
-            </a:pPr>
-            <a:r>
-              <a:rPr lang="en-US" dirty="0"/>
-              <a:t>(This will also make </a:t>
-            </a:r>
-            <a:r>
-              <a:rPr lang="en-US" dirty="0" err="1"/>
-              <a:t>meck</a:t>
-            </a:r>
-            <a:r>
-              <a:rPr lang="en-US" dirty="0"/>
-              <a:t> available in the shell if you want to play around with it)</a:t>
-            </a:r>
           </a:p>
         </p:txBody>
       </p:sp>
@@ -10905,6 +10909,44 @@
       </p:grpSpPr>
       <p:sp>
         <p:nvSpPr>
+          <p:cNvPr id="5" name="Rectangle: Rounded Corners 4"/>
+          <p:cNvSpPr/>
+          <p:nvPr/>
+        </p:nvSpPr>
+        <p:spPr bwMode="auto">
+          <a:xfrm>
+            <a:off x="2777068" y="3081867"/>
+            <a:ext cx="5520266" cy="1998133"/>
+          </a:xfrm>
+          <a:prstGeom prst="roundRect">
+            <a:avLst/>
+          </a:prstGeom>
+          <a:solidFill>
+            <a:srgbClr val="000000"/>
+          </a:solidFill>
+          <a:ln w="12700" cap="flat" cmpd="sng" algn="ctr">
+            <a:noFill/>
+            <a:prstDash val="solid"/>
+            <a:round/>
+            <a:headEnd type="none" w="med" len="med"/>
+            <a:tailEnd type="none" w="med" len="med"/>
+          </a:ln>
+          <a:effectLst/>
+        </p:spPr>
+        <p:txBody>
+          <a:bodyPr vert="horz" wrap="none" lIns="72000" tIns="45720" rIns="72000" bIns="45720" numCol="1" rtlCol="0" anchor="t" anchorCtr="0" compatLnSpc="1">
+            <a:prstTxWarp prst="textNoShape">
+              <a:avLst/>
+            </a:prstTxWarp>
+          </a:bodyPr>
+          <a:lstStyle/>
+          <a:p>
+            <a:endParaRPr lang="en-US"/>
+          </a:p>
+        </p:txBody>
+      </p:sp>
+      <p:sp>
+        <p:nvSpPr>
           <p:cNvPr id="2" name="Content Placeholder 1"/>
           <p:cNvSpPr>
             <a:spLocks noGrp="1"/>
@@ -10936,40 +10978,10 @@
               <a:rPr lang="en-US" dirty="0"/>
               <a:t>) will define the behavior of a function in a mocked module.</a:t>
             </a:r>
-            <a:br>
-              <a:rPr lang="en-US" dirty="0"/>
-            </a:br>
-            <a:br>
-              <a:rPr lang="en-US" dirty="0"/>
-            </a:br>
-            <a:r>
-              <a:rPr lang="en-US" dirty="0" err="1">
-                <a:latin typeface="Consolas" panose="020B0609020204030204" pitchFamily="49" charset="0"/>
-                <a:cs typeface="Consolas" panose="020B0609020204030204" pitchFamily="49" charset="0"/>
-              </a:rPr>
-              <a:t>meck:expect</a:t>
-            </a:r>
-            <a:r>
-              <a:rPr lang="en-US" dirty="0">
-                <a:latin typeface="Consolas" panose="020B0609020204030204" pitchFamily="49" charset="0"/>
-                <a:cs typeface="Consolas" panose="020B0609020204030204" pitchFamily="49" charset="0"/>
-              </a:rPr>
-              <a:t>(</a:t>
-            </a:r>
-            <a:r>
-              <a:rPr lang="en-US" dirty="0" err="1">
-                <a:latin typeface="Consolas" panose="020B0609020204030204" pitchFamily="49" charset="0"/>
-                <a:cs typeface="Consolas" panose="020B0609020204030204" pitchFamily="49" charset="0"/>
-              </a:rPr>
-              <a:t>my_chat_client</a:t>
-            </a:r>
-            <a:r>
-              <a:rPr lang="en-US" dirty="0">
-                <a:latin typeface="Consolas" panose="020B0609020204030204" pitchFamily="49" charset="0"/>
-                <a:cs typeface="Consolas" panose="020B0609020204030204" pitchFamily="49" charset="0"/>
-              </a:rPr>
-              <a:t>, ping, fun(_) -&gt; pong end).</a:t>
-            </a:r>
+            <a:endParaRPr lang="en-US" dirty="0">
+              <a:latin typeface="Consolas" panose="020B0609020204030204" pitchFamily="49" charset="0"/>
+              <a:cs typeface="Consolas" panose="020B0609020204030204" pitchFamily="49" charset="0"/>
+            </a:endParaRPr>
           </a:p>
         </p:txBody>
       </p:sp>
@@ -11013,6 +11025,30 @@
           </a:p>
         </p:txBody>
       </p:sp>
+      <p:pic>
+        <p:nvPicPr>
+          <p:cNvPr id="4" name="Picture 3"/>
+          <p:cNvPicPr>
+            <a:picLocks noChangeAspect="1"/>
+          </p:cNvPicPr>
+          <p:nvPr/>
+        </p:nvPicPr>
+        <p:blipFill>
+          <a:blip r:embed="rId2"/>
+          <a:stretch>
+            <a:fillRect/>
+          </a:stretch>
+        </p:blipFill>
+        <p:spPr>
+          <a:xfrm>
+            <a:off x="3016252" y="3303587"/>
+            <a:ext cx="5010150" cy="1571625"/>
+          </a:xfrm>
+          <a:prstGeom prst="rect">
+            <a:avLst/>
+          </a:prstGeom>
+        </p:spPr>
+      </p:pic>
     </p:spTree>
     <p:extLst>
       <p:ext uri="{BB962C8B-B14F-4D97-AF65-F5344CB8AC3E}">
@@ -11269,6 +11305,44 @@
       </p:grpSpPr>
       <p:sp>
         <p:nvSpPr>
+          <p:cNvPr id="5" name="Rectangle: Rounded Corners 4"/>
+          <p:cNvSpPr/>
+          <p:nvPr/>
+        </p:nvSpPr>
+        <p:spPr bwMode="auto">
+          <a:xfrm>
+            <a:off x="1913467" y="3234266"/>
+            <a:ext cx="8331200" cy="1303867"/>
+          </a:xfrm>
+          <a:prstGeom prst="roundRect">
+            <a:avLst/>
+          </a:prstGeom>
+          <a:solidFill>
+            <a:srgbClr val="000000"/>
+          </a:solidFill>
+          <a:ln w="12700" cap="flat" cmpd="sng" algn="ctr">
+            <a:noFill/>
+            <a:prstDash val="solid"/>
+            <a:round/>
+            <a:headEnd type="none" w="med" len="med"/>
+            <a:tailEnd type="none" w="med" len="med"/>
+          </a:ln>
+          <a:effectLst/>
+        </p:spPr>
+        <p:txBody>
+          <a:bodyPr vert="horz" wrap="none" lIns="72000" tIns="45720" rIns="72000" bIns="45720" numCol="1" rtlCol="0" anchor="t" anchorCtr="0" compatLnSpc="1">
+            <a:prstTxWarp prst="textNoShape">
+              <a:avLst/>
+            </a:prstTxWarp>
+          </a:bodyPr>
+          <a:lstStyle/>
+          <a:p>
+            <a:endParaRPr lang="en-US"/>
+          </a:p>
+        </p:txBody>
+      </p:sp>
+      <p:sp>
+        <p:nvSpPr>
           <p:cNvPr id="2" name="Content Placeholder 1"/>
           <p:cNvSpPr>
             <a:spLocks noGrp="1"/>
@@ -11294,148 +11368,6 @@
               <a:rPr lang="en-US" dirty="0"/>
               <a:t>.</a:t>
             </a:r>
-            <a:br>
-              <a:rPr lang="en-US" dirty="0"/>
-            </a:br>
-            <a:br>
-              <a:rPr lang="en-US" dirty="0">
-                <a:latin typeface="Consolas" panose="020B0609020204030204" pitchFamily="49" charset="0"/>
-                <a:cs typeface="Consolas" panose="020B0609020204030204" pitchFamily="49" charset="0"/>
-              </a:rPr>
-            </a:br>
-            <a:r>
-              <a:rPr lang="en-US" dirty="0" err="1">
-                <a:latin typeface="Consolas" panose="020B0609020204030204" pitchFamily="49" charset="0"/>
-                <a:cs typeface="Consolas" panose="020B0609020204030204" pitchFamily="49" charset="0"/>
-              </a:rPr>
-              <a:t>meck:new</a:t>
-            </a:r>
-            <a:r>
-              <a:rPr lang="en-US" dirty="0">
-                <a:latin typeface="Consolas" panose="020B0609020204030204" pitchFamily="49" charset="0"/>
-                <a:cs typeface="Consolas" panose="020B0609020204030204" pitchFamily="49" charset="0"/>
-              </a:rPr>
-              <a:t>(</a:t>
-            </a:r>
-            <a:r>
-              <a:rPr lang="en-US" dirty="0" err="1">
-                <a:latin typeface="Consolas" panose="020B0609020204030204" pitchFamily="49" charset="0"/>
-                <a:cs typeface="Consolas" panose="020B0609020204030204" pitchFamily="49" charset="0"/>
-              </a:rPr>
-              <a:t>better_lists</a:t>
-            </a:r>
-            <a:r>
-              <a:rPr lang="en-US" dirty="0">
-                <a:latin typeface="Consolas" panose="020B0609020204030204" pitchFamily="49" charset="0"/>
-                <a:cs typeface="Consolas" panose="020B0609020204030204" pitchFamily="49" charset="0"/>
-              </a:rPr>
-              <a:t>, [</a:t>
-            </a:r>
-            <a:r>
-              <a:rPr lang="en-US" dirty="0" err="1">
-                <a:latin typeface="Consolas" panose="020B0609020204030204" pitchFamily="49" charset="0"/>
-                <a:cs typeface="Consolas" panose="020B0609020204030204" pitchFamily="49" charset="0"/>
-              </a:rPr>
-              <a:t>non_strict</a:t>
-            </a:r>
-            <a:r>
-              <a:rPr lang="en-US" dirty="0">
-                <a:latin typeface="Consolas" panose="020B0609020204030204" pitchFamily="49" charset="0"/>
-                <a:cs typeface="Consolas" panose="020B0609020204030204" pitchFamily="49" charset="0"/>
-              </a:rPr>
-              <a:t>]),</a:t>
-            </a:r>
-            <a:br>
-              <a:rPr lang="en-US" dirty="0">
-                <a:latin typeface="Consolas" panose="020B0609020204030204" pitchFamily="49" charset="0"/>
-                <a:cs typeface="Consolas" panose="020B0609020204030204" pitchFamily="49" charset="0"/>
-              </a:rPr>
-            </a:br>
-            <a:r>
-              <a:rPr lang="en-US" dirty="0" err="1">
-                <a:latin typeface="Consolas" panose="020B0609020204030204" pitchFamily="49" charset="0"/>
-                <a:cs typeface="Consolas" panose="020B0609020204030204" pitchFamily="49" charset="0"/>
-              </a:rPr>
-              <a:t>meck:expect</a:t>
-            </a:r>
-            <a:r>
-              <a:rPr lang="en-US" dirty="0">
-                <a:latin typeface="Consolas" panose="020B0609020204030204" pitchFamily="49" charset="0"/>
-                <a:cs typeface="Consolas" panose="020B0609020204030204" pitchFamily="49" charset="0"/>
-              </a:rPr>
-              <a:t>(</a:t>
-            </a:r>
-            <a:r>
-              <a:rPr lang="en-US" dirty="0" err="1">
-                <a:latin typeface="Consolas" panose="020B0609020204030204" pitchFamily="49" charset="0"/>
-                <a:cs typeface="Consolas" panose="020B0609020204030204" pitchFamily="49" charset="0"/>
-              </a:rPr>
-              <a:t>better_lists</a:t>
-            </a:r>
-            <a:r>
-              <a:rPr lang="en-US" dirty="0">
-                <a:latin typeface="Consolas" panose="020B0609020204030204" pitchFamily="49" charset="0"/>
-                <a:cs typeface="Consolas" panose="020B0609020204030204" pitchFamily="49" charset="0"/>
-              </a:rPr>
-              <a:t>,</a:t>
-            </a:r>
-            <a:br>
-              <a:rPr lang="en-US" dirty="0">
-                <a:latin typeface="Consolas" panose="020B0609020204030204" pitchFamily="49" charset="0"/>
-                <a:cs typeface="Consolas" panose="020B0609020204030204" pitchFamily="49" charset="0"/>
-              </a:rPr>
-            </a:br>
-            <a:r>
-              <a:rPr lang="en-US" dirty="0">
-                <a:latin typeface="Consolas" panose="020B0609020204030204" pitchFamily="49" charset="0"/>
-                <a:cs typeface="Consolas" panose="020B0609020204030204" pitchFamily="49" charset="0"/>
-              </a:rPr>
-              <a:t>            </a:t>
-            </a:r>
-            <a:r>
-              <a:rPr lang="en-US" dirty="0" err="1">
-                <a:latin typeface="Consolas" panose="020B0609020204030204" pitchFamily="49" charset="0"/>
-                <a:cs typeface="Consolas" panose="020B0609020204030204" pitchFamily="49" charset="0"/>
-              </a:rPr>
-              <a:t>better_sort</a:t>
-            </a:r>
-            <a:r>
-              <a:rPr lang="en-US" dirty="0">
-                <a:latin typeface="Consolas" panose="020B0609020204030204" pitchFamily="49" charset="0"/>
-                <a:cs typeface="Consolas" panose="020B0609020204030204" pitchFamily="49" charset="0"/>
-              </a:rPr>
-              <a:t>,</a:t>
-            </a:r>
-            <a:br>
-              <a:rPr lang="en-US" dirty="0">
-                <a:latin typeface="Consolas" panose="020B0609020204030204" pitchFamily="49" charset="0"/>
-                <a:cs typeface="Consolas" panose="020B0609020204030204" pitchFamily="49" charset="0"/>
-              </a:rPr>
-            </a:br>
-            <a:r>
-              <a:rPr lang="en-US" dirty="0">
-                <a:latin typeface="Consolas" panose="020B0609020204030204" pitchFamily="49" charset="0"/>
-                <a:cs typeface="Consolas" panose="020B0609020204030204" pitchFamily="49" charset="0"/>
-              </a:rPr>
-              <a:t>            fun </a:t>
-            </a:r>
-            <a:r>
-              <a:rPr lang="en-US" dirty="0" err="1">
-                <a:latin typeface="Consolas" panose="020B0609020204030204" pitchFamily="49" charset="0"/>
-                <a:cs typeface="Consolas" panose="020B0609020204030204" pitchFamily="49" charset="0"/>
-              </a:rPr>
-              <a:t>super_quicksort</a:t>
-            </a:r>
-            <a:r>
-              <a:rPr lang="en-US" dirty="0">
-                <a:latin typeface="Consolas" panose="020B0609020204030204" pitchFamily="49" charset="0"/>
-                <a:cs typeface="Consolas" panose="020B0609020204030204" pitchFamily="49" charset="0"/>
-              </a:rPr>
-              <a:t>/1).</a:t>
-            </a:r>
-          </a:p>
-          <a:p>
-            <a:endParaRPr lang="en-US" dirty="0"/>
           </a:p>
         </p:txBody>
       </p:sp>
@@ -11487,10 +11419,436 @@
           </a:p>
         </p:txBody>
       </p:sp>
+      <p:pic>
+        <p:nvPicPr>
+          <p:cNvPr id="4" name="Picture 3"/>
+          <p:cNvPicPr>
+            <a:picLocks noChangeAspect="1"/>
+          </p:cNvPicPr>
+          <p:nvPr/>
+        </p:nvPicPr>
+        <p:blipFill>
+          <a:blip r:embed="rId2"/>
+          <a:stretch>
+            <a:fillRect/>
+          </a:stretch>
+        </p:blipFill>
+        <p:spPr>
+          <a:xfrm>
+            <a:off x="2124075" y="3428999"/>
+            <a:ext cx="7943850" cy="923925"/>
+          </a:xfrm>
+          <a:prstGeom prst="rect">
+            <a:avLst/>
+          </a:prstGeom>
+        </p:spPr>
+      </p:pic>
     </p:spTree>
     <p:extLst>
       <p:ext uri="{BB962C8B-B14F-4D97-AF65-F5344CB8AC3E}">
         <p14:creationId xmlns:p14="http://schemas.microsoft.com/office/powerpoint/2010/main" val="394629017"/>
+      </p:ext>
+    </p:extLst>
+  </p:cSld>
+  <p:clrMapOvr>
+    <a:masterClrMapping/>
+  </p:clrMapOvr>
+</p:sld>
+</file>
+
+<file path=ppt/slides/slide35.xml><?xml version="1.0" encoding="utf-8"?>
+<p:sld xmlns:a="http://schemas.openxmlformats.org/drawingml/2006/main" xmlns:r="http://schemas.openxmlformats.org/officeDocument/2006/relationships" xmlns:p="http://schemas.openxmlformats.org/presentationml/2006/main">
+  <p:cSld>
+    <p:spTree>
+      <p:nvGrpSpPr>
+        <p:cNvPr id="1" name=""/>
+        <p:cNvGrpSpPr/>
+        <p:nvPr/>
+      </p:nvGrpSpPr>
+      <p:grpSpPr>
+        <a:xfrm>
+          <a:off x="0" y="0"/>
+          <a:ext cx="0" cy="0"/>
+          <a:chOff x="0" y="0"/>
+          <a:chExt cx="0" cy="0"/>
+        </a:xfrm>
+      </p:grpSpPr>
+      <p:sp>
+        <p:nvSpPr>
+          <p:cNvPr id="6" name="Rectangle: Rounded Corners 5"/>
+          <p:cNvSpPr/>
+          <p:nvPr/>
+        </p:nvSpPr>
+        <p:spPr bwMode="auto">
+          <a:xfrm>
+            <a:off x="1049867" y="3488265"/>
+            <a:ext cx="10024533" cy="2387600"/>
+          </a:xfrm>
+          <a:prstGeom prst="roundRect">
+            <a:avLst/>
+          </a:prstGeom>
+          <a:solidFill>
+            <a:srgbClr val="000000"/>
+          </a:solidFill>
+          <a:ln w="12700" cap="flat" cmpd="sng" algn="ctr">
+            <a:noFill/>
+            <a:prstDash val="solid"/>
+            <a:round/>
+            <a:headEnd type="none" w="med" len="med"/>
+            <a:tailEnd type="none" w="med" len="med"/>
+          </a:ln>
+          <a:effectLst/>
+        </p:spPr>
+        <p:txBody>
+          <a:bodyPr vert="horz" wrap="none" lIns="72000" tIns="45720" rIns="72000" bIns="45720" numCol="1" rtlCol="0" anchor="t" anchorCtr="0" compatLnSpc="1">
+            <a:prstTxWarp prst="textNoShape">
+              <a:avLst/>
+            </a:prstTxWarp>
+          </a:bodyPr>
+          <a:lstStyle/>
+          <a:p>
+            <a:endParaRPr lang="en-US"/>
+          </a:p>
+        </p:txBody>
+      </p:sp>
+      <p:sp>
+        <p:nvSpPr>
+          <p:cNvPr id="2" name="Content Placeholder 1"/>
+          <p:cNvSpPr>
+            <a:spLocks noGrp="1"/>
+          </p:cNvSpPr>
+          <p:nvPr>
+            <p:ph idx="1"/>
+          </p:nvPr>
+        </p:nvSpPr>
+        <p:spPr/>
+        <p:txBody>
+          <a:bodyPr/>
+          <a:lstStyle/>
+          <a:p>
+            <a:r>
+              <a:rPr lang="en-US" dirty="0"/>
+              <a:t>Some modules are not possible to mock due to the fact that erlang might stop working the way you expect it to, such as the erlang (core) module.</a:t>
+            </a:r>
+          </a:p>
+          <a:p>
+            <a:r>
+              <a:rPr lang="en-US" dirty="0"/>
+              <a:t>These modules are called "sticky modules".</a:t>
+            </a:r>
+          </a:p>
+          <a:p>
+            <a:pPr marL="0" indent="0">
+              <a:buNone/>
+            </a:pPr>
+            <a:endParaRPr lang="en-US" dirty="0"/>
+          </a:p>
+          <a:p>
+            <a:pPr marL="0" indent="0">
+              <a:buNone/>
+            </a:pPr>
+            <a:endParaRPr lang="en-US" dirty="0"/>
+          </a:p>
+        </p:txBody>
+      </p:sp>
+      <p:sp>
+        <p:nvSpPr>
+          <p:cNvPr id="3" name="Title 2"/>
+          <p:cNvSpPr>
+            <a:spLocks noGrp="1"/>
+          </p:cNvSpPr>
+          <p:nvPr>
+            <p:ph type="title"/>
+          </p:nvPr>
+        </p:nvSpPr>
+        <p:spPr/>
+        <p:txBody>
+          <a:bodyPr/>
+          <a:lstStyle/>
+          <a:p>
+            <a:r>
+              <a:rPr lang="en-US" dirty="0">
+                <a:solidFill>
+                  <a:srgbClr val="007B78"/>
+                </a:solidFill>
+                <a:latin typeface="+mn-lt"/>
+                <a:ea typeface="+mn-ea"/>
+                <a:cs typeface="+mn-cs"/>
+              </a:rPr>
+              <a:t>Options – unstick</a:t>
+            </a:r>
+          </a:p>
+        </p:txBody>
+      </p:sp>
+      <p:pic>
+        <p:nvPicPr>
+          <p:cNvPr id="5" name="Picture 4"/>
+          <p:cNvPicPr>
+            <a:picLocks noChangeAspect="1"/>
+          </p:cNvPicPr>
+          <p:nvPr/>
+        </p:nvPicPr>
+        <p:blipFill>
+          <a:blip r:embed="rId2"/>
+          <a:stretch>
+            <a:fillRect/>
+          </a:stretch>
+        </p:blipFill>
+        <p:spPr>
+          <a:xfrm>
+            <a:off x="1771650" y="3680881"/>
+            <a:ext cx="8648700" cy="1866900"/>
+          </a:xfrm>
+          <a:prstGeom prst="rect">
+            <a:avLst/>
+          </a:prstGeom>
+        </p:spPr>
+      </p:pic>
+      <p:sp>
+        <p:nvSpPr>
+          <p:cNvPr id="8" name="Rectangle 7"/>
+          <p:cNvSpPr/>
+          <p:nvPr/>
+        </p:nvSpPr>
+        <p:spPr bwMode="auto">
+          <a:xfrm>
+            <a:off x="1725931" y="3628771"/>
+            <a:ext cx="45719" cy="1971119"/>
+          </a:xfrm>
+          <a:prstGeom prst="rect">
+            <a:avLst/>
+          </a:prstGeom>
+          <a:solidFill>
+            <a:srgbClr val="000000"/>
+          </a:solidFill>
+          <a:ln w="12700" cap="flat" cmpd="sng" algn="ctr">
+            <a:solidFill>
+              <a:srgbClr val="000000"/>
+            </a:solidFill>
+            <a:prstDash val="solid"/>
+            <a:round/>
+            <a:headEnd type="none" w="med" len="med"/>
+            <a:tailEnd type="none" w="med" len="med"/>
+          </a:ln>
+          <a:effectLst/>
+        </p:spPr>
+        <p:txBody>
+          <a:bodyPr vert="horz" wrap="none" lIns="72000" tIns="45720" rIns="72000" bIns="45720" numCol="1" rtlCol="0" anchor="t" anchorCtr="0" compatLnSpc="1">
+            <a:prstTxWarp prst="textNoShape">
+              <a:avLst/>
+            </a:prstTxWarp>
+          </a:bodyPr>
+          <a:lstStyle/>
+          <a:p>
+            <a:pPr marL="0" marR="0" indent="0" algn="l" defTabSz="914400" rtl="0" eaLnBrk="1" fontAlgn="base" latinLnBrk="0" hangingPunct="1">
+              <a:lnSpc>
+                <a:spcPct val="100000"/>
+              </a:lnSpc>
+              <a:spcBef>
+                <a:spcPct val="50000"/>
+              </a:spcBef>
+              <a:spcAft>
+                <a:spcPct val="0"/>
+              </a:spcAft>
+              <a:buClrTx/>
+              <a:buSzTx/>
+              <a:buFontTx/>
+              <a:buNone/>
+              <a:tabLst/>
+            </a:pPr>
+            <a:endParaRPr kumimoji="0" lang="en-US" sz="2000" b="0" i="0" u="none" strike="noStrike" cap="none" normalizeH="0" baseline="0">
+              <a:ln>
+                <a:noFill/>
+              </a:ln>
+              <a:solidFill>
+                <a:schemeClr val="tx1"/>
+              </a:solidFill>
+              <a:effectLst/>
+              <a:latin typeface="Arial" charset="0"/>
+            </a:endParaRPr>
+          </a:p>
+        </p:txBody>
+      </p:sp>
+    </p:spTree>
+    <p:extLst>
+      <p:ext uri="{BB962C8B-B14F-4D97-AF65-F5344CB8AC3E}">
+        <p14:creationId xmlns:p14="http://schemas.microsoft.com/office/powerpoint/2010/main" val="3630001417"/>
+      </p:ext>
+    </p:extLst>
+  </p:cSld>
+  <p:clrMapOvr>
+    <a:masterClrMapping/>
+  </p:clrMapOvr>
+</p:sld>
+</file>
+
+<file path=ppt/slides/slide36.xml><?xml version="1.0" encoding="utf-8"?>
+<p:sld xmlns:a="http://schemas.openxmlformats.org/drawingml/2006/main" xmlns:r="http://schemas.openxmlformats.org/officeDocument/2006/relationships" xmlns:p="http://schemas.openxmlformats.org/presentationml/2006/main">
+  <p:cSld>
+    <p:spTree>
+      <p:nvGrpSpPr>
+        <p:cNvPr id="1" name=""/>
+        <p:cNvGrpSpPr/>
+        <p:nvPr/>
+      </p:nvGrpSpPr>
+      <p:grpSpPr>
+        <a:xfrm>
+          <a:off x="0" y="0"/>
+          <a:ext cx="0" cy="0"/>
+          <a:chOff x="0" y="0"/>
+          <a:chExt cx="0" cy="0"/>
+        </a:xfrm>
+      </p:grpSpPr>
+      <p:sp>
+        <p:nvSpPr>
+          <p:cNvPr id="6" name="Rectangle: Rounded Corners 5"/>
+          <p:cNvSpPr/>
+          <p:nvPr/>
+        </p:nvSpPr>
+        <p:spPr bwMode="auto">
+          <a:xfrm>
+            <a:off x="524935" y="3725331"/>
+            <a:ext cx="11140018" cy="2163735"/>
+          </a:xfrm>
+          <a:prstGeom prst="roundRect">
+            <a:avLst/>
+          </a:prstGeom>
+          <a:solidFill>
+            <a:srgbClr val="000000"/>
+          </a:solidFill>
+          <a:ln w="12700" cap="flat" cmpd="sng" algn="ctr">
+            <a:noFill/>
+            <a:prstDash val="solid"/>
+            <a:round/>
+            <a:headEnd type="none" w="med" len="med"/>
+            <a:tailEnd type="none" w="med" len="med"/>
+          </a:ln>
+          <a:effectLst/>
+        </p:spPr>
+        <p:txBody>
+          <a:bodyPr vert="horz" wrap="none" lIns="72000" tIns="45720" rIns="72000" bIns="45720" numCol="1" rtlCol="0" anchor="t" anchorCtr="0" compatLnSpc="1">
+            <a:prstTxWarp prst="textNoShape">
+              <a:avLst/>
+            </a:prstTxWarp>
+          </a:bodyPr>
+          <a:lstStyle/>
+          <a:p>
+            <a:endParaRPr lang="en-US"/>
+          </a:p>
+        </p:txBody>
+      </p:sp>
+      <p:sp>
+        <p:nvSpPr>
+          <p:cNvPr id="2" name="Content Placeholder 1"/>
+          <p:cNvSpPr>
+            <a:spLocks noGrp="1"/>
+          </p:cNvSpPr>
+          <p:nvPr>
+            <p:ph idx="1"/>
+          </p:nvPr>
+        </p:nvSpPr>
+        <p:spPr/>
+        <p:txBody>
+          <a:bodyPr/>
+          <a:lstStyle/>
+          <a:p>
+            <a:r>
+              <a:rPr lang="en-US" dirty="0"/>
+              <a:t>Except we can mock them anyway! The unstick option must be used in </a:t>
+            </a:r>
+            <a:r>
+              <a:rPr lang="en-US" dirty="0" err="1"/>
+              <a:t>meck:new</a:t>
+            </a:r>
+            <a:r>
+              <a:rPr lang="en-US" dirty="0"/>
+              <a:t>/2.</a:t>
+            </a:r>
+          </a:p>
+          <a:p>
+            <a:r>
+              <a:rPr lang="en-US" dirty="0"/>
+              <a:t>Be careful. There is a reason these modules are sticky.</a:t>
+            </a:r>
+            <a:br>
+              <a:rPr lang="en-US" dirty="0"/>
+            </a:br>
+            <a:r>
+              <a:rPr lang="en-US" dirty="0"/>
+              <a:t>You might break something.</a:t>
+            </a:r>
+          </a:p>
+          <a:p>
+            <a:pPr marL="0" indent="0">
+              <a:buNone/>
+            </a:pPr>
+            <a:endParaRPr lang="en-US" dirty="0"/>
+          </a:p>
+          <a:p>
+            <a:pPr marL="0" indent="0">
+              <a:buNone/>
+            </a:pPr>
+            <a:endParaRPr lang="en-US" dirty="0"/>
+          </a:p>
+        </p:txBody>
+      </p:sp>
+      <p:sp>
+        <p:nvSpPr>
+          <p:cNvPr id="3" name="Title 2"/>
+          <p:cNvSpPr>
+            <a:spLocks noGrp="1"/>
+          </p:cNvSpPr>
+          <p:nvPr>
+            <p:ph type="title"/>
+          </p:nvPr>
+        </p:nvSpPr>
+        <p:spPr/>
+        <p:txBody>
+          <a:bodyPr/>
+          <a:lstStyle/>
+          <a:p>
+            <a:r>
+              <a:rPr lang="en-US" dirty="0">
+                <a:solidFill>
+                  <a:srgbClr val="007B78"/>
+                </a:solidFill>
+                <a:latin typeface="+mn-lt"/>
+                <a:ea typeface="+mn-ea"/>
+                <a:cs typeface="+mn-cs"/>
+              </a:rPr>
+              <a:t>Options – unstick</a:t>
+            </a:r>
+          </a:p>
+        </p:txBody>
+      </p:sp>
+      <p:pic>
+        <p:nvPicPr>
+          <p:cNvPr id="4" name="Picture 3"/>
+          <p:cNvPicPr>
+            <a:picLocks noChangeAspect="1"/>
+          </p:cNvPicPr>
+          <p:nvPr/>
+        </p:nvPicPr>
+        <p:blipFill>
+          <a:blip r:embed="rId2"/>
+          <a:stretch>
+            <a:fillRect/>
+          </a:stretch>
+        </p:blipFill>
+        <p:spPr>
+          <a:xfrm>
+            <a:off x="663047" y="4152368"/>
+            <a:ext cx="10868025" cy="1533525"/>
+          </a:xfrm>
+          <a:prstGeom prst="rect">
+            <a:avLst/>
+          </a:prstGeom>
+        </p:spPr>
+      </p:pic>
+    </p:spTree>
+    <p:extLst>
+      <p:ext uri="{BB962C8B-B14F-4D97-AF65-F5344CB8AC3E}">
+        <p14:creationId xmlns:p14="http://schemas.microsoft.com/office/powerpoint/2010/main" val="2911219493"/>
       </p:ext>
     </p:extLst>
   </p:cSld>

--- a/basic_erlang_4/presentation/erlang_part_4_testing.pptx
+++ b/basic_erlang_4/presentation/erlang_part_4_testing.pptx
@@ -5,62 +5,64 @@
     <p:sldMasterId id="2147483676" r:id="rId1"/>
   </p:sldMasterIdLst>
   <p:notesMasterIdLst>
-    <p:notesMasterId r:id="rId38"/>
+    <p:notesMasterId r:id="rId40"/>
   </p:notesMasterIdLst>
   <p:handoutMasterIdLst>
-    <p:handoutMasterId r:id="rId39"/>
+    <p:handoutMasterId r:id="rId41"/>
   </p:handoutMasterIdLst>
   <p:sldIdLst>
     <p:sldId id="259" r:id="rId2"/>
-    <p:sldId id="260" r:id="rId3"/>
-    <p:sldId id="261" r:id="rId4"/>
-    <p:sldId id="262" r:id="rId5"/>
-    <p:sldId id="263" r:id="rId6"/>
-    <p:sldId id="264" r:id="rId7"/>
-    <p:sldId id="265" r:id="rId8"/>
-    <p:sldId id="266" r:id="rId9"/>
-    <p:sldId id="267" r:id="rId10"/>
-    <p:sldId id="268" r:id="rId11"/>
-    <p:sldId id="269" r:id="rId12"/>
-    <p:sldId id="270" r:id="rId13"/>
-    <p:sldId id="271" r:id="rId14"/>
-    <p:sldId id="272" r:id="rId15"/>
-    <p:sldId id="273" r:id="rId16"/>
-    <p:sldId id="275" r:id="rId17"/>
-    <p:sldId id="276" r:id="rId18"/>
-    <p:sldId id="277" r:id="rId19"/>
-    <p:sldId id="278" r:id="rId20"/>
-    <p:sldId id="279" r:id="rId21"/>
-    <p:sldId id="287" r:id="rId22"/>
-    <p:sldId id="280" r:id="rId23"/>
-    <p:sldId id="281" r:id="rId24"/>
-    <p:sldId id="286" r:id="rId25"/>
-    <p:sldId id="284" r:id="rId26"/>
-    <p:sldId id="283" r:id="rId27"/>
-    <p:sldId id="285" r:id="rId28"/>
-    <p:sldId id="282" r:id="rId29"/>
-    <p:sldId id="288" r:id="rId30"/>
-    <p:sldId id="289" r:id="rId31"/>
-    <p:sldId id="290" r:id="rId32"/>
-    <p:sldId id="291" r:id="rId33"/>
-    <p:sldId id="292" r:id="rId34"/>
-    <p:sldId id="293" r:id="rId35"/>
-    <p:sldId id="294" r:id="rId36"/>
-    <p:sldId id="295" r:id="rId37"/>
+    <p:sldId id="297" r:id="rId3"/>
+    <p:sldId id="260" r:id="rId4"/>
+    <p:sldId id="261" r:id="rId5"/>
+    <p:sldId id="262" r:id="rId6"/>
+    <p:sldId id="263" r:id="rId7"/>
+    <p:sldId id="264" r:id="rId8"/>
+    <p:sldId id="265" r:id="rId9"/>
+    <p:sldId id="266" r:id="rId10"/>
+    <p:sldId id="267" r:id="rId11"/>
+    <p:sldId id="268" r:id="rId12"/>
+    <p:sldId id="269" r:id="rId13"/>
+    <p:sldId id="270" r:id="rId14"/>
+    <p:sldId id="271" r:id="rId15"/>
+    <p:sldId id="272" r:id="rId16"/>
+    <p:sldId id="273" r:id="rId17"/>
+    <p:sldId id="275" r:id="rId18"/>
+    <p:sldId id="276" r:id="rId19"/>
+    <p:sldId id="277" r:id="rId20"/>
+    <p:sldId id="278" r:id="rId21"/>
+    <p:sldId id="279" r:id="rId22"/>
+    <p:sldId id="287" r:id="rId23"/>
+    <p:sldId id="280" r:id="rId24"/>
+    <p:sldId id="281" r:id="rId25"/>
+    <p:sldId id="286" r:id="rId26"/>
+    <p:sldId id="284" r:id="rId27"/>
+    <p:sldId id="283" r:id="rId28"/>
+    <p:sldId id="285" r:id="rId29"/>
+    <p:sldId id="282" r:id="rId30"/>
+    <p:sldId id="288" r:id="rId31"/>
+    <p:sldId id="289" r:id="rId32"/>
+    <p:sldId id="290" r:id="rId33"/>
+    <p:sldId id="291" r:id="rId34"/>
+    <p:sldId id="292" r:id="rId35"/>
+    <p:sldId id="293" r:id="rId36"/>
+    <p:sldId id="294" r:id="rId37"/>
+    <p:sldId id="295" r:id="rId38"/>
+    <p:sldId id="296" r:id="rId39"/>
   </p:sldIdLst>
   <p:sldSz cx="12192000" cy="6858000"/>
   <p:notesSz cx="6884988" cy="10018713"/>
   <p:embeddedFontLst>
     <p:embeddedFont>
-      <p:font typeface="Consolas" panose="020B0609020204030204" pitchFamily="49" charset="0"/>
-      <p:regular r:id="rId40"/>
-      <p:bold r:id="rId41"/>
-      <p:italic r:id="rId42"/>
-      <p:boldItalic r:id="rId43"/>
+      <p:font typeface="Ericsson Capital TT" panose="02000503000000020004" pitchFamily="2" charset="0"/>
+      <p:regular r:id="rId42"/>
     </p:embeddedFont>
     <p:embeddedFont>
-      <p:font typeface="Ericsson Capital TT" panose="02000503000000020004" pitchFamily="2" charset="0"/>
-      <p:regular r:id="rId44"/>
+      <p:font typeface="Consolas" panose="020B0609020204030204" pitchFamily="49" charset="0"/>
+      <p:regular r:id="rId43"/>
+      <p:bold r:id="rId44"/>
+      <p:italic r:id="rId45"/>
+      <p:boldItalic r:id="rId46"/>
     </p:embeddedFont>
   </p:embeddedFontLst>
   <p:defaultTextStyle>
@@ -194,6 +196,7 @@
         <p14:section name="Default Section" id="{9386CF36-BFA9-4BB0-91B9-1B19D4CB6FFA}">
           <p14:sldIdLst>
             <p14:sldId id="259"/>
+            <p14:sldId id="297"/>
             <p14:sldId id="260"/>
             <p14:sldId id="261"/>
             <p14:sldId id="262"/>
@@ -229,6 +232,7 @@
             <p14:sldId id="293"/>
             <p14:sldId id="294"/>
             <p14:sldId id="295"/>
+            <p14:sldId id="296"/>
           </p14:sldIdLst>
         </p14:section>
       </p14:sectionLst>
@@ -348,6 +352,10 @@
     </p:ext>
   </p:extLst>
 </p:presentation>
+</file>
+
+<file path=ppt/revisionInfo.xml><?xml version="1.0" encoding="utf-8"?>
+<p1510:revInfo xmlns:a="http://schemas.openxmlformats.org/drawingml/2006/main" xmlns:r="http://schemas.openxmlformats.org/officeDocument/2006/relationships" xmlns:p1510="http://schemas.microsoft.com/office/powerpoint/2015/10/main"/>
 </file>
 
 <file path=ppt/handoutMasters/handoutMaster1.xml><?xml version="1.0" encoding="utf-8"?>
@@ -1165,6 +1173,172 @@
 </p:notes>
 </file>
 
+<file path=ppt/notesSlides/notesSlide10.xml><?xml version="1.0" encoding="utf-8"?>
+<p:notes xmlns:a="http://schemas.openxmlformats.org/drawingml/2006/main" xmlns:r="http://schemas.openxmlformats.org/officeDocument/2006/relationships" xmlns:p="http://schemas.openxmlformats.org/presentationml/2006/main">
+  <p:cSld>
+    <p:spTree>
+      <p:nvGrpSpPr>
+        <p:cNvPr id="1" name=""/>
+        <p:cNvGrpSpPr/>
+        <p:nvPr/>
+      </p:nvGrpSpPr>
+      <p:grpSpPr>
+        <a:xfrm>
+          <a:off x="0" y="0"/>
+          <a:ext cx="0" cy="0"/>
+          <a:chOff x="0" y="0"/>
+          <a:chExt cx="0" cy="0"/>
+        </a:xfrm>
+      </p:grpSpPr>
+      <p:sp>
+        <p:nvSpPr>
+          <p:cNvPr id="2" name="Slide Image Placeholder 1"/>
+          <p:cNvSpPr>
+            <a:spLocks noGrp="1" noRot="1" noChangeAspect="1"/>
+          </p:cNvSpPr>
+          <p:nvPr>
+            <p:ph type="sldImg"/>
+          </p:nvPr>
+        </p:nvSpPr>
+        <p:spPr>
+          <a:xfrm>
+            <a:off x="103188" y="750888"/>
+            <a:ext cx="6678612" cy="3757612"/>
+          </a:xfrm>
+        </p:spPr>
+      </p:sp>
+      <p:sp>
+        <p:nvSpPr>
+          <p:cNvPr id="3" name="Notes Placeholder 2"/>
+          <p:cNvSpPr>
+            <a:spLocks noGrp="1"/>
+          </p:cNvSpPr>
+          <p:nvPr>
+            <p:ph type="body" idx="1"/>
+          </p:nvPr>
+        </p:nvSpPr>
+        <p:spPr/>
+        <p:txBody>
+          <a:bodyPr/>
+          <a:lstStyle/>
+          <a:p>
+            <a:pPr algn="l"/>
+            <a:r>
+              <a:rPr lang="en-US" sz="1200" dirty="0">
+                <a:latin typeface="Consolas" panose="020B0609020204030204" pitchFamily="49" charset="0"/>
+                <a:cs typeface="Consolas" panose="020B0609020204030204" pitchFamily="49" charset="0"/>
+              </a:rPr>
+              <a:t>https://github.com/eproxus/meck</a:t>
+            </a:r>
+          </a:p>
+        </p:txBody>
+      </p:sp>
+      <p:sp>
+        <p:nvSpPr>
+          <p:cNvPr id="4" name="Date Placeholder 3"/>
+          <p:cNvSpPr>
+            <a:spLocks noGrp="1"/>
+          </p:cNvSpPr>
+          <p:nvPr>
+            <p:ph type="dt" idx="10"/>
+          </p:nvPr>
+        </p:nvSpPr>
+        <p:spPr/>
+        <p:txBody>
+          <a:bodyPr/>
+          <a:lstStyle/>
+          <a:p>
+            <a:r>
+              <a:rPr lang="en-US"/>
+              <a:t>2017-03-07 </a:t>
+            </a:r>
+            <a:endParaRPr lang="en-US" dirty="0"/>
+          </a:p>
+        </p:txBody>
+      </p:sp>
+      <p:sp>
+        <p:nvSpPr>
+          <p:cNvPr id="5" name="Slide Number Placeholder 4"/>
+          <p:cNvSpPr>
+            <a:spLocks noGrp="1"/>
+          </p:cNvSpPr>
+          <p:nvPr>
+            <p:ph type="sldNum" sz="quarter" idx="11"/>
+          </p:nvPr>
+        </p:nvSpPr>
+        <p:spPr/>
+        <p:txBody>
+          <a:bodyPr/>
+          <a:lstStyle/>
+          <a:p>
+            <a:fld id="{5852353D-F306-481A-B3D0-C36CE0BF9563}" type="slidenum">
+              <a:rPr lang="en-US" smtClean="0"/>
+              <a:pPr/>
+              <a:t>29</a:t>
+            </a:fld>
+            <a:endParaRPr lang="en-US" dirty="0"/>
+          </a:p>
+        </p:txBody>
+      </p:sp>
+      <p:sp>
+        <p:nvSpPr>
+          <p:cNvPr id="6" name="Header Placeholder 5"/>
+          <p:cNvSpPr>
+            <a:spLocks noGrp="1"/>
+          </p:cNvSpPr>
+          <p:nvPr>
+            <p:ph type="hdr" sz="quarter" idx="12"/>
+          </p:nvPr>
+        </p:nvSpPr>
+        <p:spPr/>
+        <p:txBody>
+          <a:bodyPr/>
+          <a:lstStyle/>
+          <a:p>
+            <a:r>
+              <a:rPr lang="en-US"/>
+              <a:t>Basic Erlang - Part 2 </a:t>
+            </a:r>
+            <a:endParaRPr lang="en-US" dirty="0"/>
+          </a:p>
+        </p:txBody>
+      </p:sp>
+      <p:sp>
+        <p:nvSpPr>
+          <p:cNvPr id="7" name="Footer Placeholder 6"/>
+          <p:cNvSpPr>
+            <a:spLocks noGrp="1"/>
+          </p:cNvSpPr>
+          <p:nvPr>
+            <p:ph type="ftr" sz="quarter" idx="13"/>
+          </p:nvPr>
+        </p:nvSpPr>
+        <p:spPr/>
+        <p:txBody>
+          <a:bodyPr/>
+          <a:lstStyle/>
+          <a:p>
+            <a:r>
+              <a:rPr lang="en-US"/>
+              <a:t> </a:t>
+            </a:r>
+            <a:endParaRPr lang="en-US" dirty="0"/>
+          </a:p>
+        </p:txBody>
+      </p:sp>
+    </p:spTree>
+    <p:extLst>
+      <p:ext uri="{BB962C8B-B14F-4D97-AF65-F5344CB8AC3E}">
+        <p14:creationId xmlns:p14="http://schemas.microsoft.com/office/powerpoint/2010/main" val="1464997979"/>
+      </p:ext>
+    </p:extLst>
+  </p:cSld>
+  <p:clrMapOvr>
+    <a:masterClrMapping/>
+  </p:clrMapOvr>
+</p:notes>
+</file>
+
 <file path=ppt/notesSlides/notesSlide2.xml><?xml version="1.0" encoding="utf-8"?>
 <p:notes xmlns:a="http://schemas.openxmlformats.org/drawingml/2006/main" xmlns:r="http://schemas.openxmlformats.org/officeDocument/2006/relationships" xmlns:p="http://schemas.openxmlformats.org/presentationml/2006/main">
   <p:cSld>
@@ -1192,12 +1366,7 @@
             <p:ph type="sldImg"/>
           </p:nvPr>
         </p:nvSpPr>
-        <p:spPr>
-          <a:xfrm>
-            <a:off x="103188" y="750888"/>
-            <a:ext cx="6678612" cy="3757612"/>
-          </a:xfrm>
-        </p:spPr>
+        <p:spPr/>
       </p:sp>
       <p:sp>
         <p:nvSpPr>
@@ -1214,10 +1383,54 @@
           <a:bodyPr/>
           <a:lstStyle/>
           <a:p>
-            <a:r>
-              <a:rPr lang="en-US" dirty="0"/>
-              <a:t>http://erlang.org/doc/apps/eunit/chapter.html</a:t>
-            </a:r>
+            <a:pPr marL="0" marR="0" lvl="0" indent="0" algn="l" defTabSz="914400" rtl="0" eaLnBrk="1" fontAlgn="base" latinLnBrk="0" hangingPunct="1">
+              <a:lnSpc>
+                <a:spcPct val="100000"/>
+              </a:lnSpc>
+              <a:spcBef>
+                <a:spcPct val="30000"/>
+              </a:spcBef>
+              <a:spcAft>
+                <a:spcPct val="0"/>
+              </a:spcAft>
+              <a:buClrTx/>
+              <a:buSzTx/>
+              <a:buFontTx/>
+              <a:buNone/>
+              <a:tabLst/>
+              <a:defRPr/>
+            </a:pPr>
+            <a:r>
+              <a:rPr lang="en-US" sz="1200" dirty="0" err="1">
+                <a:latin typeface="Consolas" panose="020B0609020204030204" pitchFamily="49" charset="0"/>
+                <a:cs typeface="Consolas" panose="020B0609020204030204" pitchFamily="49" charset="0"/>
+              </a:rPr>
+              <a:t>git</a:t>
+            </a:r>
+            <a:r>
+              <a:rPr lang="en-US" sz="1200" dirty="0">
+                <a:latin typeface="Consolas" panose="020B0609020204030204" pitchFamily="49" charset="0"/>
+                <a:cs typeface="Consolas" panose="020B0609020204030204" pitchFamily="49" charset="0"/>
+              </a:rPr>
+              <a:t> clone</a:t>
+            </a:r>
+            <a:r>
+              <a:rPr lang="en-US" sz="1200" baseline="0" dirty="0">
+                <a:latin typeface="Consolas" panose="020B0609020204030204" pitchFamily="49" charset="0"/>
+                <a:cs typeface="Consolas" panose="020B0609020204030204" pitchFamily="49" charset="0"/>
+              </a:rPr>
+              <a:t> </a:t>
+            </a:r>
+            <a:r>
+              <a:rPr lang="en-US" sz="1200" dirty="0">
+                <a:latin typeface="Consolas" panose="020B0609020204030204" pitchFamily="49" charset="0"/>
+                <a:cs typeface="Consolas" panose="020B0609020204030204" pitchFamily="49" charset="0"/>
+              </a:rPr>
+              <a:t>https://github.com/gwaerondor/unit_testing_in_erlang.git</a:t>
+            </a:r>
+          </a:p>
+          <a:p>
+            <a:endParaRPr lang="en-US" dirty="0"/>
           </a:p>
         </p:txBody>
       </p:sp>
@@ -1317,7 +1530,7 @@
     </p:spTree>
     <p:extLst>
       <p:ext uri="{BB962C8B-B14F-4D97-AF65-F5344CB8AC3E}">
-        <p14:creationId xmlns:p14="http://schemas.microsoft.com/office/powerpoint/2010/main" val="581067659"/>
+        <p14:creationId xmlns:p14="http://schemas.microsoft.com/office/powerpoint/2010/main" val="2674775736"/>
       </p:ext>
     </p:extLst>
   </p:cSld>
@@ -1424,7 +1637,7 @@
             <a:fld id="{5852353D-F306-481A-B3D0-C36CE0BF9563}" type="slidenum">
               <a:rPr lang="en-US" smtClean="0"/>
               <a:pPr/>
-              <a:t>6</a:t>
+              <a:t>3</a:t>
             </a:fld>
             <a:endParaRPr lang="en-US" dirty="0"/>
           </a:p>
@@ -1479,7 +1692,7 @@
     </p:spTree>
     <p:extLst>
       <p:ext uri="{BB962C8B-B14F-4D97-AF65-F5344CB8AC3E}">
-        <p14:creationId xmlns:p14="http://schemas.microsoft.com/office/powerpoint/2010/main" val="3181863539"/>
+        <p14:creationId xmlns:p14="http://schemas.microsoft.com/office/powerpoint/2010/main" val="581067659"/>
       </p:ext>
     </p:extLst>
   </p:cSld>
@@ -1586,7 +1799,7 @@
             <a:fld id="{5852353D-F306-481A-B3D0-C36CE0BF9563}" type="slidenum">
               <a:rPr lang="en-US" smtClean="0"/>
               <a:pPr/>
-              <a:t>17</a:t>
+              <a:t>7</a:t>
             </a:fld>
             <a:endParaRPr lang="en-US" dirty="0"/>
           </a:p>
@@ -1641,7 +1854,7 @@
     </p:spTree>
     <p:extLst>
       <p:ext uri="{BB962C8B-B14F-4D97-AF65-F5344CB8AC3E}">
-        <p14:creationId xmlns:p14="http://schemas.microsoft.com/office/powerpoint/2010/main" val="1561926505"/>
+        <p14:creationId xmlns:p14="http://schemas.microsoft.com/office/powerpoint/2010/main" val="3181863539"/>
       </p:ext>
     </p:extLst>
   </p:cSld>
@@ -1678,24 +1891,32 @@
             <p:ph type="sldImg"/>
           </p:nvPr>
         </p:nvSpPr>
+        <p:spPr>
+          <a:xfrm>
+            <a:off x="103188" y="750888"/>
+            <a:ext cx="6678612" cy="3757612"/>
+          </a:xfrm>
+        </p:spPr>
+      </p:sp>
+      <p:sp>
+        <p:nvSpPr>
+          <p:cNvPr id="3" name="Notes Placeholder 2"/>
+          <p:cNvSpPr>
+            <a:spLocks noGrp="1"/>
+          </p:cNvSpPr>
+          <p:nvPr>
+            <p:ph type="body" idx="1"/>
+          </p:nvPr>
+        </p:nvSpPr>
         <p:spPr/>
-      </p:sp>
-      <p:sp>
-        <p:nvSpPr>
-          <p:cNvPr id="3" name="Notes Placeholder 2"/>
-          <p:cNvSpPr>
-            <a:spLocks noGrp="1"/>
-          </p:cNvSpPr>
-          <p:nvPr>
-            <p:ph type="body" idx="1"/>
-          </p:nvPr>
-        </p:nvSpPr>
-        <p:spPr/>
         <p:txBody>
           <a:bodyPr/>
           <a:lstStyle/>
           <a:p>
-            <a:endParaRPr lang="en-US" dirty="0"/>
+            <a:r>
+              <a:rPr lang="en-US" dirty="0"/>
+              <a:t>http://erlang.org/doc/apps/eunit/chapter.html</a:t>
+            </a:r>
           </a:p>
         </p:txBody>
       </p:sp>
@@ -1740,7 +1961,7 @@
             <a:fld id="{5852353D-F306-481A-B3D0-C36CE0BF9563}" type="slidenum">
               <a:rPr lang="en-US" smtClean="0"/>
               <a:pPr/>
-              <a:t>21</a:t>
+              <a:t>18</a:t>
             </a:fld>
             <a:endParaRPr lang="en-US" dirty="0"/>
           </a:p>
@@ -1795,7 +2016,7 @@
     </p:spTree>
     <p:extLst>
       <p:ext uri="{BB962C8B-B14F-4D97-AF65-F5344CB8AC3E}">
-        <p14:creationId xmlns:p14="http://schemas.microsoft.com/office/powerpoint/2010/main" val="47537287"/>
+        <p14:creationId xmlns:p14="http://schemas.microsoft.com/office/powerpoint/2010/main" val="1561926505"/>
       </p:ext>
     </p:extLst>
   </p:cSld>
@@ -1894,7 +2115,7 @@
             <a:fld id="{5852353D-F306-481A-B3D0-C36CE0BF9563}" type="slidenum">
               <a:rPr lang="en-US" smtClean="0"/>
               <a:pPr/>
-              <a:t>23</a:t>
+              <a:t>22</a:t>
             </a:fld>
             <a:endParaRPr lang="en-US" dirty="0"/>
           </a:p>
@@ -1949,7 +2170,7 @@
     </p:spTree>
     <p:extLst>
       <p:ext uri="{BB962C8B-B14F-4D97-AF65-F5344CB8AC3E}">
-        <p14:creationId xmlns:p14="http://schemas.microsoft.com/office/powerpoint/2010/main" val="2059806007"/>
+        <p14:creationId xmlns:p14="http://schemas.microsoft.com/office/powerpoint/2010/main" val="47537287"/>
       </p:ext>
     </p:extLst>
   </p:cSld>
@@ -2103,7 +2324,7 @@
     </p:spTree>
     <p:extLst>
       <p:ext uri="{BB962C8B-B14F-4D97-AF65-F5344CB8AC3E}">
-        <p14:creationId xmlns:p14="http://schemas.microsoft.com/office/powerpoint/2010/main" val="139531292"/>
+        <p14:creationId xmlns:p14="http://schemas.microsoft.com/office/powerpoint/2010/main" val="2059806007"/>
       </p:ext>
     </p:extLst>
   </p:cSld>
@@ -2140,12 +2361,7 @@
             <p:ph type="sldImg"/>
           </p:nvPr>
         </p:nvSpPr>
-        <p:spPr>
-          <a:xfrm>
-            <a:off x="103188" y="750888"/>
-            <a:ext cx="6678612" cy="3757612"/>
-          </a:xfrm>
-        </p:spPr>
+        <p:spPr/>
       </p:sp>
       <p:sp>
         <p:nvSpPr>
@@ -2162,10 +2378,7 @@
           <a:bodyPr/>
           <a:lstStyle/>
           <a:p>
-            <a:r>
-              <a:rPr lang="en-US" dirty="0"/>
-              <a:t>http://erlang.org/doc/apps/eunit/chapter.html</a:t>
-            </a:r>
+            <a:endParaRPr lang="en-US" dirty="0"/>
           </a:p>
         </p:txBody>
       </p:sp>
@@ -2265,7 +2478,7 @@
     </p:spTree>
     <p:extLst>
       <p:ext uri="{BB962C8B-B14F-4D97-AF65-F5344CB8AC3E}">
-        <p14:creationId xmlns:p14="http://schemas.microsoft.com/office/powerpoint/2010/main" val="3828296707"/>
+        <p14:creationId xmlns:p14="http://schemas.microsoft.com/office/powerpoint/2010/main" val="139531292"/>
       </p:ext>
     </p:extLst>
   </p:cSld>
@@ -2372,7 +2585,7 @@
             <a:fld id="{5852353D-F306-481A-B3D0-C36CE0BF9563}" type="slidenum">
               <a:rPr lang="en-US" smtClean="0"/>
               <a:pPr/>
-              <a:t>28</a:t>
+              <a:t>26</a:t>
             </a:fld>
             <a:endParaRPr lang="en-US" dirty="0"/>
           </a:p>
@@ -2427,7 +2640,7 @@
     </p:spTree>
     <p:extLst>
       <p:ext uri="{BB962C8B-B14F-4D97-AF65-F5344CB8AC3E}">
-        <p14:creationId xmlns:p14="http://schemas.microsoft.com/office/powerpoint/2010/main" val="1464997979"/>
+        <p14:creationId xmlns:p14="http://schemas.microsoft.com/office/powerpoint/2010/main" val="3828296707"/>
       </p:ext>
     </p:extLst>
   </p:cSld>
@@ -6712,6 +6925,98 @@
       </p:grpSpPr>
       <p:sp>
         <p:nvSpPr>
+          <p:cNvPr id="5" name="Rectangle: Rounded Corners 4"/>
+          <p:cNvSpPr/>
+          <p:nvPr/>
+        </p:nvSpPr>
+        <p:spPr bwMode="auto">
+          <a:xfrm>
+            <a:off x="2540000" y="694268"/>
+            <a:ext cx="7128933" cy="5469469"/>
+          </a:xfrm>
+          <a:prstGeom prst="roundRect">
+            <a:avLst/>
+          </a:prstGeom>
+          <a:solidFill>
+            <a:srgbClr val="000000"/>
+          </a:solidFill>
+          <a:ln w="12700" cap="flat" cmpd="sng" algn="ctr">
+            <a:noFill/>
+            <a:prstDash val="solid"/>
+            <a:round/>
+            <a:headEnd type="none" w="med" len="med"/>
+            <a:tailEnd type="none" w="med" len="med"/>
+          </a:ln>
+          <a:effectLst/>
+        </p:spPr>
+        <p:txBody>
+          <a:bodyPr vert="horz" wrap="none" lIns="72000" tIns="45720" rIns="72000" bIns="45720" numCol="1" rtlCol="0" anchor="t" anchorCtr="0" compatLnSpc="1">
+            <a:prstTxWarp prst="textNoShape">
+              <a:avLst/>
+            </a:prstTxWarp>
+          </a:bodyPr>
+          <a:lstStyle/>
+          <a:p>
+            <a:endParaRPr lang="en-US"/>
+          </a:p>
+        </p:txBody>
+      </p:sp>
+      <p:pic>
+        <p:nvPicPr>
+          <p:cNvPr id="4" name="Picture 3"/>
+          <p:cNvPicPr>
+            <a:picLocks noChangeAspect="1"/>
+          </p:cNvPicPr>
+          <p:nvPr/>
+        </p:nvPicPr>
+        <p:blipFill>
+          <a:blip r:embed="rId2"/>
+          <a:stretch>
+            <a:fillRect/>
+          </a:stretch>
+        </p:blipFill>
+        <p:spPr>
+          <a:xfrm>
+            <a:off x="3064933" y="1000125"/>
+            <a:ext cx="6096000" cy="4857750"/>
+          </a:xfrm>
+          <a:prstGeom prst="rect">
+            <a:avLst/>
+          </a:prstGeom>
+        </p:spPr>
+      </p:pic>
+    </p:spTree>
+    <p:extLst>
+      <p:ext uri="{BB962C8B-B14F-4D97-AF65-F5344CB8AC3E}">
+        <p14:creationId xmlns:p14="http://schemas.microsoft.com/office/powerpoint/2010/main" val="1810996862"/>
+      </p:ext>
+    </p:extLst>
+  </p:cSld>
+  <p:clrMapOvr>
+    <a:masterClrMapping/>
+  </p:clrMapOvr>
+</p:sld>
+</file>
+
+<file path=ppt/slides/slide11.xml><?xml version="1.0" encoding="utf-8"?>
+<p:sld xmlns:a="http://schemas.openxmlformats.org/drawingml/2006/main" xmlns:r="http://schemas.openxmlformats.org/officeDocument/2006/relationships" xmlns:p="http://schemas.openxmlformats.org/presentationml/2006/main">
+  <p:cSld>
+    <p:spTree>
+      <p:nvGrpSpPr>
+        <p:cNvPr id="1" name=""/>
+        <p:cNvGrpSpPr/>
+        <p:nvPr/>
+      </p:nvGrpSpPr>
+      <p:grpSpPr>
+        <a:xfrm>
+          <a:off x="0" y="0"/>
+          <a:ext cx="0" cy="0"/>
+          <a:chOff x="0" y="0"/>
+          <a:chExt cx="0" cy="0"/>
+        </a:xfrm>
+      </p:grpSpPr>
+      <p:sp>
+        <p:nvSpPr>
           <p:cNvPr id="4" name="Rectangle 3"/>
           <p:cNvSpPr/>
           <p:nvPr/>
@@ -7030,7 +7335,7 @@
 </p:sld>
 </file>
 
-<file path=ppt/slides/slide11.xml><?xml version="1.0" encoding="utf-8"?>
+<file path=ppt/slides/slide12.xml><?xml version="1.0" encoding="utf-8"?>
 <p:sld xmlns:a="http://schemas.openxmlformats.org/drawingml/2006/main" xmlns:r="http://schemas.openxmlformats.org/officeDocument/2006/relationships" xmlns:p="http://schemas.openxmlformats.org/presentationml/2006/main">
   <p:cSld>
     <p:spTree>
@@ -7122,7 +7427,7 @@
 </p:sld>
 </file>
 
-<file path=ppt/slides/slide12.xml><?xml version="1.0" encoding="utf-8"?>
+<file path=ppt/slides/slide13.xml><?xml version="1.0" encoding="utf-8"?>
 <p:sld xmlns:a="http://schemas.openxmlformats.org/drawingml/2006/main" xmlns:r="http://schemas.openxmlformats.org/officeDocument/2006/relationships" xmlns:p="http://schemas.openxmlformats.org/presentationml/2006/main">
   <p:cSld>
     <p:spTree>
@@ -7321,7 +7626,7 @@
 </p:sld>
 </file>
 
-<file path=ppt/slides/slide13.xml><?xml version="1.0" encoding="utf-8"?>
+<file path=ppt/slides/slide14.xml><?xml version="1.0" encoding="utf-8"?>
 <p:sld xmlns:a="http://schemas.openxmlformats.org/drawingml/2006/main" xmlns:r="http://schemas.openxmlformats.org/officeDocument/2006/relationships" xmlns:p="http://schemas.openxmlformats.org/presentationml/2006/main">
   <p:cSld>
     <p:spTree>
@@ -7447,7 +7752,7 @@
 </p:sld>
 </file>
 
-<file path=ppt/slides/slide14.xml><?xml version="1.0" encoding="utf-8"?>
+<file path=ppt/slides/slide15.xml><?xml version="1.0" encoding="utf-8"?>
 <p:sld xmlns:a="http://schemas.openxmlformats.org/drawingml/2006/main" xmlns:r="http://schemas.openxmlformats.org/officeDocument/2006/relationships" xmlns:p="http://schemas.openxmlformats.org/presentationml/2006/main">
   <p:cSld>
     <p:spTree>
@@ -7539,7 +7844,7 @@
 </p:sld>
 </file>
 
-<file path=ppt/slides/slide15.xml><?xml version="1.0" encoding="utf-8"?>
+<file path=ppt/slides/slide16.xml><?xml version="1.0" encoding="utf-8"?>
 <p:sld xmlns:a="http://schemas.openxmlformats.org/drawingml/2006/main" xmlns:r="http://schemas.openxmlformats.org/officeDocument/2006/relationships" xmlns:p="http://schemas.openxmlformats.org/presentationml/2006/main">
   <p:cSld>
     <p:spTree>
@@ -7631,7 +7936,7 @@
 </p:sld>
 </file>
 
-<file path=ppt/slides/slide16.xml><?xml version="1.0" encoding="utf-8"?>
+<file path=ppt/slides/slide17.xml><?xml version="1.0" encoding="utf-8"?>
 <p:sld xmlns:a="http://schemas.openxmlformats.org/drawingml/2006/main" xmlns:r="http://schemas.openxmlformats.org/officeDocument/2006/relationships" xmlns:p="http://schemas.openxmlformats.org/presentationml/2006/main">
   <p:cSld>
     <p:spTree>
@@ -7734,7 +8039,7 @@
 </p:sld>
 </file>
 
-<file path=ppt/slides/slide17.xml><?xml version="1.0" encoding="utf-8"?>
+<file path=ppt/slides/slide18.xml><?xml version="1.0" encoding="utf-8"?>
 <p:sld xmlns:a="http://schemas.openxmlformats.org/drawingml/2006/main" xmlns:r="http://schemas.openxmlformats.org/officeDocument/2006/relationships" xmlns:p="http://schemas.openxmlformats.org/presentationml/2006/main">
   <p:cSld>
     <p:spTree>
@@ -7994,7 +8299,7 @@
 </p:sld>
 </file>
 
-<file path=ppt/slides/slide18.xml><?xml version="1.0" encoding="utf-8"?>
+<file path=ppt/slides/slide19.xml><?xml version="1.0" encoding="utf-8"?>
 <p:sld xmlns:a="http://schemas.openxmlformats.org/drawingml/2006/main" xmlns:r="http://schemas.openxmlformats.org/officeDocument/2006/relationships" xmlns:p="http://schemas.openxmlformats.org/presentationml/2006/main">
   <p:cSld>
     <p:spTree>
@@ -8216,247 +8521,6 @@
 </p:sld>
 </file>
 
-<file path=ppt/slides/slide19.xml><?xml version="1.0" encoding="utf-8"?>
-<p:sld xmlns:a="http://schemas.openxmlformats.org/drawingml/2006/main" xmlns:r="http://schemas.openxmlformats.org/officeDocument/2006/relationships" xmlns:p="http://schemas.openxmlformats.org/presentationml/2006/main">
-  <p:cSld>
-    <p:spTree>
-      <p:nvGrpSpPr>
-        <p:cNvPr id="1" name=""/>
-        <p:cNvGrpSpPr/>
-        <p:nvPr/>
-      </p:nvGrpSpPr>
-      <p:grpSpPr>
-        <a:xfrm>
-          <a:off x="0" y="0"/>
-          <a:ext cx="0" cy="0"/>
-          <a:chOff x="0" y="0"/>
-          <a:chExt cx="0" cy="0"/>
-        </a:xfrm>
-      </p:grpSpPr>
-      <p:sp>
-        <p:nvSpPr>
-          <p:cNvPr id="8" name="Title 2"/>
-          <p:cNvSpPr>
-            <a:spLocks noGrp="1"/>
-          </p:cNvSpPr>
-          <p:nvPr>
-            <p:ph type="title"/>
-          </p:nvPr>
-        </p:nvSpPr>
-        <p:spPr>
-          <a:xfrm>
-            <a:off x="524935" y="239714"/>
-            <a:ext cx="9992784" cy="1085371"/>
-          </a:xfrm>
-        </p:spPr>
-        <p:txBody>
-          <a:bodyPr/>
-          <a:lstStyle/>
-          <a:p>
-            <a:r>
-              <a:rPr lang="en-US" dirty="0">
-                <a:solidFill>
-                  <a:schemeClr val="accent1">
-                    <a:lumMod val="75000"/>
-                  </a:schemeClr>
-                </a:solidFill>
-                <a:latin typeface="+mn-lt"/>
-              </a:rPr>
-              <a:t>Macros</a:t>
-            </a:r>
-            <a:endParaRPr lang="en-US" dirty="0">
-              <a:latin typeface="+mn-lt"/>
-            </a:endParaRPr>
-          </a:p>
-        </p:txBody>
-      </p:sp>
-      <p:sp>
-        <p:nvSpPr>
-          <p:cNvPr id="9" name="Content Placeholder 1"/>
-          <p:cNvSpPr>
-            <a:spLocks noGrp="1"/>
-          </p:cNvSpPr>
-          <p:nvPr>
-            <p:ph idx="1"/>
-          </p:nvPr>
-        </p:nvSpPr>
-        <p:spPr>
-          <a:xfrm>
-            <a:off x="529168" y="1800000"/>
-            <a:ext cx="11135785" cy="3852000"/>
-          </a:xfrm>
-        </p:spPr>
-        <p:txBody>
-          <a:bodyPr/>
-          <a:lstStyle/>
-          <a:p>
-            <a:r>
-              <a:rPr lang="en-US" dirty="0"/>
-              <a:t>Other macros include:</a:t>
-            </a:r>
-          </a:p>
-          <a:p>
-            <a:endParaRPr lang="en-US" dirty="0"/>
-          </a:p>
-          <a:p>
-            <a:r>
-              <a:rPr lang="en-US" dirty="0">
-                <a:latin typeface="Consolas" panose="020B0609020204030204" pitchFamily="49" charset="0"/>
-                <a:cs typeface="Consolas" panose="020B0609020204030204" pitchFamily="49" charset="0"/>
-              </a:rPr>
-              <a:t>?assert(Bool)</a:t>
-            </a:r>
-            <a:r>
-              <a:rPr lang="en-US" dirty="0"/>
-              <a:t> – Succeeds if Bool is true.</a:t>
-            </a:r>
-          </a:p>
-          <a:p>
-            <a:r>
-              <a:rPr lang="en-US" dirty="0">
-                <a:latin typeface="Consolas" panose="020B0609020204030204" pitchFamily="49" charset="0"/>
-                <a:cs typeface="Consolas" panose="020B0609020204030204" pitchFamily="49" charset="0"/>
-              </a:rPr>
-              <a:t>?</a:t>
-            </a:r>
-            <a:r>
-              <a:rPr lang="en-US" dirty="0" err="1">
-                <a:latin typeface="Consolas" panose="020B0609020204030204" pitchFamily="49" charset="0"/>
-                <a:cs typeface="Consolas" panose="020B0609020204030204" pitchFamily="49" charset="0"/>
-              </a:rPr>
-              <a:t>assertNot</a:t>
-            </a:r>
-            <a:r>
-              <a:rPr lang="en-US" dirty="0">
-                <a:latin typeface="Consolas" panose="020B0609020204030204" pitchFamily="49" charset="0"/>
-                <a:cs typeface="Consolas" panose="020B0609020204030204" pitchFamily="49" charset="0"/>
-              </a:rPr>
-              <a:t>(Bool)</a:t>
-            </a:r>
-            <a:r>
-              <a:rPr lang="en-US" dirty="0"/>
-              <a:t> – Inverse of </a:t>
-            </a:r>
-            <a:r>
-              <a:rPr lang="en-US" dirty="0">
-                <a:latin typeface="Consolas" panose="020B0609020204030204" pitchFamily="49" charset="0"/>
-                <a:cs typeface="Consolas" panose="020B0609020204030204" pitchFamily="49" charset="0"/>
-              </a:rPr>
-              <a:t>?assert</a:t>
-            </a:r>
-          </a:p>
-          <a:p>
-            <a:r>
-              <a:rPr lang="en-US" dirty="0">
-                <a:latin typeface="Consolas" panose="020B0609020204030204" pitchFamily="49" charset="0"/>
-                <a:cs typeface="Consolas" panose="020B0609020204030204" pitchFamily="49" charset="0"/>
-              </a:rPr>
-              <a:t>?</a:t>
-            </a:r>
-            <a:r>
-              <a:rPr lang="en-US" dirty="0" err="1">
-                <a:latin typeface="Consolas" panose="020B0609020204030204" pitchFamily="49" charset="0"/>
-                <a:cs typeface="Consolas" panose="020B0609020204030204" pitchFamily="49" charset="0"/>
-              </a:rPr>
-              <a:t>assertMatch</a:t>
-            </a:r>
-            <a:r>
-              <a:rPr lang="en-US" dirty="0">
-                <a:latin typeface="Consolas" panose="020B0609020204030204" pitchFamily="49" charset="0"/>
-                <a:cs typeface="Consolas" panose="020B0609020204030204" pitchFamily="49" charset="0"/>
-              </a:rPr>
-              <a:t>(</a:t>
-            </a:r>
-            <a:r>
-              <a:rPr lang="en-US" dirty="0" err="1">
-                <a:latin typeface="Consolas" panose="020B0609020204030204" pitchFamily="49" charset="0"/>
-                <a:cs typeface="Consolas" panose="020B0609020204030204" pitchFamily="49" charset="0"/>
-              </a:rPr>
-              <a:t>ExpectedPattern</a:t>
-            </a:r>
-            <a:r>
-              <a:rPr lang="en-US" dirty="0">
-                <a:latin typeface="Consolas" panose="020B0609020204030204" pitchFamily="49" charset="0"/>
-                <a:cs typeface="Consolas" panose="020B0609020204030204" pitchFamily="49" charset="0"/>
-              </a:rPr>
-              <a:t>, Result)</a:t>
-            </a:r>
-            <a:r>
-              <a:rPr lang="en-US" dirty="0"/>
-              <a:t> – Checks if Result will properly pattern match with </a:t>
-            </a:r>
-            <a:r>
-              <a:rPr lang="en-US" dirty="0" err="1"/>
-              <a:t>ExpectedPattern</a:t>
-            </a:r>
-            <a:r>
-              <a:rPr lang="en-US" dirty="0"/>
-              <a:t> and succeeds if it does.</a:t>
-            </a:r>
-          </a:p>
-          <a:p>
-            <a:r>
-              <a:rPr lang="en-US" dirty="0">
-                <a:latin typeface="Consolas" panose="020B0609020204030204" pitchFamily="49" charset="0"/>
-                <a:cs typeface="Consolas" panose="020B0609020204030204" pitchFamily="49" charset="0"/>
-              </a:rPr>
-              <a:t>?</a:t>
-            </a:r>
-            <a:r>
-              <a:rPr lang="en-US" dirty="0" err="1">
-                <a:latin typeface="Consolas" panose="020B0609020204030204" pitchFamily="49" charset="0"/>
-                <a:cs typeface="Consolas" panose="020B0609020204030204" pitchFamily="49" charset="0"/>
-              </a:rPr>
-              <a:t>assertNotEqual</a:t>
-            </a:r>
-            <a:r>
-              <a:rPr lang="en-US" dirty="0">
-                <a:latin typeface="Consolas" panose="020B0609020204030204" pitchFamily="49" charset="0"/>
-                <a:cs typeface="Consolas" panose="020B0609020204030204" pitchFamily="49" charset="0"/>
-              </a:rPr>
-              <a:t>(Expected, Result)</a:t>
-            </a:r>
-            <a:r>
-              <a:rPr lang="en-US" dirty="0"/>
-              <a:t> – Inverse of </a:t>
-            </a:r>
-            <a:r>
-              <a:rPr lang="en-US" dirty="0">
-                <a:latin typeface="Consolas" panose="020B0609020204030204" pitchFamily="49" charset="0"/>
-                <a:cs typeface="Consolas" panose="020B0609020204030204" pitchFamily="49" charset="0"/>
-              </a:rPr>
-              <a:t>?</a:t>
-            </a:r>
-            <a:r>
-              <a:rPr lang="en-US" dirty="0" err="1">
-                <a:latin typeface="Consolas" panose="020B0609020204030204" pitchFamily="49" charset="0"/>
-                <a:cs typeface="Consolas" panose="020B0609020204030204" pitchFamily="49" charset="0"/>
-              </a:rPr>
-              <a:t>assertEqual</a:t>
-            </a:r>
-            <a:endParaRPr lang="en-US" dirty="0">
-              <a:latin typeface="Consolas" panose="020B0609020204030204" pitchFamily="49" charset="0"/>
-              <a:cs typeface="Consolas" panose="020B0609020204030204" pitchFamily="49" charset="0"/>
-            </a:endParaRPr>
-          </a:p>
-          <a:p>
-            <a:endParaRPr lang="en-US" dirty="0"/>
-          </a:p>
-        </p:txBody>
-      </p:sp>
-    </p:spTree>
-    <p:extLst>
-      <p:ext uri="{BB962C8B-B14F-4D97-AF65-F5344CB8AC3E}">
-        <p14:creationId xmlns:p14="http://schemas.microsoft.com/office/powerpoint/2010/main" val="3491352087"/>
-      </p:ext>
-    </p:extLst>
-  </p:cSld>
-  <p:clrMapOvr>
-    <a:masterClrMapping/>
-  </p:clrMapOvr>
-</p:sld>
-</file>
-
 <file path=ppt/slides/slide2.xml><?xml version="1.0" encoding="utf-8"?>
 <p:sld xmlns:a="http://schemas.openxmlformats.org/drawingml/2006/main" xmlns:r="http://schemas.openxmlformats.org/officeDocument/2006/relationships" xmlns:p="http://schemas.openxmlformats.org/presentationml/2006/main">
   <p:cSld>
@@ -8474,116 +8538,47 @@
           <a:chExt cx="0" cy="0"/>
         </a:xfrm>
       </p:grpSpPr>
-      <p:sp>
-        <p:nvSpPr>
-          <p:cNvPr id="2" name="Content Placeholder 1"/>
-          <p:cNvSpPr>
-            <a:spLocks noGrp="1"/>
-          </p:cNvSpPr>
-          <p:nvPr>
-            <p:ph idx="1"/>
-          </p:nvPr>
-        </p:nvSpPr>
-        <p:spPr>
+      <p:pic>
+        <p:nvPicPr>
+          <p:cNvPr id="1026" name="Picture 2" descr="the Femalecodertocat"/>
+          <p:cNvPicPr>
+            <a:picLocks noChangeAspect="1" noChangeArrowheads="1"/>
+          </p:cNvPicPr>
+          <p:nvPr/>
+        </p:nvPicPr>
+        <p:blipFill>
+          <a:blip r:embed="rId3">
+            <a:extLst>
+              <a:ext uri="{28A0092B-C50C-407E-A947-70E740481C1C}">
+                <a14:useLocalDpi xmlns:a14="http://schemas.microsoft.com/office/drawing/2010/main" val="0"/>
+              </a:ext>
+            </a:extLst>
+          </a:blip>
+          <a:srcRect/>
+          <a:stretch>
+            <a:fillRect/>
+          </a:stretch>
+        </p:blipFill>
+        <p:spPr bwMode="auto">
           <a:xfrm>
-            <a:off x="1917702" y="3416968"/>
-            <a:ext cx="8351839" cy="2700253"/>
+            <a:off x="7501468" y="2480729"/>
+            <a:ext cx="4800600" cy="4800600"/>
           </a:xfrm>
+          <a:prstGeom prst="rect">
+            <a:avLst/>
+          </a:prstGeom>
+          <a:noFill/>
+          <a:extLst>
+            <a:ext uri="{909E8E84-426E-40DD-AFC4-6F175D3DCCD1}">
+              <a14:hiddenFill xmlns:a14="http://schemas.microsoft.com/office/drawing/2010/main">
+                <a:solidFill>
+                  <a:srgbClr val="FFFFFF"/>
+                </a:solidFill>
+              </a14:hiddenFill>
+            </a:ext>
+          </a:extLst>
         </p:spPr>
-        <p:txBody>
-          <a:bodyPr/>
-          <a:lstStyle/>
-          <a:p>
-            <a:pPr marL="0" indent="0">
-              <a:buNone/>
-            </a:pPr>
-            <a:r>
-              <a:rPr lang="en-US" sz="4400" dirty="0">
-                <a:solidFill>
-                  <a:schemeClr val="tx2">
-                    <a:lumMod val="50000"/>
-                    <a:lumOff val="50000"/>
-                  </a:schemeClr>
-                </a:solidFill>
-              </a:rPr>
-              <a:t>Test modules and test functions</a:t>
-            </a:r>
-          </a:p>
-          <a:p>
-            <a:pPr marL="0" indent="0">
-              <a:buNone/>
-            </a:pPr>
-            <a:r>
-              <a:rPr lang="en-US" sz="4400" dirty="0">
-                <a:solidFill>
-                  <a:srgbClr val="C00000"/>
-                </a:solidFill>
-              </a:rPr>
-              <a:t>Fixtures</a:t>
-            </a:r>
-          </a:p>
-          <a:p>
-            <a:pPr marL="0" indent="0">
-              <a:buNone/>
-            </a:pPr>
-            <a:r>
-              <a:rPr lang="en-US" sz="4400" dirty="0">
-                <a:solidFill>
-                  <a:schemeClr val="accent1">
-                    <a:lumMod val="75000"/>
-                  </a:schemeClr>
-                </a:solidFill>
-              </a:rPr>
-              <a:t>Macros</a:t>
-            </a:r>
-          </a:p>
-          <a:p>
-            <a:pPr marL="0" indent="0">
-              <a:buNone/>
-            </a:pPr>
-            <a:r>
-              <a:rPr lang="en-US" sz="4400" dirty="0">
-                <a:solidFill>
-                  <a:schemeClr val="accent6">
-                    <a:lumMod val="75000"/>
-                  </a:schemeClr>
-                </a:solidFill>
-              </a:rPr>
-              <a:t>Control</a:t>
-            </a:r>
-          </a:p>
-        </p:txBody>
-      </p:sp>
-      <p:sp>
-        <p:nvSpPr>
-          <p:cNvPr id="3" name="Title 2"/>
-          <p:cNvSpPr>
-            <a:spLocks noGrp="1"/>
-          </p:cNvSpPr>
-          <p:nvPr>
-            <p:ph type="title"/>
-          </p:nvPr>
-        </p:nvSpPr>
-        <p:spPr>
-          <a:xfrm>
-            <a:off x="1917701" y="239714"/>
-            <a:ext cx="7494588" cy="3161213"/>
-          </a:xfrm>
-        </p:spPr>
-        <p:txBody>
-          <a:bodyPr>
-            <a:normAutofit/>
-          </a:bodyPr>
-          <a:lstStyle/>
-          <a:p>
-            <a:r>
-              <a:rPr lang="en-US" sz="16600" dirty="0" err="1"/>
-              <a:t>Eunit</a:t>
-            </a:r>
-            <a:endParaRPr lang="en-US" sz="16600" dirty="0"/>
-          </a:p>
-        </p:txBody>
-      </p:sp>
+      </p:pic>
       <p:sp>
         <p:nvSpPr>
           <p:cNvPr id="5" name="Rectangle 4"/>
@@ -8592,8 +8587,8 @@
         </p:nvSpPr>
         <p:spPr bwMode="auto">
           <a:xfrm>
-            <a:off x="1868906" y="4219074"/>
-            <a:ext cx="8293769" cy="2198659"/>
+            <a:off x="7636932" y="2861733"/>
+            <a:ext cx="4538135" cy="3979334"/>
           </a:xfrm>
           <a:prstGeom prst="rect">
             <a:avLst/>
@@ -8620,14 +8615,122 @@
           </a:bodyPr>
           <a:lstStyle/>
           <a:p>
-            <a:endParaRPr lang="en-US" dirty="0"/>
+            <a:pPr marL="0" marR="0" indent="0" algn="l" defTabSz="914400" rtl="0" eaLnBrk="1" fontAlgn="base" latinLnBrk="0" hangingPunct="1">
+              <a:lnSpc>
+                <a:spcPct val="100000"/>
+              </a:lnSpc>
+              <a:spcBef>
+                <a:spcPct val="50000"/>
+              </a:spcBef>
+              <a:spcAft>
+                <a:spcPct val="0"/>
+              </a:spcAft>
+              <a:buClrTx/>
+              <a:buSzTx/>
+              <a:buFontTx/>
+              <a:buNone/>
+              <a:tabLst/>
+            </a:pPr>
+            <a:endParaRPr kumimoji="0" lang="en-US" sz="2000" b="0" i="0" u="none" strike="noStrike" cap="none" normalizeH="0" baseline="0">
+              <a:ln>
+                <a:noFill/>
+              </a:ln>
+              <a:solidFill>
+                <a:schemeClr val="tx1"/>
+              </a:solidFill>
+              <a:effectLst/>
+              <a:latin typeface="Arial" charset="0"/>
+            </a:endParaRPr>
+          </a:p>
+        </p:txBody>
+      </p:sp>
+      <p:sp>
+        <p:nvSpPr>
+          <p:cNvPr id="8" name="Title 2"/>
+          <p:cNvSpPr>
+            <a:spLocks noGrp="1"/>
+          </p:cNvSpPr>
+          <p:nvPr>
+            <p:ph type="title"/>
+          </p:nvPr>
+        </p:nvSpPr>
+        <p:spPr>
+          <a:xfrm>
+            <a:off x="524935" y="239714"/>
+            <a:ext cx="9992784" cy="1085371"/>
+          </a:xfrm>
+        </p:spPr>
+        <p:txBody>
+          <a:bodyPr/>
+          <a:lstStyle/>
+          <a:p>
+            <a:r>
+              <a:rPr lang="en-US" dirty="0">
+                <a:latin typeface="+mn-lt"/>
+                <a:ea typeface="+mn-ea"/>
+                <a:cs typeface="+mn-cs"/>
+              </a:rPr>
+              <a:t>Clone me!</a:t>
+            </a:r>
+          </a:p>
+        </p:txBody>
+      </p:sp>
+      <p:sp>
+        <p:nvSpPr>
+          <p:cNvPr id="7" name="TextBox 6"/>
+          <p:cNvSpPr txBox="1"/>
+          <p:nvPr/>
+        </p:nvSpPr>
+        <p:spPr>
+          <a:xfrm>
+            <a:off x="524935" y="1693334"/>
+            <a:ext cx="11226150" cy="954107"/>
+          </a:xfrm>
+          <a:prstGeom prst="rect">
+            <a:avLst/>
+          </a:prstGeom>
+          <a:noFill/>
+        </p:spPr>
+        <p:txBody>
+          <a:bodyPr wrap="none" rtlCol="0">
+            <a:spAutoFit/>
+          </a:bodyPr>
+          <a:lstStyle/>
+          <a:p>
+            <a:r>
+              <a:rPr lang="en-US" sz="2800" dirty="0" err="1">
+                <a:latin typeface="Consolas" panose="020B0609020204030204" pitchFamily="49" charset="0"/>
+                <a:cs typeface="Consolas" panose="020B0609020204030204" pitchFamily="49" charset="0"/>
+              </a:rPr>
+              <a:t>git</a:t>
+            </a:r>
+            <a:r>
+              <a:rPr lang="en-US" sz="2800" dirty="0">
+                <a:latin typeface="Consolas" panose="020B0609020204030204" pitchFamily="49" charset="0"/>
+                <a:cs typeface="Consolas" panose="020B0609020204030204" pitchFamily="49" charset="0"/>
+              </a:rPr>
+              <a:t> clone</a:t>
+            </a:r>
+            <a:br>
+              <a:rPr lang="en-US" sz="2800" dirty="0">
+                <a:latin typeface="Consolas" panose="020B0609020204030204" pitchFamily="49" charset="0"/>
+                <a:cs typeface="Consolas" panose="020B0609020204030204" pitchFamily="49" charset="0"/>
+              </a:rPr>
+            </a:br>
+            <a:r>
+              <a:rPr lang="en-US" sz="2800" dirty="0">
+                <a:latin typeface="Consolas" panose="020B0609020204030204" pitchFamily="49" charset="0"/>
+                <a:cs typeface="Consolas" panose="020B0609020204030204" pitchFamily="49" charset="0"/>
+              </a:rPr>
+              <a:t>https://github.com/gwaerondor/unit_testing_in_erlang.git</a:t>
+            </a:r>
           </a:p>
         </p:txBody>
       </p:sp>
     </p:spTree>
     <p:extLst>
       <p:ext uri="{BB962C8B-B14F-4D97-AF65-F5344CB8AC3E}">
-        <p14:creationId xmlns:p14="http://schemas.microsoft.com/office/powerpoint/2010/main" val="810662956"/>
+        <p14:creationId xmlns:p14="http://schemas.microsoft.com/office/powerpoint/2010/main" val="2859402811"/>
       </p:ext>
     </p:extLst>
   </p:cSld>
@@ -8683,7 +8786,7 @@
                 </a:solidFill>
                 <a:latin typeface="+mn-lt"/>
               </a:rPr>
-              <a:t>Test objects</a:t>
+              <a:t>Macros</a:t>
             </a:r>
             <a:endParaRPr lang="en-US" dirty="0">
               <a:latin typeface="+mn-lt"/>
@@ -8712,36 +8815,163 @@
           <a:lstStyle/>
           <a:p>
             <a:r>
-              <a:rPr lang="en-US" sz="3600" dirty="0"/>
-              <a:t>Remember the fixtures from before and how the tests in the list could either be just a fun or a tuple with a description and a fun?</a:t>
-            </a:r>
-          </a:p>
-          <a:p>
-            <a:endParaRPr lang="en-US" sz="3600" dirty="0"/>
-          </a:p>
-          <a:p>
-            <a:r>
-              <a:rPr lang="en-US" sz="3600" dirty="0"/>
-              <a:t>These are only some of many different representation a test can have – these different representations are called </a:t>
-            </a:r>
-            <a:r>
-              <a:rPr lang="en-US" sz="3600" i="1" dirty="0"/>
-              <a:t>test objects</a:t>
-            </a:r>
-            <a:r>
-              <a:rPr lang="en-US" sz="3600" dirty="0"/>
-              <a:t>.</a:t>
-            </a:r>
-          </a:p>
-          <a:p>
-            <a:endParaRPr lang="en-US" sz="3600" dirty="0"/>
+              <a:rPr lang="en-US" dirty="0"/>
+              <a:t>Other macros include:</a:t>
+            </a:r>
+          </a:p>
+          <a:p>
+            <a:endParaRPr lang="en-US" dirty="0"/>
+          </a:p>
+          <a:p>
+            <a:r>
+              <a:rPr lang="en-US" dirty="0">
+                <a:latin typeface="Consolas" panose="020B0609020204030204" pitchFamily="49" charset="0"/>
+                <a:cs typeface="Consolas" panose="020B0609020204030204" pitchFamily="49" charset="0"/>
+              </a:rPr>
+              <a:t>?assert(Bool)</a:t>
+            </a:r>
+            <a:r>
+              <a:rPr lang="en-US" dirty="0"/>
+              <a:t> – Succeeds if Bool is true.</a:t>
+            </a:r>
+          </a:p>
+          <a:p>
+            <a:r>
+              <a:rPr lang="en-US" dirty="0">
+                <a:latin typeface="Consolas" panose="020B0609020204030204" pitchFamily="49" charset="0"/>
+                <a:cs typeface="Consolas" panose="020B0609020204030204" pitchFamily="49" charset="0"/>
+              </a:rPr>
+              <a:t>?</a:t>
+            </a:r>
+            <a:r>
+              <a:rPr lang="en-US" dirty="0" err="1">
+                <a:latin typeface="Consolas" panose="020B0609020204030204" pitchFamily="49" charset="0"/>
+                <a:cs typeface="Consolas" panose="020B0609020204030204" pitchFamily="49" charset="0"/>
+              </a:rPr>
+              <a:t>assertNot</a:t>
+            </a:r>
+            <a:r>
+              <a:rPr lang="en-US" dirty="0">
+                <a:latin typeface="Consolas" panose="020B0609020204030204" pitchFamily="49" charset="0"/>
+                <a:cs typeface="Consolas" panose="020B0609020204030204" pitchFamily="49" charset="0"/>
+              </a:rPr>
+              <a:t>(Bool)</a:t>
+            </a:r>
+            <a:r>
+              <a:rPr lang="en-US" dirty="0"/>
+              <a:t> – Inverse of </a:t>
+            </a:r>
+            <a:r>
+              <a:rPr lang="en-US" dirty="0">
+                <a:latin typeface="Consolas" panose="020B0609020204030204" pitchFamily="49" charset="0"/>
+                <a:cs typeface="Consolas" panose="020B0609020204030204" pitchFamily="49" charset="0"/>
+              </a:rPr>
+              <a:t>?assert</a:t>
+            </a:r>
+          </a:p>
+          <a:p>
+            <a:r>
+              <a:rPr lang="en-US" dirty="0">
+                <a:latin typeface="Consolas" panose="020B0609020204030204" pitchFamily="49" charset="0"/>
+                <a:cs typeface="Consolas" panose="020B0609020204030204" pitchFamily="49" charset="0"/>
+              </a:rPr>
+              <a:t>?</a:t>
+            </a:r>
+            <a:r>
+              <a:rPr lang="en-US" dirty="0" err="1">
+                <a:latin typeface="Consolas" panose="020B0609020204030204" pitchFamily="49" charset="0"/>
+                <a:cs typeface="Consolas" panose="020B0609020204030204" pitchFamily="49" charset="0"/>
+              </a:rPr>
+              <a:t>assertMatch</a:t>
+            </a:r>
+            <a:r>
+              <a:rPr lang="en-US" dirty="0">
+                <a:latin typeface="Consolas" panose="020B0609020204030204" pitchFamily="49" charset="0"/>
+                <a:cs typeface="Consolas" panose="020B0609020204030204" pitchFamily="49" charset="0"/>
+              </a:rPr>
+              <a:t>(</a:t>
+            </a:r>
+            <a:r>
+              <a:rPr lang="en-US" dirty="0" err="1">
+                <a:latin typeface="Consolas" panose="020B0609020204030204" pitchFamily="49" charset="0"/>
+                <a:cs typeface="Consolas" panose="020B0609020204030204" pitchFamily="49" charset="0"/>
+              </a:rPr>
+              <a:t>ExpectedPattern</a:t>
+            </a:r>
+            <a:r>
+              <a:rPr lang="en-US" dirty="0">
+                <a:latin typeface="Consolas" panose="020B0609020204030204" pitchFamily="49" charset="0"/>
+                <a:cs typeface="Consolas" panose="020B0609020204030204" pitchFamily="49" charset="0"/>
+              </a:rPr>
+              <a:t>, Result)</a:t>
+            </a:r>
+            <a:r>
+              <a:rPr lang="en-US" dirty="0"/>
+              <a:t> – Checks if Result will properly pattern match with </a:t>
+            </a:r>
+            <a:r>
+              <a:rPr lang="en-US" dirty="0" err="1"/>
+              <a:t>ExpectedPattern</a:t>
+            </a:r>
+            <a:r>
+              <a:rPr lang="en-US" dirty="0"/>
+              <a:t> and succeeds if it does.</a:t>
+            </a:r>
+          </a:p>
+          <a:p>
+            <a:r>
+              <a:rPr lang="en-US" dirty="0">
+                <a:latin typeface="Consolas" panose="020B0609020204030204" pitchFamily="49" charset="0"/>
+                <a:cs typeface="Consolas" panose="020B0609020204030204" pitchFamily="49" charset="0"/>
+              </a:rPr>
+              <a:t>?</a:t>
+            </a:r>
+            <a:r>
+              <a:rPr lang="en-US" dirty="0" err="1">
+                <a:latin typeface="Consolas" panose="020B0609020204030204" pitchFamily="49" charset="0"/>
+                <a:cs typeface="Consolas" panose="020B0609020204030204" pitchFamily="49" charset="0"/>
+              </a:rPr>
+              <a:t>assertNotEqual</a:t>
+            </a:r>
+            <a:r>
+              <a:rPr lang="en-US" dirty="0">
+                <a:latin typeface="Consolas" panose="020B0609020204030204" pitchFamily="49" charset="0"/>
+                <a:cs typeface="Consolas" panose="020B0609020204030204" pitchFamily="49" charset="0"/>
+              </a:rPr>
+              <a:t>(Expected, Result)</a:t>
+            </a:r>
+            <a:r>
+              <a:rPr lang="en-US" dirty="0"/>
+              <a:t> – Inverse of </a:t>
+            </a:r>
+            <a:r>
+              <a:rPr lang="en-US" dirty="0">
+                <a:latin typeface="Consolas" panose="020B0609020204030204" pitchFamily="49" charset="0"/>
+                <a:cs typeface="Consolas" panose="020B0609020204030204" pitchFamily="49" charset="0"/>
+              </a:rPr>
+              <a:t>?</a:t>
+            </a:r>
+            <a:r>
+              <a:rPr lang="en-US" dirty="0" err="1">
+                <a:latin typeface="Consolas" panose="020B0609020204030204" pitchFamily="49" charset="0"/>
+                <a:cs typeface="Consolas" panose="020B0609020204030204" pitchFamily="49" charset="0"/>
+              </a:rPr>
+              <a:t>assertEqual</a:t>
+            </a:r>
+            <a:endParaRPr lang="en-US" dirty="0">
+              <a:latin typeface="Consolas" panose="020B0609020204030204" pitchFamily="49" charset="0"/>
+              <a:cs typeface="Consolas" panose="020B0609020204030204" pitchFamily="49" charset="0"/>
+            </a:endParaRPr>
+          </a:p>
+          <a:p>
+            <a:endParaRPr lang="en-US" dirty="0"/>
           </a:p>
         </p:txBody>
       </p:sp>
     </p:spTree>
     <p:extLst>
       <p:ext uri="{BB962C8B-B14F-4D97-AF65-F5344CB8AC3E}">
-        <p14:creationId xmlns:p14="http://schemas.microsoft.com/office/powerpoint/2010/main" val="3958795166"/>
+        <p14:creationId xmlns:p14="http://schemas.microsoft.com/office/powerpoint/2010/main" val="3491352087"/>
       </p:ext>
     </p:extLst>
   </p:cSld>
@@ -8770,124 +9000,7 @@
       </p:grpSpPr>
       <p:sp>
         <p:nvSpPr>
-          <p:cNvPr id="2" name="Content Placeholder 1"/>
-          <p:cNvSpPr>
-            <a:spLocks noGrp="1"/>
-          </p:cNvSpPr>
-          <p:nvPr>
-            <p:ph idx="1"/>
-          </p:nvPr>
-        </p:nvSpPr>
-        <p:spPr/>
-        <p:txBody>
-          <a:bodyPr/>
-          <a:lstStyle/>
-          <a:p>
-            <a:r>
-              <a:rPr lang="en-US" sz="3600" dirty="0"/>
-              <a:t>Another example of a test object is</a:t>
-            </a:r>
-            <a:br>
-              <a:rPr lang="en-US" sz="3600" dirty="0"/>
-            </a:br>
-            <a:r>
-              <a:rPr lang="en-US" sz="3600" dirty="0">
-                <a:latin typeface="Consolas" panose="020B0609020204030204" pitchFamily="49" charset="0"/>
-                <a:cs typeface="Consolas" panose="020B0609020204030204" pitchFamily="49" charset="0"/>
-              </a:rPr>
-              <a:t>{</a:t>
-            </a:r>
-            <a:r>
-              <a:rPr lang="en-US" sz="3600" dirty="0" err="1">
-                <a:latin typeface="Consolas" panose="020B0609020204030204" pitchFamily="49" charset="0"/>
-                <a:cs typeface="Consolas" panose="020B0609020204030204" pitchFamily="49" charset="0"/>
-              </a:rPr>
-              <a:t>LineNumber</a:t>
-            </a:r>
-            <a:r>
-              <a:rPr lang="en-US" sz="3600" dirty="0">
-                <a:latin typeface="Consolas" panose="020B0609020204030204" pitchFamily="49" charset="0"/>
-                <a:cs typeface="Consolas" panose="020B0609020204030204" pitchFamily="49" charset="0"/>
-              </a:rPr>
-              <a:t>, </a:t>
-            </a:r>
-            <a:r>
-              <a:rPr lang="en-US" sz="3600" dirty="0" err="1">
-                <a:latin typeface="Consolas" panose="020B0609020204030204" pitchFamily="49" charset="0"/>
-                <a:cs typeface="Consolas" panose="020B0609020204030204" pitchFamily="49" charset="0"/>
-              </a:rPr>
-              <a:t>TestObject</a:t>
-            </a:r>
-            <a:r>
-              <a:rPr lang="en-US" sz="3600" dirty="0">
-                <a:latin typeface="Consolas" panose="020B0609020204030204" pitchFamily="49" charset="0"/>
-                <a:cs typeface="Consolas" panose="020B0609020204030204" pitchFamily="49" charset="0"/>
-              </a:rPr>
-              <a:t>}</a:t>
-            </a:r>
-            <a:br>
-              <a:rPr lang="en-US" sz="3600" dirty="0">
-                <a:latin typeface="Consolas" panose="020B0609020204030204" pitchFamily="49" charset="0"/>
-                <a:cs typeface="Consolas" panose="020B0609020204030204" pitchFamily="49" charset="0"/>
-              </a:rPr>
-            </a:br>
-            <a:r>
-              <a:rPr lang="en-US" sz="3600" dirty="0"/>
-              <a:t>where </a:t>
-            </a:r>
-            <a:r>
-              <a:rPr lang="en-US" sz="3600" dirty="0" err="1"/>
-              <a:t>LineNumber</a:t>
-            </a:r>
-            <a:r>
-              <a:rPr lang="en-US" sz="3600" dirty="0"/>
-              <a:t> is an integer and </a:t>
-            </a:r>
-            <a:r>
-              <a:rPr lang="en-US" sz="3600" dirty="0" err="1"/>
-              <a:t>TestObject</a:t>
-            </a:r>
-            <a:r>
-              <a:rPr lang="en-US" sz="3600" dirty="0"/>
-              <a:t> is another test object, for example a fun() or a </a:t>
-            </a:r>
-            <a:r>
-              <a:rPr lang="en-US" sz="3600" dirty="0">
-                <a:latin typeface="Consolas" panose="020B0609020204030204" pitchFamily="49" charset="0"/>
-                <a:cs typeface="Consolas" panose="020B0609020204030204" pitchFamily="49" charset="0"/>
-              </a:rPr>
-              <a:t>{Description, fun()}</a:t>
-            </a:r>
-            <a:r>
-              <a:rPr lang="en-US" sz="3600" dirty="0"/>
-              <a:t>.</a:t>
-            </a:r>
-          </a:p>
-          <a:p>
-            <a:r>
-              <a:rPr lang="en-US" sz="3600" dirty="0"/>
-              <a:t>In other words, a simple </a:t>
-            </a:r>
-            <a:r>
-              <a:rPr lang="en-US" sz="3600" dirty="0" err="1"/>
-              <a:t>nullary</a:t>
-            </a:r>
-            <a:r>
-              <a:rPr lang="en-US" sz="3600" dirty="0"/>
-              <a:t> fun() – a fun() with 0 arguments – is also a test object.</a:t>
-            </a:r>
-          </a:p>
-          <a:p>
-            <a:pPr marL="0" indent="0">
-              <a:buNone/>
-            </a:pPr>
-            <a:endParaRPr lang="en-US" dirty="0"/>
-          </a:p>
-        </p:txBody>
-      </p:sp>
-      <p:sp>
-        <p:nvSpPr>
-          <p:cNvPr id="3" name="Title 2"/>
+          <p:cNvPr id="8" name="Title 2"/>
           <p:cNvSpPr>
             <a:spLocks noGrp="1"/>
           </p:cNvSpPr>
@@ -8895,7 +9008,12 @@
             <p:ph type="title"/>
           </p:nvPr>
         </p:nvSpPr>
-        <p:spPr/>
+        <p:spPr>
+          <a:xfrm>
+            <a:off x="524935" y="239714"/>
+            <a:ext cx="9992784" cy="1085371"/>
+          </a:xfrm>
+        </p:spPr>
         <p:txBody>
           <a:bodyPr/>
           <a:lstStyle/>
@@ -8917,10 +9035,57 @@
           </a:p>
         </p:txBody>
       </p:sp>
+      <p:sp>
+        <p:nvSpPr>
+          <p:cNvPr id="9" name="Content Placeholder 1"/>
+          <p:cNvSpPr>
+            <a:spLocks noGrp="1"/>
+          </p:cNvSpPr>
+          <p:nvPr>
+            <p:ph idx="1"/>
+          </p:nvPr>
+        </p:nvSpPr>
+        <p:spPr>
+          <a:xfrm>
+            <a:off x="529168" y="1800000"/>
+            <a:ext cx="11135785" cy="3852000"/>
+          </a:xfrm>
+        </p:spPr>
+        <p:txBody>
+          <a:bodyPr/>
+          <a:lstStyle/>
+          <a:p>
+            <a:r>
+              <a:rPr lang="en-US" sz="3600" dirty="0"/>
+              <a:t>Remember the fixtures from before and how the tests in the list could either be just a fun or a tuple with a description and a fun?</a:t>
+            </a:r>
+          </a:p>
+          <a:p>
+            <a:endParaRPr lang="en-US" sz="3600" dirty="0"/>
+          </a:p>
+          <a:p>
+            <a:r>
+              <a:rPr lang="en-US" sz="3600" dirty="0"/>
+              <a:t>These are only some of many different representation a test can have – these different representations are called </a:t>
+            </a:r>
+            <a:r>
+              <a:rPr lang="en-US" sz="3600" i="1" dirty="0"/>
+              <a:t>test objects</a:t>
+            </a:r>
+            <a:r>
+              <a:rPr lang="en-US" sz="3600" dirty="0"/>
+              <a:t>.</a:t>
+            </a:r>
+          </a:p>
+          <a:p>
+            <a:endParaRPr lang="en-US" sz="3600" dirty="0"/>
+          </a:p>
+        </p:txBody>
+      </p:sp>
     </p:spTree>
     <p:extLst>
       <p:ext uri="{BB962C8B-B14F-4D97-AF65-F5344CB8AC3E}">
-        <p14:creationId xmlns:p14="http://schemas.microsoft.com/office/powerpoint/2010/main" val="1654031167"/>
+        <p14:creationId xmlns:p14="http://schemas.microsoft.com/office/powerpoint/2010/main" val="3958795166"/>
       </p:ext>
     </p:extLst>
   </p:cSld>
@@ -8949,6 +9114,185 @@
       </p:grpSpPr>
       <p:sp>
         <p:nvSpPr>
+          <p:cNvPr id="2" name="Content Placeholder 1"/>
+          <p:cNvSpPr>
+            <a:spLocks noGrp="1"/>
+          </p:cNvSpPr>
+          <p:nvPr>
+            <p:ph idx="1"/>
+          </p:nvPr>
+        </p:nvSpPr>
+        <p:spPr/>
+        <p:txBody>
+          <a:bodyPr/>
+          <a:lstStyle/>
+          <a:p>
+            <a:r>
+              <a:rPr lang="en-US" sz="3600" dirty="0"/>
+              <a:t>Another example of a test object is</a:t>
+            </a:r>
+            <a:br>
+              <a:rPr lang="en-US" sz="3600" dirty="0"/>
+            </a:br>
+            <a:r>
+              <a:rPr lang="en-US" sz="3600" dirty="0">
+                <a:latin typeface="Consolas" panose="020B0609020204030204" pitchFamily="49" charset="0"/>
+                <a:cs typeface="Consolas" panose="020B0609020204030204" pitchFamily="49" charset="0"/>
+              </a:rPr>
+              <a:t>{</a:t>
+            </a:r>
+            <a:r>
+              <a:rPr lang="en-US" sz="3600" dirty="0" err="1">
+                <a:latin typeface="Consolas" panose="020B0609020204030204" pitchFamily="49" charset="0"/>
+                <a:cs typeface="Consolas" panose="020B0609020204030204" pitchFamily="49" charset="0"/>
+              </a:rPr>
+              <a:t>LineNumber</a:t>
+            </a:r>
+            <a:r>
+              <a:rPr lang="en-US" sz="3600" dirty="0">
+                <a:latin typeface="Consolas" panose="020B0609020204030204" pitchFamily="49" charset="0"/>
+                <a:cs typeface="Consolas" panose="020B0609020204030204" pitchFamily="49" charset="0"/>
+              </a:rPr>
+              <a:t>, </a:t>
+            </a:r>
+            <a:r>
+              <a:rPr lang="en-US" sz="3600" dirty="0" err="1">
+                <a:latin typeface="Consolas" panose="020B0609020204030204" pitchFamily="49" charset="0"/>
+                <a:cs typeface="Consolas" panose="020B0609020204030204" pitchFamily="49" charset="0"/>
+              </a:rPr>
+              <a:t>TestObject</a:t>
+            </a:r>
+            <a:r>
+              <a:rPr lang="en-US" sz="3600" dirty="0">
+                <a:latin typeface="Consolas" panose="020B0609020204030204" pitchFamily="49" charset="0"/>
+                <a:cs typeface="Consolas" panose="020B0609020204030204" pitchFamily="49" charset="0"/>
+              </a:rPr>
+              <a:t>}</a:t>
+            </a:r>
+            <a:br>
+              <a:rPr lang="en-US" sz="3600" dirty="0">
+                <a:latin typeface="Consolas" panose="020B0609020204030204" pitchFamily="49" charset="0"/>
+                <a:cs typeface="Consolas" panose="020B0609020204030204" pitchFamily="49" charset="0"/>
+              </a:rPr>
+            </a:br>
+            <a:r>
+              <a:rPr lang="en-US" sz="3600" dirty="0"/>
+              <a:t>where </a:t>
+            </a:r>
+            <a:r>
+              <a:rPr lang="en-US" sz="3600" dirty="0" err="1"/>
+              <a:t>LineNumber</a:t>
+            </a:r>
+            <a:r>
+              <a:rPr lang="en-US" sz="3600" dirty="0"/>
+              <a:t> is an integer and </a:t>
+            </a:r>
+            <a:r>
+              <a:rPr lang="en-US" sz="3600" dirty="0" err="1"/>
+              <a:t>TestObject</a:t>
+            </a:r>
+            <a:r>
+              <a:rPr lang="en-US" sz="3600" dirty="0"/>
+              <a:t> is another test object, for example a fun() or a </a:t>
+            </a:r>
+            <a:r>
+              <a:rPr lang="en-US" sz="3600" dirty="0">
+                <a:latin typeface="Consolas" panose="020B0609020204030204" pitchFamily="49" charset="0"/>
+                <a:cs typeface="Consolas" panose="020B0609020204030204" pitchFamily="49" charset="0"/>
+              </a:rPr>
+              <a:t>{Description, fun()}</a:t>
+            </a:r>
+            <a:r>
+              <a:rPr lang="en-US" sz="3600" dirty="0"/>
+              <a:t>.</a:t>
+            </a:r>
+          </a:p>
+          <a:p>
+            <a:r>
+              <a:rPr lang="en-US" sz="3600" dirty="0"/>
+              <a:t>In other words, a simple </a:t>
+            </a:r>
+            <a:r>
+              <a:rPr lang="en-US" sz="3600" dirty="0" err="1"/>
+              <a:t>nullary</a:t>
+            </a:r>
+            <a:r>
+              <a:rPr lang="en-US" sz="3600" dirty="0"/>
+              <a:t> fun() – a fun() with 0 arguments – is also a test object.</a:t>
+            </a:r>
+          </a:p>
+          <a:p>
+            <a:pPr marL="0" indent="0">
+              <a:buNone/>
+            </a:pPr>
+            <a:endParaRPr lang="en-US" dirty="0"/>
+          </a:p>
+        </p:txBody>
+      </p:sp>
+      <p:sp>
+        <p:nvSpPr>
+          <p:cNvPr id="3" name="Title 2"/>
+          <p:cNvSpPr>
+            <a:spLocks noGrp="1"/>
+          </p:cNvSpPr>
+          <p:nvPr>
+            <p:ph type="title"/>
+          </p:nvPr>
+        </p:nvSpPr>
+        <p:spPr/>
+        <p:txBody>
+          <a:bodyPr/>
+          <a:lstStyle/>
+          <a:p>
+            <a:r>
+              <a:rPr lang="en-US" dirty="0">
+                <a:solidFill>
+                  <a:schemeClr val="accent1">
+                    <a:lumMod val="75000"/>
+                  </a:schemeClr>
+                </a:solidFill>
+                <a:latin typeface="+mn-lt"/>
+              </a:rPr>
+              <a:t>Test objects</a:t>
+            </a:r>
+            <a:endParaRPr lang="en-US" dirty="0">
+              <a:latin typeface="+mn-lt"/>
+            </a:endParaRPr>
+          </a:p>
+        </p:txBody>
+      </p:sp>
+    </p:spTree>
+    <p:extLst>
+      <p:ext uri="{BB962C8B-B14F-4D97-AF65-F5344CB8AC3E}">
+        <p14:creationId xmlns:p14="http://schemas.microsoft.com/office/powerpoint/2010/main" val="1654031167"/>
+      </p:ext>
+    </p:extLst>
+  </p:cSld>
+  <p:clrMapOvr>
+    <a:masterClrMapping/>
+  </p:clrMapOvr>
+</p:sld>
+</file>
+
+<file path=ppt/slides/slide23.xml><?xml version="1.0" encoding="utf-8"?>
+<p:sld xmlns:a="http://schemas.openxmlformats.org/drawingml/2006/main" xmlns:r="http://schemas.openxmlformats.org/officeDocument/2006/relationships" xmlns:p="http://schemas.openxmlformats.org/presentationml/2006/main">
+  <p:cSld>
+    <p:spTree>
+      <p:nvGrpSpPr>
+        <p:cNvPr id="1" name=""/>
+        <p:cNvGrpSpPr/>
+        <p:nvPr/>
+      </p:nvGrpSpPr>
+      <p:grpSpPr>
+        <a:xfrm>
+          <a:off x="0" y="0"/>
+          <a:ext cx="0" cy="0"/>
+          <a:chOff x="0" y="0"/>
+          <a:chExt cx="0" cy="0"/>
+        </a:xfrm>
+      </p:grpSpPr>
+      <p:sp>
+        <p:nvSpPr>
           <p:cNvPr id="8" name="Title 2"/>
           <p:cNvSpPr>
             <a:spLocks noGrp="1"/>
@@ -9097,7 +9441,7 @@
 </p:sld>
 </file>
 
-<file path=ppt/slides/slide23.xml><?xml version="1.0" encoding="utf-8"?>
+<file path=ppt/slides/slide24.xml><?xml version="1.0" encoding="utf-8"?>
 <p:sld xmlns:a="http://schemas.openxmlformats.org/drawingml/2006/main" xmlns:r="http://schemas.openxmlformats.org/officeDocument/2006/relationships" xmlns:p="http://schemas.openxmlformats.org/presentationml/2006/main">
   <p:cSld>
     <p:spTree>
@@ -9310,7 +9654,7 @@
 </p:sld>
 </file>
 
-<file path=ppt/slides/slide24.xml><?xml version="1.0" encoding="utf-8"?>
+<file path=ppt/slides/slide25.xml><?xml version="1.0" encoding="utf-8"?>
 <p:sld xmlns:a="http://schemas.openxmlformats.org/drawingml/2006/main" xmlns:r="http://schemas.openxmlformats.org/officeDocument/2006/relationships" xmlns:p="http://schemas.openxmlformats.org/presentationml/2006/main">
   <p:cSld>
     <p:spTree>
@@ -9508,7 +9852,7 @@
 </p:sld>
 </file>
 
-<file path=ppt/slides/slide25.xml><?xml version="1.0" encoding="utf-8"?>
+<file path=ppt/slides/slide26.xml><?xml version="1.0" encoding="utf-8"?>
 <p:sld xmlns:a="http://schemas.openxmlformats.org/drawingml/2006/main" xmlns:r="http://schemas.openxmlformats.org/officeDocument/2006/relationships" xmlns:p="http://schemas.openxmlformats.org/presentationml/2006/main">
   <p:cSld>
     <p:spTree>
@@ -9768,7 +10112,7 @@
 </p:sld>
 </file>
 
-<file path=ppt/slides/slide26.xml><?xml version="1.0" encoding="utf-8"?>
+<file path=ppt/slides/slide27.xml><?xml version="1.0" encoding="utf-8"?>
 <p:sld xmlns:a="http://schemas.openxmlformats.org/drawingml/2006/main" xmlns:r="http://schemas.openxmlformats.org/officeDocument/2006/relationships" xmlns:p="http://schemas.openxmlformats.org/presentationml/2006/main">
   <p:cSld>
     <p:spTree>
@@ -10009,7 +10353,7 @@
 </p:sld>
 </file>
 
-<file path=ppt/slides/slide27.xml><?xml version="1.0" encoding="utf-8"?>
+<file path=ppt/slides/slide28.xml><?xml version="1.0" encoding="utf-8"?>
 <p:sld xmlns:a="http://schemas.openxmlformats.org/drawingml/2006/main" xmlns:r="http://schemas.openxmlformats.org/officeDocument/2006/relationships" xmlns:p="http://schemas.openxmlformats.org/presentationml/2006/main">
   <p:cSld>
     <p:spTree>
@@ -10174,133 +10518,6 @@
 </p:sld>
 </file>
 
-<file path=ppt/slides/slide28.xml><?xml version="1.0" encoding="utf-8"?>
-<p:sld xmlns:a="http://schemas.openxmlformats.org/drawingml/2006/main" xmlns:r="http://schemas.openxmlformats.org/officeDocument/2006/relationships" xmlns:p="http://schemas.openxmlformats.org/presentationml/2006/main">
-  <p:cSld>
-    <p:spTree>
-      <p:nvGrpSpPr>
-        <p:cNvPr id="1" name=""/>
-        <p:cNvGrpSpPr/>
-        <p:nvPr/>
-      </p:nvGrpSpPr>
-      <p:grpSpPr>
-        <a:xfrm>
-          <a:off x="0" y="0"/>
-          <a:ext cx="0" cy="0"/>
-          <a:chOff x="0" y="0"/>
-          <a:chExt cx="0" cy="0"/>
-        </a:xfrm>
-      </p:grpSpPr>
-      <p:sp>
-        <p:nvSpPr>
-          <p:cNvPr id="2" name="Content Placeholder 1"/>
-          <p:cNvSpPr>
-            <a:spLocks noGrp="1"/>
-          </p:cNvSpPr>
-          <p:nvPr>
-            <p:ph idx="1"/>
-          </p:nvPr>
-        </p:nvSpPr>
-        <p:spPr>
-          <a:xfrm>
-            <a:off x="1375834" y="3092562"/>
-            <a:ext cx="8919631" cy="2238765"/>
-          </a:xfrm>
-        </p:spPr>
-        <p:txBody>
-          <a:bodyPr/>
-          <a:lstStyle/>
-          <a:p>
-            <a:pPr marL="0" indent="0" algn="ctr">
-              <a:buNone/>
-            </a:pPr>
-            <a:r>
-              <a:rPr lang="en-US" sz="4400" dirty="0">
-                <a:solidFill>
-                  <a:srgbClr val="007B78"/>
-                </a:solidFill>
-              </a:rPr>
-              <a:t>A mocking library for Erlang</a:t>
-            </a:r>
-          </a:p>
-        </p:txBody>
-      </p:sp>
-      <p:sp>
-        <p:nvSpPr>
-          <p:cNvPr id="3" name="Title 2"/>
-          <p:cNvSpPr>
-            <a:spLocks noGrp="1"/>
-          </p:cNvSpPr>
-          <p:nvPr>
-            <p:ph type="title"/>
-          </p:nvPr>
-        </p:nvSpPr>
-        <p:spPr>
-          <a:xfrm>
-            <a:off x="2630223" y="239714"/>
-            <a:ext cx="7494588" cy="3161213"/>
-          </a:xfrm>
-        </p:spPr>
-        <p:txBody>
-          <a:bodyPr>
-            <a:normAutofit/>
-          </a:bodyPr>
-          <a:lstStyle/>
-          <a:p>
-            <a:r>
-              <a:rPr lang="en-US" sz="16600" dirty="0" err="1"/>
-              <a:t>meck</a:t>
-            </a:r>
-            <a:endParaRPr lang="en-US" sz="16600" dirty="0"/>
-          </a:p>
-        </p:txBody>
-      </p:sp>
-      <p:sp>
-        <p:nvSpPr>
-          <p:cNvPr id="4" name="TextBox 3"/>
-          <p:cNvSpPr txBox="1"/>
-          <p:nvPr/>
-        </p:nvSpPr>
-        <p:spPr>
-          <a:xfrm>
-            <a:off x="0" y="3966016"/>
-            <a:ext cx="12005734" cy="523220"/>
-          </a:xfrm>
-          <a:prstGeom prst="rect">
-            <a:avLst/>
-          </a:prstGeom>
-          <a:noFill/>
-        </p:spPr>
-        <p:txBody>
-          <a:bodyPr wrap="square" rtlCol="0">
-            <a:spAutoFit/>
-          </a:bodyPr>
-          <a:lstStyle/>
-          <a:p>
-            <a:pPr algn="ctr"/>
-            <a:r>
-              <a:rPr lang="en-US" sz="2800" dirty="0">
-                <a:latin typeface="Consolas" panose="020B0609020204030204" pitchFamily="49" charset="0"/>
-                <a:cs typeface="Consolas" panose="020B0609020204030204" pitchFamily="49" charset="0"/>
-              </a:rPr>
-              <a:t>https://github.com/eproxus/meck</a:t>
-            </a:r>
-          </a:p>
-        </p:txBody>
-      </p:sp>
-    </p:spTree>
-    <p:extLst>
-      <p:ext uri="{BB962C8B-B14F-4D97-AF65-F5344CB8AC3E}">
-        <p14:creationId xmlns:p14="http://schemas.microsoft.com/office/powerpoint/2010/main" val="1175298411"/>
-      </p:ext>
-    </p:extLst>
-  </p:cSld>
-  <p:clrMapOvr>
-    <a:masterClrMapping/>
-  </p:clrMapOvr>
-</p:sld>
-</file>
-
 <file path=ppt/slides/slide29.xml><?xml version="1.0" encoding="utf-8"?>
 <p:sld xmlns:a="http://schemas.openxmlformats.org/drawingml/2006/main" xmlns:r="http://schemas.openxmlformats.org/officeDocument/2006/relationships" xmlns:p="http://schemas.openxmlformats.org/presentationml/2006/main">
   <p:cSld>
@@ -10328,81 +10545,97 @@
             <p:ph idx="1"/>
           </p:nvPr>
         </p:nvSpPr>
-        <p:spPr/>
+        <p:spPr>
+          <a:xfrm>
+            <a:off x="1375834" y="3092562"/>
+            <a:ext cx="8919631" cy="2238765"/>
+          </a:xfrm>
+        </p:spPr>
         <p:txBody>
           <a:bodyPr/>
           <a:lstStyle/>
           <a:p>
-            <a:r>
-              <a:rPr lang="en-US" dirty="0" err="1"/>
-              <a:t>meck</a:t>
-            </a:r>
-            <a:r>
-              <a:rPr lang="en-US" dirty="0"/>
-              <a:t> is not part of OTP. No-one knows why.</a:t>
-            </a:r>
-          </a:p>
-          <a:p>
-            <a:r>
-              <a:rPr lang="en-US" dirty="0"/>
-              <a:t>We must add it to dependencies to be able to use it.</a:t>
-            </a:r>
-          </a:p>
-        </p:txBody>
-      </p:sp>
-      <p:sp>
-        <p:nvSpPr>
-          <p:cNvPr id="3" name="Title 2"/>
-          <p:cNvSpPr>
-            <a:spLocks noGrp="1"/>
-          </p:cNvSpPr>
-          <p:nvPr>
-            <p:ph type="title"/>
-          </p:nvPr>
-        </p:nvSpPr>
-        <p:spPr/>
-        <p:txBody>
-          <a:bodyPr/>
-          <a:lstStyle/>
-          <a:p>
-            <a:r>
-              <a:rPr lang="en-US" dirty="0">
+            <a:pPr marL="0" indent="0" algn="ctr">
+              <a:buNone/>
+            </a:pPr>
+            <a:r>
+              <a:rPr lang="en-US" sz="4400" dirty="0">
                 <a:solidFill>
                   <a:srgbClr val="007B78"/>
                 </a:solidFill>
-                <a:latin typeface="+mn-lt"/>
-                <a:ea typeface="+mn-ea"/>
-                <a:cs typeface="+mn-cs"/>
-              </a:rPr>
-              <a:t>Oh no! </a:t>
-            </a:r>
-            <a:r>
-              <a:rPr lang="en-US" dirty="0">
-                <a:solidFill>
-                  <a:srgbClr val="007B78"/>
-                </a:solidFill>
-                <a:latin typeface="+mn-lt"/>
-                <a:ea typeface="+mn-ea"/>
-                <a:cs typeface="+mn-cs"/>
-                <a:sym typeface="Wingdings" panose="05000000000000000000" pitchFamily="2" charset="2"/>
-              </a:rPr>
-              <a:t></a:t>
-            </a:r>
-            <a:endParaRPr lang="en-US" dirty="0">
-              <a:solidFill>
-                <a:srgbClr val="007B78"/>
-              </a:solidFill>
-              <a:latin typeface="+mn-lt"/>
-              <a:ea typeface="+mn-ea"/>
-              <a:cs typeface="+mn-cs"/>
-            </a:endParaRPr>
+              </a:rPr>
+              <a:t>A mocking library for Erlang</a:t>
+            </a:r>
+          </a:p>
+        </p:txBody>
+      </p:sp>
+      <p:sp>
+        <p:nvSpPr>
+          <p:cNvPr id="3" name="Title 2"/>
+          <p:cNvSpPr>
+            <a:spLocks noGrp="1"/>
+          </p:cNvSpPr>
+          <p:nvPr>
+            <p:ph type="title"/>
+          </p:nvPr>
+        </p:nvSpPr>
+        <p:spPr>
+          <a:xfrm>
+            <a:off x="2630223" y="239714"/>
+            <a:ext cx="7494588" cy="3161213"/>
+          </a:xfrm>
+        </p:spPr>
+        <p:txBody>
+          <a:bodyPr>
+            <a:normAutofit/>
+          </a:bodyPr>
+          <a:lstStyle/>
+          <a:p>
+            <a:r>
+              <a:rPr lang="en-US" sz="16600" dirty="0" err="1"/>
+              <a:t>meck</a:t>
+            </a:r>
+            <a:endParaRPr lang="en-US" sz="16600" dirty="0"/>
+          </a:p>
+        </p:txBody>
+      </p:sp>
+      <p:sp>
+        <p:nvSpPr>
+          <p:cNvPr id="4" name="TextBox 3"/>
+          <p:cNvSpPr txBox="1"/>
+          <p:nvPr/>
+        </p:nvSpPr>
+        <p:spPr>
+          <a:xfrm>
+            <a:off x="0" y="3966016"/>
+            <a:ext cx="12005734" cy="523220"/>
+          </a:xfrm>
+          <a:prstGeom prst="rect">
+            <a:avLst/>
+          </a:prstGeom>
+          <a:noFill/>
+        </p:spPr>
+        <p:txBody>
+          <a:bodyPr wrap="square" rtlCol="0">
+            <a:spAutoFit/>
+          </a:bodyPr>
+          <a:lstStyle/>
+          <a:p>
+            <a:pPr algn="ctr"/>
+            <a:r>
+              <a:rPr lang="en-US" sz="2800" dirty="0">
+                <a:latin typeface="Consolas" panose="020B0609020204030204" pitchFamily="49" charset="0"/>
+                <a:cs typeface="Consolas" panose="020B0609020204030204" pitchFamily="49" charset="0"/>
+              </a:rPr>
+              <a:t>https://github.com/eproxus/meck</a:t>
+            </a:r>
           </a:p>
         </p:txBody>
       </p:sp>
     </p:spTree>
     <p:extLst>
       <p:ext uri="{BB962C8B-B14F-4D97-AF65-F5344CB8AC3E}">
-        <p14:creationId xmlns:p14="http://schemas.microsoft.com/office/powerpoint/2010/main" val="898449355"/>
+        <p14:creationId xmlns:p14="http://schemas.microsoft.com/office/powerpoint/2010/main" val="1175298411"/>
       </p:ext>
     </p:extLst>
   </p:cSld>
@@ -10439,81 +10672,150 @@
             <p:ph idx="1"/>
           </p:nvPr>
         </p:nvSpPr>
-        <p:spPr/>
+        <p:spPr>
+          <a:xfrm>
+            <a:off x="1917702" y="3416968"/>
+            <a:ext cx="8351839" cy="2700253"/>
+          </a:xfrm>
+        </p:spPr>
         <p:txBody>
           <a:bodyPr/>
           <a:lstStyle/>
           <a:p>
-            <a:r>
-              <a:rPr lang="en-US" dirty="0" err="1"/>
-              <a:t>eunit</a:t>
-            </a:r>
-            <a:r>
-              <a:rPr lang="en-US" dirty="0"/>
-              <a:t> recognizes any module with a name ending in _tests as a test module.</a:t>
-            </a:r>
-          </a:p>
-          <a:p>
-            <a:r>
-              <a:rPr lang="en-US" dirty="0" err="1"/>
-              <a:t>eunit</a:t>
-            </a:r>
-            <a:r>
-              <a:rPr lang="en-US" dirty="0"/>
-              <a:t> recognizes any function with a name ending in _test as a test function.</a:t>
-            </a:r>
-          </a:p>
-          <a:p>
-            <a:r>
-              <a:rPr lang="en-US" dirty="0" err="1"/>
-              <a:t>eunit</a:t>
-            </a:r>
-            <a:r>
-              <a:rPr lang="en-US" dirty="0"/>
-              <a:t> will run all test functions upon execution. Each test function that does not crash is considered a success.</a:t>
-            </a:r>
-          </a:p>
-        </p:txBody>
-      </p:sp>
-      <p:sp>
-        <p:nvSpPr>
-          <p:cNvPr id="5" name="Title 4"/>
-          <p:cNvSpPr>
-            <a:spLocks noGrp="1"/>
-          </p:cNvSpPr>
-          <p:nvPr>
-            <p:ph type="title"/>
-          </p:nvPr>
-        </p:nvSpPr>
-        <p:spPr/>
-        <p:txBody>
-          <a:bodyPr>
-            <a:normAutofit/>
-          </a:bodyPr>
-          <a:lstStyle/>
-          <a:p>
-            <a:r>
-              <a:rPr lang="en-US" sz="4000" dirty="0">
+            <a:pPr marL="0" indent="0">
+              <a:buNone/>
+            </a:pPr>
+            <a:r>
+              <a:rPr lang="en-US" sz="4400" dirty="0">
                 <a:solidFill>
                   <a:schemeClr val="tx2">
                     <a:lumMod val="50000"/>
                     <a:lumOff val="50000"/>
                   </a:schemeClr>
                 </a:solidFill>
-                <a:latin typeface="+mn-lt"/>
               </a:rPr>
               <a:t>Test modules and test functions</a:t>
             </a:r>
-            <a:endParaRPr lang="en-US" sz="4000" dirty="0">
-              <a:latin typeface="+mn-lt"/>
-            </a:endParaRPr>
+          </a:p>
+          <a:p>
+            <a:pPr marL="0" indent="0">
+              <a:buNone/>
+            </a:pPr>
+            <a:r>
+              <a:rPr lang="en-US" sz="4400" dirty="0">
+                <a:solidFill>
+                  <a:srgbClr val="C00000"/>
+                </a:solidFill>
+              </a:rPr>
+              <a:t>Fixtures</a:t>
+            </a:r>
+          </a:p>
+          <a:p>
+            <a:pPr marL="0" indent="0">
+              <a:buNone/>
+            </a:pPr>
+            <a:r>
+              <a:rPr lang="en-US" sz="4400" dirty="0">
+                <a:solidFill>
+                  <a:schemeClr val="accent1">
+                    <a:lumMod val="75000"/>
+                  </a:schemeClr>
+                </a:solidFill>
+              </a:rPr>
+              <a:t>Macros</a:t>
+            </a:r>
+          </a:p>
+          <a:p>
+            <a:pPr marL="0" indent="0">
+              <a:buNone/>
+            </a:pPr>
+            <a:r>
+              <a:rPr lang="en-US" sz="4400" dirty="0">
+                <a:solidFill>
+                  <a:schemeClr val="accent6">
+                    <a:lumMod val="75000"/>
+                  </a:schemeClr>
+                </a:solidFill>
+              </a:rPr>
+              <a:t>Control</a:t>
+            </a:r>
+          </a:p>
+        </p:txBody>
+      </p:sp>
+      <p:sp>
+        <p:nvSpPr>
+          <p:cNvPr id="3" name="Title 2"/>
+          <p:cNvSpPr>
+            <a:spLocks noGrp="1"/>
+          </p:cNvSpPr>
+          <p:nvPr>
+            <p:ph type="title"/>
+          </p:nvPr>
+        </p:nvSpPr>
+        <p:spPr>
+          <a:xfrm>
+            <a:off x="1917701" y="239714"/>
+            <a:ext cx="7494588" cy="3161213"/>
+          </a:xfrm>
+        </p:spPr>
+        <p:txBody>
+          <a:bodyPr>
+            <a:normAutofit/>
+          </a:bodyPr>
+          <a:lstStyle/>
+          <a:p>
+            <a:r>
+              <a:rPr lang="en-US" sz="16600" dirty="0" err="1"/>
+              <a:t>Eunit</a:t>
+            </a:r>
+            <a:endParaRPr lang="en-US" sz="16600" dirty="0"/>
+          </a:p>
+        </p:txBody>
+      </p:sp>
+      <p:sp>
+        <p:nvSpPr>
+          <p:cNvPr id="5" name="Rectangle 4"/>
+          <p:cNvSpPr/>
+          <p:nvPr/>
+        </p:nvSpPr>
+        <p:spPr bwMode="auto">
+          <a:xfrm>
+            <a:off x="1868906" y="4219074"/>
+            <a:ext cx="8293769" cy="2198659"/>
+          </a:xfrm>
+          <a:prstGeom prst="rect">
+            <a:avLst/>
+          </a:prstGeom>
+          <a:solidFill>
+            <a:schemeClr val="bg1">
+              <a:alpha val="80000"/>
+            </a:schemeClr>
+          </a:solidFill>
+          <a:ln w="12700" cap="flat" cmpd="sng" algn="ctr">
+            <a:noFill/>
+            <a:prstDash val="solid"/>
+            <a:round/>
+            <a:headEnd type="none" w="med" len="med"/>
+            <a:tailEnd type="none" w="med" len="med"/>
+          </a:ln>
+          <a:effectLst/>
+        </p:spPr>
+        <p:txBody>
+          <a:bodyPr vert="horz" wrap="none" lIns="72000" tIns="45720" rIns="72000" bIns="45720" numCol="1" rtlCol="0" anchor="t" anchorCtr="0" compatLnSpc="1">
+            <a:prstTxWarp prst="textNoShape">
+              <a:avLst/>
+            </a:prstTxWarp>
+          </a:bodyPr>
+          <a:lstStyle/>
+          <a:p>
+            <a:endParaRPr lang="en-US" dirty="0"/>
           </a:p>
         </p:txBody>
       </p:sp>
     </p:spTree>
     <p:extLst>
       <p:ext uri="{BB962C8B-B14F-4D97-AF65-F5344CB8AC3E}">
-        <p14:creationId xmlns:p14="http://schemas.microsoft.com/office/powerpoint/2010/main" val="1168478043"/>
+        <p14:creationId xmlns:p14="http://schemas.microsoft.com/office/powerpoint/2010/main" val="810662956"/>
       </p:ext>
     </p:extLst>
   </p:cSld>
@@ -10524,6 +10826,117 @@
 </file>
 
 <file path=ppt/slides/slide30.xml><?xml version="1.0" encoding="utf-8"?>
+<p:sld xmlns:a="http://schemas.openxmlformats.org/drawingml/2006/main" xmlns:r="http://schemas.openxmlformats.org/officeDocument/2006/relationships" xmlns:p="http://schemas.openxmlformats.org/presentationml/2006/main">
+  <p:cSld>
+    <p:spTree>
+      <p:nvGrpSpPr>
+        <p:cNvPr id="1" name=""/>
+        <p:cNvGrpSpPr/>
+        <p:nvPr/>
+      </p:nvGrpSpPr>
+      <p:grpSpPr>
+        <a:xfrm>
+          <a:off x="0" y="0"/>
+          <a:ext cx="0" cy="0"/>
+          <a:chOff x="0" y="0"/>
+          <a:chExt cx="0" cy="0"/>
+        </a:xfrm>
+      </p:grpSpPr>
+      <p:sp>
+        <p:nvSpPr>
+          <p:cNvPr id="2" name="Content Placeholder 1"/>
+          <p:cNvSpPr>
+            <a:spLocks noGrp="1"/>
+          </p:cNvSpPr>
+          <p:nvPr>
+            <p:ph idx="1"/>
+          </p:nvPr>
+        </p:nvSpPr>
+        <p:spPr/>
+        <p:txBody>
+          <a:bodyPr/>
+          <a:lstStyle/>
+          <a:p>
+            <a:r>
+              <a:rPr lang="en-US" dirty="0" err="1"/>
+              <a:t>meck</a:t>
+            </a:r>
+            <a:r>
+              <a:rPr lang="en-US" dirty="0"/>
+              <a:t> is not part of OTP. No-one knows why.</a:t>
+            </a:r>
+          </a:p>
+          <a:p>
+            <a:r>
+              <a:rPr lang="en-US" dirty="0"/>
+              <a:t>We must add it to dependencies to be able to use it.</a:t>
+            </a:r>
+          </a:p>
+        </p:txBody>
+      </p:sp>
+      <p:sp>
+        <p:nvSpPr>
+          <p:cNvPr id="3" name="Title 2"/>
+          <p:cNvSpPr>
+            <a:spLocks noGrp="1"/>
+          </p:cNvSpPr>
+          <p:nvPr>
+            <p:ph type="title"/>
+          </p:nvPr>
+        </p:nvSpPr>
+        <p:spPr/>
+        <p:txBody>
+          <a:bodyPr/>
+          <a:lstStyle/>
+          <a:p>
+            <a:r>
+              <a:rPr lang="en-US" dirty="0">
+                <a:solidFill>
+                  <a:srgbClr val="007B78"/>
+                </a:solidFill>
+                <a:latin typeface="+mn-lt"/>
+                <a:ea typeface="+mn-ea"/>
+                <a:cs typeface="+mn-cs"/>
+              </a:rPr>
+              <a:t>Oh no! </a:t>
+            </a:r>
+            <a:r>
+              <a:rPr lang="en-US" dirty="0">
+                <a:solidFill>
+                  <a:srgbClr val="007B78"/>
+                </a:solidFill>
+                <a:latin typeface="+mn-lt"/>
+                <a:ea typeface="+mn-ea"/>
+                <a:cs typeface="+mn-cs"/>
+                <a:sym typeface="Wingdings" panose="05000000000000000000" pitchFamily="2" charset="2"/>
+              </a:rPr>
+              <a:t></a:t>
+            </a:r>
+            <a:endParaRPr lang="en-US" dirty="0">
+              <a:solidFill>
+                <a:srgbClr val="007B78"/>
+              </a:solidFill>
+              <a:latin typeface="+mn-lt"/>
+              <a:ea typeface="+mn-ea"/>
+              <a:cs typeface="+mn-cs"/>
+            </a:endParaRPr>
+          </a:p>
+        </p:txBody>
+      </p:sp>
+    </p:spTree>
+    <p:extLst>
+      <p:ext uri="{BB962C8B-B14F-4D97-AF65-F5344CB8AC3E}">
+        <p14:creationId xmlns:p14="http://schemas.microsoft.com/office/powerpoint/2010/main" val="898449355"/>
+      </p:ext>
+    </p:extLst>
+  </p:cSld>
+  <p:clrMapOvr>
+    <a:masterClrMapping/>
+  </p:clrMapOvr>
+</p:sld>
+</file>
+
+<file path=ppt/slides/slide31.xml><?xml version="1.0" encoding="utf-8"?>
 <p:sld xmlns:a="http://schemas.openxmlformats.org/drawingml/2006/main" xmlns:r="http://schemas.openxmlformats.org/officeDocument/2006/relationships" xmlns:p="http://schemas.openxmlformats.org/presentationml/2006/main">
   <p:cSld>
     <p:spTree>
@@ -10726,7 +11139,7 @@
 </p:sld>
 </file>
 
-<file path=ppt/slides/slide31.xml><?xml version="1.0" encoding="utf-8"?>
+<file path=ppt/slides/slide32.xml><?xml version="1.0" encoding="utf-8"?>
 <p:sld xmlns:a="http://schemas.openxmlformats.org/drawingml/2006/main" xmlns:r="http://schemas.openxmlformats.org/officeDocument/2006/relationships" xmlns:p="http://schemas.openxmlformats.org/presentationml/2006/main">
   <p:cSld>
     <p:spTree>
@@ -10890,7 +11303,7 @@
 </p:sld>
 </file>
 
-<file path=ppt/slides/slide32.xml><?xml version="1.0" encoding="utf-8"?>
+<file path=ppt/slides/slide33.xml><?xml version="1.0" encoding="utf-8"?>
 <p:sld xmlns:a="http://schemas.openxmlformats.org/drawingml/2006/main" xmlns:r="http://schemas.openxmlformats.org/officeDocument/2006/relationships" xmlns:p="http://schemas.openxmlformats.org/presentationml/2006/main">
   <p:cSld>
     <p:spTree>
@@ -11062,7 +11475,7 @@
 </p:sld>
 </file>
 
-<file path=ppt/slides/slide33.xml><?xml version="1.0" encoding="utf-8"?>
+<file path=ppt/slides/slide34.xml><?xml version="1.0" encoding="utf-8"?>
 <p:sld xmlns:a="http://schemas.openxmlformats.org/drawingml/2006/main" xmlns:r="http://schemas.openxmlformats.org/officeDocument/2006/relationships" xmlns:p="http://schemas.openxmlformats.org/presentationml/2006/main">
   <p:cSld>
     <p:spTree>
@@ -11286,7 +11699,7 @@
 </p:sld>
 </file>
 
-<file path=ppt/slides/slide34.xml><?xml version="1.0" encoding="utf-8"?>
+<file path=ppt/slides/slide35.xml><?xml version="1.0" encoding="utf-8"?>
 <p:sld xmlns:a="http://schemas.openxmlformats.org/drawingml/2006/main" xmlns:r="http://schemas.openxmlformats.org/officeDocument/2006/relationships" xmlns:p="http://schemas.openxmlformats.org/presentationml/2006/main">
   <p:cSld>
     <p:spTree>
@@ -11456,7 +11869,7 @@
 </p:sld>
 </file>
 
-<file path=ppt/slides/slide35.xml><?xml version="1.0" encoding="utf-8"?>
+<file path=ppt/slides/slide36.xml><?xml version="1.0" encoding="utf-8"?>
 <p:sld xmlns:a="http://schemas.openxmlformats.org/drawingml/2006/main" xmlns:r="http://schemas.openxmlformats.org/officeDocument/2006/relationships" xmlns:p="http://schemas.openxmlformats.org/presentationml/2006/main">
   <p:cSld>
     <p:spTree>
@@ -11534,7 +11947,7 @@
           <a:p>
             <a:r>
               <a:rPr lang="en-US" dirty="0"/>
-              <a:t>These modules are called "sticky modules".</a:t>
+              <a:t>These modules are called "sticky modules". You will know when you find them.</a:t>
             </a:r>
           </a:p>
           <a:p>
@@ -11575,7 +11988,7 @@
                 <a:ea typeface="+mn-ea"/>
                 <a:cs typeface="+mn-cs"/>
               </a:rPr>
-              <a:t>Options – unstick</a:t>
+              <a:t>Sticky modules</a:t>
             </a:r>
           </a:p>
         </p:txBody>
@@ -11682,7 +12095,7 @@
 </p:sld>
 </file>
 
-<file path=ppt/slides/slide36.xml><?xml version="1.0" encoding="utf-8"?>
+<file path=ppt/slides/slide37.xml><?xml version="1.0" encoding="utf-8"?>
 <p:sld xmlns:a="http://schemas.openxmlformats.org/drawingml/2006/main" xmlns:r="http://schemas.openxmlformats.org/officeDocument/2006/relationships" xmlns:p="http://schemas.openxmlformats.org/presentationml/2006/main">
   <p:cSld>
     <p:spTree>
@@ -11858,7 +12271,337 @@
 </p:sld>
 </file>
 
+<file path=ppt/slides/slide38.xml><?xml version="1.0" encoding="utf-8"?>
+<p:sld xmlns:a="http://schemas.openxmlformats.org/drawingml/2006/main" xmlns:r="http://schemas.openxmlformats.org/officeDocument/2006/relationships" xmlns:p="http://schemas.openxmlformats.org/presentationml/2006/main">
+  <p:cSld>
+    <p:spTree>
+      <p:nvGrpSpPr>
+        <p:cNvPr id="1" name=""/>
+        <p:cNvGrpSpPr/>
+        <p:nvPr/>
+      </p:nvGrpSpPr>
+      <p:grpSpPr>
+        <a:xfrm>
+          <a:off x="0" y="0"/>
+          <a:ext cx="0" cy="0"/>
+          <a:chOff x="0" y="0"/>
+          <a:chExt cx="0" cy="0"/>
+        </a:xfrm>
+      </p:grpSpPr>
+      <p:pic>
+        <p:nvPicPr>
+          <p:cNvPr id="1026" name="Picture 2" descr="the Femalecodertocat"/>
+          <p:cNvPicPr>
+            <a:picLocks noChangeAspect="1" noChangeArrowheads="1"/>
+          </p:cNvPicPr>
+          <p:nvPr/>
+        </p:nvPicPr>
+        <p:blipFill>
+          <a:blip r:embed="rId2">
+            <a:extLst>
+              <a:ext uri="{28A0092B-C50C-407E-A947-70E740481C1C}">
+                <a14:useLocalDpi xmlns:a14="http://schemas.microsoft.com/office/drawing/2010/main" val="0"/>
+              </a:ext>
+            </a:extLst>
+          </a:blip>
+          <a:srcRect/>
+          <a:stretch>
+            <a:fillRect/>
+          </a:stretch>
+        </p:blipFill>
+        <p:spPr bwMode="auto">
+          <a:xfrm>
+            <a:off x="7501468" y="2480729"/>
+            <a:ext cx="4800600" cy="4800600"/>
+          </a:xfrm>
+          <a:prstGeom prst="rect">
+            <a:avLst/>
+          </a:prstGeom>
+          <a:noFill/>
+          <a:extLst>
+            <a:ext uri="{909E8E84-426E-40DD-AFC4-6F175D3DCCD1}">
+              <a14:hiddenFill xmlns:a14="http://schemas.microsoft.com/office/drawing/2010/main">
+                <a:solidFill>
+                  <a:srgbClr val="FFFFFF"/>
+                </a:solidFill>
+              </a14:hiddenFill>
+            </a:ext>
+          </a:extLst>
+        </p:spPr>
+      </p:pic>
+      <p:sp>
+        <p:nvSpPr>
+          <p:cNvPr id="5" name="Rectangle 4"/>
+          <p:cNvSpPr/>
+          <p:nvPr/>
+        </p:nvSpPr>
+        <p:spPr bwMode="auto">
+          <a:xfrm>
+            <a:off x="7230534" y="2285996"/>
+            <a:ext cx="5300134" cy="4826000"/>
+          </a:xfrm>
+          <a:prstGeom prst="rect">
+            <a:avLst/>
+          </a:prstGeom>
+          <a:solidFill>
+            <a:schemeClr val="bg1">
+              <a:alpha val="80000"/>
+            </a:schemeClr>
+          </a:solidFill>
+          <a:ln w="12700" cap="flat" cmpd="sng" algn="ctr">
+            <a:noFill/>
+            <a:prstDash val="solid"/>
+            <a:round/>
+            <a:headEnd type="none" w="med" len="med"/>
+            <a:tailEnd type="none" w="med" len="med"/>
+          </a:ln>
+          <a:effectLst/>
+        </p:spPr>
+        <p:txBody>
+          <a:bodyPr vert="horz" wrap="none" lIns="72000" tIns="45720" rIns="72000" bIns="45720" numCol="1" rtlCol="0" anchor="t" anchorCtr="0" compatLnSpc="1">
+            <a:prstTxWarp prst="textNoShape">
+              <a:avLst/>
+            </a:prstTxWarp>
+          </a:bodyPr>
+          <a:lstStyle/>
+          <a:p>
+            <a:pPr marL="0" marR="0" indent="0" algn="l" defTabSz="914400" rtl="0" eaLnBrk="1" fontAlgn="base" latinLnBrk="0" hangingPunct="1">
+              <a:lnSpc>
+                <a:spcPct val="100000"/>
+              </a:lnSpc>
+              <a:spcBef>
+                <a:spcPct val="50000"/>
+              </a:spcBef>
+              <a:spcAft>
+                <a:spcPct val="0"/>
+              </a:spcAft>
+              <a:buClrTx/>
+              <a:buSzTx/>
+              <a:buFontTx/>
+              <a:buNone/>
+              <a:tabLst/>
+            </a:pPr>
+            <a:endParaRPr kumimoji="0" lang="en-US" sz="2000" b="0" i="0" u="none" strike="noStrike" cap="none" normalizeH="0" baseline="0">
+              <a:ln>
+                <a:noFill/>
+              </a:ln>
+              <a:solidFill>
+                <a:schemeClr val="tx1"/>
+              </a:solidFill>
+              <a:effectLst/>
+              <a:latin typeface="Arial" charset="0"/>
+            </a:endParaRPr>
+          </a:p>
+        </p:txBody>
+      </p:sp>
+      <p:sp>
+        <p:nvSpPr>
+          <p:cNvPr id="8" name="Title 2"/>
+          <p:cNvSpPr>
+            <a:spLocks noGrp="1"/>
+          </p:cNvSpPr>
+          <p:nvPr>
+            <p:ph type="title"/>
+          </p:nvPr>
+        </p:nvSpPr>
+        <p:spPr>
+          <a:xfrm>
+            <a:off x="524935" y="239714"/>
+            <a:ext cx="9992784" cy="1085371"/>
+          </a:xfrm>
+        </p:spPr>
+        <p:txBody>
+          <a:bodyPr/>
+          <a:lstStyle/>
+          <a:p>
+            <a:r>
+              <a:rPr lang="en-US" dirty="0">
+                <a:latin typeface="+mn-lt"/>
+                <a:ea typeface="+mn-ea"/>
+                <a:cs typeface="+mn-cs"/>
+              </a:rPr>
+              <a:t>Clone me!</a:t>
+            </a:r>
+          </a:p>
+        </p:txBody>
+      </p:sp>
+      <p:sp>
+        <p:nvSpPr>
+          <p:cNvPr id="7" name="TextBox 6"/>
+          <p:cNvSpPr txBox="1"/>
+          <p:nvPr/>
+        </p:nvSpPr>
+        <p:spPr>
+          <a:xfrm>
+            <a:off x="524935" y="1693334"/>
+            <a:ext cx="11226150" cy="954107"/>
+          </a:xfrm>
+          <a:prstGeom prst="rect">
+            <a:avLst/>
+          </a:prstGeom>
+          <a:noFill/>
+        </p:spPr>
+        <p:txBody>
+          <a:bodyPr wrap="none" rtlCol="0">
+            <a:spAutoFit/>
+          </a:bodyPr>
+          <a:lstStyle/>
+          <a:p>
+            <a:r>
+              <a:rPr lang="en-US" sz="2800" dirty="0" err="1">
+                <a:latin typeface="Consolas" panose="020B0609020204030204" pitchFamily="49" charset="0"/>
+                <a:cs typeface="Consolas" panose="020B0609020204030204" pitchFamily="49" charset="0"/>
+              </a:rPr>
+              <a:t>git</a:t>
+            </a:r>
+            <a:r>
+              <a:rPr lang="en-US" sz="2800" dirty="0">
+                <a:latin typeface="Consolas" panose="020B0609020204030204" pitchFamily="49" charset="0"/>
+                <a:cs typeface="Consolas" panose="020B0609020204030204" pitchFamily="49" charset="0"/>
+              </a:rPr>
+              <a:t> clone</a:t>
+            </a:r>
+            <a:br>
+              <a:rPr lang="en-US" sz="2800" dirty="0">
+                <a:latin typeface="Consolas" panose="020B0609020204030204" pitchFamily="49" charset="0"/>
+                <a:cs typeface="Consolas" panose="020B0609020204030204" pitchFamily="49" charset="0"/>
+              </a:rPr>
+            </a:br>
+            <a:r>
+              <a:rPr lang="en-US" sz="2800" dirty="0">
+                <a:latin typeface="Consolas" panose="020B0609020204030204" pitchFamily="49" charset="0"/>
+                <a:cs typeface="Consolas" panose="020B0609020204030204" pitchFamily="49" charset="0"/>
+              </a:rPr>
+              <a:t>https://github.com/gwaerondor/unit_testing_in_erlang.git</a:t>
+            </a:r>
+          </a:p>
+        </p:txBody>
+      </p:sp>
+    </p:spTree>
+    <p:extLst>
+      <p:ext uri="{BB962C8B-B14F-4D97-AF65-F5344CB8AC3E}">
+        <p14:creationId xmlns:p14="http://schemas.microsoft.com/office/powerpoint/2010/main" val="3042802133"/>
+      </p:ext>
+    </p:extLst>
+  </p:cSld>
+  <p:clrMapOvr>
+    <a:masterClrMapping/>
+  </p:clrMapOvr>
+</p:sld>
+</file>
+
 <file path=ppt/slides/slide4.xml><?xml version="1.0" encoding="utf-8"?>
+<p:sld xmlns:a="http://schemas.openxmlformats.org/drawingml/2006/main" xmlns:r="http://schemas.openxmlformats.org/officeDocument/2006/relationships" xmlns:p="http://schemas.openxmlformats.org/presentationml/2006/main">
+  <p:cSld>
+    <p:spTree>
+      <p:nvGrpSpPr>
+        <p:cNvPr id="1" name=""/>
+        <p:cNvGrpSpPr/>
+        <p:nvPr/>
+      </p:nvGrpSpPr>
+      <p:grpSpPr>
+        <a:xfrm>
+          <a:off x="0" y="0"/>
+          <a:ext cx="0" cy="0"/>
+          <a:chOff x="0" y="0"/>
+          <a:chExt cx="0" cy="0"/>
+        </a:xfrm>
+      </p:grpSpPr>
+      <p:sp>
+        <p:nvSpPr>
+          <p:cNvPr id="2" name="Content Placeholder 1"/>
+          <p:cNvSpPr>
+            <a:spLocks noGrp="1"/>
+          </p:cNvSpPr>
+          <p:nvPr>
+            <p:ph idx="1"/>
+          </p:nvPr>
+        </p:nvSpPr>
+        <p:spPr/>
+        <p:txBody>
+          <a:bodyPr/>
+          <a:lstStyle/>
+          <a:p>
+            <a:r>
+              <a:rPr lang="en-US" dirty="0" err="1"/>
+              <a:t>eunit</a:t>
+            </a:r>
+            <a:r>
+              <a:rPr lang="en-US" dirty="0"/>
+              <a:t> recognizes any module with a name ending in _tests as a test module.</a:t>
+            </a:r>
+          </a:p>
+          <a:p>
+            <a:r>
+              <a:rPr lang="en-US" dirty="0" err="1"/>
+              <a:t>eunit</a:t>
+            </a:r>
+            <a:r>
+              <a:rPr lang="en-US" dirty="0"/>
+              <a:t> recognizes any function with a name ending in _test as a test function.</a:t>
+            </a:r>
+          </a:p>
+          <a:p>
+            <a:r>
+              <a:rPr lang="en-US" dirty="0" err="1"/>
+              <a:t>eunit</a:t>
+            </a:r>
+            <a:r>
+              <a:rPr lang="en-US" dirty="0"/>
+              <a:t> will run all test functions upon execution. Each test function that does not crash is considered a success.</a:t>
+            </a:r>
+          </a:p>
+        </p:txBody>
+      </p:sp>
+      <p:sp>
+        <p:nvSpPr>
+          <p:cNvPr id="5" name="Title 4"/>
+          <p:cNvSpPr>
+            <a:spLocks noGrp="1"/>
+          </p:cNvSpPr>
+          <p:nvPr>
+            <p:ph type="title"/>
+          </p:nvPr>
+        </p:nvSpPr>
+        <p:spPr/>
+        <p:txBody>
+          <a:bodyPr>
+            <a:normAutofit/>
+          </a:bodyPr>
+          <a:lstStyle/>
+          <a:p>
+            <a:r>
+              <a:rPr lang="en-US" sz="4000" dirty="0">
+                <a:solidFill>
+                  <a:schemeClr val="tx2">
+                    <a:lumMod val="50000"/>
+                    <a:lumOff val="50000"/>
+                  </a:schemeClr>
+                </a:solidFill>
+                <a:latin typeface="+mn-lt"/>
+              </a:rPr>
+              <a:t>Test modules and test functions</a:t>
+            </a:r>
+            <a:endParaRPr lang="en-US" sz="4000" dirty="0">
+              <a:latin typeface="+mn-lt"/>
+            </a:endParaRPr>
+          </a:p>
+        </p:txBody>
+      </p:sp>
+    </p:spTree>
+    <p:extLst>
+      <p:ext uri="{BB962C8B-B14F-4D97-AF65-F5344CB8AC3E}">
+        <p14:creationId xmlns:p14="http://schemas.microsoft.com/office/powerpoint/2010/main" val="1168478043"/>
+      </p:ext>
+    </p:extLst>
+  </p:cSld>
+  <p:clrMapOvr>
+    <a:masterClrMapping/>
+  </p:clrMapOvr>
+</p:sld>
+</file>
+
+<file path=ppt/slides/slide5.xml><?xml version="1.0" encoding="utf-8"?>
 <p:sld xmlns:a="http://schemas.openxmlformats.org/drawingml/2006/main" xmlns:r="http://schemas.openxmlformats.org/officeDocument/2006/relationships" xmlns:p="http://schemas.openxmlformats.org/presentationml/2006/main">
   <p:cSld>
     <p:spTree>
@@ -11985,7 +12728,7 @@
 </p:sld>
 </file>
 
-<file path=ppt/slides/slide5.xml><?xml version="1.0" encoding="utf-8"?>
+<file path=ppt/slides/slide6.xml><?xml version="1.0" encoding="utf-8"?>
 <p:sld xmlns:a="http://schemas.openxmlformats.org/drawingml/2006/main" xmlns:r="http://schemas.openxmlformats.org/officeDocument/2006/relationships" xmlns:p="http://schemas.openxmlformats.org/presentationml/2006/main">
   <p:cSld>
     <p:spTree>
@@ -12332,7 +13075,7 @@
 </p:sld>
 </file>
 
-<file path=ppt/slides/slide6.xml><?xml version="1.0" encoding="utf-8"?>
+<file path=ppt/slides/slide7.xml><?xml version="1.0" encoding="utf-8"?>
 <p:sld xmlns:a="http://schemas.openxmlformats.org/drawingml/2006/main" xmlns:r="http://schemas.openxmlformats.org/officeDocument/2006/relationships" xmlns:p="http://schemas.openxmlformats.org/presentationml/2006/main">
   <p:cSld>
     <p:bg>
@@ -12560,102 +13303,6 @@
 </p:sld>
 </file>
 
-<file path=ppt/slides/slide7.xml><?xml version="1.0" encoding="utf-8"?>
-<p:sld xmlns:a="http://schemas.openxmlformats.org/drawingml/2006/main" xmlns:r="http://schemas.openxmlformats.org/officeDocument/2006/relationships" xmlns:p="http://schemas.openxmlformats.org/presentationml/2006/main">
-  <p:cSld>
-    <p:spTree>
-      <p:nvGrpSpPr>
-        <p:cNvPr id="1" name=""/>
-        <p:cNvGrpSpPr/>
-        <p:nvPr/>
-      </p:nvGrpSpPr>
-      <p:grpSpPr>
-        <a:xfrm>
-          <a:off x="0" y="0"/>
-          <a:ext cx="0" cy="0"/>
-          <a:chOff x="0" y="0"/>
-          <a:chExt cx="0" cy="0"/>
-        </a:xfrm>
-      </p:grpSpPr>
-      <p:sp>
-        <p:nvSpPr>
-          <p:cNvPr id="2" name="Content Placeholder 1"/>
-          <p:cNvSpPr>
-            <a:spLocks noGrp="1"/>
-          </p:cNvSpPr>
-          <p:nvPr>
-            <p:ph idx="1"/>
-          </p:nvPr>
-        </p:nvSpPr>
-        <p:spPr/>
-        <p:txBody>
-          <a:bodyPr/>
-          <a:lstStyle/>
-          <a:p>
-            <a:r>
-              <a:rPr lang="en-US" dirty="0"/>
-              <a:t>A fixture is a state that is necessary for a certain set of tests to run.</a:t>
-            </a:r>
-          </a:p>
-          <a:p>
-            <a:r>
-              <a:rPr lang="en-US" dirty="0"/>
-              <a:t>A fixture can define a setup and cleanup function to apply either for the entire set, or for each test case in the set.</a:t>
-            </a:r>
-          </a:p>
-          <a:p>
-            <a:r>
-              <a:rPr lang="en-US" dirty="0"/>
-              <a:t>There are a few different ways of writing a fixture and we will look at the ones that are probably the most commonly used.</a:t>
-            </a:r>
-          </a:p>
-          <a:p>
-            <a:endParaRPr lang="en-US" dirty="0"/>
-          </a:p>
-        </p:txBody>
-      </p:sp>
-      <p:sp>
-        <p:nvSpPr>
-          <p:cNvPr id="5" name="Title 4"/>
-          <p:cNvSpPr>
-            <a:spLocks noGrp="1"/>
-          </p:cNvSpPr>
-          <p:nvPr>
-            <p:ph type="title"/>
-          </p:nvPr>
-        </p:nvSpPr>
-        <p:spPr/>
-        <p:txBody>
-          <a:bodyPr>
-            <a:normAutofit/>
-          </a:bodyPr>
-          <a:lstStyle/>
-          <a:p>
-            <a:r>
-              <a:rPr lang="en-US" sz="4000" dirty="0">
-                <a:solidFill>
-                  <a:srgbClr val="C00000"/>
-                </a:solidFill>
-                <a:latin typeface="+mn-lt"/>
-              </a:rPr>
-              <a:t>Fixtures</a:t>
-            </a:r>
-          </a:p>
-        </p:txBody>
-      </p:sp>
-    </p:spTree>
-    <p:extLst>
-      <p:ext uri="{BB962C8B-B14F-4D97-AF65-F5344CB8AC3E}">
-        <p14:creationId xmlns:p14="http://schemas.microsoft.com/office/powerpoint/2010/main" val="3788001104"/>
-      </p:ext>
-    </p:extLst>
-  </p:cSld>
-  <p:clrMapOvr>
-    <a:masterClrMapping/>
-  </p:clrMapOvr>
-</p:sld>
-</file>
-
 <file path=ppt/slides/slide8.xml><?xml version="1.0" encoding="utf-8"?>
 <p:sld xmlns:a="http://schemas.openxmlformats.org/drawingml/2006/main" xmlns:r="http://schemas.openxmlformats.org/officeDocument/2006/relationships" xmlns:p="http://schemas.openxmlformats.org/presentationml/2006/main">
   <p:cSld>
@@ -12689,33 +13336,24 @@
           <a:lstStyle/>
           <a:p>
             <a:r>
-              <a:rPr lang="en-US" dirty="0" err="1"/>
-              <a:t>eunit</a:t>
-            </a:r>
-            <a:r>
-              <a:rPr lang="en-US" dirty="0"/>
-              <a:t> recognizes any function with a name ending in _test_  as a </a:t>
-            </a:r>
-            <a:r>
-              <a:rPr lang="en-US" i="1" dirty="0"/>
-              <a:t>test fixture</a:t>
-            </a:r>
-            <a:r>
-              <a:rPr lang="en-US" dirty="0"/>
-              <a:t>.</a:t>
-            </a:r>
-          </a:p>
-          <a:p>
-            <a:r>
-              <a:rPr lang="en-US" dirty="0"/>
-              <a:t>A test fixture contains a set of tests to run, represented as lambda functions in a list.</a:t>
-            </a:r>
-          </a:p>
-          <a:p>
-            <a:r>
-              <a:rPr lang="en-US" dirty="0"/>
-              <a:t>You can also use tuples of a description and a lambda function.</a:t>
-            </a:r>
+              <a:rPr lang="en-US" dirty="0"/>
+              <a:t>A fixture is a state that is necessary for a certain set of tests to run.</a:t>
+            </a:r>
+          </a:p>
+          <a:p>
+            <a:r>
+              <a:rPr lang="en-US" dirty="0"/>
+              <a:t>A fixture can define a setup and cleanup function to apply either for the entire set, or for each test case in the set.</a:t>
+            </a:r>
+          </a:p>
+          <a:p>
+            <a:r>
+              <a:rPr lang="en-US" dirty="0"/>
+              <a:t>There are a few different ways of writing a fixture and we will look at the ones that are probably the most commonly used.</a:t>
+            </a:r>
+          </a:p>
+          <a:p>
+            <a:endParaRPr lang="en-US" dirty="0"/>
           </a:p>
         </p:txBody>
       </p:sp>
@@ -12751,7 +13389,7 @@
     </p:spTree>
     <p:extLst>
       <p:ext uri="{BB962C8B-B14F-4D97-AF65-F5344CB8AC3E}">
-        <p14:creationId xmlns:p14="http://schemas.microsoft.com/office/powerpoint/2010/main" val="4085028244"/>
+        <p14:creationId xmlns:p14="http://schemas.microsoft.com/office/powerpoint/2010/main" val="3788001104"/>
       </p:ext>
     </p:extLst>
   </p:cSld>
@@ -12780,70 +13418,83 @@
       </p:grpSpPr>
       <p:sp>
         <p:nvSpPr>
-          <p:cNvPr id="5" name="Rectangle: Rounded Corners 4"/>
-          <p:cNvSpPr/>
-          <p:nvPr/>
-        </p:nvSpPr>
-        <p:spPr bwMode="auto">
-          <a:xfrm>
-            <a:off x="2540000" y="694268"/>
-            <a:ext cx="7128933" cy="5469469"/>
-          </a:xfrm>
-          <a:prstGeom prst="roundRect">
-            <a:avLst/>
-          </a:prstGeom>
-          <a:solidFill>
-            <a:srgbClr val="000000"/>
-          </a:solidFill>
-          <a:ln w="12700" cap="flat" cmpd="sng" algn="ctr">
-            <a:noFill/>
-            <a:prstDash val="solid"/>
-            <a:round/>
-            <a:headEnd type="none" w="med" len="med"/>
-            <a:tailEnd type="none" w="med" len="med"/>
-          </a:ln>
-          <a:effectLst/>
-        </p:spPr>
-        <p:txBody>
-          <a:bodyPr vert="horz" wrap="none" lIns="72000" tIns="45720" rIns="72000" bIns="45720" numCol="1" rtlCol="0" anchor="t" anchorCtr="0" compatLnSpc="1">
-            <a:prstTxWarp prst="textNoShape">
-              <a:avLst/>
-            </a:prstTxWarp>
+          <p:cNvPr id="2" name="Content Placeholder 1"/>
+          <p:cNvSpPr>
+            <a:spLocks noGrp="1"/>
+          </p:cNvSpPr>
+          <p:nvPr>
+            <p:ph idx="1"/>
+          </p:nvPr>
+        </p:nvSpPr>
+        <p:spPr/>
+        <p:txBody>
+          <a:bodyPr/>
+          <a:lstStyle/>
+          <a:p>
+            <a:r>
+              <a:rPr lang="en-US" dirty="0" err="1"/>
+              <a:t>eunit</a:t>
+            </a:r>
+            <a:r>
+              <a:rPr lang="en-US" dirty="0"/>
+              <a:t> recognizes any function with a name ending in _test_  as a </a:t>
+            </a:r>
+            <a:r>
+              <a:rPr lang="en-US" i="1" dirty="0"/>
+              <a:t>test fixture</a:t>
+            </a:r>
+            <a:r>
+              <a:rPr lang="en-US" dirty="0"/>
+              <a:t>.</a:t>
+            </a:r>
+          </a:p>
+          <a:p>
+            <a:r>
+              <a:rPr lang="en-US" dirty="0"/>
+              <a:t>A test fixture contains a set of tests to run, represented as lambda functions in a list.</a:t>
+            </a:r>
+          </a:p>
+          <a:p>
+            <a:r>
+              <a:rPr lang="en-US" dirty="0"/>
+              <a:t>You can also use tuples of a description and a lambda function.</a:t>
+            </a:r>
+          </a:p>
+        </p:txBody>
+      </p:sp>
+      <p:sp>
+        <p:nvSpPr>
+          <p:cNvPr id="5" name="Title 4"/>
+          <p:cNvSpPr>
+            <a:spLocks noGrp="1"/>
+          </p:cNvSpPr>
+          <p:nvPr>
+            <p:ph type="title"/>
+          </p:nvPr>
+        </p:nvSpPr>
+        <p:spPr/>
+        <p:txBody>
+          <a:bodyPr>
+            <a:normAutofit/>
           </a:bodyPr>
           <a:lstStyle/>
           <a:p>
-            <a:endParaRPr lang="en-US"/>
-          </a:p>
-        </p:txBody>
-      </p:sp>
-      <p:pic>
-        <p:nvPicPr>
-          <p:cNvPr id="4" name="Picture 3"/>
-          <p:cNvPicPr>
-            <a:picLocks noChangeAspect="1"/>
-          </p:cNvPicPr>
-          <p:nvPr/>
-        </p:nvPicPr>
-        <p:blipFill>
-          <a:blip r:embed="rId2"/>
-          <a:stretch>
-            <a:fillRect/>
-          </a:stretch>
-        </p:blipFill>
-        <p:spPr>
-          <a:xfrm>
-            <a:off x="3064933" y="1000125"/>
-            <a:ext cx="6096000" cy="4857750"/>
-          </a:xfrm>
-          <a:prstGeom prst="rect">
-            <a:avLst/>
-          </a:prstGeom>
-        </p:spPr>
-      </p:pic>
+            <a:r>
+              <a:rPr lang="en-US" sz="4000" dirty="0">
+                <a:solidFill>
+                  <a:srgbClr val="C00000"/>
+                </a:solidFill>
+                <a:latin typeface="+mn-lt"/>
+              </a:rPr>
+              <a:t>Fixtures</a:t>
+            </a:r>
+          </a:p>
+        </p:txBody>
+      </p:sp>
     </p:spTree>
     <p:extLst>
       <p:ext uri="{BB962C8B-B14F-4D97-AF65-F5344CB8AC3E}">
-        <p14:creationId xmlns:p14="http://schemas.microsoft.com/office/powerpoint/2010/main" val="1810996862"/>
+        <p14:creationId xmlns:p14="http://schemas.microsoft.com/office/powerpoint/2010/main" val="4085028244"/>
       </p:ext>
     </p:extLst>
   </p:cSld>

--- a/basic_erlang_4/presentation/erlang_part_4_testing.pptx
+++ b/basic_erlang_4/presentation/erlang_part_4_testing.pptx
@@ -54,15 +54,15 @@
   <p:notesSz cx="6884988" cy="10018713"/>
   <p:embeddedFontLst>
     <p:embeddedFont>
-      <p:font typeface="Ericsson Capital TT" panose="02000503000000020004" pitchFamily="2" charset="0"/>
+      <p:font typeface="Consolas" panose="020B0609020204030204" pitchFamily="49" charset="0"/>
       <p:regular r:id="rId42"/>
+      <p:bold r:id="rId43"/>
+      <p:italic r:id="rId44"/>
+      <p:boldItalic r:id="rId45"/>
     </p:embeddedFont>
     <p:embeddedFont>
-      <p:font typeface="Consolas" panose="020B0609020204030204" pitchFamily="49" charset="0"/>
-      <p:regular r:id="rId43"/>
-      <p:bold r:id="rId44"/>
-      <p:italic r:id="rId45"/>
-      <p:boldItalic r:id="rId46"/>
+      <p:font typeface="Ericsson Capital TT" panose="02000503000000020004" pitchFamily="2" charset="0"/>
+      <p:regular r:id="rId46"/>
     </p:embeddedFont>
   </p:embeddedFontLst>
   <p:defaultTextStyle>
@@ -1222,6 +1222,1181 @@
           <a:bodyPr/>
           <a:lstStyle/>
           <a:p>
+            <a:r>
+              <a:rPr lang="en-US" dirty="0"/>
+              <a:t>http://erlang.org/doc/apps/eunit/chapter.html</a:t>
+            </a:r>
+          </a:p>
+        </p:txBody>
+      </p:sp>
+      <p:sp>
+        <p:nvSpPr>
+          <p:cNvPr id="4" name="Date Placeholder 3"/>
+          <p:cNvSpPr>
+            <a:spLocks noGrp="1"/>
+          </p:cNvSpPr>
+          <p:nvPr>
+            <p:ph type="dt" idx="10"/>
+          </p:nvPr>
+        </p:nvSpPr>
+        <p:spPr/>
+        <p:txBody>
+          <a:bodyPr/>
+          <a:lstStyle/>
+          <a:p>
+            <a:r>
+              <a:rPr lang="en-US"/>
+              <a:t>2017-03-07 </a:t>
+            </a:r>
+            <a:endParaRPr lang="en-US" dirty="0"/>
+          </a:p>
+        </p:txBody>
+      </p:sp>
+      <p:sp>
+        <p:nvSpPr>
+          <p:cNvPr id="5" name="Slide Number Placeholder 4"/>
+          <p:cNvSpPr>
+            <a:spLocks noGrp="1"/>
+          </p:cNvSpPr>
+          <p:nvPr>
+            <p:ph type="sldNum" sz="quarter" idx="11"/>
+          </p:nvPr>
+        </p:nvSpPr>
+        <p:spPr/>
+        <p:txBody>
+          <a:bodyPr/>
+          <a:lstStyle/>
+          <a:p>
+            <a:fld id="{5852353D-F306-481A-B3D0-C36CE0BF9563}" type="slidenum">
+              <a:rPr lang="en-US" smtClean="0"/>
+              <a:pPr/>
+              <a:t>18</a:t>
+            </a:fld>
+            <a:endParaRPr lang="en-US" dirty="0"/>
+          </a:p>
+        </p:txBody>
+      </p:sp>
+      <p:sp>
+        <p:nvSpPr>
+          <p:cNvPr id="6" name="Header Placeholder 5"/>
+          <p:cNvSpPr>
+            <a:spLocks noGrp="1"/>
+          </p:cNvSpPr>
+          <p:nvPr>
+            <p:ph type="hdr" sz="quarter" idx="12"/>
+          </p:nvPr>
+        </p:nvSpPr>
+        <p:spPr/>
+        <p:txBody>
+          <a:bodyPr/>
+          <a:lstStyle/>
+          <a:p>
+            <a:r>
+              <a:rPr lang="en-US"/>
+              <a:t>Basic Erlang - Part 2 </a:t>
+            </a:r>
+            <a:endParaRPr lang="en-US" dirty="0"/>
+          </a:p>
+        </p:txBody>
+      </p:sp>
+      <p:sp>
+        <p:nvSpPr>
+          <p:cNvPr id="7" name="Footer Placeholder 6"/>
+          <p:cNvSpPr>
+            <a:spLocks noGrp="1"/>
+          </p:cNvSpPr>
+          <p:nvPr>
+            <p:ph type="ftr" sz="quarter" idx="13"/>
+          </p:nvPr>
+        </p:nvSpPr>
+        <p:spPr/>
+        <p:txBody>
+          <a:bodyPr/>
+          <a:lstStyle/>
+          <a:p>
+            <a:r>
+              <a:rPr lang="en-US"/>
+              <a:t> </a:t>
+            </a:r>
+            <a:endParaRPr lang="en-US" dirty="0"/>
+          </a:p>
+        </p:txBody>
+      </p:sp>
+    </p:spTree>
+    <p:extLst>
+      <p:ext uri="{BB962C8B-B14F-4D97-AF65-F5344CB8AC3E}">
+        <p14:creationId xmlns:p14="http://schemas.microsoft.com/office/powerpoint/2010/main" val="1561926505"/>
+      </p:ext>
+    </p:extLst>
+  </p:cSld>
+  <p:clrMapOvr>
+    <a:masterClrMapping/>
+  </p:clrMapOvr>
+</p:notes>
+</file>
+
+<file path=ppt/notesSlides/notesSlide11.xml><?xml version="1.0" encoding="utf-8"?>
+<p:notes xmlns:a="http://schemas.openxmlformats.org/drawingml/2006/main" xmlns:r="http://schemas.openxmlformats.org/officeDocument/2006/relationships" xmlns:p="http://schemas.openxmlformats.org/presentationml/2006/main">
+  <p:cSld>
+    <p:spTree>
+      <p:nvGrpSpPr>
+        <p:cNvPr id="1" name=""/>
+        <p:cNvGrpSpPr/>
+        <p:nvPr/>
+      </p:nvGrpSpPr>
+      <p:grpSpPr>
+        <a:xfrm>
+          <a:off x="0" y="0"/>
+          <a:ext cx="0" cy="0"/>
+          <a:chOff x="0" y="0"/>
+          <a:chExt cx="0" cy="0"/>
+        </a:xfrm>
+      </p:grpSpPr>
+      <p:sp>
+        <p:nvSpPr>
+          <p:cNvPr id="2" name="Slide Image Placeholder 1"/>
+          <p:cNvSpPr>
+            <a:spLocks noGrp="1" noRot="1" noChangeAspect="1"/>
+          </p:cNvSpPr>
+          <p:nvPr>
+            <p:ph type="sldImg"/>
+          </p:nvPr>
+        </p:nvSpPr>
+        <p:spPr/>
+      </p:sp>
+      <p:sp>
+        <p:nvSpPr>
+          <p:cNvPr id="3" name="Notes Placeholder 2"/>
+          <p:cNvSpPr>
+            <a:spLocks noGrp="1"/>
+          </p:cNvSpPr>
+          <p:nvPr>
+            <p:ph type="body" idx="1"/>
+          </p:nvPr>
+        </p:nvSpPr>
+        <p:spPr/>
+        <p:txBody>
+          <a:bodyPr/>
+          <a:lstStyle/>
+          <a:p>
+            <a:pPr marL="0" marR="0" lvl="0" indent="0" algn="l" defTabSz="914400" rtl="0" eaLnBrk="1" fontAlgn="base" latinLnBrk="0" hangingPunct="1">
+              <a:lnSpc>
+                <a:spcPct val="100000"/>
+              </a:lnSpc>
+              <a:spcBef>
+                <a:spcPct val="30000"/>
+              </a:spcBef>
+              <a:spcAft>
+                <a:spcPct val="0"/>
+              </a:spcAft>
+              <a:buClrTx/>
+              <a:buSzTx/>
+              <a:buFontTx/>
+              <a:buNone/>
+              <a:tabLst/>
+              <a:defRPr/>
+            </a:pPr>
+            <a:r>
+              <a:rPr lang="en-US" dirty="0"/>
+              <a:t>${ROOT}/test/</a:t>
+            </a:r>
+            <a:r>
+              <a:rPr lang="en-US" dirty="0" err="1"/>
+              <a:t>addition_alternative_tests.erl</a:t>
+            </a:r>
+            <a:endParaRPr lang="en-US" dirty="0"/>
+          </a:p>
+        </p:txBody>
+      </p:sp>
+      <p:sp>
+        <p:nvSpPr>
+          <p:cNvPr id="4" name="Date Placeholder 3"/>
+          <p:cNvSpPr>
+            <a:spLocks noGrp="1"/>
+          </p:cNvSpPr>
+          <p:nvPr>
+            <p:ph type="dt" idx="10"/>
+          </p:nvPr>
+        </p:nvSpPr>
+        <p:spPr/>
+        <p:txBody>
+          <a:bodyPr/>
+          <a:lstStyle/>
+          <a:p>
+            <a:r>
+              <a:rPr lang="en-US"/>
+              <a:t>2017-03-07 </a:t>
+            </a:r>
+            <a:endParaRPr lang="en-US" dirty="0"/>
+          </a:p>
+        </p:txBody>
+      </p:sp>
+      <p:sp>
+        <p:nvSpPr>
+          <p:cNvPr id="5" name="Slide Number Placeholder 4"/>
+          <p:cNvSpPr>
+            <a:spLocks noGrp="1"/>
+          </p:cNvSpPr>
+          <p:nvPr>
+            <p:ph type="sldNum" sz="quarter" idx="11"/>
+          </p:nvPr>
+        </p:nvSpPr>
+        <p:spPr/>
+        <p:txBody>
+          <a:bodyPr/>
+          <a:lstStyle/>
+          <a:p>
+            <a:fld id="{5852353D-F306-481A-B3D0-C36CE0BF9563}" type="slidenum">
+              <a:rPr lang="en-US" smtClean="0"/>
+              <a:pPr/>
+              <a:t>19</a:t>
+            </a:fld>
+            <a:endParaRPr lang="en-US" dirty="0"/>
+          </a:p>
+        </p:txBody>
+      </p:sp>
+      <p:sp>
+        <p:nvSpPr>
+          <p:cNvPr id="6" name="Header Placeholder 5"/>
+          <p:cNvSpPr>
+            <a:spLocks noGrp="1"/>
+          </p:cNvSpPr>
+          <p:nvPr>
+            <p:ph type="hdr" sz="quarter" idx="12"/>
+          </p:nvPr>
+        </p:nvSpPr>
+        <p:spPr/>
+        <p:txBody>
+          <a:bodyPr/>
+          <a:lstStyle/>
+          <a:p>
+            <a:r>
+              <a:rPr lang="en-US"/>
+              <a:t>Basic Erlang - Part 2 </a:t>
+            </a:r>
+            <a:endParaRPr lang="en-US" dirty="0"/>
+          </a:p>
+        </p:txBody>
+      </p:sp>
+      <p:sp>
+        <p:nvSpPr>
+          <p:cNvPr id="7" name="Footer Placeholder 6"/>
+          <p:cNvSpPr>
+            <a:spLocks noGrp="1"/>
+          </p:cNvSpPr>
+          <p:nvPr>
+            <p:ph type="ftr" sz="quarter" idx="13"/>
+          </p:nvPr>
+        </p:nvSpPr>
+        <p:spPr/>
+        <p:txBody>
+          <a:bodyPr/>
+          <a:lstStyle/>
+          <a:p>
+            <a:r>
+              <a:rPr lang="en-US"/>
+              <a:t> </a:t>
+            </a:r>
+            <a:endParaRPr lang="en-US" dirty="0"/>
+          </a:p>
+        </p:txBody>
+      </p:sp>
+    </p:spTree>
+    <p:extLst>
+      <p:ext uri="{BB962C8B-B14F-4D97-AF65-F5344CB8AC3E}">
+        <p14:creationId xmlns:p14="http://schemas.microsoft.com/office/powerpoint/2010/main" val="3618717996"/>
+      </p:ext>
+    </p:extLst>
+  </p:cSld>
+  <p:clrMapOvr>
+    <a:masterClrMapping/>
+  </p:clrMapOvr>
+</p:notes>
+</file>
+
+<file path=ppt/notesSlides/notesSlide12.xml><?xml version="1.0" encoding="utf-8"?>
+<p:notes xmlns:a="http://schemas.openxmlformats.org/drawingml/2006/main" xmlns:r="http://schemas.openxmlformats.org/officeDocument/2006/relationships" xmlns:p="http://schemas.openxmlformats.org/presentationml/2006/main">
+  <p:cSld>
+    <p:spTree>
+      <p:nvGrpSpPr>
+        <p:cNvPr id="1" name=""/>
+        <p:cNvGrpSpPr/>
+        <p:nvPr/>
+      </p:nvGrpSpPr>
+      <p:grpSpPr>
+        <a:xfrm>
+          <a:off x="0" y="0"/>
+          <a:ext cx="0" cy="0"/>
+          <a:chOff x="0" y="0"/>
+          <a:chExt cx="0" cy="0"/>
+        </a:xfrm>
+      </p:grpSpPr>
+      <p:sp>
+        <p:nvSpPr>
+          <p:cNvPr id="2" name="Slide Image Placeholder 1"/>
+          <p:cNvSpPr>
+            <a:spLocks noGrp="1" noRot="1" noChangeAspect="1"/>
+          </p:cNvSpPr>
+          <p:nvPr>
+            <p:ph type="sldImg"/>
+          </p:nvPr>
+        </p:nvSpPr>
+        <p:spPr/>
+      </p:sp>
+      <p:sp>
+        <p:nvSpPr>
+          <p:cNvPr id="3" name="Notes Placeholder 2"/>
+          <p:cNvSpPr>
+            <a:spLocks noGrp="1"/>
+          </p:cNvSpPr>
+          <p:nvPr>
+            <p:ph type="body" idx="1"/>
+          </p:nvPr>
+        </p:nvSpPr>
+        <p:spPr/>
+        <p:txBody>
+          <a:bodyPr/>
+          <a:lstStyle/>
+          <a:p>
+            <a:endParaRPr lang="en-US" dirty="0"/>
+          </a:p>
+        </p:txBody>
+      </p:sp>
+      <p:sp>
+        <p:nvSpPr>
+          <p:cNvPr id="4" name="Date Placeholder 3"/>
+          <p:cNvSpPr>
+            <a:spLocks noGrp="1"/>
+          </p:cNvSpPr>
+          <p:nvPr>
+            <p:ph type="dt" idx="10"/>
+          </p:nvPr>
+        </p:nvSpPr>
+        <p:spPr/>
+        <p:txBody>
+          <a:bodyPr/>
+          <a:lstStyle/>
+          <a:p>
+            <a:r>
+              <a:rPr lang="en-US"/>
+              <a:t>2017-03-07 </a:t>
+            </a:r>
+            <a:endParaRPr lang="en-US" dirty="0"/>
+          </a:p>
+        </p:txBody>
+      </p:sp>
+      <p:sp>
+        <p:nvSpPr>
+          <p:cNvPr id="5" name="Slide Number Placeholder 4"/>
+          <p:cNvSpPr>
+            <a:spLocks noGrp="1"/>
+          </p:cNvSpPr>
+          <p:nvPr>
+            <p:ph type="sldNum" sz="quarter" idx="11"/>
+          </p:nvPr>
+        </p:nvSpPr>
+        <p:spPr/>
+        <p:txBody>
+          <a:bodyPr/>
+          <a:lstStyle/>
+          <a:p>
+            <a:fld id="{5852353D-F306-481A-B3D0-C36CE0BF9563}" type="slidenum">
+              <a:rPr lang="en-US" smtClean="0"/>
+              <a:pPr/>
+              <a:t>22</a:t>
+            </a:fld>
+            <a:endParaRPr lang="en-US" dirty="0"/>
+          </a:p>
+        </p:txBody>
+      </p:sp>
+      <p:sp>
+        <p:nvSpPr>
+          <p:cNvPr id="6" name="Header Placeholder 5"/>
+          <p:cNvSpPr>
+            <a:spLocks noGrp="1"/>
+          </p:cNvSpPr>
+          <p:nvPr>
+            <p:ph type="hdr" sz="quarter" idx="12"/>
+          </p:nvPr>
+        </p:nvSpPr>
+        <p:spPr/>
+        <p:txBody>
+          <a:bodyPr/>
+          <a:lstStyle/>
+          <a:p>
+            <a:r>
+              <a:rPr lang="en-US"/>
+              <a:t>Basic Erlang - Part 2 </a:t>
+            </a:r>
+            <a:endParaRPr lang="en-US" dirty="0"/>
+          </a:p>
+        </p:txBody>
+      </p:sp>
+      <p:sp>
+        <p:nvSpPr>
+          <p:cNvPr id="7" name="Footer Placeholder 6"/>
+          <p:cNvSpPr>
+            <a:spLocks noGrp="1"/>
+          </p:cNvSpPr>
+          <p:nvPr>
+            <p:ph type="ftr" sz="quarter" idx="13"/>
+          </p:nvPr>
+        </p:nvSpPr>
+        <p:spPr/>
+        <p:txBody>
+          <a:bodyPr/>
+          <a:lstStyle/>
+          <a:p>
+            <a:r>
+              <a:rPr lang="en-US"/>
+              <a:t> </a:t>
+            </a:r>
+            <a:endParaRPr lang="en-US" dirty="0"/>
+          </a:p>
+        </p:txBody>
+      </p:sp>
+    </p:spTree>
+    <p:extLst>
+      <p:ext uri="{BB962C8B-B14F-4D97-AF65-F5344CB8AC3E}">
+        <p14:creationId xmlns:p14="http://schemas.microsoft.com/office/powerpoint/2010/main" val="47537287"/>
+      </p:ext>
+    </p:extLst>
+  </p:cSld>
+  <p:clrMapOvr>
+    <a:masterClrMapping/>
+  </p:clrMapOvr>
+</p:notes>
+</file>
+
+<file path=ppt/notesSlides/notesSlide13.xml><?xml version="1.0" encoding="utf-8"?>
+<p:notes xmlns:a="http://schemas.openxmlformats.org/drawingml/2006/main" xmlns:r="http://schemas.openxmlformats.org/officeDocument/2006/relationships" xmlns:p="http://schemas.openxmlformats.org/presentationml/2006/main">
+  <p:cSld>
+    <p:spTree>
+      <p:nvGrpSpPr>
+        <p:cNvPr id="1" name=""/>
+        <p:cNvGrpSpPr/>
+        <p:nvPr/>
+      </p:nvGrpSpPr>
+      <p:grpSpPr>
+        <a:xfrm>
+          <a:off x="0" y="0"/>
+          <a:ext cx="0" cy="0"/>
+          <a:chOff x="0" y="0"/>
+          <a:chExt cx="0" cy="0"/>
+        </a:xfrm>
+      </p:grpSpPr>
+      <p:sp>
+        <p:nvSpPr>
+          <p:cNvPr id="2" name="Slide Image Placeholder 1"/>
+          <p:cNvSpPr>
+            <a:spLocks noGrp="1" noRot="1" noChangeAspect="1"/>
+          </p:cNvSpPr>
+          <p:nvPr>
+            <p:ph type="sldImg"/>
+          </p:nvPr>
+        </p:nvSpPr>
+        <p:spPr/>
+      </p:sp>
+      <p:sp>
+        <p:nvSpPr>
+          <p:cNvPr id="3" name="Notes Placeholder 2"/>
+          <p:cNvSpPr>
+            <a:spLocks noGrp="1"/>
+          </p:cNvSpPr>
+          <p:nvPr>
+            <p:ph type="body" idx="1"/>
+          </p:nvPr>
+        </p:nvSpPr>
+        <p:spPr/>
+        <p:txBody>
+          <a:bodyPr/>
+          <a:lstStyle/>
+          <a:p>
+            <a:pPr marL="0" marR="0" lvl="0" indent="0" algn="l" defTabSz="914400" rtl="0" eaLnBrk="1" fontAlgn="base" latinLnBrk="0" hangingPunct="1">
+              <a:lnSpc>
+                <a:spcPct val="100000"/>
+              </a:lnSpc>
+              <a:spcBef>
+                <a:spcPct val="30000"/>
+              </a:spcBef>
+              <a:spcAft>
+                <a:spcPct val="0"/>
+              </a:spcAft>
+              <a:buClrTx/>
+              <a:buSzTx/>
+              <a:buFontTx/>
+              <a:buNone/>
+              <a:tabLst/>
+              <a:defRPr/>
+            </a:pPr>
+            <a:r>
+              <a:rPr lang="en-US" dirty="0"/>
+              <a:t>${ROOT}/test/</a:t>
+            </a:r>
+            <a:r>
+              <a:rPr lang="en-US" dirty="0" err="1"/>
+              <a:t>subtraction_alternative_tests.erl</a:t>
+            </a:r>
+            <a:endParaRPr lang="en-US" dirty="0"/>
+          </a:p>
+          <a:p>
+            <a:endParaRPr lang="en-US" dirty="0"/>
+          </a:p>
+        </p:txBody>
+      </p:sp>
+      <p:sp>
+        <p:nvSpPr>
+          <p:cNvPr id="4" name="Date Placeholder 3"/>
+          <p:cNvSpPr>
+            <a:spLocks noGrp="1"/>
+          </p:cNvSpPr>
+          <p:nvPr>
+            <p:ph type="dt" idx="10"/>
+          </p:nvPr>
+        </p:nvSpPr>
+        <p:spPr/>
+        <p:txBody>
+          <a:bodyPr/>
+          <a:lstStyle/>
+          <a:p>
+            <a:r>
+              <a:rPr lang="en-US"/>
+              <a:t>2017-03-07 </a:t>
+            </a:r>
+            <a:endParaRPr lang="en-US" dirty="0"/>
+          </a:p>
+        </p:txBody>
+      </p:sp>
+      <p:sp>
+        <p:nvSpPr>
+          <p:cNvPr id="5" name="Slide Number Placeholder 4"/>
+          <p:cNvSpPr>
+            <a:spLocks noGrp="1"/>
+          </p:cNvSpPr>
+          <p:nvPr>
+            <p:ph type="sldNum" sz="quarter" idx="11"/>
+          </p:nvPr>
+        </p:nvSpPr>
+        <p:spPr/>
+        <p:txBody>
+          <a:bodyPr/>
+          <a:lstStyle/>
+          <a:p>
+            <a:fld id="{5852353D-F306-481A-B3D0-C36CE0BF9563}" type="slidenum">
+              <a:rPr lang="en-US" smtClean="0"/>
+              <a:pPr/>
+              <a:t>24</a:t>
+            </a:fld>
+            <a:endParaRPr lang="en-US" dirty="0"/>
+          </a:p>
+        </p:txBody>
+      </p:sp>
+      <p:sp>
+        <p:nvSpPr>
+          <p:cNvPr id="6" name="Header Placeholder 5"/>
+          <p:cNvSpPr>
+            <a:spLocks noGrp="1"/>
+          </p:cNvSpPr>
+          <p:nvPr>
+            <p:ph type="hdr" sz="quarter" idx="12"/>
+          </p:nvPr>
+        </p:nvSpPr>
+        <p:spPr/>
+        <p:txBody>
+          <a:bodyPr/>
+          <a:lstStyle/>
+          <a:p>
+            <a:r>
+              <a:rPr lang="en-US"/>
+              <a:t>Basic Erlang - Part 2 </a:t>
+            </a:r>
+            <a:endParaRPr lang="en-US" dirty="0"/>
+          </a:p>
+        </p:txBody>
+      </p:sp>
+      <p:sp>
+        <p:nvSpPr>
+          <p:cNvPr id="7" name="Footer Placeholder 6"/>
+          <p:cNvSpPr>
+            <a:spLocks noGrp="1"/>
+          </p:cNvSpPr>
+          <p:nvPr>
+            <p:ph type="ftr" sz="quarter" idx="13"/>
+          </p:nvPr>
+        </p:nvSpPr>
+        <p:spPr/>
+        <p:txBody>
+          <a:bodyPr/>
+          <a:lstStyle/>
+          <a:p>
+            <a:r>
+              <a:rPr lang="en-US"/>
+              <a:t> </a:t>
+            </a:r>
+            <a:endParaRPr lang="en-US" dirty="0"/>
+          </a:p>
+        </p:txBody>
+      </p:sp>
+    </p:spTree>
+    <p:extLst>
+      <p:ext uri="{BB962C8B-B14F-4D97-AF65-F5344CB8AC3E}">
+        <p14:creationId xmlns:p14="http://schemas.microsoft.com/office/powerpoint/2010/main" val="2059806007"/>
+      </p:ext>
+    </p:extLst>
+  </p:cSld>
+  <p:clrMapOvr>
+    <a:masterClrMapping/>
+  </p:clrMapOvr>
+</p:notes>
+</file>
+
+<file path=ppt/notesSlides/notesSlide14.xml><?xml version="1.0" encoding="utf-8"?>
+<p:notes xmlns:a="http://schemas.openxmlformats.org/drawingml/2006/main" xmlns:r="http://schemas.openxmlformats.org/officeDocument/2006/relationships" xmlns:p="http://schemas.openxmlformats.org/presentationml/2006/main">
+  <p:cSld>
+    <p:spTree>
+      <p:nvGrpSpPr>
+        <p:cNvPr id="1" name=""/>
+        <p:cNvGrpSpPr/>
+        <p:nvPr/>
+      </p:nvGrpSpPr>
+      <p:grpSpPr>
+        <a:xfrm>
+          <a:off x="0" y="0"/>
+          <a:ext cx="0" cy="0"/>
+          <a:chOff x="0" y="0"/>
+          <a:chExt cx="0" cy="0"/>
+        </a:xfrm>
+      </p:grpSpPr>
+      <p:sp>
+        <p:nvSpPr>
+          <p:cNvPr id="2" name="Slide Image Placeholder 1"/>
+          <p:cNvSpPr>
+            <a:spLocks noGrp="1" noRot="1" noChangeAspect="1"/>
+          </p:cNvSpPr>
+          <p:nvPr>
+            <p:ph type="sldImg"/>
+          </p:nvPr>
+        </p:nvSpPr>
+        <p:spPr/>
+      </p:sp>
+      <p:sp>
+        <p:nvSpPr>
+          <p:cNvPr id="3" name="Notes Placeholder 2"/>
+          <p:cNvSpPr>
+            <a:spLocks noGrp="1"/>
+          </p:cNvSpPr>
+          <p:nvPr>
+            <p:ph type="body" idx="1"/>
+          </p:nvPr>
+        </p:nvSpPr>
+        <p:spPr/>
+        <p:txBody>
+          <a:bodyPr/>
+          <a:lstStyle/>
+          <a:p>
+            <a:endParaRPr lang="en-US" dirty="0"/>
+          </a:p>
+        </p:txBody>
+      </p:sp>
+      <p:sp>
+        <p:nvSpPr>
+          <p:cNvPr id="4" name="Date Placeholder 3"/>
+          <p:cNvSpPr>
+            <a:spLocks noGrp="1"/>
+          </p:cNvSpPr>
+          <p:nvPr>
+            <p:ph type="dt" idx="10"/>
+          </p:nvPr>
+        </p:nvSpPr>
+        <p:spPr/>
+        <p:txBody>
+          <a:bodyPr/>
+          <a:lstStyle/>
+          <a:p>
+            <a:r>
+              <a:rPr lang="en-US"/>
+              <a:t>2017-03-07 </a:t>
+            </a:r>
+            <a:endParaRPr lang="en-US" dirty="0"/>
+          </a:p>
+        </p:txBody>
+      </p:sp>
+      <p:sp>
+        <p:nvSpPr>
+          <p:cNvPr id="5" name="Slide Number Placeholder 4"/>
+          <p:cNvSpPr>
+            <a:spLocks noGrp="1"/>
+          </p:cNvSpPr>
+          <p:nvPr>
+            <p:ph type="sldNum" sz="quarter" idx="11"/>
+          </p:nvPr>
+        </p:nvSpPr>
+        <p:spPr/>
+        <p:txBody>
+          <a:bodyPr/>
+          <a:lstStyle/>
+          <a:p>
+            <a:fld id="{5852353D-F306-481A-B3D0-C36CE0BF9563}" type="slidenum">
+              <a:rPr lang="en-US" smtClean="0"/>
+              <a:pPr/>
+              <a:t>25</a:t>
+            </a:fld>
+            <a:endParaRPr lang="en-US" dirty="0"/>
+          </a:p>
+        </p:txBody>
+      </p:sp>
+      <p:sp>
+        <p:nvSpPr>
+          <p:cNvPr id="6" name="Header Placeholder 5"/>
+          <p:cNvSpPr>
+            <a:spLocks noGrp="1"/>
+          </p:cNvSpPr>
+          <p:nvPr>
+            <p:ph type="hdr" sz="quarter" idx="12"/>
+          </p:nvPr>
+        </p:nvSpPr>
+        <p:spPr/>
+        <p:txBody>
+          <a:bodyPr/>
+          <a:lstStyle/>
+          <a:p>
+            <a:r>
+              <a:rPr lang="en-US"/>
+              <a:t>Basic Erlang - Part 2 </a:t>
+            </a:r>
+            <a:endParaRPr lang="en-US" dirty="0"/>
+          </a:p>
+        </p:txBody>
+      </p:sp>
+      <p:sp>
+        <p:nvSpPr>
+          <p:cNvPr id="7" name="Footer Placeholder 6"/>
+          <p:cNvSpPr>
+            <a:spLocks noGrp="1"/>
+          </p:cNvSpPr>
+          <p:nvPr>
+            <p:ph type="ftr" sz="quarter" idx="13"/>
+          </p:nvPr>
+        </p:nvSpPr>
+        <p:spPr/>
+        <p:txBody>
+          <a:bodyPr/>
+          <a:lstStyle/>
+          <a:p>
+            <a:r>
+              <a:rPr lang="en-US"/>
+              <a:t> </a:t>
+            </a:r>
+            <a:endParaRPr lang="en-US" dirty="0"/>
+          </a:p>
+        </p:txBody>
+      </p:sp>
+    </p:spTree>
+    <p:extLst>
+      <p:ext uri="{BB962C8B-B14F-4D97-AF65-F5344CB8AC3E}">
+        <p14:creationId xmlns:p14="http://schemas.microsoft.com/office/powerpoint/2010/main" val="139531292"/>
+      </p:ext>
+    </p:extLst>
+  </p:cSld>
+  <p:clrMapOvr>
+    <a:masterClrMapping/>
+  </p:clrMapOvr>
+</p:notes>
+</file>
+
+<file path=ppt/notesSlides/notesSlide15.xml><?xml version="1.0" encoding="utf-8"?>
+<p:notes xmlns:a="http://schemas.openxmlformats.org/drawingml/2006/main" xmlns:r="http://schemas.openxmlformats.org/officeDocument/2006/relationships" xmlns:p="http://schemas.openxmlformats.org/presentationml/2006/main">
+  <p:cSld>
+    <p:spTree>
+      <p:nvGrpSpPr>
+        <p:cNvPr id="1" name=""/>
+        <p:cNvGrpSpPr/>
+        <p:nvPr/>
+      </p:nvGrpSpPr>
+      <p:grpSpPr>
+        <a:xfrm>
+          <a:off x="0" y="0"/>
+          <a:ext cx="0" cy="0"/>
+          <a:chOff x="0" y="0"/>
+          <a:chExt cx="0" cy="0"/>
+        </a:xfrm>
+      </p:grpSpPr>
+      <p:sp>
+        <p:nvSpPr>
+          <p:cNvPr id="2" name="Slide Image Placeholder 1"/>
+          <p:cNvSpPr>
+            <a:spLocks noGrp="1" noRot="1" noChangeAspect="1"/>
+          </p:cNvSpPr>
+          <p:nvPr>
+            <p:ph type="sldImg"/>
+          </p:nvPr>
+        </p:nvSpPr>
+        <p:spPr>
+          <a:xfrm>
+            <a:off x="103188" y="750888"/>
+            <a:ext cx="6678612" cy="3757612"/>
+          </a:xfrm>
+        </p:spPr>
+      </p:sp>
+      <p:sp>
+        <p:nvSpPr>
+          <p:cNvPr id="3" name="Notes Placeholder 2"/>
+          <p:cNvSpPr>
+            <a:spLocks noGrp="1"/>
+          </p:cNvSpPr>
+          <p:nvPr>
+            <p:ph type="body" idx="1"/>
+          </p:nvPr>
+        </p:nvSpPr>
+        <p:spPr/>
+        <p:txBody>
+          <a:bodyPr/>
+          <a:lstStyle/>
+          <a:p>
+            <a:r>
+              <a:rPr lang="en-US" dirty="0"/>
+              <a:t>http://erlang.org/doc/apps/eunit/chapter.html</a:t>
+            </a:r>
+          </a:p>
+        </p:txBody>
+      </p:sp>
+      <p:sp>
+        <p:nvSpPr>
+          <p:cNvPr id="4" name="Date Placeholder 3"/>
+          <p:cNvSpPr>
+            <a:spLocks noGrp="1"/>
+          </p:cNvSpPr>
+          <p:nvPr>
+            <p:ph type="dt" idx="10"/>
+          </p:nvPr>
+        </p:nvSpPr>
+        <p:spPr/>
+        <p:txBody>
+          <a:bodyPr/>
+          <a:lstStyle/>
+          <a:p>
+            <a:r>
+              <a:rPr lang="en-US"/>
+              <a:t>2017-03-07 </a:t>
+            </a:r>
+            <a:endParaRPr lang="en-US" dirty="0"/>
+          </a:p>
+        </p:txBody>
+      </p:sp>
+      <p:sp>
+        <p:nvSpPr>
+          <p:cNvPr id="5" name="Slide Number Placeholder 4"/>
+          <p:cNvSpPr>
+            <a:spLocks noGrp="1"/>
+          </p:cNvSpPr>
+          <p:nvPr>
+            <p:ph type="sldNum" sz="quarter" idx="11"/>
+          </p:nvPr>
+        </p:nvSpPr>
+        <p:spPr/>
+        <p:txBody>
+          <a:bodyPr/>
+          <a:lstStyle/>
+          <a:p>
+            <a:fld id="{5852353D-F306-481A-B3D0-C36CE0BF9563}" type="slidenum">
+              <a:rPr lang="en-US" smtClean="0"/>
+              <a:pPr/>
+              <a:t>26</a:t>
+            </a:fld>
+            <a:endParaRPr lang="en-US" dirty="0"/>
+          </a:p>
+        </p:txBody>
+      </p:sp>
+      <p:sp>
+        <p:nvSpPr>
+          <p:cNvPr id="6" name="Header Placeholder 5"/>
+          <p:cNvSpPr>
+            <a:spLocks noGrp="1"/>
+          </p:cNvSpPr>
+          <p:nvPr>
+            <p:ph type="hdr" sz="quarter" idx="12"/>
+          </p:nvPr>
+        </p:nvSpPr>
+        <p:spPr/>
+        <p:txBody>
+          <a:bodyPr/>
+          <a:lstStyle/>
+          <a:p>
+            <a:r>
+              <a:rPr lang="en-US"/>
+              <a:t>Basic Erlang - Part 2 </a:t>
+            </a:r>
+            <a:endParaRPr lang="en-US" dirty="0"/>
+          </a:p>
+        </p:txBody>
+      </p:sp>
+      <p:sp>
+        <p:nvSpPr>
+          <p:cNvPr id="7" name="Footer Placeholder 6"/>
+          <p:cNvSpPr>
+            <a:spLocks noGrp="1"/>
+          </p:cNvSpPr>
+          <p:nvPr>
+            <p:ph type="ftr" sz="quarter" idx="13"/>
+          </p:nvPr>
+        </p:nvSpPr>
+        <p:spPr/>
+        <p:txBody>
+          <a:bodyPr/>
+          <a:lstStyle/>
+          <a:p>
+            <a:r>
+              <a:rPr lang="en-US"/>
+              <a:t> </a:t>
+            </a:r>
+            <a:endParaRPr lang="en-US" dirty="0"/>
+          </a:p>
+        </p:txBody>
+      </p:sp>
+    </p:spTree>
+    <p:extLst>
+      <p:ext uri="{BB962C8B-B14F-4D97-AF65-F5344CB8AC3E}">
+        <p14:creationId xmlns:p14="http://schemas.microsoft.com/office/powerpoint/2010/main" val="3828296707"/>
+      </p:ext>
+    </p:extLst>
+  </p:cSld>
+  <p:clrMapOvr>
+    <a:masterClrMapping/>
+  </p:clrMapOvr>
+</p:notes>
+</file>
+
+<file path=ppt/notesSlides/notesSlide16.xml><?xml version="1.0" encoding="utf-8"?>
+<p:notes xmlns:a="http://schemas.openxmlformats.org/drawingml/2006/main" xmlns:r="http://schemas.openxmlformats.org/officeDocument/2006/relationships" xmlns:p="http://schemas.openxmlformats.org/presentationml/2006/main">
+  <p:cSld>
+    <p:spTree>
+      <p:nvGrpSpPr>
+        <p:cNvPr id="1" name=""/>
+        <p:cNvGrpSpPr/>
+        <p:nvPr/>
+      </p:nvGrpSpPr>
+      <p:grpSpPr>
+        <a:xfrm>
+          <a:off x="0" y="0"/>
+          <a:ext cx="0" cy="0"/>
+          <a:chOff x="0" y="0"/>
+          <a:chExt cx="0" cy="0"/>
+        </a:xfrm>
+      </p:grpSpPr>
+      <p:sp>
+        <p:nvSpPr>
+          <p:cNvPr id="2" name="Slide Image Placeholder 1"/>
+          <p:cNvSpPr>
+            <a:spLocks noGrp="1" noRot="1" noChangeAspect="1"/>
+          </p:cNvSpPr>
+          <p:nvPr>
+            <p:ph type="sldImg"/>
+          </p:nvPr>
+        </p:nvSpPr>
+        <p:spPr/>
+      </p:sp>
+      <p:sp>
+        <p:nvSpPr>
+          <p:cNvPr id="3" name="Notes Placeholder 2"/>
+          <p:cNvSpPr>
+            <a:spLocks noGrp="1"/>
+          </p:cNvSpPr>
+          <p:nvPr>
+            <p:ph type="body" idx="1"/>
+          </p:nvPr>
+        </p:nvSpPr>
+        <p:spPr/>
+        <p:txBody>
+          <a:bodyPr/>
+          <a:lstStyle/>
+          <a:p>
+            <a:pPr marL="0" marR="0" lvl="0" indent="0" algn="l" defTabSz="914400" rtl="0" eaLnBrk="1" fontAlgn="base" latinLnBrk="0" hangingPunct="1">
+              <a:lnSpc>
+                <a:spcPct val="100000"/>
+              </a:lnSpc>
+              <a:spcBef>
+                <a:spcPct val="30000"/>
+              </a:spcBef>
+              <a:spcAft>
+                <a:spcPct val="0"/>
+              </a:spcAft>
+              <a:buClrTx/>
+              <a:buSzTx/>
+              <a:buFontTx/>
+              <a:buNone/>
+              <a:tabLst/>
+              <a:defRPr/>
+            </a:pPr>
+            <a:r>
+              <a:rPr lang="en-US" dirty="0"/>
+              <a:t>${ROOT}/test/</a:t>
+            </a:r>
+            <a:r>
+              <a:rPr lang="en-US" dirty="0" err="1"/>
+              <a:t>control_tests.erl</a:t>
+            </a:r>
+            <a:endParaRPr lang="en-US" dirty="0"/>
+          </a:p>
+          <a:p>
+            <a:endParaRPr lang="en-US" dirty="0"/>
+          </a:p>
+        </p:txBody>
+      </p:sp>
+      <p:sp>
+        <p:nvSpPr>
+          <p:cNvPr id="4" name="Date Placeholder 3"/>
+          <p:cNvSpPr>
+            <a:spLocks noGrp="1"/>
+          </p:cNvSpPr>
+          <p:nvPr>
+            <p:ph type="dt" idx="10"/>
+          </p:nvPr>
+        </p:nvSpPr>
+        <p:spPr/>
+        <p:txBody>
+          <a:bodyPr/>
+          <a:lstStyle/>
+          <a:p>
+            <a:r>
+              <a:rPr lang="en-US"/>
+              <a:t>2017-03-07 </a:t>
+            </a:r>
+            <a:endParaRPr lang="en-US" dirty="0"/>
+          </a:p>
+        </p:txBody>
+      </p:sp>
+      <p:sp>
+        <p:nvSpPr>
+          <p:cNvPr id="5" name="Slide Number Placeholder 4"/>
+          <p:cNvSpPr>
+            <a:spLocks noGrp="1"/>
+          </p:cNvSpPr>
+          <p:nvPr>
+            <p:ph type="sldNum" sz="quarter" idx="11"/>
+          </p:nvPr>
+        </p:nvSpPr>
+        <p:spPr/>
+        <p:txBody>
+          <a:bodyPr/>
+          <a:lstStyle/>
+          <a:p>
+            <a:fld id="{5852353D-F306-481A-B3D0-C36CE0BF9563}" type="slidenum">
+              <a:rPr lang="en-US" smtClean="0"/>
+              <a:pPr/>
+              <a:t>28</a:t>
+            </a:fld>
+            <a:endParaRPr lang="en-US" dirty="0"/>
+          </a:p>
+        </p:txBody>
+      </p:sp>
+      <p:sp>
+        <p:nvSpPr>
+          <p:cNvPr id="6" name="Header Placeholder 5"/>
+          <p:cNvSpPr>
+            <a:spLocks noGrp="1"/>
+          </p:cNvSpPr>
+          <p:nvPr>
+            <p:ph type="hdr" sz="quarter" idx="12"/>
+          </p:nvPr>
+        </p:nvSpPr>
+        <p:spPr/>
+        <p:txBody>
+          <a:bodyPr/>
+          <a:lstStyle/>
+          <a:p>
+            <a:r>
+              <a:rPr lang="en-US"/>
+              <a:t>Basic Erlang - Part 2 </a:t>
+            </a:r>
+            <a:endParaRPr lang="en-US" dirty="0"/>
+          </a:p>
+        </p:txBody>
+      </p:sp>
+      <p:sp>
+        <p:nvSpPr>
+          <p:cNvPr id="7" name="Footer Placeholder 6"/>
+          <p:cNvSpPr>
+            <a:spLocks noGrp="1"/>
+          </p:cNvSpPr>
+          <p:nvPr>
+            <p:ph type="ftr" sz="quarter" idx="13"/>
+          </p:nvPr>
+        </p:nvSpPr>
+        <p:spPr/>
+        <p:txBody>
+          <a:bodyPr/>
+          <a:lstStyle/>
+          <a:p>
+            <a:r>
+              <a:rPr lang="en-US"/>
+              <a:t> </a:t>
+            </a:r>
+            <a:endParaRPr lang="en-US" dirty="0"/>
+          </a:p>
+        </p:txBody>
+      </p:sp>
+    </p:spTree>
+    <p:extLst>
+      <p:ext uri="{BB962C8B-B14F-4D97-AF65-F5344CB8AC3E}">
+        <p14:creationId xmlns:p14="http://schemas.microsoft.com/office/powerpoint/2010/main" val="337607844"/>
+      </p:ext>
+    </p:extLst>
+  </p:cSld>
+  <p:clrMapOvr>
+    <a:masterClrMapping/>
+  </p:clrMapOvr>
+</p:notes>
+</file>
+
+<file path=ppt/notesSlides/notesSlide17.xml><?xml version="1.0" encoding="utf-8"?>
+<p:notes xmlns:a="http://schemas.openxmlformats.org/drawingml/2006/main" xmlns:r="http://schemas.openxmlformats.org/officeDocument/2006/relationships" xmlns:p="http://schemas.openxmlformats.org/presentationml/2006/main">
+  <p:cSld>
+    <p:spTree>
+      <p:nvGrpSpPr>
+        <p:cNvPr id="1" name=""/>
+        <p:cNvGrpSpPr/>
+        <p:nvPr/>
+      </p:nvGrpSpPr>
+      <p:grpSpPr>
+        <a:xfrm>
+          <a:off x="0" y="0"/>
+          <a:ext cx="0" cy="0"/>
+          <a:chOff x="0" y="0"/>
+          <a:chExt cx="0" cy="0"/>
+        </a:xfrm>
+      </p:grpSpPr>
+      <p:sp>
+        <p:nvSpPr>
+          <p:cNvPr id="2" name="Slide Image Placeholder 1"/>
+          <p:cNvSpPr>
+            <a:spLocks noGrp="1" noRot="1" noChangeAspect="1"/>
+          </p:cNvSpPr>
+          <p:nvPr>
+            <p:ph type="sldImg"/>
+          </p:nvPr>
+        </p:nvSpPr>
+        <p:spPr>
+          <a:xfrm>
+            <a:off x="103188" y="750888"/>
+            <a:ext cx="6678612" cy="3757612"/>
+          </a:xfrm>
+        </p:spPr>
+      </p:sp>
+      <p:sp>
+        <p:nvSpPr>
+          <p:cNvPr id="3" name="Notes Placeholder 2"/>
+          <p:cNvSpPr>
+            <a:spLocks noGrp="1"/>
+          </p:cNvSpPr>
+          <p:nvPr>
+            <p:ph type="body" idx="1"/>
+          </p:nvPr>
+        </p:nvSpPr>
+        <p:spPr/>
+        <p:txBody>
+          <a:bodyPr/>
+          <a:lstStyle/>
+          <a:p>
             <a:pPr algn="l"/>
             <a:r>
               <a:rPr lang="en-US" sz="1200" dirty="0">
@@ -1330,6 +2505,350 @@
     <p:extLst>
       <p:ext uri="{BB962C8B-B14F-4D97-AF65-F5344CB8AC3E}">
         <p14:creationId xmlns:p14="http://schemas.microsoft.com/office/powerpoint/2010/main" val="1464997979"/>
+      </p:ext>
+    </p:extLst>
+  </p:cSld>
+  <p:clrMapOvr>
+    <a:masterClrMapping/>
+  </p:clrMapOvr>
+</p:notes>
+</file>
+
+<file path=ppt/notesSlides/notesSlide18.xml><?xml version="1.0" encoding="utf-8"?>
+<p:notes xmlns:a="http://schemas.openxmlformats.org/drawingml/2006/main" xmlns:r="http://schemas.openxmlformats.org/officeDocument/2006/relationships" xmlns:p="http://schemas.openxmlformats.org/presentationml/2006/main">
+  <p:cSld>
+    <p:spTree>
+      <p:nvGrpSpPr>
+        <p:cNvPr id="1" name=""/>
+        <p:cNvGrpSpPr/>
+        <p:nvPr/>
+      </p:nvGrpSpPr>
+      <p:grpSpPr>
+        <a:xfrm>
+          <a:off x="0" y="0"/>
+          <a:ext cx="0" cy="0"/>
+          <a:chOff x="0" y="0"/>
+          <a:chExt cx="0" cy="0"/>
+        </a:xfrm>
+      </p:grpSpPr>
+      <p:sp>
+        <p:nvSpPr>
+          <p:cNvPr id="2" name="Slide Image Placeholder 1"/>
+          <p:cNvSpPr>
+            <a:spLocks noGrp="1" noRot="1" noChangeAspect="1"/>
+          </p:cNvSpPr>
+          <p:nvPr>
+            <p:ph type="sldImg"/>
+          </p:nvPr>
+        </p:nvSpPr>
+        <p:spPr/>
+      </p:sp>
+      <p:sp>
+        <p:nvSpPr>
+          <p:cNvPr id="3" name="Notes Placeholder 2"/>
+          <p:cNvSpPr>
+            <a:spLocks noGrp="1"/>
+          </p:cNvSpPr>
+          <p:nvPr>
+            <p:ph type="body" idx="1"/>
+          </p:nvPr>
+        </p:nvSpPr>
+        <p:spPr/>
+        <p:txBody>
+          <a:bodyPr/>
+          <a:lstStyle/>
+          <a:p>
+            <a:pPr marL="0" marR="0" lvl="0" indent="0" algn="l" defTabSz="914400" rtl="0" eaLnBrk="1" fontAlgn="base" latinLnBrk="0" hangingPunct="1">
+              <a:lnSpc>
+                <a:spcPct val="100000"/>
+              </a:lnSpc>
+              <a:spcBef>
+                <a:spcPct val="30000"/>
+              </a:spcBef>
+              <a:spcAft>
+                <a:spcPct val="0"/>
+              </a:spcAft>
+              <a:buClrTx/>
+              <a:buSzTx/>
+              <a:buFontTx/>
+              <a:buNone/>
+              <a:tabLst/>
+              <a:defRPr/>
+            </a:pPr>
+            <a:r>
+              <a:rPr lang="en-US" dirty="0"/>
+              <a:t>${ROOT}/</a:t>
+            </a:r>
+            <a:r>
+              <a:rPr lang="en-US" dirty="0" err="1"/>
+              <a:t>rebar.config</a:t>
+            </a:r>
+            <a:endParaRPr lang="en-US" dirty="0"/>
+          </a:p>
+          <a:p>
+            <a:endParaRPr lang="en-US" dirty="0"/>
+          </a:p>
+        </p:txBody>
+      </p:sp>
+      <p:sp>
+        <p:nvSpPr>
+          <p:cNvPr id="4" name="Date Placeholder 3"/>
+          <p:cNvSpPr>
+            <a:spLocks noGrp="1"/>
+          </p:cNvSpPr>
+          <p:nvPr>
+            <p:ph type="dt" idx="10"/>
+          </p:nvPr>
+        </p:nvSpPr>
+        <p:spPr/>
+        <p:txBody>
+          <a:bodyPr/>
+          <a:lstStyle/>
+          <a:p>
+            <a:r>
+              <a:rPr lang="en-US"/>
+              <a:t>2017-03-07 </a:t>
+            </a:r>
+            <a:endParaRPr lang="en-US" dirty="0"/>
+          </a:p>
+        </p:txBody>
+      </p:sp>
+      <p:sp>
+        <p:nvSpPr>
+          <p:cNvPr id="5" name="Slide Number Placeholder 4"/>
+          <p:cNvSpPr>
+            <a:spLocks noGrp="1"/>
+          </p:cNvSpPr>
+          <p:nvPr>
+            <p:ph type="sldNum" sz="quarter" idx="11"/>
+          </p:nvPr>
+        </p:nvSpPr>
+        <p:spPr/>
+        <p:txBody>
+          <a:bodyPr/>
+          <a:lstStyle/>
+          <a:p>
+            <a:fld id="{5852353D-F306-481A-B3D0-C36CE0BF9563}" type="slidenum">
+              <a:rPr lang="en-US" smtClean="0"/>
+              <a:pPr/>
+              <a:t>31</a:t>
+            </a:fld>
+            <a:endParaRPr lang="en-US" dirty="0"/>
+          </a:p>
+        </p:txBody>
+      </p:sp>
+      <p:sp>
+        <p:nvSpPr>
+          <p:cNvPr id="6" name="Header Placeholder 5"/>
+          <p:cNvSpPr>
+            <a:spLocks noGrp="1"/>
+          </p:cNvSpPr>
+          <p:nvPr>
+            <p:ph type="hdr" sz="quarter" idx="12"/>
+          </p:nvPr>
+        </p:nvSpPr>
+        <p:spPr/>
+        <p:txBody>
+          <a:bodyPr/>
+          <a:lstStyle/>
+          <a:p>
+            <a:r>
+              <a:rPr lang="en-US"/>
+              <a:t>Basic Erlang - Part 2 </a:t>
+            </a:r>
+            <a:endParaRPr lang="en-US" dirty="0"/>
+          </a:p>
+        </p:txBody>
+      </p:sp>
+      <p:sp>
+        <p:nvSpPr>
+          <p:cNvPr id="7" name="Footer Placeholder 6"/>
+          <p:cNvSpPr>
+            <a:spLocks noGrp="1"/>
+          </p:cNvSpPr>
+          <p:nvPr>
+            <p:ph type="ftr" sz="quarter" idx="13"/>
+          </p:nvPr>
+        </p:nvSpPr>
+        <p:spPr/>
+        <p:txBody>
+          <a:bodyPr/>
+          <a:lstStyle/>
+          <a:p>
+            <a:r>
+              <a:rPr lang="en-US"/>
+              <a:t> </a:t>
+            </a:r>
+            <a:endParaRPr lang="en-US" dirty="0"/>
+          </a:p>
+        </p:txBody>
+      </p:sp>
+    </p:spTree>
+    <p:extLst>
+      <p:ext uri="{BB962C8B-B14F-4D97-AF65-F5344CB8AC3E}">
+        <p14:creationId xmlns:p14="http://schemas.microsoft.com/office/powerpoint/2010/main" val="2925116804"/>
+      </p:ext>
+    </p:extLst>
+  </p:cSld>
+  <p:clrMapOvr>
+    <a:masterClrMapping/>
+  </p:clrMapOvr>
+</p:notes>
+</file>
+
+<file path=ppt/notesSlides/notesSlide19.xml><?xml version="1.0" encoding="utf-8"?>
+<p:notes xmlns:a="http://schemas.openxmlformats.org/drawingml/2006/main" xmlns:r="http://schemas.openxmlformats.org/officeDocument/2006/relationships" xmlns:p="http://schemas.openxmlformats.org/presentationml/2006/main">
+  <p:cSld>
+    <p:spTree>
+      <p:nvGrpSpPr>
+        <p:cNvPr id="1" name=""/>
+        <p:cNvGrpSpPr/>
+        <p:nvPr/>
+      </p:nvGrpSpPr>
+      <p:grpSpPr>
+        <a:xfrm>
+          <a:off x="0" y="0"/>
+          <a:ext cx="0" cy="0"/>
+          <a:chOff x="0" y="0"/>
+          <a:chExt cx="0" cy="0"/>
+        </a:xfrm>
+      </p:grpSpPr>
+      <p:sp>
+        <p:nvSpPr>
+          <p:cNvPr id="2" name="Slide Image Placeholder 1"/>
+          <p:cNvSpPr>
+            <a:spLocks noGrp="1" noRot="1" noChangeAspect="1"/>
+          </p:cNvSpPr>
+          <p:nvPr>
+            <p:ph type="sldImg"/>
+          </p:nvPr>
+        </p:nvSpPr>
+        <p:spPr/>
+      </p:sp>
+      <p:sp>
+        <p:nvSpPr>
+          <p:cNvPr id="3" name="Notes Placeholder 2"/>
+          <p:cNvSpPr>
+            <a:spLocks noGrp="1"/>
+          </p:cNvSpPr>
+          <p:nvPr>
+            <p:ph type="body" idx="1"/>
+          </p:nvPr>
+        </p:nvSpPr>
+        <p:spPr/>
+        <p:txBody>
+          <a:bodyPr/>
+          <a:lstStyle/>
+          <a:p>
+            <a:r>
+              <a:rPr lang="en-US" dirty="0"/>
+              <a:t>${ROOT}/test/</a:t>
+            </a:r>
+            <a:r>
+              <a:rPr lang="en-US" dirty="0" err="1"/>
+              <a:t>my_chat_client_tests.erl</a:t>
+            </a:r>
+            <a:endParaRPr lang="en-US" dirty="0"/>
+          </a:p>
+        </p:txBody>
+      </p:sp>
+      <p:sp>
+        <p:nvSpPr>
+          <p:cNvPr id="4" name="Date Placeholder 3"/>
+          <p:cNvSpPr>
+            <a:spLocks noGrp="1"/>
+          </p:cNvSpPr>
+          <p:nvPr>
+            <p:ph type="dt" idx="10"/>
+          </p:nvPr>
+        </p:nvSpPr>
+        <p:spPr/>
+        <p:txBody>
+          <a:bodyPr/>
+          <a:lstStyle/>
+          <a:p>
+            <a:r>
+              <a:rPr lang="en-US"/>
+              <a:t>2017-03-07 </a:t>
+            </a:r>
+            <a:endParaRPr lang="en-US" dirty="0"/>
+          </a:p>
+        </p:txBody>
+      </p:sp>
+      <p:sp>
+        <p:nvSpPr>
+          <p:cNvPr id="5" name="Slide Number Placeholder 4"/>
+          <p:cNvSpPr>
+            <a:spLocks noGrp="1"/>
+          </p:cNvSpPr>
+          <p:nvPr>
+            <p:ph type="sldNum" sz="quarter" idx="11"/>
+          </p:nvPr>
+        </p:nvSpPr>
+        <p:spPr/>
+        <p:txBody>
+          <a:bodyPr/>
+          <a:lstStyle/>
+          <a:p>
+            <a:fld id="{5852353D-F306-481A-B3D0-C36CE0BF9563}" type="slidenum">
+              <a:rPr lang="en-US" smtClean="0"/>
+              <a:pPr/>
+              <a:t>33</a:t>
+            </a:fld>
+            <a:endParaRPr lang="en-US" dirty="0"/>
+          </a:p>
+        </p:txBody>
+      </p:sp>
+      <p:sp>
+        <p:nvSpPr>
+          <p:cNvPr id="6" name="Header Placeholder 5"/>
+          <p:cNvSpPr>
+            <a:spLocks noGrp="1"/>
+          </p:cNvSpPr>
+          <p:nvPr>
+            <p:ph type="hdr" sz="quarter" idx="12"/>
+          </p:nvPr>
+        </p:nvSpPr>
+        <p:spPr/>
+        <p:txBody>
+          <a:bodyPr/>
+          <a:lstStyle/>
+          <a:p>
+            <a:r>
+              <a:rPr lang="en-US"/>
+              <a:t>Basic Erlang - Part 2 </a:t>
+            </a:r>
+            <a:endParaRPr lang="en-US" dirty="0"/>
+          </a:p>
+        </p:txBody>
+      </p:sp>
+      <p:sp>
+        <p:nvSpPr>
+          <p:cNvPr id="7" name="Footer Placeholder 6"/>
+          <p:cNvSpPr>
+            <a:spLocks noGrp="1"/>
+          </p:cNvSpPr>
+          <p:nvPr>
+            <p:ph type="ftr" sz="quarter" idx="13"/>
+          </p:nvPr>
+        </p:nvSpPr>
+        <p:spPr/>
+        <p:txBody>
+          <a:bodyPr/>
+          <a:lstStyle/>
+          <a:p>
+            <a:r>
+              <a:rPr lang="en-US"/>
+              <a:t> </a:t>
+            </a:r>
+            <a:endParaRPr lang="en-US" dirty="0"/>
+          </a:p>
+        </p:txBody>
+      </p:sp>
+    </p:spTree>
+    <p:extLst>
+      <p:ext uri="{BB962C8B-B14F-4D97-AF65-F5344CB8AC3E}">
+        <p14:creationId xmlns:p14="http://schemas.microsoft.com/office/powerpoint/2010/main" val="1285621016"/>
       </p:ext>
     </p:extLst>
   </p:cSld>
@@ -1531,6 +3050,168 @@
     <p:extLst>
       <p:ext uri="{BB962C8B-B14F-4D97-AF65-F5344CB8AC3E}">
         <p14:creationId xmlns:p14="http://schemas.microsoft.com/office/powerpoint/2010/main" val="2674775736"/>
+      </p:ext>
+    </p:extLst>
+  </p:cSld>
+  <p:clrMapOvr>
+    <a:masterClrMapping/>
+  </p:clrMapOvr>
+</p:notes>
+</file>
+
+<file path=ppt/notesSlides/notesSlide20.xml><?xml version="1.0" encoding="utf-8"?>
+<p:notes xmlns:a="http://schemas.openxmlformats.org/drawingml/2006/main" xmlns:r="http://schemas.openxmlformats.org/officeDocument/2006/relationships" xmlns:p="http://schemas.openxmlformats.org/presentationml/2006/main">
+  <p:cSld>
+    <p:spTree>
+      <p:nvGrpSpPr>
+        <p:cNvPr id="1" name=""/>
+        <p:cNvGrpSpPr/>
+        <p:nvPr/>
+      </p:nvGrpSpPr>
+      <p:grpSpPr>
+        <a:xfrm>
+          <a:off x="0" y="0"/>
+          <a:ext cx="0" cy="0"/>
+          <a:chOff x="0" y="0"/>
+          <a:chExt cx="0" cy="0"/>
+        </a:xfrm>
+      </p:grpSpPr>
+      <p:sp>
+        <p:nvSpPr>
+          <p:cNvPr id="2" name="Slide Image Placeholder 1"/>
+          <p:cNvSpPr>
+            <a:spLocks noGrp="1" noRot="1" noChangeAspect="1"/>
+          </p:cNvSpPr>
+          <p:nvPr>
+            <p:ph type="sldImg"/>
+          </p:nvPr>
+        </p:nvSpPr>
+        <p:spPr/>
+      </p:sp>
+      <p:sp>
+        <p:nvSpPr>
+          <p:cNvPr id="3" name="Notes Placeholder 2"/>
+          <p:cNvSpPr>
+            <a:spLocks noGrp="1"/>
+          </p:cNvSpPr>
+          <p:nvPr>
+            <p:ph type="body" idx="1"/>
+          </p:nvPr>
+        </p:nvSpPr>
+        <p:spPr/>
+        <p:txBody>
+          <a:bodyPr/>
+          <a:lstStyle/>
+          <a:p>
+            <a:r>
+              <a:rPr lang="en-US" dirty="0"/>
+              <a:t>${ROOT}/test/</a:t>
+            </a:r>
+            <a:r>
+              <a:rPr lang="en-US" dirty="0" err="1"/>
+              <a:t>better_lists_tests.erl</a:t>
+            </a:r>
+            <a:endParaRPr lang="en-US" dirty="0"/>
+          </a:p>
+        </p:txBody>
+      </p:sp>
+      <p:sp>
+        <p:nvSpPr>
+          <p:cNvPr id="4" name="Date Placeholder 3"/>
+          <p:cNvSpPr>
+            <a:spLocks noGrp="1"/>
+          </p:cNvSpPr>
+          <p:nvPr>
+            <p:ph type="dt" idx="10"/>
+          </p:nvPr>
+        </p:nvSpPr>
+        <p:spPr/>
+        <p:txBody>
+          <a:bodyPr/>
+          <a:lstStyle/>
+          <a:p>
+            <a:r>
+              <a:rPr lang="en-US"/>
+              <a:t>2017-03-07 </a:t>
+            </a:r>
+            <a:endParaRPr lang="en-US" dirty="0"/>
+          </a:p>
+        </p:txBody>
+      </p:sp>
+      <p:sp>
+        <p:nvSpPr>
+          <p:cNvPr id="5" name="Slide Number Placeholder 4"/>
+          <p:cNvSpPr>
+            <a:spLocks noGrp="1"/>
+          </p:cNvSpPr>
+          <p:nvPr>
+            <p:ph type="sldNum" sz="quarter" idx="11"/>
+          </p:nvPr>
+        </p:nvSpPr>
+        <p:spPr/>
+        <p:txBody>
+          <a:bodyPr/>
+          <a:lstStyle/>
+          <a:p>
+            <a:fld id="{5852353D-F306-481A-B3D0-C36CE0BF9563}" type="slidenum">
+              <a:rPr lang="en-US" smtClean="0"/>
+              <a:pPr/>
+              <a:t>35</a:t>
+            </a:fld>
+            <a:endParaRPr lang="en-US" dirty="0"/>
+          </a:p>
+        </p:txBody>
+      </p:sp>
+      <p:sp>
+        <p:nvSpPr>
+          <p:cNvPr id="6" name="Header Placeholder 5"/>
+          <p:cNvSpPr>
+            <a:spLocks noGrp="1"/>
+          </p:cNvSpPr>
+          <p:nvPr>
+            <p:ph type="hdr" sz="quarter" idx="12"/>
+          </p:nvPr>
+        </p:nvSpPr>
+        <p:spPr/>
+        <p:txBody>
+          <a:bodyPr/>
+          <a:lstStyle/>
+          <a:p>
+            <a:r>
+              <a:rPr lang="en-US"/>
+              <a:t>Basic Erlang - Part 2 </a:t>
+            </a:r>
+            <a:endParaRPr lang="en-US" dirty="0"/>
+          </a:p>
+        </p:txBody>
+      </p:sp>
+      <p:sp>
+        <p:nvSpPr>
+          <p:cNvPr id="7" name="Footer Placeholder 6"/>
+          <p:cNvSpPr>
+            <a:spLocks noGrp="1"/>
+          </p:cNvSpPr>
+          <p:nvPr>
+            <p:ph type="ftr" sz="quarter" idx="13"/>
+          </p:nvPr>
+        </p:nvSpPr>
+        <p:spPr/>
+        <p:txBody>
+          <a:bodyPr/>
+          <a:lstStyle/>
+          <a:p>
+            <a:r>
+              <a:rPr lang="en-US"/>
+              <a:t> </a:t>
+            </a:r>
+            <a:endParaRPr lang="en-US" dirty="0"/>
+          </a:p>
+        </p:txBody>
+      </p:sp>
+    </p:spTree>
+    <p:extLst>
+      <p:ext uri="{BB962C8B-B14F-4D97-AF65-F5344CB8AC3E}">
+        <p14:creationId xmlns:p14="http://schemas.microsoft.com/office/powerpoint/2010/main" val="3436434819"/>
       </p:ext>
     </p:extLst>
   </p:cSld>
@@ -1729,12 +3410,7 @@
             <p:ph type="sldImg"/>
           </p:nvPr>
         </p:nvSpPr>
-        <p:spPr>
-          <a:xfrm>
-            <a:off x="103188" y="750888"/>
-            <a:ext cx="6678612" cy="3757612"/>
-          </a:xfrm>
-        </p:spPr>
+        <p:spPr/>
       </p:sp>
       <p:sp>
         <p:nvSpPr>
@@ -1753,8 +3429,13 @@
           <a:p>
             <a:r>
               <a:rPr lang="en-US" dirty="0"/>
-              <a:t>http://erlang.org/doc/apps/eunit/chapter.html</a:t>
-            </a:r>
+              <a:t>${ROOT}/test/</a:t>
+            </a:r>
+            <a:r>
+              <a:rPr lang="en-US" dirty="0" err="1"/>
+              <a:t>addition_tests.erl</a:t>
+            </a:r>
+            <a:endParaRPr lang="en-US" dirty="0"/>
           </a:p>
         </p:txBody>
       </p:sp>
@@ -1799,7 +3480,7 @@
             <a:fld id="{5852353D-F306-481A-B3D0-C36CE0BF9563}" type="slidenum">
               <a:rPr lang="en-US" smtClean="0"/>
               <a:pPr/>
-              <a:t>7</a:t>
+              <a:t>5</a:t>
             </a:fld>
             <a:endParaRPr lang="en-US" dirty="0"/>
           </a:p>
@@ -1854,7 +3535,7 @@
     </p:spTree>
     <p:extLst>
       <p:ext uri="{BB962C8B-B14F-4D97-AF65-F5344CB8AC3E}">
-        <p14:creationId xmlns:p14="http://schemas.microsoft.com/office/powerpoint/2010/main" val="3181863539"/>
+        <p14:creationId xmlns:p14="http://schemas.microsoft.com/office/powerpoint/2010/main" val="2361955184"/>
       </p:ext>
     </p:extLst>
   </p:cSld>
@@ -1961,7 +3642,7 @@
             <a:fld id="{5852353D-F306-481A-B3D0-C36CE0BF9563}" type="slidenum">
               <a:rPr lang="en-US" smtClean="0"/>
               <a:pPr/>
-              <a:t>18</a:t>
+              <a:t>7</a:t>
             </a:fld>
             <a:endParaRPr lang="en-US" dirty="0"/>
           </a:p>
@@ -2016,7 +3697,7 @@
     </p:spTree>
     <p:extLst>
       <p:ext uri="{BB962C8B-B14F-4D97-AF65-F5344CB8AC3E}">
-        <p14:creationId xmlns:p14="http://schemas.microsoft.com/office/powerpoint/2010/main" val="1561926505"/>
+        <p14:creationId xmlns:p14="http://schemas.microsoft.com/office/powerpoint/2010/main" val="3181863539"/>
       </p:ext>
     </p:extLst>
   </p:cSld>
@@ -2070,6 +3751,34 @@
           <a:bodyPr/>
           <a:lstStyle/>
           <a:p>
+            <a:pPr marL="0" marR="0" lvl="0" indent="0" algn="l" defTabSz="914400" rtl="0" eaLnBrk="1" fontAlgn="base" latinLnBrk="0" hangingPunct="1">
+              <a:lnSpc>
+                <a:spcPct val="100000"/>
+              </a:lnSpc>
+              <a:spcBef>
+                <a:spcPct val="30000"/>
+              </a:spcBef>
+              <a:spcAft>
+                <a:spcPct val="0"/>
+              </a:spcAft>
+              <a:buClrTx/>
+              <a:buSzTx/>
+              <a:buFontTx/>
+              <a:buNone/>
+              <a:tabLst/>
+              <a:defRPr/>
+            </a:pPr>
+            <a:r>
+              <a:rPr lang="en-US" dirty="0"/>
+              <a:t>${ROOT}/test/</a:t>
+            </a:r>
+            <a:r>
+              <a:rPr lang="en-US" dirty="0" err="1"/>
+              <a:t>subtraction_tests.erl</a:t>
+            </a:r>
+            <a:endParaRPr lang="en-US" dirty="0"/>
+          </a:p>
+          <a:p>
             <a:endParaRPr lang="en-US" dirty="0"/>
           </a:p>
         </p:txBody>
@@ -2115,7 +3824,7 @@
             <a:fld id="{5852353D-F306-481A-B3D0-C36CE0BF9563}" type="slidenum">
               <a:rPr lang="en-US" smtClean="0"/>
               <a:pPr/>
-              <a:t>22</a:t>
+              <a:t>10</a:t>
             </a:fld>
             <a:endParaRPr lang="en-US" dirty="0"/>
           </a:p>
@@ -2170,7 +3879,7 @@
     </p:spTree>
     <p:extLst>
       <p:ext uri="{BB962C8B-B14F-4D97-AF65-F5344CB8AC3E}">
-        <p14:creationId xmlns:p14="http://schemas.microsoft.com/office/powerpoint/2010/main" val="47537287"/>
+        <p14:creationId xmlns:p14="http://schemas.microsoft.com/office/powerpoint/2010/main" val="1275881070"/>
       </p:ext>
     </p:extLst>
   </p:cSld>
@@ -2224,6 +3933,34 @@
           <a:bodyPr/>
           <a:lstStyle/>
           <a:p>
+            <a:pPr marL="0" marR="0" lvl="0" indent="0" algn="l" defTabSz="914400" rtl="0" eaLnBrk="1" fontAlgn="base" latinLnBrk="0" hangingPunct="1">
+              <a:lnSpc>
+                <a:spcPct val="100000"/>
+              </a:lnSpc>
+              <a:spcBef>
+                <a:spcPct val="30000"/>
+              </a:spcBef>
+              <a:spcAft>
+                <a:spcPct val="0"/>
+              </a:spcAft>
+              <a:buClrTx/>
+              <a:buSzTx/>
+              <a:buFontTx/>
+              <a:buNone/>
+              <a:tabLst/>
+              <a:defRPr/>
+            </a:pPr>
+            <a:r>
+              <a:rPr lang="en-US" dirty="0"/>
+              <a:t>${ROOT}/test/</a:t>
+            </a:r>
+            <a:r>
+              <a:rPr lang="en-US" dirty="0" err="1"/>
+              <a:t>multiplication_tests.erl</a:t>
+            </a:r>
+            <a:endParaRPr lang="en-US" dirty="0"/>
+          </a:p>
+          <a:p>
             <a:endParaRPr lang="en-US" dirty="0"/>
           </a:p>
         </p:txBody>
@@ -2269,7 +4006,7 @@
             <a:fld id="{5852353D-F306-481A-B3D0-C36CE0BF9563}" type="slidenum">
               <a:rPr lang="en-US" smtClean="0"/>
               <a:pPr/>
-              <a:t>24</a:t>
+              <a:t>12</a:t>
             </a:fld>
             <a:endParaRPr lang="en-US" dirty="0"/>
           </a:p>
@@ -2324,7 +4061,7 @@
     </p:spTree>
     <p:extLst>
       <p:ext uri="{BB962C8B-B14F-4D97-AF65-F5344CB8AC3E}">
-        <p14:creationId xmlns:p14="http://schemas.microsoft.com/office/powerpoint/2010/main" val="2059806007"/>
+        <p14:creationId xmlns:p14="http://schemas.microsoft.com/office/powerpoint/2010/main" val="3550961589"/>
       </p:ext>
     </p:extLst>
   </p:cSld>
@@ -2378,6 +4115,14 @@
           <a:bodyPr/>
           <a:lstStyle/>
           <a:p>
+            <a:r>
+              <a:rPr lang="en-US" dirty="0"/>
+              <a:t>${ROOT}/test/</a:t>
+            </a:r>
+            <a:r>
+              <a:rPr lang="en-US" dirty="0" err="1"/>
+              <a:t>arithmetics_server_tests.erl</a:t>
+            </a:r>
             <a:endParaRPr lang="en-US" dirty="0"/>
           </a:p>
         </p:txBody>
@@ -2423,7 +4168,7 @@
             <a:fld id="{5852353D-F306-481A-B3D0-C36CE0BF9563}" type="slidenum">
               <a:rPr lang="en-US" smtClean="0"/>
               <a:pPr/>
-              <a:t>25</a:t>
+              <a:t>15</a:t>
             </a:fld>
             <a:endParaRPr lang="en-US" dirty="0"/>
           </a:p>
@@ -2478,7 +4223,7 @@
     </p:spTree>
     <p:extLst>
       <p:ext uri="{BB962C8B-B14F-4D97-AF65-F5344CB8AC3E}">
-        <p14:creationId xmlns:p14="http://schemas.microsoft.com/office/powerpoint/2010/main" val="139531292"/>
+        <p14:creationId xmlns:p14="http://schemas.microsoft.com/office/powerpoint/2010/main" val="1753656121"/>
       </p:ext>
     </p:extLst>
   </p:cSld>
@@ -2515,12 +4260,7 @@
             <p:ph type="sldImg"/>
           </p:nvPr>
         </p:nvSpPr>
-        <p:spPr>
-          <a:xfrm>
-            <a:off x="103188" y="750888"/>
-            <a:ext cx="6678612" cy="3757612"/>
-          </a:xfrm>
-        </p:spPr>
+        <p:spPr/>
       </p:sp>
       <p:sp>
         <p:nvSpPr>
@@ -2537,10 +4277,35 @@
           <a:bodyPr/>
           <a:lstStyle/>
           <a:p>
-            <a:r>
-              <a:rPr lang="en-US" dirty="0"/>
-              <a:t>http://erlang.org/doc/apps/eunit/chapter.html</a:t>
-            </a:r>
+            <a:pPr marL="0" marR="0" lvl="0" indent="0" algn="l" defTabSz="914400" rtl="0" eaLnBrk="1" fontAlgn="base" latinLnBrk="0" hangingPunct="1">
+              <a:lnSpc>
+                <a:spcPct val="100000"/>
+              </a:lnSpc>
+              <a:spcBef>
+                <a:spcPct val="30000"/>
+              </a:spcBef>
+              <a:spcAft>
+                <a:spcPct val="0"/>
+              </a:spcAft>
+              <a:buClrTx/>
+              <a:buSzTx/>
+              <a:buFontTx/>
+              <a:buNone/>
+              <a:tabLst/>
+              <a:defRPr/>
+            </a:pPr>
+            <a:r>
+              <a:rPr lang="en-US" dirty="0"/>
+              <a:t>${ROOT}/test/</a:t>
+            </a:r>
+            <a:r>
+              <a:rPr lang="en-US" dirty="0" err="1"/>
+              <a:t>shopping_list_tests.erl</a:t>
+            </a:r>
+            <a:endParaRPr lang="en-US" dirty="0"/>
+          </a:p>
+          <a:p>
+            <a:endParaRPr lang="en-US" dirty="0"/>
           </a:p>
         </p:txBody>
       </p:sp>
@@ -2585,7 +4350,7 @@
             <a:fld id="{5852353D-F306-481A-B3D0-C36CE0BF9563}" type="slidenum">
               <a:rPr lang="en-US" smtClean="0"/>
               <a:pPr/>
-              <a:t>26</a:t>
+              <a:t>16</a:t>
             </a:fld>
             <a:endParaRPr lang="en-US" dirty="0"/>
           </a:p>
@@ -2640,7 +4405,7 @@
     </p:spTree>
     <p:extLst>
       <p:ext uri="{BB962C8B-B14F-4D97-AF65-F5344CB8AC3E}">
-        <p14:creationId xmlns:p14="http://schemas.microsoft.com/office/powerpoint/2010/main" val="3828296707"/>
+        <p14:creationId xmlns:p14="http://schemas.microsoft.com/office/powerpoint/2010/main" val="1049807986"/>
       </p:ext>
     </p:extLst>
   </p:cSld>
@@ -6970,7 +8735,7 @@
           <p:nvPr/>
         </p:nvPicPr>
         <p:blipFill>
-          <a:blip r:embed="rId2"/>
+          <a:blip r:embed="rId3"/>
           <a:stretch>
             <a:fillRect/>
           </a:stretch>
@@ -7399,7 +9164,7 @@
           <p:nvPr/>
         </p:nvPicPr>
         <p:blipFill>
-          <a:blip r:embed="rId2"/>
+          <a:blip r:embed="rId3"/>
           <a:stretch>
             <a:fillRect/>
           </a:stretch>
@@ -7816,7 +9581,7 @@
           <p:nvPr/>
         </p:nvPicPr>
         <p:blipFill>
-          <a:blip r:embed="rId2"/>
+          <a:blip r:embed="rId3"/>
           <a:stretch>
             <a:fillRect/>
           </a:stretch>
@@ -7908,7 +9673,7 @@
           <p:nvPr/>
         </p:nvPicPr>
         <p:blipFill>
-          <a:blip r:embed="rId2"/>
+          <a:blip r:embed="rId3"/>
           <a:stretch>
             <a:fillRect/>
           </a:stretch>
@@ -8469,7 +10234,7 @@
           <p:nvPr/>
         </p:nvPicPr>
         <p:blipFill>
-          <a:blip r:embed="rId2"/>
+          <a:blip r:embed="rId3"/>
           <a:stretch>
             <a:fillRect/>
           </a:stretch>
@@ -8493,7 +10258,7 @@
           <p:nvPr/>
         </p:nvPicPr>
         <p:blipFill>
-          <a:blip r:embed="rId3"/>
+          <a:blip r:embed="rId4"/>
           <a:stretch>
             <a:fillRect/>
           </a:stretch>
@@ -10490,7 +12255,7 @@
           <p:nvPr/>
         </p:nvPicPr>
         <p:blipFill>
-          <a:blip r:embed="rId2"/>
+          <a:blip r:embed="rId3"/>
           <a:stretch>
             <a:fillRect/>
           </a:stretch>
@@ -11111,7 +12876,7 @@
           <p:nvPr/>
         </p:nvPicPr>
         <p:blipFill>
-          <a:blip r:embed="rId2"/>
+          <a:blip r:embed="rId3"/>
           <a:stretch>
             <a:fillRect/>
           </a:stretch>
@@ -11447,7 +13212,7 @@
           <p:nvPr/>
         </p:nvPicPr>
         <p:blipFill>
-          <a:blip r:embed="rId2"/>
+          <a:blip r:embed="rId3"/>
           <a:stretch>
             <a:fillRect/>
           </a:stretch>
@@ -11841,7 +13606,7 @@
           <p:nvPr/>
         </p:nvPicPr>
         <p:blipFill>
-          <a:blip r:embed="rId2"/>
+          <a:blip r:embed="rId3"/>
           <a:stretch>
             <a:fillRect/>
           </a:stretch>
@@ -12700,7 +14465,7 @@
           <p:nvPr/>
         </p:nvPicPr>
         <p:blipFill>
-          <a:blip r:embed="rId2"/>
+          <a:blip r:embed="rId3"/>
           <a:stretch>
             <a:fillRect/>
           </a:stretch>

--- a/basic_erlang_4/presentation/erlang_part_4_testing.pptx
+++ b/basic_erlang_4/presentation/erlang_part_4_testing.pptx
@@ -5,64 +5,65 @@
     <p:sldMasterId id="2147483676" r:id="rId1"/>
   </p:sldMasterIdLst>
   <p:notesMasterIdLst>
-    <p:notesMasterId r:id="rId40"/>
+    <p:notesMasterId r:id="rId41"/>
   </p:notesMasterIdLst>
   <p:handoutMasterIdLst>
-    <p:handoutMasterId r:id="rId41"/>
+    <p:handoutMasterId r:id="rId42"/>
   </p:handoutMasterIdLst>
   <p:sldIdLst>
     <p:sldId id="259" r:id="rId2"/>
-    <p:sldId id="297" r:id="rId3"/>
+    <p:sldId id="299" r:id="rId3"/>
     <p:sldId id="260" r:id="rId4"/>
-    <p:sldId id="261" r:id="rId5"/>
-    <p:sldId id="262" r:id="rId6"/>
-    <p:sldId id="263" r:id="rId7"/>
-    <p:sldId id="264" r:id="rId8"/>
-    <p:sldId id="265" r:id="rId9"/>
-    <p:sldId id="266" r:id="rId10"/>
-    <p:sldId id="267" r:id="rId11"/>
-    <p:sldId id="268" r:id="rId12"/>
-    <p:sldId id="269" r:id="rId13"/>
-    <p:sldId id="270" r:id="rId14"/>
-    <p:sldId id="271" r:id="rId15"/>
-    <p:sldId id="272" r:id="rId16"/>
-    <p:sldId id="273" r:id="rId17"/>
-    <p:sldId id="275" r:id="rId18"/>
-    <p:sldId id="276" r:id="rId19"/>
-    <p:sldId id="277" r:id="rId20"/>
-    <p:sldId id="278" r:id="rId21"/>
-    <p:sldId id="279" r:id="rId22"/>
-    <p:sldId id="287" r:id="rId23"/>
-    <p:sldId id="280" r:id="rId24"/>
-    <p:sldId id="281" r:id="rId25"/>
-    <p:sldId id="286" r:id="rId26"/>
-    <p:sldId id="284" r:id="rId27"/>
-    <p:sldId id="283" r:id="rId28"/>
-    <p:sldId id="285" r:id="rId29"/>
-    <p:sldId id="282" r:id="rId30"/>
-    <p:sldId id="288" r:id="rId31"/>
-    <p:sldId id="289" r:id="rId32"/>
-    <p:sldId id="290" r:id="rId33"/>
-    <p:sldId id="291" r:id="rId34"/>
-    <p:sldId id="292" r:id="rId35"/>
-    <p:sldId id="293" r:id="rId36"/>
-    <p:sldId id="294" r:id="rId37"/>
-    <p:sldId id="295" r:id="rId38"/>
-    <p:sldId id="296" r:id="rId39"/>
+    <p:sldId id="298" r:id="rId5"/>
+    <p:sldId id="261" r:id="rId6"/>
+    <p:sldId id="262" r:id="rId7"/>
+    <p:sldId id="263" r:id="rId8"/>
+    <p:sldId id="264" r:id="rId9"/>
+    <p:sldId id="265" r:id="rId10"/>
+    <p:sldId id="266" r:id="rId11"/>
+    <p:sldId id="267" r:id="rId12"/>
+    <p:sldId id="268" r:id="rId13"/>
+    <p:sldId id="269" r:id="rId14"/>
+    <p:sldId id="270" r:id="rId15"/>
+    <p:sldId id="271" r:id="rId16"/>
+    <p:sldId id="272" r:id="rId17"/>
+    <p:sldId id="273" r:id="rId18"/>
+    <p:sldId id="275" r:id="rId19"/>
+    <p:sldId id="276" r:id="rId20"/>
+    <p:sldId id="277" r:id="rId21"/>
+    <p:sldId id="278" r:id="rId22"/>
+    <p:sldId id="279" r:id="rId23"/>
+    <p:sldId id="287" r:id="rId24"/>
+    <p:sldId id="280" r:id="rId25"/>
+    <p:sldId id="281" r:id="rId26"/>
+    <p:sldId id="286" r:id="rId27"/>
+    <p:sldId id="284" r:id="rId28"/>
+    <p:sldId id="283" r:id="rId29"/>
+    <p:sldId id="285" r:id="rId30"/>
+    <p:sldId id="282" r:id="rId31"/>
+    <p:sldId id="288" r:id="rId32"/>
+    <p:sldId id="289" r:id="rId33"/>
+    <p:sldId id="290" r:id="rId34"/>
+    <p:sldId id="291" r:id="rId35"/>
+    <p:sldId id="292" r:id="rId36"/>
+    <p:sldId id="293" r:id="rId37"/>
+    <p:sldId id="294" r:id="rId38"/>
+    <p:sldId id="295" r:id="rId39"/>
+    <p:sldId id="296" r:id="rId40"/>
   </p:sldIdLst>
   <p:sldSz cx="12192000" cy="6858000"/>
   <p:notesSz cx="6884988" cy="10018713"/>
   <p:embeddedFontLst>
     <p:embeddedFont>
-      <p:font typeface="Consolas" panose="020B0609020204030204" pitchFamily="49" charset="0"/>
-      <p:regular r:id="rId42"/>
-      <p:bold r:id="rId43"/>
-      <p:italic r:id="rId44"/>
-      <p:boldItalic r:id="rId45"/>
+      <p:font typeface="Ericsson Capital TT" panose="02000503000000020004" pitchFamily="2" charset="0"/>
+      <p:regular r:id="rId43"/>
     </p:embeddedFont>
     <p:embeddedFont>
-      <p:font typeface="Ericsson Capital TT" panose="02000503000000020004" pitchFamily="2" charset="0"/>
-      <p:regular r:id="rId46"/>
+      <p:font typeface="Consolas" panose="020B0609020204030204" pitchFamily="49" charset="0"/>
+      <p:regular r:id="rId44"/>
+      <p:bold r:id="rId45"/>
+      <p:italic r:id="rId46"/>
+      <p:boldItalic r:id="rId47"/>
     </p:embeddedFont>
   </p:embeddedFontLst>
   <p:defaultTextStyle>
@@ -196,8 +197,9 @@
         <p14:section name="Default Section" id="{9386CF36-BFA9-4BB0-91B9-1B19D4CB6FFA}">
           <p14:sldIdLst>
             <p14:sldId id="259"/>
-            <p14:sldId id="297"/>
+            <p14:sldId id="299"/>
             <p14:sldId id="260"/>
+            <p14:sldId id="298"/>
             <p14:sldId id="261"/>
             <p14:sldId id="262"/>
             <p14:sldId id="263"/>
@@ -1200,12 +1202,7 @@
             <p:ph type="sldImg"/>
           </p:nvPr>
         </p:nvSpPr>
-        <p:spPr>
-          <a:xfrm>
-            <a:off x="103188" y="750888"/>
-            <a:ext cx="6678612" cy="3757612"/>
-          </a:xfrm>
-        </p:spPr>
+        <p:spPr/>
       </p:sp>
       <p:sp>
         <p:nvSpPr>
@@ -1222,10 +1219,35 @@
           <a:bodyPr/>
           <a:lstStyle/>
           <a:p>
-            <a:r>
-              <a:rPr lang="en-US" dirty="0"/>
-              <a:t>http://erlang.org/doc/apps/eunit/chapter.html</a:t>
-            </a:r>
+            <a:pPr marL="0" marR="0" lvl="0" indent="0" algn="l" defTabSz="914400" rtl="0" eaLnBrk="1" fontAlgn="base" latinLnBrk="0" hangingPunct="1">
+              <a:lnSpc>
+                <a:spcPct val="100000"/>
+              </a:lnSpc>
+              <a:spcBef>
+                <a:spcPct val="30000"/>
+              </a:spcBef>
+              <a:spcAft>
+                <a:spcPct val="0"/>
+              </a:spcAft>
+              <a:buClrTx/>
+              <a:buSzTx/>
+              <a:buFontTx/>
+              <a:buNone/>
+              <a:tabLst/>
+              <a:defRPr/>
+            </a:pPr>
+            <a:r>
+              <a:rPr lang="en-US" dirty="0"/>
+              <a:t>${ROOT}/test/</a:t>
+            </a:r>
+            <a:r>
+              <a:rPr lang="en-US" dirty="0" err="1"/>
+              <a:t>shopping_list_tests.erl</a:t>
+            </a:r>
+            <a:endParaRPr lang="en-US" dirty="0"/>
+          </a:p>
+          <a:p>
+            <a:endParaRPr lang="en-US" dirty="0"/>
           </a:p>
         </p:txBody>
       </p:sp>
@@ -1270,7 +1292,7 @@
             <a:fld id="{5852353D-F306-481A-B3D0-C36CE0BF9563}" type="slidenum">
               <a:rPr lang="en-US" smtClean="0"/>
               <a:pPr/>
-              <a:t>18</a:t>
+              <a:t>17</a:t>
             </a:fld>
             <a:endParaRPr lang="en-US" dirty="0"/>
           </a:p>
@@ -1325,7 +1347,7 @@
     </p:spTree>
     <p:extLst>
       <p:ext uri="{BB962C8B-B14F-4D97-AF65-F5344CB8AC3E}">
-        <p14:creationId xmlns:p14="http://schemas.microsoft.com/office/powerpoint/2010/main" val="1561926505"/>
+        <p14:creationId xmlns:p14="http://schemas.microsoft.com/office/powerpoint/2010/main" val="1049807986"/>
       </p:ext>
     </p:extLst>
   </p:cSld>
@@ -1362,49 +1384,32 @@
             <p:ph type="sldImg"/>
           </p:nvPr>
         </p:nvSpPr>
+        <p:spPr>
+          <a:xfrm>
+            <a:off x="103188" y="750888"/>
+            <a:ext cx="6678612" cy="3757612"/>
+          </a:xfrm>
+        </p:spPr>
+      </p:sp>
+      <p:sp>
+        <p:nvSpPr>
+          <p:cNvPr id="3" name="Notes Placeholder 2"/>
+          <p:cNvSpPr>
+            <a:spLocks noGrp="1"/>
+          </p:cNvSpPr>
+          <p:nvPr>
+            <p:ph type="body" idx="1"/>
+          </p:nvPr>
+        </p:nvSpPr>
         <p:spPr/>
-      </p:sp>
-      <p:sp>
-        <p:nvSpPr>
-          <p:cNvPr id="3" name="Notes Placeholder 2"/>
-          <p:cNvSpPr>
-            <a:spLocks noGrp="1"/>
-          </p:cNvSpPr>
-          <p:nvPr>
-            <p:ph type="body" idx="1"/>
-          </p:nvPr>
-        </p:nvSpPr>
-        <p:spPr/>
-        <p:txBody>
-          <a:bodyPr/>
-          <a:lstStyle/>
-          <a:p>
-            <a:pPr marL="0" marR="0" lvl="0" indent="0" algn="l" defTabSz="914400" rtl="0" eaLnBrk="1" fontAlgn="base" latinLnBrk="0" hangingPunct="1">
-              <a:lnSpc>
-                <a:spcPct val="100000"/>
-              </a:lnSpc>
-              <a:spcBef>
-                <a:spcPct val="30000"/>
-              </a:spcBef>
-              <a:spcAft>
-                <a:spcPct val="0"/>
-              </a:spcAft>
-              <a:buClrTx/>
-              <a:buSzTx/>
-              <a:buFontTx/>
-              <a:buNone/>
-              <a:tabLst/>
-              <a:defRPr/>
-            </a:pPr>
-            <a:r>
-              <a:rPr lang="en-US" dirty="0"/>
-              <a:t>${ROOT}/test/</a:t>
-            </a:r>
-            <a:r>
-              <a:rPr lang="en-US" dirty="0" err="1"/>
-              <a:t>addition_alternative_tests.erl</a:t>
-            </a:r>
-            <a:endParaRPr lang="en-US" dirty="0"/>
+        <p:txBody>
+          <a:bodyPr/>
+          <a:lstStyle/>
+          <a:p>
+            <a:r>
+              <a:rPr lang="en-US" dirty="0"/>
+              <a:t>http://erlang.org/doc/apps/eunit/chapter.html</a:t>
+            </a:r>
           </a:p>
         </p:txBody>
       </p:sp>
@@ -1504,7 +1509,7 @@
     </p:spTree>
     <p:extLst>
       <p:ext uri="{BB962C8B-B14F-4D97-AF65-F5344CB8AC3E}">
-        <p14:creationId xmlns:p14="http://schemas.microsoft.com/office/powerpoint/2010/main" val="3618717996"/>
+        <p14:creationId xmlns:p14="http://schemas.microsoft.com/office/powerpoint/2010/main" val="1561926505"/>
       </p:ext>
     </p:extLst>
   </p:cSld>
@@ -1558,6 +1563,31 @@
           <a:bodyPr/>
           <a:lstStyle/>
           <a:p>
+            <a:pPr marL="0" marR="0" lvl="0" indent="0" algn="l" defTabSz="914400" rtl="0" eaLnBrk="1" fontAlgn="base" latinLnBrk="0" hangingPunct="1">
+              <a:lnSpc>
+                <a:spcPct val="100000"/>
+              </a:lnSpc>
+              <a:spcBef>
+                <a:spcPct val="30000"/>
+              </a:spcBef>
+              <a:spcAft>
+                <a:spcPct val="0"/>
+              </a:spcAft>
+              <a:buClrTx/>
+              <a:buSzTx/>
+              <a:buFontTx/>
+              <a:buNone/>
+              <a:tabLst/>
+              <a:defRPr/>
+            </a:pPr>
+            <a:r>
+              <a:rPr lang="en-US" dirty="0"/>
+              <a:t>${ROOT}/test/</a:t>
+            </a:r>
+            <a:r>
+              <a:rPr lang="en-US" dirty="0" err="1"/>
+              <a:t>addition_alternative_tests.erl</a:t>
+            </a:r>
             <a:endParaRPr lang="en-US" dirty="0"/>
           </a:p>
         </p:txBody>
@@ -1603,7 +1633,7 @@
             <a:fld id="{5852353D-F306-481A-B3D0-C36CE0BF9563}" type="slidenum">
               <a:rPr lang="en-US" smtClean="0"/>
               <a:pPr/>
-              <a:t>22</a:t>
+              <a:t>20</a:t>
             </a:fld>
             <a:endParaRPr lang="en-US" dirty="0"/>
           </a:p>
@@ -1658,7 +1688,7 @@
     </p:spTree>
     <p:extLst>
       <p:ext uri="{BB962C8B-B14F-4D97-AF65-F5344CB8AC3E}">
-        <p14:creationId xmlns:p14="http://schemas.microsoft.com/office/powerpoint/2010/main" val="47537287"/>
+        <p14:creationId xmlns:p14="http://schemas.microsoft.com/office/powerpoint/2010/main" val="3618717996"/>
       </p:ext>
     </p:extLst>
   </p:cSld>
@@ -1712,34 +1742,6 @@
           <a:bodyPr/>
           <a:lstStyle/>
           <a:p>
-            <a:pPr marL="0" marR="0" lvl="0" indent="0" algn="l" defTabSz="914400" rtl="0" eaLnBrk="1" fontAlgn="base" latinLnBrk="0" hangingPunct="1">
-              <a:lnSpc>
-                <a:spcPct val="100000"/>
-              </a:lnSpc>
-              <a:spcBef>
-                <a:spcPct val="30000"/>
-              </a:spcBef>
-              <a:spcAft>
-                <a:spcPct val="0"/>
-              </a:spcAft>
-              <a:buClrTx/>
-              <a:buSzTx/>
-              <a:buFontTx/>
-              <a:buNone/>
-              <a:tabLst/>
-              <a:defRPr/>
-            </a:pPr>
-            <a:r>
-              <a:rPr lang="en-US" dirty="0"/>
-              <a:t>${ROOT}/test/</a:t>
-            </a:r>
-            <a:r>
-              <a:rPr lang="en-US" dirty="0" err="1"/>
-              <a:t>subtraction_alternative_tests.erl</a:t>
-            </a:r>
-            <a:endParaRPr lang="en-US" dirty="0"/>
-          </a:p>
-          <a:p>
             <a:endParaRPr lang="en-US" dirty="0"/>
           </a:p>
         </p:txBody>
@@ -1785,7 +1787,7 @@
             <a:fld id="{5852353D-F306-481A-B3D0-C36CE0BF9563}" type="slidenum">
               <a:rPr lang="en-US" smtClean="0"/>
               <a:pPr/>
-              <a:t>24</a:t>
+              <a:t>23</a:t>
             </a:fld>
             <a:endParaRPr lang="en-US" dirty="0"/>
           </a:p>
@@ -1840,7 +1842,7 @@
     </p:spTree>
     <p:extLst>
       <p:ext uri="{BB962C8B-B14F-4D97-AF65-F5344CB8AC3E}">
-        <p14:creationId xmlns:p14="http://schemas.microsoft.com/office/powerpoint/2010/main" val="2059806007"/>
+        <p14:creationId xmlns:p14="http://schemas.microsoft.com/office/powerpoint/2010/main" val="47537287"/>
       </p:ext>
     </p:extLst>
   </p:cSld>
@@ -1894,6 +1896,34 @@
           <a:bodyPr/>
           <a:lstStyle/>
           <a:p>
+            <a:pPr marL="0" marR="0" lvl="0" indent="0" algn="l" defTabSz="914400" rtl="0" eaLnBrk="1" fontAlgn="base" latinLnBrk="0" hangingPunct="1">
+              <a:lnSpc>
+                <a:spcPct val="100000"/>
+              </a:lnSpc>
+              <a:spcBef>
+                <a:spcPct val="30000"/>
+              </a:spcBef>
+              <a:spcAft>
+                <a:spcPct val="0"/>
+              </a:spcAft>
+              <a:buClrTx/>
+              <a:buSzTx/>
+              <a:buFontTx/>
+              <a:buNone/>
+              <a:tabLst/>
+              <a:defRPr/>
+            </a:pPr>
+            <a:r>
+              <a:rPr lang="en-US" dirty="0"/>
+              <a:t>${ROOT}/test/</a:t>
+            </a:r>
+            <a:r>
+              <a:rPr lang="en-US" dirty="0" err="1"/>
+              <a:t>subtraction_alternative_tests.erl</a:t>
+            </a:r>
+            <a:endParaRPr lang="en-US" dirty="0"/>
+          </a:p>
+          <a:p>
             <a:endParaRPr lang="en-US" dirty="0"/>
           </a:p>
         </p:txBody>
@@ -1994,7 +2024,7 @@
     </p:spTree>
     <p:extLst>
       <p:ext uri="{BB962C8B-B14F-4D97-AF65-F5344CB8AC3E}">
-        <p14:creationId xmlns:p14="http://schemas.microsoft.com/office/powerpoint/2010/main" val="139531292"/>
+        <p14:creationId xmlns:p14="http://schemas.microsoft.com/office/powerpoint/2010/main" val="2059806007"/>
       </p:ext>
     </p:extLst>
   </p:cSld>
@@ -2031,12 +2061,7 @@
             <p:ph type="sldImg"/>
           </p:nvPr>
         </p:nvSpPr>
-        <p:spPr>
-          <a:xfrm>
-            <a:off x="103188" y="750888"/>
-            <a:ext cx="6678612" cy="3757612"/>
-          </a:xfrm>
-        </p:spPr>
+        <p:spPr/>
       </p:sp>
       <p:sp>
         <p:nvSpPr>
@@ -2053,10 +2078,7 @@
           <a:bodyPr/>
           <a:lstStyle/>
           <a:p>
-            <a:r>
-              <a:rPr lang="en-US" dirty="0"/>
-              <a:t>http://erlang.org/doc/apps/eunit/chapter.html</a:t>
-            </a:r>
+            <a:endParaRPr lang="en-US" dirty="0"/>
           </a:p>
         </p:txBody>
       </p:sp>
@@ -2156,7 +2178,7 @@
     </p:spTree>
     <p:extLst>
       <p:ext uri="{BB962C8B-B14F-4D97-AF65-F5344CB8AC3E}">
-        <p14:creationId xmlns:p14="http://schemas.microsoft.com/office/powerpoint/2010/main" val="3828296707"/>
+        <p14:creationId xmlns:p14="http://schemas.microsoft.com/office/powerpoint/2010/main" val="139531292"/>
       </p:ext>
     </p:extLst>
   </p:cSld>
@@ -2193,52 +2215,32 @@
             <p:ph type="sldImg"/>
           </p:nvPr>
         </p:nvSpPr>
+        <p:spPr>
+          <a:xfrm>
+            <a:off x="103188" y="750888"/>
+            <a:ext cx="6678612" cy="3757612"/>
+          </a:xfrm>
+        </p:spPr>
+      </p:sp>
+      <p:sp>
+        <p:nvSpPr>
+          <p:cNvPr id="3" name="Notes Placeholder 2"/>
+          <p:cNvSpPr>
+            <a:spLocks noGrp="1"/>
+          </p:cNvSpPr>
+          <p:nvPr>
+            <p:ph type="body" idx="1"/>
+          </p:nvPr>
+        </p:nvSpPr>
         <p:spPr/>
-      </p:sp>
-      <p:sp>
-        <p:nvSpPr>
-          <p:cNvPr id="3" name="Notes Placeholder 2"/>
-          <p:cNvSpPr>
-            <a:spLocks noGrp="1"/>
-          </p:cNvSpPr>
-          <p:nvPr>
-            <p:ph type="body" idx="1"/>
-          </p:nvPr>
-        </p:nvSpPr>
-        <p:spPr/>
-        <p:txBody>
-          <a:bodyPr/>
-          <a:lstStyle/>
-          <a:p>
-            <a:pPr marL="0" marR="0" lvl="0" indent="0" algn="l" defTabSz="914400" rtl="0" eaLnBrk="1" fontAlgn="base" latinLnBrk="0" hangingPunct="1">
-              <a:lnSpc>
-                <a:spcPct val="100000"/>
-              </a:lnSpc>
-              <a:spcBef>
-                <a:spcPct val="30000"/>
-              </a:spcBef>
-              <a:spcAft>
-                <a:spcPct val="0"/>
-              </a:spcAft>
-              <a:buClrTx/>
-              <a:buSzTx/>
-              <a:buFontTx/>
-              <a:buNone/>
-              <a:tabLst/>
-              <a:defRPr/>
-            </a:pPr>
-            <a:r>
-              <a:rPr lang="en-US" dirty="0"/>
-              <a:t>${ROOT}/test/</a:t>
-            </a:r>
-            <a:r>
-              <a:rPr lang="en-US" dirty="0" err="1"/>
-              <a:t>control_tests.erl</a:t>
-            </a:r>
-            <a:endParaRPr lang="en-US" dirty="0"/>
-          </a:p>
-          <a:p>
-            <a:endParaRPr lang="en-US" dirty="0"/>
+        <p:txBody>
+          <a:bodyPr/>
+          <a:lstStyle/>
+          <a:p>
+            <a:r>
+              <a:rPr lang="en-US" dirty="0"/>
+              <a:t>http://erlang.org/doc/apps/eunit/chapter.html</a:t>
+            </a:r>
           </a:p>
         </p:txBody>
       </p:sp>
@@ -2283,7 +2285,7 @@
             <a:fld id="{5852353D-F306-481A-B3D0-C36CE0BF9563}" type="slidenum">
               <a:rPr lang="en-US" smtClean="0"/>
               <a:pPr/>
-              <a:t>28</a:t>
+              <a:t>27</a:t>
             </a:fld>
             <a:endParaRPr lang="en-US" dirty="0"/>
           </a:p>
@@ -2338,7 +2340,7 @@
     </p:spTree>
     <p:extLst>
       <p:ext uri="{BB962C8B-B14F-4D97-AF65-F5344CB8AC3E}">
-        <p14:creationId xmlns:p14="http://schemas.microsoft.com/office/powerpoint/2010/main" val="337607844"/>
+        <p14:creationId xmlns:p14="http://schemas.microsoft.com/office/powerpoint/2010/main" val="3828296707"/>
       </p:ext>
     </p:extLst>
   </p:cSld>
@@ -2375,12 +2377,7 @@
             <p:ph type="sldImg"/>
           </p:nvPr>
         </p:nvSpPr>
-        <p:spPr>
-          <a:xfrm>
-            <a:off x="103188" y="750888"/>
-            <a:ext cx="6678612" cy="3757612"/>
-          </a:xfrm>
-        </p:spPr>
+        <p:spPr/>
       </p:sp>
       <p:sp>
         <p:nvSpPr>
@@ -2397,14 +2394,35 @@
           <a:bodyPr/>
           <a:lstStyle/>
           <a:p>
-            <a:pPr algn="l"/>
-            <a:r>
-              <a:rPr lang="en-US" sz="1200" dirty="0">
-                <a:latin typeface="Consolas" panose="020B0609020204030204" pitchFamily="49" charset="0"/>
-                <a:cs typeface="Consolas" panose="020B0609020204030204" pitchFamily="49" charset="0"/>
-              </a:rPr>
-              <a:t>https://github.com/eproxus/meck</a:t>
-            </a:r>
+            <a:pPr marL="0" marR="0" lvl="0" indent="0" algn="l" defTabSz="914400" rtl="0" eaLnBrk="1" fontAlgn="base" latinLnBrk="0" hangingPunct="1">
+              <a:lnSpc>
+                <a:spcPct val="100000"/>
+              </a:lnSpc>
+              <a:spcBef>
+                <a:spcPct val="30000"/>
+              </a:spcBef>
+              <a:spcAft>
+                <a:spcPct val="0"/>
+              </a:spcAft>
+              <a:buClrTx/>
+              <a:buSzTx/>
+              <a:buFontTx/>
+              <a:buNone/>
+              <a:tabLst/>
+              <a:defRPr/>
+            </a:pPr>
+            <a:r>
+              <a:rPr lang="en-US" dirty="0"/>
+              <a:t>${ROOT}/test/</a:t>
+            </a:r>
+            <a:r>
+              <a:rPr lang="en-US" dirty="0" err="1"/>
+              <a:t>control_tests.erl</a:t>
+            </a:r>
+            <a:endParaRPr lang="en-US" dirty="0"/>
+          </a:p>
+          <a:p>
+            <a:endParaRPr lang="en-US" dirty="0"/>
           </a:p>
         </p:txBody>
       </p:sp>
@@ -2504,7 +2522,7 @@
     </p:spTree>
     <p:extLst>
       <p:ext uri="{BB962C8B-B14F-4D97-AF65-F5344CB8AC3E}">
-        <p14:creationId xmlns:p14="http://schemas.microsoft.com/office/powerpoint/2010/main" val="1464997979"/>
+        <p14:creationId xmlns:p14="http://schemas.microsoft.com/office/powerpoint/2010/main" val="337607844"/>
       </p:ext>
     </p:extLst>
   </p:cSld>
@@ -2541,52 +2559,36 @@
             <p:ph type="sldImg"/>
           </p:nvPr>
         </p:nvSpPr>
+        <p:spPr>
+          <a:xfrm>
+            <a:off x="103188" y="750888"/>
+            <a:ext cx="6678612" cy="3757612"/>
+          </a:xfrm>
+        </p:spPr>
+      </p:sp>
+      <p:sp>
+        <p:nvSpPr>
+          <p:cNvPr id="3" name="Notes Placeholder 2"/>
+          <p:cNvSpPr>
+            <a:spLocks noGrp="1"/>
+          </p:cNvSpPr>
+          <p:nvPr>
+            <p:ph type="body" idx="1"/>
+          </p:nvPr>
+        </p:nvSpPr>
         <p:spPr/>
-      </p:sp>
-      <p:sp>
-        <p:nvSpPr>
-          <p:cNvPr id="3" name="Notes Placeholder 2"/>
-          <p:cNvSpPr>
-            <a:spLocks noGrp="1"/>
-          </p:cNvSpPr>
-          <p:nvPr>
-            <p:ph type="body" idx="1"/>
-          </p:nvPr>
-        </p:nvSpPr>
-        <p:spPr/>
-        <p:txBody>
-          <a:bodyPr/>
-          <a:lstStyle/>
-          <a:p>
-            <a:pPr marL="0" marR="0" lvl="0" indent="0" algn="l" defTabSz="914400" rtl="0" eaLnBrk="1" fontAlgn="base" latinLnBrk="0" hangingPunct="1">
-              <a:lnSpc>
-                <a:spcPct val="100000"/>
-              </a:lnSpc>
-              <a:spcBef>
-                <a:spcPct val="30000"/>
-              </a:spcBef>
-              <a:spcAft>
-                <a:spcPct val="0"/>
-              </a:spcAft>
-              <a:buClrTx/>
-              <a:buSzTx/>
-              <a:buFontTx/>
-              <a:buNone/>
-              <a:tabLst/>
-              <a:defRPr/>
-            </a:pPr>
-            <a:r>
-              <a:rPr lang="en-US" dirty="0"/>
-              <a:t>${ROOT}/</a:t>
-            </a:r>
-            <a:r>
-              <a:rPr lang="en-US" dirty="0" err="1"/>
-              <a:t>rebar.config</a:t>
-            </a:r>
-            <a:endParaRPr lang="en-US" dirty="0"/>
-          </a:p>
-          <a:p>
-            <a:endParaRPr lang="en-US" dirty="0"/>
+        <p:txBody>
+          <a:bodyPr/>
+          <a:lstStyle/>
+          <a:p>
+            <a:pPr algn="l"/>
+            <a:r>
+              <a:rPr lang="en-US" sz="1200" dirty="0">
+                <a:latin typeface="Consolas" panose="020B0609020204030204" pitchFamily="49" charset="0"/>
+                <a:cs typeface="Consolas" panose="020B0609020204030204" pitchFamily="49" charset="0"/>
+              </a:rPr>
+              <a:t>https://github.com/eproxus/meck</a:t>
+            </a:r>
           </a:p>
         </p:txBody>
       </p:sp>
@@ -2631,7 +2633,7 @@
             <a:fld id="{5852353D-F306-481A-B3D0-C36CE0BF9563}" type="slidenum">
               <a:rPr lang="en-US" smtClean="0"/>
               <a:pPr/>
-              <a:t>31</a:t>
+              <a:t>30</a:t>
             </a:fld>
             <a:endParaRPr lang="en-US" dirty="0"/>
           </a:p>
@@ -2686,7 +2688,7 @@
     </p:spTree>
     <p:extLst>
       <p:ext uri="{BB962C8B-B14F-4D97-AF65-F5344CB8AC3E}">
-        <p14:creationId xmlns:p14="http://schemas.microsoft.com/office/powerpoint/2010/main" val="2925116804"/>
+        <p14:creationId xmlns:p14="http://schemas.microsoft.com/office/powerpoint/2010/main" val="1464997979"/>
       </p:ext>
     </p:extLst>
   </p:cSld>
@@ -2740,14 +2742,34 @@
           <a:bodyPr/>
           <a:lstStyle/>
           <a:p>
-            <a:r>
-              <a:rPr lang="en-US" dirty="0"/>
-              <a:t>${ROOT}/test/</a:t>
+            <a:pPr marL="0" marR="0" lvl="0" indent="0" algn="l" defTabSz="914400" rtl="0" eaLnBrk="1" fontAlgn="base" latinLnBrk="0" hangingPunct="1">
+              <a:lnSpc>
+                <a:spcPct val="100000"/>
+              </a:lnSpc>
+              <a:spcBef>
+                <a:spcPct val="30000"/>
+              </a:spcBef>
+              <a:spcAft>
+                <a:spcPct val="0"/>
+              </a:spcAft>
+              <a:buClrTx/>
+              <a:buSzTx/>
+              <a:buFontTx/>
+              <a:buNone/>
+              <a:tabLst/>
+              <a:defRPr/>
+            </a:pPr>
+            <a:r>
+              <a:rPr lang="en-US" dirty="0"/>
+              <a:t>${ROOT}/</a:t>
             </a:r>
             <a:r>
               <a:rPr lang="en-US" dirty="0" err="1"/>
-              <a:t>my_chat_client_tests.erl</a:t>
-            </a:r>
+              <a:t>rebar.config</a:t>
+            </a:r>
+            <a:endParaRPr lang="en-US" dirty="0"/>
+          </a:p>
+          <a:p>
             <a:endParaRPr lang="en-US" dirty="0"/>
           </a:p>
         </p:txBody>
@@ -2793,7 +2815,7 @@
             <a:fld id="{5852353D-F306-481A-B3D0-C36CE0BF9563}" type="slidenum">
               <a:rPr lang="en-US" smtClean="0"/>
               <a:pPr/>
-              <a:t>33</a:t>
+              <a:t>32</a:t>
             </a:fld>
             <a:endParaRPr lang="en-US" dirty="0"/>
           </a:p>
@@ -2848,7 +2870,7 @@
     </p:spTree>
     <p:extLst>
       <p:ext uri="{BB962C8B-B14F-4D97-AF65-F5344CB8AC3E}">
-        <p14:creationId xmlns:p14="http://schemas.microsoft.com/office/powerpoint/2010/main" val="1285621016"/>
+        <p14:creationId xmlns:p14="http://schemas.microsoft.com/office/powerpoint/2010/main" val="2925116804"/>
       </p:ext>
     </p:extLst>
   </p:cSld>
@@ -2949,7 +2971,66 @@
             </a:r>
           </a:p>
           <a:p>
-            <a:endParaRPr lang="en-US" dirty="0"/>
+            <a:pPr marL="0" marR="0" lvl="0" indent="0" algn="l" defTabSz="914400" rtl="0" eaLnBrk="1" fontAlgn="base" latinLnBrk="0" hangingPunct="1">
+              <a:lnSpc>
+                <a:spcPct val="100000"/>
+              </a:lnSpc>
+              <a:spcBef>
+                <a:spcPct val="30000"/>
+              </a:spcBef>
+              <a:spcAft>
+                <a:spcPct val="0"/>
+              </a:spcAft>
+              <a:buClrTx/>
+              <a:buSzTx/>
+              <a:buFontTx/>
+              <a:buNone/>
+              <a:tabLst/>
+              <a:defRPr/>
+            </a:pPr>
+            <a:endParaRPr lang="en-US" sz="1200" dirty="0">
+              <a:latin typeface="Consolas" panose="020B0609020204030204" pitchFamily="49" charset="0"/>
+              <a:cs typeface="Consolas" panose="020B0609020204030204" pitchFamily="49" charset="0"/>
+            </a:endParaRPr>
+          </a:p>
+          <a:p>
+            <a:pPr marL="0" marR="0" lvl="0" indent="0" algn="l" defTabSz="914400" rtl="0" eaLnBrk="1" fontAlgn="base" latinLnBrk="0" hangingPunct="1">
+              <a:lnSpc>
+                <a:spcPct val="100000"/>
+              </a:lnSpc>
+              <a:spcBef>
+                <a:spcPct val="30000"/>
+              </a:spcBef>
+              <a:spcAft>
+                <a:spcPct val="0"/>
+              </a:spcAft>
+              <a:buClrTx/>
+              <a:buSzTx/>
+              <a:buFontTx/>
+              <a:buNone/>
+              <a:tabLst/>
+              <a:defRPr/>
+            </a:pPr>
+            <a:r>
+              <a:rPr lang="en-US" sz="1200" dirty="0">
+                <a:latin typeface="Consolas" panose="020B0609020204030204" pitchFamily="49" charset="0"/>
+                <a:cs typeface="Consolas" panose="020B0609020204030204" pitchFamily="49" charset="0"/>
+              </a:rPr>
+              <a:t>A lot of code not shown in the snippets in this</a:t>
+            </a:r>
+            <a:br>
+              <a:rPr lang="en-US" sz="1200" dirty="0">
+                <a:latin typeface="Consolas" panose="020B0609020204030204" pitchFamily="49" charset="0"/>
+                <a:cs typeface="Consolas" panose="020B0609020204030204" pitchFamily="49" charset="0"/>
+              </a:rPr>
+            </a:br>
+            <a:r>
+              <a:rPr lang="en-US" sz="1200" dirty="0">
+                <a:latin typeface="Consolas" panose="020B0609020204030204" pitchFamily="49" charset="0"/>
+                <a:cs typeface="Consolas" panose="020B0609020204030204" pitchFamily="49" charset="0"/>
+              </a:rPr>
+              <a:t>presentation is also available in the code examples.</a:t>
+            </a:r>
           </a:p>
         </p:txBody>
       </p:sp>
@@ -3049,7 +3130,7 @@
     </p:spTree>
     <p:extLst>
       <p:ext uri="{BB962C8B-B14F-4D97-AF65-F5344CB8AC3E}">
-        <p14:creationId xmlns:p14="http://schemas.microsoft.com/office/powerpoint/2010/main" val="2674775736"/>
+        <p14:creationId xmlns:p14="http://schemas.microsoft.com/office/powerpoint/2010/main" val="3257287721"/>
       </p:ext>
     </p:extLst>
   </p:cSld>
@@ -3109,7 +3190,7 @@
             </a:r>
             <a:r>
               <a:rPr lang="en-US" dirty="0" err="1"/>
-              <a:t>better_lists_tests.erl</a:t>
+              <a:t>my_chat_client_tests.erl</a:t>
             </a:r>
             <a:endParaRPr lang="en-US" dirty="0"/>
           </a:p>
@@ -3156,7 +3237,169 @@
             <a:fld id="{5852353D-F306-481A-B3D0-C36CE0BF9563}" type="slidenum">
               <a:rPr lang="en-US" smtClean="0"/>
               <a:pPr/>
-              <a:t>35</a:t>
+              <a:t>34</a:t>
+            </a:fld>
+            <a:endParaRPr lang="en-US" dirty="0"/>
+          </a:p>
+        </p:txBody>
+      </p:sp>
+      <p:sp>
+        <p:nvSpPr>
+          <p:cNvPr id="6" name="Header Placeholder 5"/>
+          <p:cNvSpPr>
+            <a:spLocks noGrp="1"/>
+          </p:cNvSpPr>
+          <p:nvPr>
+            <p:ph type="hdr" sz="quarter" idx="12"/>
+          </p:nvPr>
+        </p:nvSpPr>
+        <p:spPr/>
+        <p:txBody>
+          <a:bodyPr/>
+          <a:lstStyle/>
+          <a:p>
+            <a:r>
+              <a:rPr lang="en-US"/>
+              <a:t>Basic Erlang - Part 2 </a:t>
+            </a:r>
+            <a:endParaRPr lang="en-US" dirty="0"/>
+          </a:p>
+        </p:txBody>
+      </p:sp>
+      <p:sp>
+        <p:nvSpPr>
+          <p:cNvPr id="7" name="Footer Placeholder 6"/>
+          <p:cNvSpPr>
+            <a:spLocks noGrp="1"/>
+          </p:cNvSpPr>
+          <p:nvPr>
+            <p:ph type="ftr" sz="quarter" idx="13"/>
+          </p:nvPr>
+        </p:nvSpPr>
+        <p:spPr/>
+        <p:txBody>
+          <a:bodyPr/>
+          <a:lstStyle/>
+          <a:p>
+            <a:r>
+              <a:rPr lang="en-US"/>
+              <a:t> </a:t>
+            </a:r>
+            <a:endParaRPr lang="en-US" dirty="0"/>
+          </a:p>
+        </p:txBody>
+      </p:sp>
+    </p:spTree>
+    <p:extLst>
+      <p:ext uri="{BB962C8B-B14F-4D97-AF65-F5344CB8AC3E}">
+        <p14:creationId xmlns:p14="http://schemas.microsoft.com/office/powerpoint/2010/main" val="1285621016"/>
+      </p:ext>
+    </p:extLst>
+  </p:cSld>
+  <p:clrMapOvr>
+    <a:masterClrMapping/>
+  </p:clrMapOvr>
+</p:notes>
+</file>
+
+<file path=ppt/notesSlides/notesSlide21.xml><?xml version="1.0" encoding="utf-8"?>
+<p:notes xmlns:a="http://schemas.openxmlformats.org/drawingml/2006/main" xmlns:r="http://schemas.openxmlformats.org/officeDocument/2006/relationships" xmlns:p="http://schemas.openxmlformats.org/presentationml/2006/main">
+  <p:cSld>
+    <p:spTree>
+      <p:nvGrpSpPr>
+        <p:cNvPr id="1" name=""/>
+        <p:cNvGrpSpPr/>
+        <p:nvPr/>
+      </p:nvGrpSpPr>
+      <p:grpSpPr>
+        <a:xfrm>
+          <a:off x="0" y="0"/>
+          <a:ext cx="0" cy="0"/>
+          <a:chOff x="0" y="0"/>
+          <a:chExt cx="0" cy="0"/>
+        </a:xfrm>
+      </p:grpSpPr>
+      <p:sp>
+        <p:nvSpPr>
+          <p:cNvPr id="2" name="Slide Image Placeholder 1"/>
+          <p:cNvSpPr>
+            <a:spLocks noGrp="1" noRot="1" noChangeAspect="1"/>
+          </p:cNvSpPr>
+          <p:nvPr>
+            <p:ph type="sldImg"/>
+          </p:nvPr>
+        </p:nvSpPr>
+        <p:spPr/>
+      </p:sp>
+      <p:sp>
+        <p:nvSpPr>
+          <p:cNvPr id="3" name="Notes Placeholder 2"/>
+          <p:cNvSpPr>
+            <a:spLocks noGrp="1"/>
+          </p:cNvSpPr>
+          <p:nvPr>
+            <p:ph type="body" idx="1"/>
+          </p:nvPr>
+        </p:nvSpPr>
+        <p:spPr/>
+        <p:txBody>
+          <a:bodyPr/>
+          <a:lstStyle/>
+          <a:p>
+            <a:r>
+              <a:rPr lang="en-US" dirty="0"/>
+              <a:t>${ROOT}/test/</a:t>
+            </a:r>
+            <a:r>
+              <a:rPr lang="en-US" dirty="0" err="1"/>
+              <a:t>better_lists_tests.erl</a:t>
+            </a:r>
+            <a:endParaRPr lang="en-US" dirty="0"/>
+          </a:p>
+        </p:txBody>
+      </p:sp>
+      <p:sp>
+        <p:nvSpPr>
+          <p:cNvPr id="4" name="Date Placeholder 3"/>
+          <p:cNvSpPr>
+            <a:spLocks noGrp="1"/>
+          </p:cNvSpPr>
+          <p:nvPr>
+            <p:ph type="dt" idx="10"/>
+          </p:nvPr>
+        </p:nvSpPr>
+        <p:spPr/>
+        <p:txBody>
+          <a:bodyPr/>
+          <a:lstStyle/>
+          <a:p>
+            <a:r>
+              <a:rPr lang="en-US"/>
+              <a:t>2017-03-07 </a:t>
+            </a:r>
+            <a:endParaRPr lang="en-US" dirty="0"/>
+          </a:p>
+        </p:txBody>
+      </p:sp>
+      <p:sp>
+        <p:nvSpPr>
+          <p:cNvPr id="5" name="Slide Number Placeholder 4"/>
+          <p:cNvSpPr>
+            <a:spLocks noGrp="1"/>
+          </p:cNvSpPr>
+          <p:nvPr>
+            <p:ph type="sldNum" sz="quarter" idx="11"/>
+          </p:nvPr>
+        </p:nvSpPr>
+        <p:spPr/>
+        <p:txBody>
+          <a:bodyPr/>
+          <a:lstStyle/>
+          <a:p>
+            <a:fld id="{5852353D-F306-481A-B3D0-C36CE0BF9563}" type="slidenum">
+              <a:rPr lang="en-US" smtClean="0"/>
+              <a:pPr/>
+              <a:t>36</a:t>
             </a:fld>
             <a:endParaRPr lang="en-US" dirty="0"/>
           </a:p>
@@ -3212,6 +3455,266 @@
     <p:extLst>
       <p:ext uri="{BB962C8B-B14F-4D97-AF65-F5344CB8AC3E}">
         <p14:creationId xmlns:p14="http://schemas.microsoft.com/office/powerpoint/2010/main" val="3436434819"/>
+      </p:ext>
+    </p:extLst>
+  </p:cSld>
+  <p:clrMapOvr>
+    <a:masterClrMapping/>
+  </p:clrMapOvr>
+</p:notes>
+</file>
+
+<file path=ppt/notesSlides/notesSlide22.xml><?xml version="1.0" encoding="utf-8"?>
+<p:notes xmlns:a="http://schemas.openxmlformats.org/drawingml/2006/main" xmlns:r="http://schemas.openxmlformats.org/officeDocument/2006/relationships" xmlns:p="http://schemas.openxmlformats.org/presentationml/2006/main">
+  <p:cSld>
+    <p:spTree>
+      <p:nvGrpSpPr>
+        <p:cNvPr id="1" name=""/>
+        <p:cNvGrpSpPr/>
+        <p:nvPr/>
+      </p:nvGrpSpPr>
+      <p:grpSpPr>
+        <a:xfrm>
+          <a:off x="0" y="0"/>
+          <a:ext cx="0" cy="0"/>
+          <a:chOff x="0" y="0"/>
+          <a:chExt cx="0" cy="0"/>
+        </a:xfrm>
+      </p:grpSpPr>
+      <p:sp>
+        <p:nvSpPr>
+          <p:cNvPr id="2" name="Slide Image Placeholder 1"/>
+          <p:cNvSpPr>
+            <a:spLocks noGrp="1" noRot="1" noChangeAspect="1"/>
+          </p:cNvSpPr>
+          <p:nvPr>
+            <p:ph type="sldImg"/>
+          </p:nvPr>
+        </p:nvSpPr>
+        <p:spPr/>
+      </p:sp>
+      <p:sp>
+        <p:nvSpPr>
+          <p:cNvPr id="3" name="Notes Placeholder 2"/>
+          <p:cNvSpPr>
+            <a:spLocks noGrp="1"/>
+          </p:cNvSpPr>
+          <p:nvPr>
+            <p:ph type="body" idx="1"/>
+          </p:nvPr>
+        </p:nvSpPr>
+        <p:spPr/>
+        <p:txBody>
+          <a:bodyPr/>
+          <a:lstStyle/>
+          <a:p>
+            <a:pPr marL="0" marR="0" lvl="0" indent="0" algn="l" defTabSz="914400" rtl="0" eaLnBrk="1" fontAlgn="base" latinLnBrk="0" hangingPunct="1">
+              <a:lnSpc>
+                <a:spcPct val="100000"/>
+              </a:lnSpc>
+              <a:spcBef>
+                <a:spcPct val="30000"/>
+              </a:spcBef>
+              <a:spcAft>
+                <a:spcPct val="0"/>
+              </a:spcAft>
+              <a:buClrTx/>
+              <a:buSzTx/>
+              <a:buFontTx/>
+              <a:buNone/>
+              <a:tabLst/>
+              <a:defRPr/>
+            </a:pPr>
+            <a:r>
+              <a:rPr lang="en-US" sz="1200" dirty="0" err="1">
+                <a:latin typeface="Consolas" panose="020B0609020204030204" pitchFamily="49" charset="0"/>
+                <a:cs typeface="Consolas" panose="020B0609020204030204" pitchFamily="49" charset="0"/>
+              </a:rPr>
+              <a:t>git</a:t>
+            </a:r>
+            <a:r>
+              <a:rPr lang="en-US" sz="1200" dirty="0">
+                <a:latin typeface="Consolas" panose="020B0609020204030204" pitchFamily="49" charset="0"/>
+                <a:cs typeface="Consolas" panose="020B0609020204030204" pitchFamily="49" charset="0"/>
+              </a:rPr>
+              <a:t> clone</a:t>
+            </a:r>
+            <a:r>
+              <a:rPr lang="en-US" sz="1200" baseline="0" dirty="0">
+                <a:latin typeface="Consolas" panose="020B0609020204030204" pitchFamily="49" charset="0"/>
+                <a:cs typeface="Consolas" panose="020B0609020204030204" pitchFamily="49" charset="0"/>
+              </a:rPr>
+              <a:t> </a:t>
+            </a:r>
+            <a:r>
+              <a:rPr lang="en-US" sz="1200" dirty="0">
+                <a:latin typeface="Consolas" panose="020B0609020204030204" pitchFamily="49" charset="0"/>
+                <a:cs typeface="Consolas" panose="020B0609020204030204" pitchFamily="49" charset="0"/>
+              </a:rPr>
+              <a:t>https://github.com/gwaerondor/unit_testing_in_erlang.git</a:t>
+            </a:r>
+          </a:p>
+          <a:p>
+            <a:pPr marL="0" marR="0" lvl="0" indent="0" algn="l" defTabSz="914400" rtl="0" eaLnBrk="1" fontAlgn="base" latinLnBrk="0" hangingPunct="1">
+              <a:lnSpc>
+                <a:spcPct val="100000"/>
+              </a:lnSpc>
+              <a:spcBef>
+                <a:spcPct val="30000"/>
+              </a:spcBef>
+              <a:spcAft>
+                <a:spcPct val="0"/>
+              </a:spcAft>
+              <a:buClrTx/>
+              <a:buSzTx/>
+              <a:buFontTx/>
+              <a:buNone/>
+              <a:tabLst/>
+              <a:defRPr/>
+            </a:pPr>
+            <a:endParaRPr lang="en-US" sz="1200" dirty="0">
+              <a:latin typeface="Consolas" panose="020B0609020204030204" pitchFamily="49" charset="0"/>
+              <a:cs typeface="Consolas" panose="020B0609020204030204" pitchFamily="49" charset="0"/>
+            </a:endParaRPr>
+          </a:p>
+          <a:p>
+            <a:pPr marL="0" marR="0" lvl="0" indent="0" algn="l" defTabSz="914400" rtl="0" eaLnBrk="1" fontAlgn="base" latinLnBrk="0" hangingPunct="1">
+              <a:lnSpc>
+                <a:spcPct val="100000"/>
+              </a:lnSpc>
+              <a:spcBef>
+                <a:spcPct val="30000"/>
+              </a:spcBef>
+              <a:spcAft>
+                <a:spcPct val="0"/>
+              </a:spcAft>
+              <a:buClrTx/>
+              <a:buSzTx/>
+              <a:buFontTx/>
+              <a:buNone/>
+              <a:tabLst/>
+              <a:defRPr/>
+            </a:pPr>
+            <a:r>
+              <a:rPr lang="en-US" sz="1200" dirty="0">
+                <a:latin typeface="Consolas" panose="020B0609020204030204" pitchFamily="49" charset="0"/>
+                <a:cs typeface="Consolas" panose="020B0609020204030204" pitchFamily="49" charset="0"/>
+              </a:rPr>
+              <a:t>A lot of code not shown in the snippets in this</a:t>
+            </a:r>
+            <a:br>
+              <a:rPr lang="en-US" sz="1200" dirty="0">
+                <a:latin typeface="Consolas" panose="020B0609020204030204" pitchFamily="49" charset="0"/>
+                <a:cs typeface="Consolas" panose="020B0609020204030204" pitchFamily="49" charset="0"/>
+              </a:rPr>
+            </a:br>
+            <a:r>
+              <a:rPr lang="en-US" sz="1200" dirty="0">
+                <a:latin typeface="Consolas" panose="020B0609020204030204" pitchFamily="49" charset="0"/>
+                <a:cs typeface="Consolas" panose="020B0609020204030204" pitchFamily="49" charset="0"/>
+              </a:rPr>
+              <a:t>presentation is also available in the code examples.</a:t>
+            </a:r>
+          </a:p>
+        </p:txBody>
+      </p:sp>
+      <p:sp>
+        <p:nvSpPr>
+          <p:cNvPr id="4" name="Date Placeholder 3"/>
+          <p:cNvSpPr>
+            <a:spLocks noGrp="1"/>
+          </p:cNvSpPr>
+          <p:nvPr>
+            <p:ph type="dt" idx="10"/>
+          </p:nvPr>
+        </p:nvSpPr>
+        <p:spPr/>
+        <p:txBody>
+          <a:bodyPr/>
+          <a:lstStyle/>
+          <a:p>
+            <a:r>
+              <a:rPr lang="en-US"/>
+              <a:t>2017-03-07 </a:t>
+            </a:r>
+            <a:endParaRPr lang="en-US" dirty="0"/>
+          </a:p>
+        </p:txBody>
+      </p:sp>
+      <p:sp>
+        <p:nvSpPr>
+          <p:cNvPr id="5" name="Slide Number Placeholder 4"/>
+          <p:cNvSpPr>
+            <a:spLocks noGrp="1"/>
+          </p:cNvSpPr>
+          <p:nvPr>
+            <p:ph type="sldNum" sz="quarter" idx="11"/>
+          </p:nvPr>
+        </p:nvSpPr>
+        <p:spPr/>
+        <p:txBody>
+          <a:bodyPr/>
+          <a:lstStyle/>
+          <a:p>
+            <a:fld id="{5852353D-F306-481A-B3D0-C36CE0BF9563}" type="slidenum">
+              <a:rPr lang="en-US" smtClean="0"/>
+              <a:pPr/>
+              <a:t>39</a:t>
+            </a:fld>
+            <a:endParaRPr lang="en-US" dirty="0"/>
+          </a:p>
+        </p:txBody>
+      </p:sp>
+      <p:sp>
+        <p:nvSpPr>
+          <p:cNvPr id="6" name="Header Placeholder 5"/>
+          <p:cNvSpPr>
+            <a:spLocks noGrp="1"/>
+          </p:cNvSpPr>
+          <p:nvPr>
+            <p:ph type="hdr" sz="quarter" idx="12"/>
+          </p:nvPr>
+        </p:nvSpPr>
+        <p:spPr/>
+        <p:txBody>
+          <a:bodyPr/>
+          <a:lstStyle/>
+          <a:p>
+            <a:r>
+              <a:rPr lang="en-US"/>
+              <a:t>Basic Erlang - Part 2 </a:t>
+            </a:r>
+            <a:endParaRPr lang="en-US" dirty="0"/>
+          </a:p>
+        </p:txBody>
+      </p:sp>
+      <p:sp>
+        <p:nvSpPr>
+          <p:cNvPr id="7" name="Footer Placeholder 6"/>
+          <p:cNvSpPr>
+            <a:spLocks noGrp="1"/>
+          </p:cNvSpPr>
+          <p:nvPr>
+            <p:ph type="ftr" sz="quarter" idx="13"/>
+          </p:nvPr>
+        </p:nvSpPr>
+        <p:spPr/>
+        <p:txBody>
+          <a:bodyPr/>
+          <a:lstStyle/>
+          <a:p>
+            <a:r>
+              <a:rPr lang="en-US"/>
+              <a:t> </a:t>
+            </a:r>
+            <a:endParaRPr lang="en-US" dirty="0"/>
+          </a:p>
+        </p:txBody>
+      </p:sp>
+    </p:spTree>
+    <p:extLst>
+      <p:ext uri="{BB962C8B-B14F-4D97-AF65-F5344CB8AC3E}">
+        <p14:creationId xmlns:p14="http://schemas.microsoft.com/office/powerpoint/2010/main" val="351527202"/>
       </p:ext>
     </p:extLst>
   </p:cSld>
@@ -3410,32 +3913,32 @@
             <p:ph type="sldImg"/>
           </p:nvPr>
         </p:nvSpPr>
+        <p:spPr>
+          <a:xfrm>
+            <a:off x="103188" y="750888"/>
+            <a:ext cx="6678612" cy="3757612"/>
+          </a:xfrm>
+        </p:spPr>
+      </p:sp>
+      <p:sp>
+        <p:nvSpPr>
+          <p:cNvPr id="3" name="Notes Placeholder 2"/>
+          <p:cNvSpPr>
+            <a:spLocks noGrp="1"/>
+          </p:cNvSpPr>
+          <p:nvPr>
+            <p:ph type="body" idx="1"/>
+          </p:nvPr>
+        </p:nvSpPr>
         <p:spPr/>
-      </p:sp>
-      <p:sp>
-        <p:nvSpPr>
-          <p:cNvPr id="3" name="Notes Placeholder 2"/>
-          <p:cNvSpPr>
-            <a:spLocks noGrp="1"/>
-          </p:cNvSpPr>
-          <p:nvPr>
-            <p:ph type="body" idx="1"/>
-          </p:nvPr>
-        </p:nvSpPr>
-        <p:spPr/>
-        <p:txBody>
-          <a:bodyPr/>
-          <a:lstStyle/>
-          <a:p>
-            <a:r>
-              <a:rPr lang="en-US" dirty="0"/>
-              <a:t>${ROOT}/test/</a:t>
-            </a:r>
-            <a:r>
-              <a:rPr lang="en-US" dirty="0" err="1"/>
-              <a:t>addition_tests.erl</a:t>
-            </a:r>
-            <a:endParaRPr lang="en-US" dirty="0"/>
+        <p:txBody>
+          <a:bodyPr/>
+          <a:lstStyle/>
+          <a:p>
+            <a:r>
+              <a:rPr lang="en-US" dirty="0"/>
+              <a:t>http://erlang.org/doc/apps/eunit/chapter.html</a:t>
+            </a:r>
           </a:p>
         </p:txBody>
       </p:sp>
@@ -3480,7 +3983,7 @@
             <a:fld id="{5852353D-F306-481A-B3D0-C36CE0BF9563}" type="slidenum">
               <a:rPr lang="en-US" smtClean="0"/>
               <a:pPr/>
-              <a:t>5</a:t>
+              <a:t>4</a:t>
             </a:fld>
             <a:endParaRPr lang="en-US" dirty="0"/>
           </a:p>
@@ -3535,7 +4038,7 @@
     </p:spTree>
     <p:extLst>
       <p:ext uri="{BB962C8B-B14F-4D97-AF65-F5344CB8AC3E}">
-        <p14:creationId xmlns:p14="http://schemas.microsoft.com/office/powerpoint/2010/main" val="2361955184"/>
+        <p14:creationId xmlns:p14="http://schemas.microsoft.com/office/powerpoint/2010/main" val="965376987"/>
       </p:ext>
     </p:extLst>
   </p:cSld>
@@ -3572,12 +4075,7 @@
             <p:ph type="sldImg"/>
           </p:nvPr>
         </p:nvSpPr>
-        <p:spPr>
-          <a:xfrm>
-            <a:off x="103188" y="750888"/>
-            <a:ext cx="6678612" cy="3757612"/>
-          </a:xfrm>
-        </p:spPr>
+        <p:spPr/>
       </p:sp>
       <p:sp>
         <p:nvSpPr>
@@ -3596,8 +4094,13 @@
           <a:p>
             <a:r>
               <a:rPr lang="en-US" dirty="0"/>
-              <a:t>http://erlang.org/doc/apps/eunit/chapter.html</a:t>
-            </a:r>
+              <a:t>${ROOT}/test/</a:t>
+            </a:r>
+            <a:r>
+              <a:rPr lang="en-US" dirty="0" err="1"/>
+              <a:t>addition_tests.erl</a:t>
+            </a:r>
+            <a:endParaRPr lang="en-US" dirty="0"/>
           </a:p>
         </p:txBody>
       </p:sp>
@@ -3642,7 +4145,7 @@
             <a:fld id="{5852353D-F306-481A-B3D0-C36CE0BF9563}" type="slidenum">
               <a:rPr lang="en-US" smtClean="0"/>
               <a:pPr/>
-              <a:t>7</a:t>
+              <a:t>6</a:t>
             </a:fld>
             <a:endParaRPr lang="en-US" dirty="0"/>
           </a:p>
@@ -3697,7 +4200,7 @@
     </p:spTree>
     <p:extLst>
       <p:ext uri="{BB962C8B-B14F-4D97-AF65-F5344CB8AC3E}">
-        <p14:creationId xmlns:p14="http://schemas.microsoft.com/office/powerpoint/2010/main" val="3181863539"/>
+        <p14:creationId xmlns:p14="http://schemas.microsoft.com/office/powerpoint/2010/main" val="2361955184"/>
       </p:ext>
     </p:extLst>
   </p:cSld>
@@ -3734,52 +4237,32 @@
             <p:ph type="sldImg"/>
           </p:nvPr>
         </p:nvSpPr>
+        <p:spPr>
+          <a:xfrm>
+            <a:off x="103188" y="750888"/>
+            <a:ext cx="6678612" cy="3757612"/>
+          </a:xfrm>
+        </p:spPr>
+      </p:sp>
+      <p:sp>
+        <p:nvSpPr>
+          <p:cNvPr id="3" name="Notes Placeholder 2"/>
+          <p:cNvSpPr>
+            <a:spLocks noGrp="1"/>
+          </p:cNvSpPr>
+          <p:nvPr>
+            <p:ph type="body" idx="1"/>
+          </p:nvPr>
+        </p:nvSpPr>
         <p:spPr/>
-      </p:sp>
-      <p:sp>
-        <p:nvSpPr>
-          <p:cNvPr id="3" name="Notes Placeholder 2"/>
-          <p:cNvSpPr>
-            <a:spLocks noGrp="1"/>
-          </p:cNvSpPr>
-          <p:nvPr>
-            <p:ph type="body" idx="1"/>
-          </p:nvPr>
-        </p:nvSpPr>
-        <p:spPr/>
-        <p:txBody>
-          <a:bodyPr/>
-          <a:lstStyle/>
-          <a:p>
-            <a:pPr marL="0" marR="0" lvl="0" indent="0" algn="l" defTabSz="914400" rtl="0" eaLnBrk="1" fontAlgn="base" latinLnBrk="0" hangingPunct="1">
-              <a:lnSpc>
-                <a:spcPct val="100000"/>
-              </a:lnSpc>
-              <a:spcBef>
-                <a:spcPct val="30000"/>
-              </a:spcBef>
-              <a:spcAft>
-                <a:spcPct val="0"/>
-              </a:spcAft>
-              <a:buClrTx/>
-              <a:buSzTx/>
-              <a:buFontTx/>
-              <a:buNone/>
-              <a:tabLst/>
-              <a:defRPr/>
-            </a:pPr>
-            <a:r>
-              <a:rPr lang="en-US" dirty="0"/>
-              <a:t>${ROOT}/test/</a:t>
-            </a:r>
-            <a:r>
-              <a:rPr lang="en-US" dirty="0" err="1"/>
-              <a:t>subtraction_tests.erl</a:t>
-            </a:r>
-            <a:endParaRPr lang="en-US" dirty="0"/>
-          </a:p>
-          <a:p>
-            <a:endParaRPr lang="en-US" dirty="0"/>
+        <p:txBody>
+          <a:bodyPr/>
+          <a:lstStyle/>
+          <a:p>
+            <a:r>
+              <a:rPr lang="en-US" dirty="0"/>
+              <a:t>http://erlang.org/doc/apps/eunit/chapter.html</a:t>
+            </a:r>
           </a:p>
         </p:txBody>
       </p:sp>
@@ -3824,7 +4307,7 @@
             <a:fld id="{5852353D-F306-481A-B3D0-C36CE0BF9563}" type="slidenum">
               <a:rPr lang="en-US" smtClean="0"/>
               <a:pPr/>
-              <a:t>10</a:t>
+              <a:t>8</a:t>
             </a:fld>
             <a:endParaRPr lang="en-US" dirty="0"/>
           </a:p>
@@ -3879,7 +4362,7 @@
     </p:spTree>
     <p:extLst>
       <p:ext uri="{BB962C8B-B14F-4D97-AF65-F5344CB8AC3E}">
-        <p14:creationId xmlns:p14="http://schemas.microsoft.com/office/powerpoint/2010/main" val="1275881070"/>
+        <p14:creationId xmlns:p14="http://schemas.microsoft.com/office/powerpoint/2010/main" val="3181863539"/>
       </p:ext>
     </p:extLst>
   </p:cSld>
@@ -3956,7 +4439,7 @@
             </a:r>
             <a:r>
               <a:rPr lang="en-US" dirty="0" err="1"/>
-              <a:t>multiplication_tests.erl</a:t>
+              <a:t>subtraction_tests.erl</a:t>
             </a:r>
             <a:endParaRPr lang="en-US" dirty="0"/>
           </a:p>
@@ -4006,7 +4489,7 @@
             <a:fld id="{5852353D-F306-481A-B3D0-C36CE0BF9563}" type="slidenum">
               <a:rPr lang="en-US" smtClean="0"/>
               <a:pPr/>
-              <a:t>12</a:t>
+              <a:t>11</a:t>
             </a:fld>
             <a:endParaRPr lang="en-US" dirty="0"/>
           </a:p>
@@ -4061,7 +4544,7 @@
     </p:spTree>
     <p:extLst>
       <p:ext uri="{BB962C8B-B14F-4D97-AF65-F5344CB8AC3E}">
-        <p14:creationId xmlns:p14="http://schemas.microsoft.com/office/powerpoint/2010/main" val="3550961589"/>
+        <p14:creationId xmlns:p14="http://schemas.microsoft.com/office/powerpoint/2010/main" val="1275881070"/>
       </p:ext>
     </p:extLst>
   </p:cSld>
@@ -4115,14 +4598,34 @@
           <a:bodyPr/>
           <a:lstStyle/>
           <a:p>
+            <a:pPr marL="0" marR="0" lvl="0" indent="0" algn="l" defTabSz="914400" rtl="0" eaLnBrk="1" fontAlgn="base" latinLnBrk="0" hangingPunct="1">
+              <a:lnSpc>
+                <a:spcPct val="100000"/>
+              </a:lnSpc>
+              <a:spcBef>
+                <a:spcPct val="30000"/>
+              </a:spcBef>
+              <a:spcAft>
+                <a:spcPct val="0"/>
+              </a:spcAft>
+              <a:buClrTx/>
+              <a:buSzTx/>
+              <a:buFontTx/>
+              <a:buNone/>
+              <a:tabLst/>
+              <a:defRPr/>
+            </a:pPr>
             <a:r>
               <a:rPr lang="en-US" dirty="0"/>
               <a:t>${ROOT}/test/</a:t>
             </a:r>
             <a:r>
               <a:rPr lang="en-US" dirty="0" err="1"/>
-              <a:t>arithmetics_server_tests.erl</a:t>
-            </a:r>
+              <a:t>multiplication_tests.erl</a:t>
+            </a:r>
+            <a:endParaRPr lang="en-US" dirty="0"/>
+          </a:p>
+          <a:p>
             <a:endParaRPr lang="en-US" dirty="0"/>
           </a:p>
         </p:txBody>
@@ -4168,7 +4671,7 @@
             <a:fld id="{5852353D-F306-481A-B3D0-C36CE0BF9563}" type="slidenum">
               <a:rPr lang="en-US" smtClean="0"/>
               <a:pPr/>
-              <a:t>15</a:t>
+              <a:t>13</a:t>
             </a:fld>
             <a:endParaRPr lang="en-US" dirty="0"/>
           </a:p>
@@ -4223,7 +4726,7 @@
     </p:spTree>
     <p:extLst>
       <p:ext uri="{BB962C8B-B14F-4D97-AF65-F5344CB8AC3E}">
-        <p14:creationId xmlns:p14="http://schemas.microsoft.com/office/powerpoint/2010/main" val="1753656121"/>
+        <p14:creationId xmlns:p14="http://schemas.microsoft.com/office/powerpoint/2010/main" val="3550961589"/>
       </p:ext>
     </p:extLst>
   </p:cSld>
@@ -4277,34 +4780,14 @@
           <a:bodyPr/>
           <a:lstStyle/>
           <a:p>
-            <a:pPr marL="0" marR="0" lvl="0" indent="0" algn="l" defTabSz="914400" rtl="0" eaLnBrk="1" fontAlgn="base" latinLnBrk="0" hangingPunct="1">
-              <a:lnSpc>
-                <a:spcPct val="100000"/>
-              </a:lnSpc>
-              <a:spcBef>
-                <a:spcPct val="30000"/>
-              </a:spcBef>
-              <a:spcAft>
-                <a:spcPct val="0"/>
-              </a:spcAft>
-              <a:buClrTx/>
-              <a:buSzTx/>
-              <a:buFontTx/>
-              <a:buNone/>
-              <a:tabLst/>
-              <a:defRPr/>
-            </a:pPr>
             <a:r>
               <a:rPr lang="en-US" dirty="0"/>
               <a:t>${ROOT}/test/</a:t>
             </a:r>
             <a:r>
               <a:rPr lang="en-US" dirty="0" err="1"/>
-              <a:t>shopping_list_tests.erl</a:t>
-            </a:r>
-            <a:endParaRPr lang="en-US" dirty="0"/>
-          </a:p>
-          <a:p>
+              <a:t>arithmetics_server_tests.erl</a:t>
+            </a:r>
             <a:endParaRPr lang="en-US" dirty="0"/>
           </a:p>
         </p:txBody>
@@ -4405,7 +4888,7 @@
     </p:spTree>
     <p:extLst>
       <p:ext uri="{BB962C8B-B14F-4D97-AF65-F5344CB8AC3E}">
-        <p14:creationId xmlns:p14="http://schemas.microsoft.com/office/powerpoint/2010/main" val="1049807986"/>
+        <p14:creationId xmlns:p14="http://schemas.microsoft.com/office/powerpoint/2010/main" val="1753656121"/>
       </p:ext>
     </p:extLst>
   </p:cSld>
@@ -8690,6 +9173,111 @@
       </p:grpSpPr>
       <p:sp>
         <p:nvSpPr>
+          <p:cNvPr id="2" name="Content Placeholder 1"/>
+          <p:cNvSpPr>
+            <a:spLocks noGrp="1"/>
+          </p:cNvSpPr>
+          <p:nvPr>
+            <p:ph idx="1"/>
+          </p:nvPr>
+        </p:nvSpPr>
+        <p:spPr/>
+        <p:txBody>
+          <a:bodyPr/>
+          <a:lstStyle/>
+          <a:p>
+            <a:r>
+              <a:rPr lang="en-US" dirty="0" err="1"/>
+              <a:t>eunit</a:t>
+            </a:r>
+            <a:r>
+              <a:rPr lang="en-US" dirty="0"/>
+              <a:t> recognizes any function with a name ending in _test_  as a </a:t>
+            </a:r>
+            <a:r>
+              <a:rPr lang="en-US" i="1" dirty="0"/>
+              <a:t>test fixture</a:t>
+            </a:r>
+            <a:r>
+              <a:rPr lang="en-US" dirty="0"/>
+              <a:t>.</a:t>
+            </a:r>
+          </a:p>
+          <a:p>
+            <a:r>
+              <a:rPr lang="en-US" dirty="0"/>
+              <a:t>A test fixture contains a set of tests to run, represented as lambda functions in a list.</a:t>
+            </a:r>
+          </a:p>
+          <a:p>
+            <a:r>
+              <a:rPr lang="en-US" dirty="0"/>
+              <a:t>You can also use tuples of a description and a lambda function.</a:t>
+            </a:r>
+          </a:p>
+        </p:txBody>
+      </p:sp>
+      <p:sp>
+        <p:nvSpPr>
+          <p:cNvPr id="5" name="Title 4"/>
+          <p:cNvSpPr>
+            <a:spLocks noGrp="1"/>
+          </p:cNvSpPr>
+          <p:nvPr>
+            <p:ph type="title"/>
+          </p:nvPr>
+        </p:nvSpPr>
+        <p:spPr/>
+        <p:txBody>
+          <a:bodyPr>
+            <a:normAutofit/>
+          </a:bodyPr>
+          <a:lstStyle/>
+          <a:p>
+            <a:r>
+              <a:rPr lang="en-US" sz="4000" dirty="0">
+                <a:solidFill>
+                  <a:srgbClr val="C00000"/>
+                </a:solidFill>
+                <a:latin typeface="+mn-lt"/>
+              </a:rPr>
+              <a:t>Fixtures</a:t>
+            </a:r>
+          </a:p>
+        </p:txBody>
+      </p:sp>
+    </p:spTree>
+    <p:extLst>
+      <p:ext uri="{BB962C8B-B14F-4D97-AF65-F5344CB8AC3E}">
+        <p14:creationId xmlns:p14="http://schemas.microsoft.com/office/powerpoint/2010/main" val="4085028244"/>
+      </p:ext>
+    </p:extLst>
+  </p:cSld>
+  <p:clrMapOvr>
+    <a:masterClrMapping/>
+  </p:clrMapOvr>
+</p:sld>
+</file>
+
+<file path=ppt/slides/slide11.xml><?xml version="1.0" encoding="utf-8"?>
+<p:sld xmlns:a="http://schemas.openxmlformats.org/drawingml/2006/main" xmlns:r="http://schemas.openxmlformats.org/officeDocument/2006/relationships" xmlns:p="http://schemas.openxmlformats.org/presentationml/2006/main">
+  <p:cSld>
+    <p:spTree>
+      <p:nvGrpSpPr>
+        <p:cNvPr id="1" name=""/>
+        <p:cNvGrpSpPr/>
+        <p:nvPr/>
+      </p:nvGrpSpPr>
+      <p:grpSpPr>
+        <a:xfrm>
+          <a:off x="0" y="0"/>
+          <a:ext cx="0" cy="0"/>
+          <a:chOff x="0" y="0"/>
+          <a:chExt cx="0" cy="0"/>
+        </a:xfrm>
+      </p:grpSpPr>
+      <p:sp>
+        <p:nvSpPr>
           <p:cNvPr id="5" name="Rectangle: Rounded Corners 4"/>
           <p:cNvSpPr/>
           <p:nvPr/>
@@ -8763,7 +9351,7 @@
 </p:sld>
 </file>
 
-<file path=ppt/slides/slide11.xml><?xml version="1.0" encoding="utf-8"?>
+<file path=ppt/slides/slide12.xml><?xml version="1.0" encoding="utf-8"?>
 <p:sld xmlns:a="http://schemas.openxmlformats.org/drawingml/2006/main" xmlns:r="http://schemas.openxmlformats.org/officeDocument/2006/relationships" xmlns:p="http://schemas.openxmlformats.org/presentationml/2006/main">
   <p:cSld>
     <p:spTree>
@@ -9100,7 +9688,7 @@
 </p:sld>
 </file>
 
-<file path=ppt/slides/slide12.xml><?xml version="1.0" encoding="utf-8"?>
+<file path=ppt/slides/slide13.xml><?xml version="1.0" encoding="utf-8"?>
 <p:sld xmlns:a="http://schemas.openxmlformats.org/drawingml/2006/main" xmlns:r="http://schemas.openxmlformats.org/officeDocument/2006/relationships" xmlns:p="http://schemas.openxmlformats.org/presentationml/2006/main">
   <p:cSld>
     <p:spTree>
@@ -9192,7 +9780,7 @@
 </p:sld>
 </file>
 
-<file path=ppt/slides/slide13.xml><?xml version="1.0" encoding="utf-8"?>
+<file path=ppt/slides/slide14.xml><?xml version="1.0" encoding="utf-8"?>
 <p:sld xmlns:a="http://schemas.openxmlformats.org/drawingml/2006/main" xmlns:r="http://schemas.openxmlformats.org/officeDocument/2006/relationships" xmlns:p="http://schemas.openxmlformats.org/presentationml/2006/main">
   <p:cSld>
     <p:spTree>
@@ -9391,7 +9979,7 @@
 </p:sld>
 </file>
 
-<file path=ppt/slides/slide14.xml><?xml version="1.0" encoding="utf-8"?>
+<file path=ppt/slides/slide15.xml><?xml version="1.0" encoding="utf-8"?>
 <p:sld xmlns:a="http://schemas.openxmlformats.org/drawingml/2006/main" xmlns:r="http://schemas.openxmlformats.org/officeDocument/2006/relationships" xmlns:p="http://schemas.openxmlformats.org/presentationml/2006/main">
   <p:cSld>
     <p:spTree>
@@ -9517,7 +10105,7 @@
 </p:sld>
 </file>
 
-<file path=ppt/slides/slide15.xml><?xml version="1.0" encoding="utf-8"?>
+<file path=ppt/slides/slide16.xml><?xml version="1.0" encoding="utf-8"?>
 <p:sld xmlns:a="http://schemas.openxmlformats.org/drawingml/2006/main" xmlns:r="http://schemas.openxmlformats.org/officeDocument/2006/relationships" xmlns:p="http://schemas.openxmlformats.org/presentationml/2006/main">
   <p:cSld>
     <p:spTree>
@@ -9609,7 +10197,7 @@
 </p:sld>
 </file>
 
-<file path=ppt/slides/slide16.xml><?xml version="1.0" encoding="utf-8"?>
+<file path=ppt/slides/slide17.xml><?xml version="1.0" encoding="utf-8"?>
 <p:sld xmlns:a="http://schemas.openxmlformats.org/drawingml/2006/main" xmlns:r="http://schemas.openxmlformats.org/officeDocument/2006/relationships" xmlns:p="http://schemas.openxmlformats.org/presentationml/2006/main">
   <p:cSld>
     <p:spTree>
@@ -9701,109 +10289,6 @@
 </p:sld>
 </file>
 
-<file path=ppt/slides/slide17.xml><?xml version="1.0" encoding="utf-8"?>
-<p:sld xmlns:a="http://schemas.openxmlformats.org/drawingml/2006/main" xmlns:r="http://schemas.openxmlformats.org/officeDocument/2006/relationships" xmlns:p="http://schemas.openxmlformats.org/presentationml/2006/main">
-  <p:cSld>
-    <p:spTree>
-      <p:nvGrpSpPr>
-        <p:cNvPr id="1" name=""/>
-        <p:cNvGrpSpPr/>
-        <p:nvPr/>
-      </p:nvGrpSpPr>
-      <p:grpSpPr>
-        <a:xfrm>
-          <a:off x="0" y="0"/>
-          <a:ext cx="0" cy="0"/>
-          <a:chOff x="0" y="0"/>
-          <a:chExt cx="0" cy="0"/>
-        </a:xfrm>
-      </p:grpSpPr>
-      <p:sp>
-        <p:nvSpPr>
-          <p:cNvPr id="2" name="Content Placeholder 1"/>
-          <p:cNvSpPr>
-            <a:spLocks noGrp="1"/>
-          </p:cNvSpPr>
-          <p:nvPr>
-            <p:ph idx="1"/>
-          </p:nvPr>
-        </p:nvSpPr>
-        <p:spPr/>
-        <p:txBody>
-          <a:bodyPr/>
-          <a:lstStyle/>
-          <a:p>
-            <a:r>
-              <a:rPr lang="en-US" dirty="0"/>
-              <a:t>There are more advanced ways of executing fixtures such as with an </a:t>
-            </a:r>
-            <a:r>
-              <a:rPr lang="en-US" dirty="0" err="1"/>
-              <a:t>instantiator</a:t>
-            </a:r>
-            <a:r>
-              <a:rPr lang="en-US" dirty="0"/>
-              <a:t> that generates test cases, or with the </a:t>
-            </a:r>
-            <a:r>
-              <a:rPr lang="en-US" dirty="0" err="1"/>
-              <a:t>foreachx</a:t>
-            </a:r>
-            <a:r>
-              <a:rPr lang="en-US" dirty="0"/>
-              <a:t> keyword.</a:t>
-            </a:r>
-          </a:p>
-          <a:p>
-            <a:r>
-              <a:rPr lang="en-US" dirty="0"/>
-              <a:t>For almost every use case, the basic functionality that is explained in the previous slides is recommended – it is readable and easy to write and understand.</a:t>
-            </a:r>
-          </a:p>
-        </p:txBody>
-      </p:sp>
-      <p:sp>
-        <p:nvSpPr>
-          <p:cNvPr id="5" name="Title 4"/>
-          <p:cNvSpPr>
-            <a:spLocks noGrp="1"/>
-          </p:cNvSpPr>
-          <p:nvPr>
-            <p:ph type="title"/>
-          </p:nvPr>
-        </p:nvSpPr>
-        <p:spPr/>
-        <p:txBody>
-          <a:bodyPr>
-            <a:normAutofit/>
-          </a:bodyPr>
-          <a:lstStyle/>
-          <a:p>
-            <a:r>
-              <a:rPr lang="en-US" sz="4000" dirty="0">
-                <a:solidFill>
-                  <a:srgbClr val="C00000"/>
-                </a:solidFill>
-                <a:latin typeface="+mn-lt"/>
-              </a:rPr>
-              <a:t>Fixtures</a:t>
-            </a:r>
-          </a:p>
-        </p:txBody>
-      </p:sp>
-    </p:spTree>
-    <p:extLst>
-      <p:ext uri="{BB962C8B-B14F-4D97-AF65-F5344CB8AC3E}">
-        <p14:creationId xmlns:p14="http://schemas.microsoft.com/office/powerpoint/2010/main" val="751088879"/>
-      </p:ext>
-    </p:extLst>
-  </p:cSld>
-  <p:clrMapOvr>
-    <a:masterClrMapping/>
-  </p:clrMapOvr>
-</p:sld>
-</file>
-
 <file path=ppt/slides/slide18.xml><?xml version="1.0" encoding="utf-8"?>
 <p:sld xmlns:a="http://schemas.openxmlformats.org/drawingml/2006/main" xmlns:r="http://schemas.openxmlformats.org/officeDocument/2006/relationships" xmlns:p="http://schemas.openxmlformats.org/presentationml/2006/main">
   <p:cSld>
@@ -9831,230 +10316,73 @@
             <p:ph idx="1"/>
           </p:nvPr>
         </p:nvSpPr>
-        <p:spPr>
-          <a:xfrm>
-            <a:off x="1917702" y="3416968"/>
-            <a:ext cx="8351839" cy="2700253"/>
-          </a:xfrm>
-        </p:spPr>
-        <p:txBody>
-          <a:bodyPr/>
-          <a:lstStyle/>
-          <a:p>
-            <a:pPr marL="0" indent="0">
-              <a:buNone/>
-            </a:pPr>
-            <a:r>
-              <a:rPr lang="en-US" sz="4400" dirty="0">
-                <a:solidFill>
-                  <a:schemeClr val="tx2">
-                    <a:lumMod val="50000"/>
-                    <a:lumOff val="50000"/>
-                  </a:schemeClr>
-                </a:solidFill>
-              </a:rPr>
-              <a:t>Test modules and test functions</a:t>
-            </a:r>
-          </a:p>
-          <a:p>
-            <a:pPr marL="0" indent="0">
-              <a:buNone/>
-            </a:pPr>
-            <a:r>
-              <a:rPr lang="en-US" sz="4400" dirty="0">
+        <p:spPr/>
+        <p:txBody>
+          <a:bodyPr/>
+          <a:lstStyle/>
+          <a:p>
+            <a:r>
+              <a:rPr lang="en-US" dirty="0"/>
+              <a:t>There are more advanced ways of executing fixtures such as with an </a:t>
+            </a:r>
+            <a:r>
+              <a:rPr lang="en-US" dirty="0" err="1"/>
+              <a:t>instantiator</a:t>
+            </a:r>
+            <a:r>
+              <a:rPr lang="en-US" dirty="0"/>
+              <a:t> that generates test cases, or with the </a:t>
+            </a:r>
+            <a:r>
+              <a:rPr lang="en-US" dirty="0" err="1"/>
+              <a:t>foreachx</a:t>
+            </a:r>
+            <a:r>
+              <a:rPr lang="en-US" dirty="0"/>
+              <a:t> keyword.</a:t>
+            </a:r>
+          </a:p>
+          <a:p>
+            <a:r>
+              <a:rPr lang="en-US" dirty="0"/>
+              <a:t>For almost every use case, the basic functionality that is explained in the previous slides is recommended – it is readable and easy to write and understand.</a:t>
+            </a:r>
+          </a:p>
+        </p:txBody>
+      </p:sp>
+      <p:sp>
+        <p:nvSpPr>
+          <p:cNvPr id="5" name="Title 4"/>
+          <p:cNvSpPr>
+            <a:spLocks noGrp="1"/>
+          </p:cNvSpPr>
+          <p:nvPr>
+            <p:ph type="title"/>
+          </p:nvPr>
+        </p:nvSpPr>
+        <p:spPr/>
+        <p:txBody>
+          <a:bodyPr>
+            <a:normAutofit/>
+          </a:bodyPr>
+          <a:lstStyle/>
+          <a:p>
+            <a:r>
+              <a:rPr lang="en-US" sz="4000" dirty="0">
                 <a:solidFill>
                   <a:srgbClr val="C00000"/>
                 </a:solidFill>
+                <a:latin typeface="+mn-lt"/>
               </a:rPr>
               <a:t>Fixtures</a:t>
             </a:r>
-          </a:p>
-          <a:p>
-            <a:pPr marL="0" indent="0">
-              <a:buNone/>
-            </a:pPr>
-            <a:r>
-              <a:rPr lang="en-US" sz="4400" dirty="0">
-                <a:solidFill>
-                  <a:schemeClr val="accent1">
-                    <a:lumMod val="75000"/>
-                  </a:schemeClr>
-                </a:solidFill>
-              </a:rPr>
-              <a:t>Macros</a:t>
-            </a:r>
-          </a:p>
-          <a:p>
-            <a:pPr marL="0" indent="0">
-              <a:buNone/>
-            </a:pPr>
-            <a:r>
-              <a:rPr lang="en-US" sz="4400" dirty="0">
-                <a:solidFill>
-                  <a:schemeClr val="accent6">
-                    <a:lumMod val="75000"/>
-                  </a:schemeClr>
-                </a:solidFill>
-              </a:rPr>
-              <a:t>Control</a:t>
-            </a:r>
-          </a:p>
-        </p:txBody>
-      </p:sp>
-      <p:sp>
-        <p:nvSpPr>
-          <p:cNvPr id="3" name="Title 2"/>
-          <p:cNvSpPr>
-            <a:spLocks noGrp="1"/>
-          </p:cNvSpPr>
-          <p:nvPr>
-            <p:ph type="title"/>
-          </p:nvPr>
-        </p:nvSpPr>
-        <p:spPr>
-          <a:xfrm>
-            <a:off x="1917701" y="239714"/>
-            <a:ext cx="7494588" cy="3161213"/>
-          </a:xfrm>
-        </p:spPr>
-        <p:txBody>
-          <a:bodyPr>
-            <a:normAutofit/>
-          </a:bodyPr>
-          <a:lstStyle/>
-          <a:p>
-            <a:r>
-              <a:rPr lang="en-US" sz="16600" dirty="0" err="1"/>
-              <a:t>Eunit</a:t>
-            </a:r>
-            <a:endParaRPr lang="en-US" sz="16600" dirty="0"/>
-          </a:p>
-        </p:txBody>
-      </p:sp>
-      <p:sp>
-        <p:nvSpPr>
-          <p:cNvPr id="5" name="Rectangle 4"/>
-          <p:cNvSpPr/>
-          <p:nvPr/>
-        </p:nvSpPr>
-        <p:spPr bwMode="auto">
-          <a:xfrm>
-            <a:off x="1716506" y="3310826"/>
-            <a:ext cx="8293769" cy="794975"/>
-          </a:xfrm>
-          <a:prstGeom prst="rect">
-            <a:avLst/>
-          </a:prstGeom>
-          <a:solidFill>
-            <a:schemeClr val="bg1">
-              <a:alpha val="70000"/>
-            </a:schemeClr>
-          </a:solidFill>
-          <a:ln w="12700" cap="flat" cmpd="sng" algn="ctr">
-            <a:noFill/>
-            <a:prstDash val="solid"/>
-            <a:round/>
-            <a:headEnd type="none" w="med" len="med"/>
-            <a:tailEnd type="none" w="med" len="med"/>
-          </a:ln>
-          <a:effectLst/>
-        </p:spPr>
-        <p:txBody>
-          <a:bodyPr vert="horz" wrap="none" lIns="72000" tIns="45720" rIns="72000" bIns="45720" numCol="1" rtlCol="0" anchor="t" anchorCtr="0" compatLnSpc="1">
-            <a:prstTxWarp prst="textNoShape">
-              <a:avLst/>
-            </a:prstTxWarp>
-          </a:bodyPr>
-          <a:lstStyle/>
-          <a:p>
-            <a:endParaRPr lang="en-US"/>
-          </a:p>
-        </p:txBody>
-      </p:sp>
-      <p:sp>
-        <p:nvSpPr>
-          <p:cNvPr id="6" name="Rectangle 5"/>
-          <p:cNvSpPr/>
-          <p:nvPr/>
-        </p:nvSpPr>
-        <p:spPr bwMode="auto">
-          <a:xfrm>
-            <a:off x="1716506" y="4310785"/>
-            <a:ext cx="8293769" cy="794975"/>
-          </a:xfrm>
-          <a:prstGeom prst="rect">
-            <a:avLst/>
-          </a:prstGeom>
-          <a:solidFill>
-            <a:schemeClr val="bg1">
-              <a:alpha val="70000"/>
-            </a:schemeClr>
-          </a:solidFill>
-          <a:ln w="12700" cap="flat" cmpd="sng" algn="ctr">
-            <a:noFill/>
-            <a:prstDash val="solid"/>
-            <a:round/>
-            <a:headEnd type="none" w="med" len="med"/>
-            <a:tailEnd type="none" w="med" len="med"/>
-          </a:ln>
-          <a:effectLst/>
-        </p:spPr>
-        <p:txBody>
-          <a:bodyPr vert="horz" wrap="none" lIns="72000" tIns="45720" rIns="72000" bIns="45720" numCol="1" rtlCol="0" anchor="t" anchorCtr="0" compatLnSpc="1">
-            <a:prstTxWarp prst="textNoShape">
-              <a:avLst/>
-            </a:prstTxWarp>
-          </a:bodyPr>
-          <a:lstStyle/>
-          <a:p>
-            <a:endParaRPr lang="en-US"/>
-          </a:p>
-        </p:txBody>
-      </p:sp>
-      <p:sp>
-        <p:nvSpPr>
-          <p:cNvPr id="7" name="Rectangle 6"/>
-          <p:cNvSpPr/>
-          <p:nvPr/>
-        </p:nvSpPr>
-        <p:spPr bwMode="auto">
-          <a:xfrm>
-            <a:off x="1975772" y="5825876"/>
-            <a:ext cx="8293769" cy="646164"/>
-          </a:xfrm>
-          <a:prstGeom prst="rect">
-            <a:avLst/>
-          </a:prstGeom>
-          <a:solidFill>
-            <a:schemeClr val="bg1">
-              <a:alpha val="70000"/>
-            </a:schemeClr>
-          </a:solidFill>
-          <a:ln w="12700" cap="flat" cmpd="sng" algn="ctr">
-            <a:noFill/>
-            <a:prstDash val="solid"/>
-            <a:round/>
-            <a:headEnd type="none" w="med" len="med"/>
-            <a:tailEnd type="none" w="med" len="med"/>
-          </a:ln>
-          <a:effectLst/>
-        </p:spPr>
-        <p:txBody>
-          <a:bodyPr vert="horz" wrap="none" lIns="72000" tIns="45720" rIns="72000" bIns="45720" numCol="1" rtlCol="0" anchor="t" anchorCtr="0" compatLnSpc="1">
-            <a:prstTxWarp prst="textNoShape">
-              <a:avLst/>
-            </a:prstTxWarp>
-          </a:bodyPr>
-          <a:lstStyle/>
-          <a:p>
-            <a:endParaRPr lang="en-US"/>
           </a:p>
         </p:txBody>
       </p:sp>
     </p:spTree>
     <p:extLst>
       <p:ext uri="{BB962C8B-B14F-4D97-AF65-F5344CB8AC3E}">
-        <p14:creationId xmlns:p14="http://schemas.microsoft.com/office/powerpoint/2010/main" val="528717569"/>
+        <p14:creationId xmlns:p14="http://schemas.microsoft.com/office/powerpoint/2010/main" val="751088879"/>
       </p:ext>
     </p:extLst>
   </p:cSld>
@@ -10091,80 +10419,132 @@
             <p:ph idx="1"/>
           </p:nvPr>
         </p:nvSpPr>
-        <p:spPr/>
-        <p:txBody>
-          <a:bodyPr/>
-          <a:lstStyle/>
-          <a:p>
-            <a:r>
-              <a:rPr lang="en-US" dirty="0"/>
-              <a:t>The </a:t>
-            </a:r>
-            <a:r>
-              <a:rPr lang="en-US" dirty="0" err="1"/>
-              <a:t>eunit</a:t>
-            </a:r>
-            <a:r>
-              <a:rPr lang="en-US" dirty="0"/>
-              <a:t> library includes a lot of macros to make writing tests easier.</a:t>
-            </a:r>
-          </a:p>
-          <a:p>
-            <a:r>
-              <a:rPr lang="en-US" dirty="0"/>
-              <a:t>The assert macros are useful. Let's rewrite one of the earlier tests to look more unit testy.</a:t>
-            </a:r>
-          </a:p>
-        </p:txBody>
-      </p:sp>
-      <p:sp>
-        <p:nvSpPr>
-          <p:cNvPr id="3" name="Title 2"/>
-          <p:cNvSpPr>
-            <a:spLocks noGrp="1"/>
-          </p:cNvSpPr>
-          <p:nvPr>
-            <p:ph type="title"/>
-          </p:nvPr>
-        </p:nvSpPr>
-        <p:spPr/>
-        <p:txBody>
-          <a:bodyPr/>
-          <a:lstStyle/>
-          <a:p>
-            <a:r>
-              <a:rPr lang="en-US" dirty="0">
+        <p:spPr>
+          <a:xfrm>
+            <a:off x="1917702" y="3416968"/>
+            <a:ext cx="8351839" cy="2700253"/>
+          </a:xfrm>
+        </p:spPr>
+        <p:txBody>
+          <a:bodyPr/>
+          <a:lstStyle/>
+          <a:p>
+            <a:pPr marL="0" indent="0">
+              <a:buNone/>
+            </a:pPr>
+            <a:r>
+              <a:rPr lang="en-US" sz="4400" dirty="0">
+                <a:solidFill>
+                  <a:schemeClr val="tx2">
+                    <a:lumMod val="50000"/>
+                    <a:lumOff val="50000"/>
+                  </a:schemeClr>
+                </a:solidFill>
+              </a:rPr>
+              <a:t>Test modules and test functions</a:t>
+            </a:r>
+          </a:p>
+          <a:p>
+            <a:pPr marL="0" indent="0">
+              <a:buNone/>
+            </a:pPr>
+            <a:r>
+              <a:rPr lang="en-US" sz="4400" dirty="0">
+                <a:solidFill>
+                  <a:srgbClr val="C00000"/>
+                </a:solidFill>
+              </a:rPr>
+              <a:t>Fixtures</a:t>
+            </a:r>
+          </a:p>
+          <a:p>
+            <a:pPr marL="0" indent="0">
+              <a:buNone/>
+            </a:pPr>
+            <a:r>
+              <a:rPr lang="en-US" sz="4400" dirty="0">
                 <a:solidFill>
                   <a:schemeClr val="accent1">
                     <a:lumMod val="75000"/>
                   </a:schemeClr>
                 </a:solidFill>
-                <a:latin typeface="+mn-lt"/>
               </a:rPr>
               <a:t>Macros</a:t>
             </a:r>
-            <a:endParaRPr lang="en-US" dirty="0">
-              <a:latin typeface="+mn-lt"/>
+          </a:p>
+          <a:p>
+            <a:pPr marL="0" indent="0">
+              <a:buNone/>
+            </a:pPr>
+            <a:r>
+              <a:rPr lang="en-US" sz="4400" dirty="0">
+                <a:solidFill>
+                  <a:schemeClr val="accent6">
+                    <a:lumMod val="75000"/>
+                  </a:schemeClr>
+                </a:solidFill>
+              </a:rPr>
+              <a:t>Control</a:t>
+            </a:r>
+          </a:p>
+        </p:txBody>
+      </p:sp>
+      <p:sp>
+        <p:nvSpPr>
+          <p:cNvPr id="3" name="Title 2"/>
+          <p:cNvSpPr>
+            <a:spLocks noGrp="1"/>
+          </p:cNvSpPr>
+          <p:nvPr>
+            <p:ph type="title"/>
+          </p:nvPr>
+        </p:nvSpPr>
+        <p:spPr>
+          <a:xfrm>
+            <a:off x="1917701" y="239714"/>
+            <a:ext cx="7494588" cy="3161213"/>
+          </a:xfrm>
+        </p:spPr>
+        <p:txBody>
+          <a:bodyPr>
+            <a:normAutofit/>
+          </a:bodyPr>
+          <a:lstStyle/>
+          <a:p>
+            <a:r>
+              <a:rPr lang="en-US" sz="16600" dirty="0" err="1">
+                <a:solidFill>
+                  <a:srgbClr val="00B050"/>
+                </a:solidFill>
+              </a:rPr>
+              <a:t>Eunit</a:t>
+            </a:r>
+            <a:endParaRPr lang="en-US" sz="16600" dirty="0">
+              <a:solidFill>
+                <a:srgbClr val="00B050"/>
+              </a:solidFill>
             </a:endParaRPr>
           </a:p>
         </p:txBody>
       </p:sp>
       <p:sp>
         <p:nvSpPr>
-          <p:cNvPr id="4" name="Rectangle: Rounded Corners 3"/>
+          <p:cNvPr id="5" name="Rectangle 4"/>
           <p:cNvSpPr/>
           <p:nvPr/>
         </p:nvSpPr>
         <p:spPr bwMode="auto">
           <a:xfrm>
-            <a:off x="2889252" y="4776981"/>
-            <a:ext cx="6066896" cy="1349934"/>
+            <a:off x="1716506" y="3310826"/>
+            <a:ext cx="8293769" cy="794975"/>
           </a:xfrm>
-          <a:prstGeom prst="roundRect">
+          <a:prstGeom prst="rect">
             <a:avLst/>
           </a:prstGeom>
           <a:solidFill>
-            <a:srgbClr val="000000"/>
+            <a:schemeClr val="bg1">
+              <a:alpha val="70000"/>
+            </a:schemeClr>
           </a:solidFill>
           <a:ln w="12700" cap="flat" cmpd="sng" algn="ctr">
             <a:noFill/>
@@ -10189,20 +10569,22 @@
       </p:sp>
       <p:sp>
         <p:nvSpPr>
-          <p:cNvPr id="5" name="Rectangle: Rounded Corners 4"/>
+          <p:cNvPr id="6" name="Rectangle 5"/>
           <p:cNvSpPr/>
           <p:nvPr/>
         </p:nvSpPr>
         <p:spPr bwMode="auto">
           <a:xfrm>
-            <a:off x="2889252" y="3339138"/>
-            <a:ext cx="6066896" cy="1049279"/>
+            <a:off x="1716506" y="4310785"/>
+            <a:ext cx="8293769" cy="794975"/>
           </a:xfrm>
-          <a:prstGeom prst="roundRect">
+          <a:prstGeom prst="rect">
             <a:avLst/>
           </a:prstGeom>
           <a:solidFill>
-            <a:srgbClr val="000000"/>
+            <a:schemeClr val="bg1">
+              <a:alpha val="70000"/>
+            </a:schemeClr>
           </a:solidFill>
           <a:ln w="12700" cap="flat" cmpd="sng" algn="ctr">
             <a:noFill/>
@@ -10225,58 +10607,50 @@
           </a:p>
         </p:txBody>
       </p:sp>
-      <p:pic>
-        <p:nvPicPr>
-          <p:cNvPr id="6" name="Picture 5"/>
-          <p:cNvPicPr>
-            <a:picLocks noChangeAspect="1"/>
-          </p:cNvPicPr>
+      <p:sp>
+        <p:nvSpPr>
+          <p:cNvPr id="7" name="Rectangle 6"/>
+          <p:cNvSpPr/>
           <p:nvPr/>
-        </p:nvPicPr>
-        <p:blipFill>
-          <a:blip r:embed="rId3"/>
-          <a:stretch>
-            <a:fillRect/>
-          </a:stretch>
-        </p:blipFill>
-        <p:spPr>
+        </p:nvSpPr>
+        <p:spPr bwMode="auto">
           <a:xfrm>
-            <a:off x="3320260" y="3541813"/>
-            <a:ext cx="4610100" cy="695325"/>
+            <a:off x="1975772" y="5825876"/>
+            <a:ext cx="8293769" cy="646164"/>
           </a:xfrm>
           <a:prstGeom prst="rect">
             <a:avLst/>
           </a:prstGeom>
+          <a:solidFill>
+            <a:schemeClr val="bg1">
+              <a:alpha val="70000"/>
+            </a:schemeClr>
+          </a:solidFill>
+          <a:ln w="12700" cap="flat" cmpd="sng" algn="ctr">
+            <a:noFill/>
+            <a:prstDash val="solid"/>
+            <a:round/>
+            <a:headEnd type="none" w="med" len="med"/>
+            <a:tailEnd type="none" w="med" len="med"/>
+          </a:ln>
+          <a:effectLst/>
         </p:spPr>
-      </p:pic>
-      <p:pic>
-        <p:nvPicPr>
-          <p:cNvPr id="7" name="Picture 6"/>
-          <p:cNvPicPr>
-            <a:picLocks noChangeAspect="1"/>
-          </p:cNvPicPr>
-          <p:nvPr/>
-        </p:nvPicPr>
-        <p:blipFill>
-          <a:blip r:embed="rId4"/>
-          <a:stretch>
-            <a:fillRect/>
-          </a:stretch>
-        </p:blipFill>
-        <p:spPr>
-          <a:xfrm>
-            <a:off x="3213895" y="4893926"/>
-            <a:ext cx="5229225" cy="1104900"/>
-          </a:xfrm>
-          <a:prstGeom prst="rect">
-            <a:avLst/>
-          </a:prstGeom>
-        </p:spPr>
-      </p:pic>
+        <p:txBody>
+          <a:bodyPr vert="horz" wrap="none" lIns="72000" tIns="45720" rIns="72000" bIns="45720" numCol="1" rtlCol="0" anchor="t" anchorCtr="0" compatLnSpc="1">
+            <a:prstTxWarp prst="textNoShape">
+              <a:avLst/>
+            </a:prstTxWarp>
+          </a:bodyPr>
+          <a:lstStyle/>
+          <a:p>
+            <a:endParaRPr lang="en-US"/>
+          </a:p>
+        </p:txBody>
+      </p:sp>
     </p:spTree>
     <p:extLst>
       <p:ext uri="{BB962C8B-B14F-4D97-AF65-F5344CB8AC3E}">
-        <p14:creationId xmlns:p14="http://schemas.microsoft.com/office/powerpoint/2010/main" val="3353179197"/>
+        <p14:creationId xmlns:p14="http://schemas.microsoft.com/office/powerpoint/2010/main" val="528717569"/>
       </p:ext>
     </p:extLst>
   </p:cSld>
@@ -10352,8 +10726,8 @@
         </p:nvSpPr>
         <p:spPr bwMode="auto">
           <a:xfrm>
-            <a:off x="7636932" y="2861733"/>
-            <a:ext cx="4538135" cy="3979334"/>
+            <a:off x="7230534" y="2285996"/>
+            <a:ext cx="5300134" cy="4826000"/>
           </a:xfrm>
           <a:prstGeom prst="rect">
             <a:avLst/>
@@ -10448,8 +10822,8 @@
         </p:nvSpPr>
         <p:spPr>
           <a:xfrm>
-            <a:off x="524935" y="1693334"/>
-            <a:ext cx="11226150" cy="954107"/>
+            <a:off x="524935" y="1401567"/>
+            <a:ext cx="11226150" cy="2031325"/>
           </a:xfrm>
           <a:prstGeom prst="rect">
             <a:avLst/>
@@ -10463,18 +10837,11 @@
           <a:lstStyle/>
           <a:p>
             <a:r>
-              <a:rPr lang="en-US" sz="2800" dirty="0" err="1">
-                <a:latin typeface="Consolas" panose="020B0609020204030204" pitchFamily="49" charset="0"/>
-                <a:cs typeface="Consolas" panose="020B0609020204030204" pitchFamily="49" charset="0"/>
-              </a:rPr>
-              <a:t>git</a:t>
-            </a:r>
-            <a:r>
               <a:rPr lang="en-US" sz="2800" dirty="0">
                 <a:latin typeface="Consolas" panose="020B0609020204030204" pitchFamily="49" charset="0"/>
                 <a:cs typeface="Consolas" panose="020B0609020204030204" pitchFamily="49" charset="0"/>
               </a:rPr>
-              <a:t> clone</a:t>
+              <a:t>All code examples, snippets, instructions and</a:t>
             </a:r>
             <a:br>
               <a:rPr lang="en-US" sz="2800" dirty="0">
@@ -10487,15 +10854,63 @@
                 <a:latin typeface="Consolas" panose="020B0609020204030204" pitchFamily="49" charset="0"/>
                 <a:cs typeface="Consolas" panose="020B0609020204030204" pitchFamily="49" charset="0"/>
               </a:rPr>
+              <a:t>this presentation itself are available on </a:t>
+            </a:r>
+            <a:r>
+              <a:rPr lang="en-US" sz="2800" dirty="0" err="1">
+                <a:latin typeface="Consolas" panose="020B0609020204030204" pitchFamily="49" charset="0"/>
+                <a:cs typeface="Consolas" panose="020B0609020204030204" pitchFamily="49" charset="0"/>
+              </a:rPr>
+              <a:t>github</a:t>
+            </a:r>
+            <a:r>
+              <a:rPr lang="en-US" sz="2800" dirty="0">
+                <a:latin typeface="Consolas" panose="020B0609020204030204" pitchFamily="49" charset="0"/>
+                <a:cs typeface="Consolas" panose="020B0609020204030204" pitchFamily="49" charset="0"/>
+              </a:rPr>
+              <a:t>:</a:t>
+            </a:r>
+          </a:p>
+          <a:p>
+            <a:r>
+              <a:rPr lang="en-US" sz="2800" dirty="0" err="1">
+                <a:latin typeface="Consolas" panose="020B0609020204030204" pitchFamily="49" charset="0"/>
+                <a:cs typeface="Consolas" panose="020B0609020204030204" pitchFamily="49" charset="0"/>
+              </a:rPr>
+              <a:t>git</a:t>
+            </a:r>
+            <a:r>
+              <a:rPr lang="en-US" sz="2800" dirty="0">
+                <a:latin typeface="Consolas" panose="020B0609020204030204" pitchFamily="49" charset="0"/>
+                <a:cs typeface="Consolas" panose="020B0609020204030204" pitchFamily="49" charset="0"/>
+              </a:rPr>
+              <a:t> clone</a:t>
+            </a:r>
+            <a:br>
+              <a:rPr lang="en-US" sz="2800" dirty="0">
+                <a:latin typeface="Consolas" panose="020B0609020204030204" pitchFamily="49" charset="0"/>
+                <a:cs typeface="Consolas" panose="020B0609020204030204" pitchFamily="49" charset="0"/>
+              </a:rPr>
+            </a:br>
+            <a:r>
+              <a:rPr lang="en-US" sz="2800" dirty="0">
+                <a:latin typeface="Consolas" panose="020B0609020204030204" pitchFamily="49" charset="0"/>
+                <a:cs typeface="Consolas" panose="020B0609020204030204" pitchFamily="49" charset="0"/>
+                <a:hlinkClick r:id="rId4"/>
+              </a:rPr>
               <a:t>https://github.com/gwaerondor/unit_testing_in_erlang.git</a:t>
             </a:r>
+            <a:endParaRPr lang="en-US" sz="2800" dirty="0">
+              <a:latin typeface="Consolas" panose="020B0609020204030204" pitchFamily="49" charset="0"/>
+              <a:cs typeface="Consolas" panose="020B0609020204030204" pitchFamily="49" charset="0"/>
+            </a:endParaRPr>
           </a:p>
         </p:txBody>
       </p:sp>
     </p:spTree>
     <p:extLst>
       <p:ext uri="{BB962C8B-B14F-4D97-AF65-F5344CB8AC3E}">
-        <p14:creationId xmlns:p14="http://schemas.microsoft.com/office/powerpoint/2010/main" val="2859402811"/>
+        <p14:creationId xmlns:p14="http://schemas.microsoft.com/office/powerpoint/2010/main" val="359537739"/>
       </p:ext>
     </p:extLst>
   </p:cSld>
@@ -10524,7 +10939,43 @@
       </p:grpSpPr>
       <p:sp>
         <p:nvSpPr>
-          <p:cNvPr id="8" name="Title 2"/>
+          <p:cNvPr id="2" name="Content Placeholder 1"/>
+          <p:cNvSpPr>
+            <a:spLocks noGrp="1"/>
+          </p:cNvSpPr>
+          <p:nvPr>
+            <p:ph idx="1"/>
+          </p:nvPr>
+        </p:nvSpPr>
+        <p:spPr/>
+        <p:txBody>
+          <a:bodyPr/>
+          <a:lstStyle/>
+          <a:p>
+            <a:r>
+              <a:rPr lang="en-US" dirty="0"/>
+              <a:t>The </a:t>
+            </a:r>
+            <a:r>
+              <a:rPr lang="en-US" dirty="0" err="1"/>
+              <a:t>eunit</a:t>
+            </a:r>
+            <a:r>
+              <a:rPr lang="en-US" dirty="0"/>
+              <a:t> library includes a lot of macros to make writing tests easier.</a:t>
+            </a:r>
+          </a:p>
+          <a:p>
+            <a:r>
+              <a:rPr lang="en-US" dirty="0"/>
+              <a:t>The assert macros are useful. Let's rewrite one of the earlier tests to look more unit testy.</a:t>
+            </a:r>
+          </a:p>
+        </p:txBody>
+      </p:sp>
+      <p:sp>
+        <p:nvSpPr>
+          <p:cNvPr id="3" name="Title 2"/>
           <p:cNvSpPr>
             <a:spLocks noGrp="1"/>
           </p:cNvSpPr>
@@ -10532,12 +10983,7 @@
             <p:ph type="title"/>
           </p:nvPr>
         </p:nvSpPr>
-        <p:spPr>
-          <a:xfrm>
-            <a:off x="524935" y="239714"/>
-            <a:ext cx="9992784" cy="1085371"/>
-          </a:xfrm>
-        </p:spPr>
+        <p:spPr/>
         <p:txBody>
           <a:bodyPr/>
           <a:lstStyle/>
@@ -10561,182 +11007,132 @@
       </p:sp>
       <p:sp>
         <p:nvSpPr>
-          <p:cNvPr id="9" name="Content Placeholder 1"/>
-          <p:cNvSpPr>
-            <a:spLocks noGrp="1"/>
-          </p:cNvSpPr>
-          <p:nvPr>
-            <p:ph idx="1"/>
-          </p:nvPr>
-        </p:nvSpPr>
+          <p:cNvPr id="4" name="Rectangle: Rounded Corners 3"/>
+          <p:cNvSpPr/>
+          <p:nvPr/>
+        </p:nvSpPr>
+        <p:spPr bwMode="auto">
+          <a:xfrm>
+            <a:off x="2889252" y="4776981"/>
+            <a:ext cx="6066896" cy="1349934"/>
+          </a:xfrm>
+          <a:prstGeom prst="roundRect">
+            <a:avLst/>
+          </a:prstGeom>
+          <a:solidFill>
+            <a:srgbClr val="000000"/>
+          </a:solidFill>
+          <a:ln w="12700" cap="flat" cmpd="sng" algn="ctr">
+            <a:noFill/>
+            <a:prstDash val="solid"/>
+            <a:round/>
+            <a:headEnd type="none" w="med" len="med"/>
+            <a:tailEnd type="none" w="med" len="med"/>
+          </a:ln>
+          <a:effectLst/>
+        </p:spPr>
+        <p:txBody>
+          <a:bodyPr vert="horz" wrap="none" lIns="72000" tIns="45720" rIns="72000" bIns="45720" numCol="1" rtlCol="0" anchor="t" anchorCtr="0" compatLnSpc="1">
+            <a:prstTxWarp prst="textNoShape">
+              <a:avLst/>
+            </a:prstTxWarp>
+          </a:bodyPr>
+          <a:lstStyle/>
+          <a:p>
+            <a:endParaRPr lang="en-US"/>
+          </a:p>
+        </p:txBody>
+      </p:sp>
+      <p:sp>
+        <p:nvSpPr>
+          <p:cNvPr id="5" name="Rectangle: Rounded Corners 4"/>
+          <p:cNvSpPr/>
+          <p:nvPr/>
+        </p:nvSpPr>
+        <p:spPr bwMode="auto">
+          <a:xfrm>
+            <a:off x="2889252" y="3339138"/>
+            <a:ext cx="6066896" cy="1049279"/>
+          </a:xfrm>
+          <a:prstGeom prst="roundRect">
+            <a:avLst/>
+          </a:prstGeom>
+          <a:solidFill>
+            <a:srgbClr val="000000"/>
+          </a:solidFill>
+          <a:ln w="12700" cap="flat" cmpd="sng" algn="ctr">
+            <a:noFill/>
+            <a:prstDash val="solid"/>
+            <a:round/>
+            <a:headEnd type="none" w="med" len="med"/>
+            <a:tailEnd type="none" w="med" len="med"/>
+          </a:ln>
+          <a:effectLst/>
+        </p:spPr>
+        <p:txBody>
+          <a:bodyPr vert="horz" wrap="none" lIns="72000" tIns="45720" rIns="72000" bIns="45720" numCol="1" rtlCol="0" anchor="t" anchorCtr="0" compatLnSpc="1">
+            <a:prstTxWarp prst="textNoShape">
+              <a:avLst/>
+            </a:prstTxWarp>
+          </a:bodyPr>
+          <a:lstStyle/>
+          <a:p>
+            <a:endParaRPr lang="en-US"/>
+          </a:p>
+        </p:txBody>
+      </p:sp>
+      <p:pic>
+        <p:nvPicPr>
+          <p:cNvPr id="6" name="Picture 5"/>
+          <p:cNvPicPr>
+            <a:picLocks noChangeAspect="1"/>
+          </p:cNvPicPr>
+          <p:nvPr/>
+        </p:nvPicPr>
+        <p:blipFill>
+          <a:blip r:embed="rId3"/>
+          <a:stretch>
+            <a:fillRect/>
+          </a:stretch>
+        </p:blipFill>
         <p:spPr>
           <a:xfrm>
-            <a:off x="529168" y="1800000"/>
-            <a:ext cx="11135785" cy="3852000"/>
+            <a:off x="3320260" y="3541813"/>
+            <a:ext cx="4610100" cy="695325"/>
           </a:xfrm>
+          <a:prstGeom prst="rect">
+            <a:avLst/>
+          </a:prstGeom>
         </p:spPr>
-        <p:txBody>
-          <a:bodyPr/>
-          <a:lstStyle/>
-          <a:p>
-            <a:r>
-              <a:rPr lang="en-US" dirty="0"/>
-              <a:t>Other macros include:</a:t>
-            </a:r>
-          </a:p>
-          <a:p>
-            <a:endParaRPr lang="en-US" dirty="0"/>
-          </a:p>
-          <a:p>
-            <a:r>
-              <a:rPr lang="en-US" dirty="0">
-                <a:latin typeface="Consolas" panose="020B0609020204030204" pitchFamily="49" charset="0"/>
-                <a:cs typeface="Consolas" panose="020B0609020204030204" pitchFamily="49" charset="0"/>
-              </a:rPr>
-              <a:t>?assert(Bool)</a:t>
-            </a:r>
-            <a:r>
-              <a:rPr lang="en-US" dirty="0"/>
-              <a:t> – Succeeds if Bool is true.</a:t>
-            </a:r>
-          </a:p>
-          <a:p>
-            <a:r>
-              <a:rPr lang="en-US" dirty="0">
-                <a:latin typeface="Consolas" panose="020B0609020204030204" pitchFamily="49" charset="0"/>
-                <a:cs typeface="Consolas" panose="020B0609020204030204" pitchFamily="49" charset="0"/>
-              </a:rPr>
-              <a:t>?</a:t>
-            </a:r>
-            <a:r>
-              <a:rPr lang="en-US" dirty="0" err="1">
-                <a:latin typeface="Consolas" panose="020B0609020204030204" pitchFamily="49" charset="0"/>
-                <a:cs typeface="Consolas" panose="020B0609020204030204" pitchFamily="49" charset="0"/>
-              </a:rPr>
-              <a:t>assertNot</a:t>
-            </a:r>
-            <a:r>
-              <a:rPr lang="en-US" dirty="0">
-                <a:latin typeface="Consolas" panose="020B0609020204030204" pitchFamily="49" charset="0"/>
-                <a:cs typeface="Consolas" panose="020B0609020204030204" pitchFamily="49" charset="0"/>
-              </a:rPr>
-              <a:t>(Bool)</a:t>
-            </a:r>
-            <a:r>
-              <a:rPr lang="en-US" dirty="0"/>
-              <a:t> – Inverse of </a:t>
-            </a:r>
-            <a:r>
-              <a:rPr lang="en-US" dirty="0">
-                <a:latin typeface="Consolas" panose="020B0609020204030204" pitchFamily="49" charset="0"/>
-                <a:cs typeface="Consolas" panose="020B0609020204030204" pitchFamily="49" charset="0"/>
-              </a:rPr>
-              <a:t>?assert</a:t>
-            </a:r>
-          </a:p>
-          <a:p>
-            <a:r>
-              <a:rPr lang="en-US" dirty="0">
-                <a:latin typeface="Consolas" panose="020B0609020204030204" pitchFamily="49" charset="0"/>
-                <a:cs typeface="Consolas" panose="020B0609020204030204" pitchFamily="49" charset="0"/>
-              </a:rPr>
-              <a:t>?</a:t>
-            </a:r>
-            <a:r>
-              <a:rPr lang="en-US" dirty="0" err="1">
-                <a:latin typeface="Consolas" panose="020B0609020204030204" pitchFamily="49" charset="0"/>
-                <a:cs typeface="Consolas" panose="020B0609020204030204" pitchFamily="49" charset="0"/>
-              </a:rPr>
-              <a:t>assertMatch</a:t>
-            </a:r>
-            <a:r>
-              <a:rPr lang="en-US" dirty="0">
-                <a:latin typeface="Consolas" panose="020B0609020204030204" pitchFamily="49" charset="0"/>
-                <a:cs typeface="Consolas" panose="020B0609020204030204" pitchFamily="49" charset="0"/>
-              </a:rPr>
-              <a:t>(</a:t>
-            </a:r>
-            <a:r>
-              <a:rPr lang="en-US" dirty="0" err="1">
-                <a:latin typeface="Consolas" panose="020B0609020204030204" pitchFamily="49" charset="0"/>
-                <a:cs typeface="Consolas" panose="020B0609020204030204" pitchFamily="49" charset="0"/>
-              </a:rPr>
-              <a:t>ExpectedPattern</a:t>
-            </a:r>
-            <a:r>
-              <a:rPr lang="en-US" dirty="0">
-                <a:latin typeface="Consolas" panose="020B0609020204030204" pitchFamily="49" charset="0"/>
-                <a:cs typeface="Consolas" panose="020B0609020204030204" pitchFamily="49" charset="0"/>
-              </a:rPr>
-              <a:t>, Result)</a:t>
-            </a:r>
-            <a:r>
-              <a:rPr lang="en-US" dirty="0"/>
-              <a:t> – Checks if Result will properly pattern match with </a:t>
-            </a:r>
-            <a:r>
-              <a:rPr lang="en-US" dirty="0" err="1"/>
-              <a:t>ExpectedPattern</a:t>
-            </a:r>
-            <a:r>
-              <a:rPr lang="en-US" dirty="0"/>
-              <a:t> and succeeds if it does.</a:t>
-            </a:r>
-          </a:p>
-          <a:p>
-            <a:r>
-              <a:rPr lang="en-US" dirty="0">
-                <a:latin typeface="Consolas" panose="020B0609020204030204" pitchFamily="49" charset="0"/>
-                <a:cs typeface="Consolas" panose="020B0609020204030204" pitchFamily="49" charset="0"/>
-              </a:rPr>
-              <a:t>?</a:t>
-            </a:r>
-            <a:r>
-              <a:rPr lang="en-US" dirty="0" err="1">
-                <a:latin typeface="Consolas" panose="020B0609020204030204" pitchFamily="49" charset="0"/>
-                <a:cs typeface="Consolas" panose="020B0609020204030204" pitchFamily="49" charset="0"/>
-              </a:rPr>
-              <a:t>assertNotEqual</a:t>
-            </a:r>
-            <a:r>
-              <a:rPr lang="en-US" dirty="0">
-                <a:latin typeface="Consolas" panose="020B0609020204030204" pitchFamily="49" charset="0"/>
-                <a:cs typeface="Consolas" panose="020B0609020204030204" pitchFamily="49" charset="0"/>
-              </a:rPr>
-              <a:t>(Expected, Result)</a:t>
-            </a:r>
-            <a:r>
-              <a:rPr lang="en-US" dirty="0"/>
-              <a:t> – Inverse of </a:t>
-            </a:r>
-            <a:r>
-              <a:rPr lang="en-US" dirty="0">
-                <a:latin typeface="Consolas" panose="020B0609020204030204" pitchFamily="49" charset="0"/>
-                <a:cs typeface="Consolas" panose="020B0609020204030204" pitchFamily="49" charset="0"/>
-              </a:rPr>
-              <a:t>?</a:t>
-            </a:r>
-            <a:r>
-              <a:rPr lang="en-US" dirty="0" err="1">
-                <a:latin typeface="Consolas" panose="020B0609020204030204" pitchFamily="49" charset="0"/>
-                <a:cs typeface="Consolas" panose="020B0609020204030204" pitchFamily="49" charset="0"/>
-              </a:rPr>
-              <a:t>assertEqual</a:t>
-            </a:r>
-            <a:endParaRPr lang="en-US" dirty="0">
-              <a:latin typeface="Consolas" panose="020B0609020204030204" pitchFamily="49" charset="0"/>
-              <a:cs typeface="Consolas" panose="020B0609020204030204" pitchFamily="49" charset="0"/>
-            </a:endParaRPr>
-          </a:p>
-          <a:p>
-            <a:endParaRPr lang="en-US" dirty="0"/>
-          </a:p>
-        </p:txBody>
-      </p:sp>
+      </p:pic>
+      <p:pic>
+        <p:nvPicPr>
+          <p:cNvPr id="7" name="Picture 6"/>
+          <p:cNvPicPr>
+            <a:picLocks noChangeAspect="1"/>
+          </p:cNvPicPr>
+          <p:nvPr/>
+        </p:nvPicPr>
+        <p:blipFill>
+          <a:blip r:embed="rId4"/>
+          <a:stretch>
+            <a:fillRect/>
+          </a:stretch>
+        </p:blipFill>
+        <p:spPr>
+          <a:xfrm>
+            <a:off x="3213895" y="4893926"/>
+            <a:ext cx="5229225" cy="1104900"/>
+          </a:xfrm>
+          <a:prstGeom prst="rect">
+            <a:avLst/>
+          </a:prstGeom>
+        </p:spPr>
+      </p:pic>
     </p:spTree>
     <p:extLst>
       <p:ext uri="{BB962C8B-B14F-4D97-AF65-F5344CB8AC3E}">
-        <p14:creationId xmlns:p14="http://schemas.microsoft.com/office/powerpoint/2010/main" val="3491352087"/>
+        <p14:creationId xmlns:p14="http://schemas.microsoft.com/office/powerpoint/2010/main" val="3353179197"/>
       </p:ext>
     </p:extLst>
   </p:cSld>
@@ -10792,7 +11188,7 @@
                 </a:solidFill>
                 <a:latin typeface="+mn-lt"/>
               </a:rPr>
-              <a:t>Test objects</a:t>
+              <a:t>Macros</a:t>
             </a:r>
             <a:endParaRPr lang="en-US" dirty="0">
               <a:latin typeface="+mn-lt"/>
@@ -10821,36 +11217,163 @@
           <a:lstStyle/>
           <a:p>
             <a:r>
-              <a:rPr lang="en-US" sz="3600" dirty="0"/>
-              <a:t>Remember the fixtures from before and how the tests in the list could either be just a fun or a tuple with a description and a fun?</a:t>
-            </a:r>
-          </a:p>
-          <a:p>
-            <a:endParaRPr lang="en-US" sz="3600" dirty="0"/>
-          </a:p>
-          <a:p>
-            <a:r>
-              <a:rPr lang="en-US" sz="3600" dirty="0"/>
-              <a:t>These are only some of many different representation a test can have – these different representations are called </a:t>
-            </a:r>
-            <a:r>
-              <a:rPr lang="en-US" sz="3600" i="1" dirty="0"/>
-              <a:t>test objects</a:t>
-            </a:r>
-            <a:r>
-              <a:rPr lang="en-US" sz="3600" dirty="0"/>
-              <a:t>.</a:t>
-            </a:r>
-          </a:p>
-          <a:p>
-            <a:endParaRPr lang="en-US" sz="3600" dirty="0"/>
+              <a:rPr lang="en-US" dirty="0"/>
+              <a:t>Other macros include:</a:t>
+            </a:r>
+          </a:p>
+          <a:p>
+            <a:endParaRPr lang="en-US" dirty="0"/>
+          </a:p>
+          <a:p>
+            <a:r>
+              <a:rPr lang="en-US" dirty="0">
+                <a:latin typeface="Consolas" panose="020B0609020204030204" pitchFamily="49" charset="0"/>
+                <a:cs typeface="Consolas" panose="020B0609020204030204" pitchFamily="49" charset="0"/>
+              </a:rPr>
+              <a:t>?assert(Bool)</a:t>
+            </a:r>
+            <a:r>
+              <a:rPr lang="en-US" dirty="0"/>
+              <a:t> – Succeeds if Bool is true.</a:t>
+            </a:r>
+          </a:p>
+          <a:p>
+            <a:r>
+              <a:rPr lang="en-US" dirty="0">
+                <a:latin typeface="Consolas" panose="020B0609020204030204" pitchFamily="49" charset="0"/>
+                <a:cs typeface="Consolas" panose="020B0609020204030204" pitchFamily="49" charset="0"/>
+              </a:rPr>
+              <a:t>?</a:t>
+            </a:r>
+            <a:r>
+              <a:rPr lang="en-US" dirty="0" err="1">
+                <a:latin typeface="Consolas" panose="020B0609020204030204" pitchFamily="49" charset="0"/>
+                <a:cs typeface="Consolas" panose="020B0609020204030204" pitchFamily="49" charset="0"/>
+              </a:rPr>
+              <a:t>assertNot</a:t>
+            </a:r>
+            <a:r>
+              <a:rPr lang="en-US" dirty="0">
+                <a:latin typeface="Consolas" panose="020B0609020204030204" pitchFamily="49" charset="0"/>
+                <a:cs typeface="Consolas" panose="020B0609020204030204" pitchFamily="49" charset="0"/>
+              </a:rPr>
+              <a:t>(Bool)</a:t>
+            </a:r>
+            <a:r>
+              <a:rPr lang="en-US" dirty="0"/>
+              <a:t> – Inverse of </a:t>
+            </a:r>
+            <a:r>
+              <a:rPr lang="en-US" dirty="0">
+                <a:latin typeface="Consolas" panose="020B0609020204030204" pitchFamily="49" charset="0"/>
+                <a:cs typeface="Consolas" panose="020B0609020204030204" pitchFamily="49" charset="0"/>
+              </a:rPr>
+              <a:t>?assert</a:t>
+            </a:r>
+          </a:p>
+          <a:p>
+            <a:r>
+              <a:rPr lang="en-US" dirty="0">
+                <a:latin typeface="Consolas" panose="020B0609020204030204" pitchFamily="49" charset="0"/>
+                <a:cs typeface="Consolas" panose="020B0609020204030204" pitchFamily="49" charset="0"/>
+              </a:rPr>
+              <a:t>?</a:t>
+            </a:r>
+            <a:r>
+              <a:rPr lang="en-US" dirty="0" err="1">
+                <a:latin typeface="Consolas" panose="020B0609020204030204" pitchFamily="49" charset="0"/>
+                <a:cs typeface="Consolas" panose="020B0609020204030204" pitchFamily="49" charset="0"/>
+              </a:rPr>
+              <a:t>assertMatch</a:t>
+            </a:r>
+            <a:r>
+              <a:rPr lang="en-US" dirty="0">
+                <a:latin typeface="Consolas" panose="020B0609020204030204" pitchFamily="49" charset="0"/>
+                <a:cs typeface="Consolas" panose="020B0609020204030204" pitchFamily="49" charset="0"/>
+              </a:rPr>
+              <a:t>(</a:t>
+            </a:r>
+            <a:r>
+              <a:rPr lang="en-US" dirty="0" err="1">
+                <a:latin typeface="Consolas" panose="020B0609020204030204" pitchFamily="49" charset="0"/>
+                <a:cs typeface="Consolas" panose="020B0609020204030204" pitchFamily="49" charset="0"/>
+              </a:rPr>
+              <a:t>ExpectedPattern</a:t>
+            </a:r>
+            <a:r>
+              <a:rPr lang="en-US" dirty="0">
+                <a:latin typeface="Consolas" panose="020B0609020204030204" pitchFamily="49" charset="0"/>
+                <a:cs typeface="Consolas" panose="020B0609020204030204" pitchFamily="49" charset="0"/>
+              </a:rPr>
+              <a:t>, Result)</a:t>
+            </a:r>
+            <a:r>
+              <a:rPr lang="en-US" dirty="0"/>
+              <a:t> – Checks if Result will properly pattern match with </a:t>
+            </a:r>
+            <a:r>
+              <a:rPr lang="en-US" dirty="0" err="1"/>
+              <a:t>ExpectedPattern</a:t>
+            </a:r>
+            <a:r>
+              <a:rPr lang="en-US" dirty="0"/>
+              <a:t> and succeeds if it does.</a:t>
+            </a:r>
+          </a:p>
+          <a:p>
+            <a:r>
+              <a:rPr lang="en-US" dirty="0">
+                <a:latin typeface="Consolas" panose="020B0609020204030204" pitchFamily="49" charset="0"/>
+                <a:cs typeface="Consolas" panose="020B0609020204030204" pitchFamily="49" charset="0"/>
+              </a:rPr>
+              <a:t>?</a:t>
+            </a:r>
+            <a:r>
+              <a:rPr lang="en-US" dirty="0" err="1">
+                <a:latin typeface="Consolas" panose="020B0609020204030204" pitchFamily="49" charset="0"/>
+                <a:cs typeface="Consolas" panose="020B0609020204030204" pitchFamily="49" charset="0"/>
+              </a:rPr>
+              <a:t>assertNotEqual</a:t>
+            </a:r>
+            <a:r>
+              <a:rPr lang="en-US" dirty="0">
+                <a:latin typeface="Consolas" panose="020B0609020204030204" pitchFamily="49" charset="0"/>
+                <a:cs typeface="Consolas" panose="020B0609020204030204" pitchFamily="49" charset="0"/>
+              </a:rPr>
+              <a:t>(Expected, Result)</a:t>
+            </a:r>
+            <a:r>
+              <a:rPr lang="en-US" dirty="0"/>
+              <a:t> – Inverse of </a:t>
+            </a:r>
+            <a:r>
+              <a:rPr lang="en-US" dirty="0">
+                <a:latin typeface="Consolas" panose="020B0609020204030204" pitchFamily="49" charset="0"/>
+                <a:cs typeface="Consolas" panose="020B0609020204030204" pitchFamily="49" charset="0"/>
+              </a:rPr>
+              <a:t>?</a:t>
+            </a:r>
+            <a:r>
+              <a:rPr lang="en-US" dirty="0" err="1">
+                <a:latin typeface="Consolas" panose="020B0609020204030204" pitchFamily="49" charset="0"/>
+                <a:cs typeface="Consolas" panose="020B0609020204030204" pitchFamily="49" charset="0"/>
+              </a:rPr>
+              <a:t>assertEqual</a:t>
+            </a:r>
+            <a:endParaRPr lang="en-US" dirty="0">
+              <a:latin typeface="Consolas" panose="020B0609020204030204" pitchFamily="49" charset="0"/>
+              <a:cs typeface="Consolas" panose="020B0609020204030204" pitchFamily="49" charset="0"/>
+            </a:endParaRPr>
+          </a:p>
+          <a:p>
+            <a:endParaRPr lang="en-US" dirty="0"/>
           </a:p>
         </p:txBody>
       </p:sp>
     </p:spTree>
     <p:extLst>
       <p:ext uri="{BB962C8B-B14F-4D97-AF65-F5344CB8AC3E}">
-        <p14:creationId xmlns:p14="http://schemas.microsoft.com/office/powerpoint/2010/main" val="3958795166"/>
+        <p14:creationId xmlns:p14="http://schemas.microsoft.com/office/powerpoint/2010/main" val="3491352087"/>
       </p:ext>
     </p:extLst>
   </p:cSld>
@@ -10879,124 +11402,7 @@
       </p:grpSpPr>
       <p:sp>
         <p:nvSpPr>
-          <p:cNvPr id="2" name="Content Placeholder 1"/>
-          <p:cNvSpPr>
-            <a:spLocks noGrp="1"/>
-          </p:cNvSpPr>
-          <p:nvPr>
-            <p:ph idx="1"/>
-          </p:nvPr>
-        </p:nvSpPr>
-        <p:spPr/>
-        <p:txBody>
-          <a:bodyPr/>
-          <a:lstStyle/>
-          <a:p>
-            <a:r>
-              <a:rPr lang="en-US" sz="3600" dirty="0"/>
-              <a:t>Another example of a test object is</a:t>
-            </a:r>
-            <a:br>
-              <a:rPr lang="en-US" sz="3600" dirty="0"/>
-            </a:br>
-            <a:r>
-              <a:rPr lang="en-US" sz="3600" dirty="0">
-                <a:latin typeface="Consolas" panose="020B0609020204030204" pitchFamily="49" charset="0"/>
-                <a:cs typeface="Consolas" panose="020B0609020204030204" pitchFamily="49" charset="0"/>
-              </a:rPr>
-              <a:t>{</a:t>
-            </a:r>
-            <a:r>
-              <a:rPr lang="en-US" sz="3600" dirty="0" err="1">
-                <a:latin typeface="Consolas" panose="020B0609020204030204" pitchFamily="49" charset="0"/>
-                <a:cs typeface="Consolas" panose="020B0609020204030204" pitchFamily="49" charset="0"/>
-              </a:rPr>
-              <a:t>LineNumber</a:t>
-            </a:r>
-            <a:r>
-              <a:rPr lang="en-US" sz="3600" dirty="0">
-                <a:latin typeface="Consolas" panose="020B0609020204030204" pitchFamily="49" charset="0"/>
-                <a:cs typeface="Consolas" panose="020B0609020204030204" pitchFamily="49" charset="0"/>
-              </a:rPr>
-              <a:t>, </a:t>
-            </a:r>
-            <a:r>
-              <a:rPr lang="en-US" sz="3600" dirty="0" err="1">
-                <a:latin typeface="Consolas" panose="020B0609020204030204" pitchFamily="49" charset="0"/>
-                <a:cs typeface="Consolas" panose="020B0609020204030204" pitchFamily="49" charset="0"/>
-              </a:rPr>
-              <a:t>TestObject</a:t>
-            </a:r>
-            <a:r>
-              <a:rPr lang="en-US" sz="3600" dirty="0">
-                <a:latin typeface="Consolas" panose="020B0609020204030204" pitchFamily="49" charset="0"/>
-                <a:cs typeface="Consolas" panose="020B0609020204030204" pitchFamily="49" charset="0"/>
-              </a:rPr>
-              <a:t>}</a:t>
-            </a:r>
-            <a:br>
-              <a:rPr lang="en-US" sz="3600" dirty="0">
-                <a:latin typeface="Consolas" panose="020B0609020204030204" pitchFamily="49" charset="0"/>
-                <a:cs typeface="Consolas" panose="020B0609020204030204" pitchFamily="49" charset="0"/>
-              </a:rPr>
-            </a:br>
-            <a:r>
-              <a:rPr lang="en-US" sz="3600" dirty="0"/>
-              <a:t>where </a:t>
-            </a:r>
-            <a:r>
-              <a:rPr lang="en-US" sz="3600" dirty="0" err="1"/>
-              <a:t>LineNumber</a:t>
-            </a:r>
-            <a:r>
-              <a:rPr lang="en-US" sz="3600" dirty="0"/>
-              <a:t> is an integer and </a:t>
-            </a:r>
-            <a:r>
-              <a:rPr lang="en-US" sz="3600" dirty="0" err="1"/>
-              <a:t>TestObject</a:t>
-            </a:r>
-            <a:r>
-              <a:rPr lang="en-US" sz="3600" dirty="0"/>
-              <a:t> is another test object, for example a fun() or a </a:t>
-            </a:r>
-            <a:r>
-              <a:rPr lang="en-US" sz="3600" dirty="0">
-                <a:latin typeface="Consolas" panose="020B0609020204030204" pitchFamily="49" charset="0"/>
-                <a:cs typeface="Consolas" panose="020B0609020204030204" pitchFamily="49" charset="0"/>
-              </a:rPr>
-              <a:t>{Description, fun()}</a:t>
-            </a:r>
-            <a:r>
-              <a:rPr lang="en-US" sz="3600" dirty="0"/>
-              <a:t>.</a:t>
-            </a:r>
-          </a:p>
-          <a:p>
-            <a:r>
-              <a:rPr lang="en-US" sz="3600" dirty="0"/>
-              <a:t>In other words, a simple </a:t>
-            </a:r>
-            <a:r>
-              <a:rPr lang="en-US" sz="3600" dirty="0" err="1"/>
-              <a:t>nullary</a:t>
-            </a:r>
-            <a:r>
-              <a:rPr lang="en-US" sz="3600" dirty="0"/>
-              <a:t> fun() – a fun() with 0 arguments – is also a test object.</a:t>
-            </a:r>
-          </a:p>
-          <a:p>
-            <a:pPr marL="0" indent="0">
-              <a:buNone/>
-            </a:pPr>
-            <a:endParaRPr lang="en-US" dirty="0"/>
-          </a:p>
-        </p:txBody>
-      </p:sp>
-      <p:sp>
-        <p:nvSpPr>
-          <p:cNvPr id="3" name="Title 2"/>
+          <p:cNvPr id="8" name="Title 2"/>
           <p:cNvSpPr>
             <a:spLocks noGrp="1"/>
           </p:cNvSpPr>
@@ -11004,7 +11410,12 @@
             <p:ph type="title"/>
           </p:nvPr>
         </p:nvSpPr>
-        <p:spPr/>
+        <p:spPr>
+          <a:xfrm>
+            <a:off x="524935" y="239714"/>
+            <a:ext cx="9992784" cy="1085371"/>
+          </a:xfrm>
+        </p:spPr>
         <p:txBody>
           <a:bodyPr/>
           <a:lstStyle/>
@@ -11026,10 +11437,57 @@
           </a:p>
         </p:txBody>
       </p:sp>
+      <p:sp>
+        <p:nvSpPr>
+          <p:cNvPr id="9" name="Content Placeholder 1"/>
+          <p:cNvSpPr>
+            <a:spLocks noGrp="1"/>
+          </p:cNvSpPr>
+          <p:nvPr>
+            <p:ph idx="1"/>
+          </p:nvPr>
+        </p:nvSpPr>
+        <p:spPr>
+          <a:xfrm>
+            <a:off x="529168" y="1800000"/>
+            <a:ext cx="11135785" cy="3852000"/>
+          </a:xfrm>
+        </p:spPr>
+        <p:txBody>
+          <a:bodyPr/>
+          <a:lstStyle/>
+          <a:p>
+            <a:r>
+              <a:rPr lang="en-US" sz="3600" dirty="0"/>
+              <a:t>Remember the fixtures from before and how the tests in the list could either be just a fun or a tuple with a description and a fun?</a:t>
+            </a:r>
+          </a:p>
+          <a:p>
+            <a:endParaRPr lang="en-US" sz="3600" dirty="0"/>
+          </a:p>
+          <a:p>
+            <a:r>
+              <a:rPr lang="en-US" sz="3600" dirty="0"/>
+              <a:t>These are only some of many different representation a test can have – these different representations are called </a:t>
+            </a:r>
+            <a:r>
+              <a:rPr lang="en-US" sz="3600" i="1" dirty="0"/>
+              <a:t>test objects</a:t>
+            </a:r>
+            <a:r>
+              <a:rPr lang="en-US" sz="3600" dirty="0"/>
+              <a:t>.</a:t>
+            </a:r>
+          </a:p>
+          <a:p>
+            <a:endParaRPr lang="en-US" sz="3600" dirty="0"/>
+          </a:p>
+        </p:txBody>
+      </p:sp>
     </p:spTree>
     <p:extLst>
       <p:ext uri="{BB962C8B-B14F-4D97-AF65-F5344CB8AC3E}">
-        <p14:creationId xmlns:p14="http://schemas.microsoft.com/office/powerpoint/2010/main" val="1654031167"/>
+        <p14:creationId xmlns:p14="http://schemas.microsoft.com/office/powerpoint/2010/main" val="3958795166"/>
       </p:ext>
     </p:extLst>
   </p:cSld>
@@ -11058,6 +11516,185 @@
       </p:grpSpPr>
       <p:sp>
         <p:nvSpPr>
+          <p:cNvPr id="2" name="Content Placeholder 1"/>
+          <p:cNvSpPr>
+            <a:spLocks noGrp="1"/>
+          </p:cNvSpPr>
+          <p:nvPr>
+            <p:ph idx="1"/>
+          </p:nvPr>
+        </p:nvSpPr>
+        <p:spPr/>
+        <p:txBody>
+          <a:bodyPr/>
+          <a:lstStyle/>
+          <a:p>
+            <a:r>
+              <a:rPr lang="en-US" sz="3600" dirty="0"/>
+              <a:t>Another example of a test object is</a:t>
+            </a:r>
+            <a:br>
+              <a:rPr lang="en-US" sz="3600" dirty="0"/>
+            </a:br>
+            <a:r>
+              <a:rPr lang="en-US" sz="3600" dirty="0">
+                <a:latin typeface="Consolas" panose="020B0609020204030204" pitchFamily="49" charset="0"/>
+                <a:cs typeface="Consolas" panose="020B0609020204030204" pitchFamily="49" charset="0"/>
+              </a:rPr>
+              <a:t>{</a:t>
+            </a:r>
+            <a:r>
+              <a:rPr lang="en-US" sz="3600" dirty="0" err="1">
+                <a:latin typeface="Consolas" panose="020B0609020204030204" pitchFamily="49" charset="0"/>
+                <a:cs typeface="Consolas" panose="020B0609020204030204" pitchFamily="49" charset="0"/>
+              </a:rPr>
+              <a:t>LineNumber</a:t>
+            </a:r>
+            <a:r>
+              <a:rPr lang="en-US" sz="3600" dirty="0">
+                <a:latin typeface="Consolas" panose="020B0609020204030204" pitchFamily="49" charset="0"/>
+                <a:cs typeface="Consolas" panose="020B0609020204030204" pitchFamily="49" charset="0"/>
+              </a:rPr>
+              <a:t>, </a:t>
+            </a:r>
+            <a:r>
+              <a:rPr lang="en-US" sz="3600" dirty="0" err="1">
+                <a:latin typeface="Consolas" panose="020B0609020204030204" pitchFamily="49" charset="0"/>
+                <a:cs typeface="Consolas" panose="020B0609020204030204" pitchFamily="49" charset="0"/>
+              </a:rPr>
+              <a:t>TestObject</a:t>
+            </a:r>
+            <a:r>
+              <a:rPr lang="en-US" sz="3600" dirty="0">
+                <a:latin typeface="Consolas" panose="020B0609020204030204" pitchFamily="49" charset="0"/>
+                <a:cs typeface="Consolas" panose="020B0609020204030204" pitchFamily="49" charset="0"/>
+              </a:rPr>
+              <a:t>}</a:t>
+            </a:r>
+            <a:br>
+              <a:rPr lang="en-US" sz="3600" dirty="0">
+                <a:latin typeface="Consolas" panose="020B0609020204030204" pitchFamily="49" charset="0"/>
+                <a:cs typeface="Consolas" panose="020B0609020204030204" pitchFamily="49" charset="0"/>
+              </a:rPr>
+            </a:br>
+            <a:r>
+              <a:rPr lang="en-US" sz="3600" dirty="0"/>
+              <a:t>where </a:t>
+            </a:r>
+            <a:r>
+              <a:rPr lang="en-US" sz="3600" dirty="0" err="1"/>
+              <a:t>LineNumber</a:t>
+            </a:r>
+            <a:r>
+              <a:rPr lang="en-US" sz="3600" dirty="0"/>
+              <a:t> is an integer and </a:t>
+            </a:r>
+            <a:r>
+              <a:rPr lang="en-US" sz="3600" dirty="0" err="1"/>
+              <a:t>TestObject</a:t>
+            </a:r>
+            <a:r>
+              <a:rPr lang="en-US" sz="3600" dirty="0"/>
+              <a:t> is another test object, for example a fun() or a </a:t>
+            </a:r>
+            <a:r>
+              <a:rPr lang="en-US" sz="3600" dirty="0">
+                <a:latin typeface="Consolas" panose="020B0609020204030204" pitchFamily="49" charset="0"/>
+                <a:cs typeface="Consolas" panose="020B0609020204030204" pitchFamily="49" charset="0"/>
+              </a:rPr>
+              <a:t>{Description, fun()}</a:t>
+            </a:r>
+            <a:r>
+              <a:rPr lang="en-US" sz="3600" dirty="0"/>
+              <a:t>.</a:t>
+            </a:r>
+          </a:p>
+          <a:p>
+            <a:r>
+              <a:rPr lang="en-US" sz="3600" dirty="0"/>
+              <a:t>In other words, a simple </a:t>
+            </a:r>
+            <a:r>
+              <a:rPr lang="en-US" sz="3600" dirty="0" err="1"/>
+              <a:t>nullary</a:t>
+            </a:r>
+            <a:r>
+              <a:rPr lang="en-US" sz="3600" dirty="0"/>
+              <a:t> fun() – a fun() with 0 arguments – is also a test object.</a:t>
+            </a:r>
+          </a:p>
+          <a:p>
+            <a:pPr marL="0" indent="0">
+              <a:buNone/>
+            </a:pPr>
+            <a:endParaRPr lang="en-US" dirty="0"/>
+          </a:p>
+        </p:txBody>
+      </p:sp>
+      <p:sp>
+        <p:nvSpPr>
+          <p:cNvPr id="3" name="Title 2"/>
+          <p:cNvSpPr>
+            <a:spLocks noGrp="1"/>
+          </p:cNvSpPr>
+          <p:nvPr>
+            <p:ph type="title"/>
+          </p:nvPr>
+        </p:nvSpPr>
+        <p:spPr/>
+        <p:txBody>
+          <a:bodyPr/>
+          <a:lstStyle/>
+          <a:p>
+            <a:r>
+              <a:rPr lang="en-US" dirty="0">
+                <a:solidFill>
+                  <a:schemeClr val="accent1">
+                    <a:lumMod val="75000"/>
+                  </a:schemeClr>
+                </a:solidFill>
+                <a:latin typeface="+mn-lt"/>
+              </a:rPr>
+              <a:t>Test objects</a:t>
+            </a:r>
+            <a:endParaRPr lang="en-US" dirty="0">
+              <a:latin typeface="+mn-lt"/>
+            </a:endParaRPr>
+          </a:p>
+        </p:txBody>
+      </p:sp>
+    </p:spTree>
+    <p:extLst>
+      <p:ext uri="{BB962C8B-B14F-4D97-AF65-F5344CB8AC3E}">
+        <p14:creationId xmlns:p14="http://schemas.microsoft.com/office/powerpoint/2010/main" val="1654031167"/>
+      </p:ext>
+    </p:extLst>
+  </p:cSld>
+  <p:clrMapOvr>
+    <a:masterClrMapping/>
+  </p:clrMapOvr>
+</p:sld>
+</file>
+
+<file path=ppt/slides/slide24.xml><?xml version="1.0" encoding="utf-8"?>
+<p:sld xmlns:a="http://schemas.openxmlformats.org/drawingml/2006/main" xmlns:r="http://schemas.openxmlformats.org/officeDocument/2006/relationships" xmlns:p="http://schemas.openxmlformats.org/presentationml/2006/main">
+  <p:cSld>
+    <p:spTree>
+      <p:nvGrpSpPr>
+        <p:cNvPr id="1" name=""/>
+        <p:cNvGrpSpPr/>
+        <p:nvPr/>
+      </p:nvGrpSpPr>
+      <p:grpSpPr>
+        <a:xfrm>
+          <a:off x="0" y="0"/>
+          <a:ext cx="0" cy="0"/>
+          <a:chOff x="0" y="0"/>
+          <a:chExt cx="0" cy="0"/>
+        </a:xfrm>
+      </p:grpSpPr>
+      <p:sp>
+        <p:nvSpPr>
           <p:cNvPr id="8" name="Title 2"/>
           <p:cNvSpPr>
             <a:spLocks noGrp="1"/>
@@ -11206,7 +11843,7 @@
 </p:sld>
 </file>
 
-<file path=ppt/slides/slide24.xml><?xml version="1.0" encoding="utf-8"?>
+<file path=ppt/slides/slide25.xml><?xml version="1.0" encoding="utf-8"?>
 <p:sld xmlns:a="http://schemas.openxmlformats.org/drawingml/2006/main" xmlns:r="http://schemas.openxmlformats.org/officeDocument/2006/relationships" xmlns:p="http://schemas.openxmlformats.org/presentationml/2006/main">
   <p:cSld>
     <p:spTree>
@@ -11419,7 +12056,7 @@
 </p:sld>
 </file>
 
-<file path=ppt/slides/slide25.xml><?xml version="1.0" encoding="utf-8"?>
+<file path=ppt/slides/slide26.xml><?xml version="1.0" encoding="utf-8"?>
 <p:sld xmlns:a="http://schemas.openxmlformats.org/drawingml/2006/main" xmlns:r="http://schemas.openxmlformats.org/officeDocument/2006/relationships" xmlns:p="http://schemas.openxmlformats.org/presentationml/2006/main">
   <p:cSld>
     <p:spTree>
@@ -11617,7 +12254,7 @@
 </p:sld>
 </file>
 
-<file path=ppt/slides/slide26.xml><?xml version="1.0" encoding="utf-8"?>
+<file path=ppt/slides/slide27.xml><?xml version="1.0" encoding="utf-8"?>
 <p:sld xmlns:a="http://schemas.openxmlformats.org/drawingml/2006/main" xmlns:r="http://schemas.openxmlformats.org/officeDocument/2006/relationships" xmlns:p="http://schemas.openxmlformats.org/presentationml/2006/main">
   <p:cSld>
     <p:spTree>
@@ -11737,10 +12374,18 @@
           <a:lstStyle/>
           <a:p>
             <a:r>
-              <a:rPr lang="en-US" sz="16600" dirty="0" err="1"/>
+              <a:rPr lang="en-US" sz="16600" dirty="0" err="1">
+                <a:solidFill>
+                  <a:srgbClr val="00B050"/>
+                </a:solidFill>
+              </a:rPr>
               <a:t>Eunit</a:t>
             </a:r>
-            <a:endParaRPr lang="en-US" sz="16600" dirty="0"/>
+            <a:endParaRPr lang="en-US" sz="16600" dirty="0">
+              <a:solidFill>
+                <a:srgbClr val="00B050"/>
+              </a:solidFill>
+            </a:endParaRPr>
           </a:p>
         </p:txBody>
       </p:sp>
@@ -11877,7 +12522,7 @@
 </p:sld>
 </file>
 
-<file path=ppt/slides/slide27.xml><?xml version="1.0" encoding="utf-8"?>
+<file path=ppt/slides/slide28.xml><?xml version="1.0" encoding="utf-8"?>
 <p:sld xmlns:a="http://schemas.openxmlformats.org/drawingml/2006/main" xmlns:r="http://schemas.openxmlformats.org/officeDocument/2006/relationships" xmlns:p="http://schemas.openxmlformats.org/presentationml/2006/main">
   <p:cSld>
     <p:spTree>
@@ -12118,7 +12763,7 @@
 </p:sld>
 </file>
 
-<file path=ppt/slides/slide28.xml><?xml version="1.0" encoding="utf-8"?>
+<file path=ppt/slides/slide29.xml><?xml version="1.0" encoding="utf-8"?>
 <p:sld xmlns:a="http://schemas.openxmlformats.org/drawingml/2006/main" xmlns:r="http://schemas.openxmlformats.org/officeDocument/2006/relationships" xmlns:p="http://schemas.openxmlformats.org/presentationml/2006/main">
   <p:cSld>
     <p:spTree>
@@ -12283,133 +12928,6 @@
 </p:sld>
 </file>
 
-<file path=ppt/slides/slide29.xml><?xml version="1.0" encoding="utf-8"?>
-<p:sld xmlns:a="http://schemas.openxmlformats.org/drawingml/2006/main" xmlns:r="http://schemas.openxmlformats.org/officeDocument/2006/relationships" xmlns:p="http://schemas.openxmlformats.org/presentationml/2006/main">
-  <p:cSld>
-    <p:spTree>
-      <p:nvGrpSpPr>
-        <p:cNvPr id="1" name=""/>
-        <p:cNvGrpSpPr/>
-        <p:nvPr/>
-      </p:nvGrpSpPr>
-      <p:grpSpPr>
-        <a:xfrm>
-          <a:off x="0" y="0"/>
-          <a:ext cx="0" cy="0"/>
-          <a:chOff x="0" y="0"/>
-          <a:chExt cx="0" cy="0"/>
-        </a:xfrm>
-      </p:grpSpPr>
-      <p:sp>
-        <p:nvSpPr>
-          <p:cNvPr id="2" name="Content Placeholder 1"/>
-          <p:cNvSpPr>
-            <a:spLocks noGrp="1"/>
-          </p:cNvSpPr>
-          <p:nvPr>
-            <p:ph idx="1"/>
-          </p:nvPr>
-        </p:nvSpPr>
-        <p:spPr>
-          <a:xfrm>
-            <a:off x="1375834" y="3092562"/>
-            <a:ext cx="8919631" cy="2238765"/>
-          </a:xfrm>
-        </p:spPr>
-        <p:txBody>
-          <a:bodyPr/>
-          <a:lstStyle/>
-          <a:p>
-            <a:pPr marL="0" indent="0" algn="ctr">
-              <a:buNone/>
-            </a:pPr>
-            <a:r>
-              <a:rPr lang="en-US" sz="4400" dirty="0">
-                <a:solidFill>
-                  <a:srgbClr val="007B78"/>
-                </a:solidFill>
-              </a:rPr>
-              <a:t>A mocking library for Erlang</a:t>
-            </a:r>
-          </a:p>
-        </p:txBody>
-      </p:sp>
-      <p:sp>
-        <p:nvSpPr>
-          <p:cNvPr id="3" name="Title 2"/>
-          <p:cNvSpPr>
-            <a:spLocks noGrp="1"/>
-          </p:cNvSpPr>
-          <p:nvPr>
-            <p:ph type="title"/>
-          </p:nvPr>
-        </p:nvSpPr>
-        <p:spPr>
-          <a:xfrm>
-            <a:off x="2630223" y="239714"/>
-            <a:ext cx="7494588" cy="3161213"/>
-          </a:xfrm>
-        </p:spPr>
-        <p:txBody>
-          <a:bodyPr>
-            <a:normAutofit/>
-          </a:bodyPr>
-          <a:lstStyle/>
-          <a:p>
-            <a:r>
-              <a:rPr lang="en-US" sz="16600" dirty="0" err="1"/>
-              <a:t>meck</a:t>
-            </a:r>
-            <a:endParaRPr lang="en-US" sz="16600" dirty="0"/>
-          </a:p>
-        </p:txBody>
-      </p:sp>
-      <p:sp>
-        <p:nvSpPr>
-          <p:cNvPr id="4" name="TextBox 3"/>
-          <p:cNvSpPr txBox="1"/>
-          <p:nvPr/>
-        </p:nvSpPr>
-        <p:spPr>
-          <a:xfrm>
-            <a:off x="0" y="3966016"/>
-            <a:ext cx="12005734" cy="523220"/>
-          </a:xfrm>
-          <a:prstGeom prst="rect">
-            <a:avLst/>
-          </a:prstGeom>
-          <a:noFill/>
-        </p:spPr>
-        <p:txBody>
-          <a:bodyPr wrap="square" rtlCol="0">
-            <a:spAutoFit/>
-          </a:bodyPr>
-          <a:lstStyle/>
-          <a:p>
-            <a:pPr algn="ctr"/>
-            <a:r>
-              <a:rPr lang="en-US" sz="2800" dirty="0">
-                <a:latin typeface="Consolas" panose="020B0609020204030204" pitchFamily="49" charset="0"/>
-                <a:cs typeface="Consolas" panose="020B0609020204030204" pitchFamily="49" charset="0"/>
-              </a:rPr>
-              <a:t>https://github.com/eproxus/meck</a:t>
-            </a:r>
-          </a:p>
-        </p:txBody>
-      </p:sp>
-    </p:spTree>
-    <p:extLst>
-      <p:ext uri="{BB962C8B-B14F-4D97-AF65-F5344CB8AC3E}">
-        <p14:creationId xmlns:p14="http://schemas.microsoft.com/office/powerpoint/2010/main" val="1175298411"/>
-      </p:ext>
-    </p:extLst>
-  </p:cSld>
-  <p:clrMapOvr>
-    <a:masterClrMapping/>
-  </p:clrMapOvr>
-</p:sld>
-</file>
-
 <file path=ppt/slides/slide3.xml><?xml version="1.0" encoding="utf-8"?>
 <p:sld xmlns:a="http://schemas.openxmlformats.org/drawingml/2006/main" xmlns:r="http://schemas.openxmlformats.org/officeDocument/2006/relationships" xmlns:p="http://schemas.openxmlformats.org/presentationml/2006/main">
   <p:cSld>
@@ -12429,151 +12947,73 @@
       </p:grpSpPr>
       <p:sp>
         <p:nvSpPr>
-          <p:cNvPr id="2" name="Content Placeholder 1"/>
-          <p:cNvSpPr>
-            <a:spLocks noGrp="1"/>
-          </p:cNvSpPr>
-          <p:nvPr>
-            <p:ph idx="1"/>
+          <p:cNvPr id="3" name="Title 2"/>
+          <p:cNvSpPr>
+            <a:spLocks noGrp="1"/>
+          </p:cNvSpPr>
+          <p:nvPr>
+            <p:ph type="title"/>
           </p:nvPr>
         </p:nvSpPr>
         <p:spPr>
           <a:xfrm>
-            <a:off x="1917702" y="3416968"/>
-            <a:ext cx="8351839" cy="2700253"/>
+            <a:off x="609602" y="1557867"/>
+            <a:ext cx="11040532" cy="4487333"/>
           </a:xfrm>
         </p:spPr>
         <p:txBody>
-          <a:bodyPr/>
-          <a:lstStyle/>
-          <a:p>
-            <a:pPr marL="0" indent="0">
-              <a:buNone/>
-            </a:pPr>
-            <a:r>
-              <a:rPr lang="en-US" sz="4400" dirty="0">
+          <a:bodyPr>
+            <a:noAutofit/>
+          </a:bodyPr>
+          <a:lstStyle/>
+          <a:p>
+            <a:r>
+              <a:rPr lang="en-US" sz="11500" dirty="0">
                 <a:solidFill>
-                  <a:schemeClr val="tx2">
-                    <a:lumMod val="50000"/>
-                    <a:lumOff val="50000"/>
-                  </a:schemeClr>
+                  <a:srgbClr val="00B050"/>
                 </a:solidFill>
               </a:rPr>
-              <a:t>Test modules and test functions</a:t>
-            </a:r>
-          </a:p>
-          <a:p>
-            <a:pPr marL="0" indent="0">
-              <a:buNone/>
-            </a:pPr>
-            <a:r>
-              <a:rPr lang="en-US" sz="4400" dirty="0">
+              <a:t>Part 1: </a:t>
+            </a:r>
+            <a:r>
+              <a:rPr lang="en-US" sz="11500" dirty="0" err="1">
                 <a:solidFill>
-                  <a:srgbClr val="C00000"/>
+                  <a:srgbClr val="00B050"/>
                 </a:solidFill>
               </a:rPr>
-              <a:t>Fixtures</a:t>
-            </a:r>
-          </a:p>
-          <a:p>
-            <a:pPr marL="0" indent="0">
-              <a:buNone/>
-            </a:pPr>
-            <a:r>
-              <a:rPr lang="en-US" sz="4400" dirty="0">
+              <a:t>Eunit</a:t>
+            </a:r>
+            <a:br>
+              <a:rPr lang="en-US" sz="11500" dirty="0">
                 <a:solidFill>
-                  <a:schemeClr val="accent1">
-                    <a:lumMod val="75000"/>
-                  </a:schemeClr>
+                  <a:srgbClr val="00B050"/>
                 </a:solidFill>
               </a:rPr>
-              <a:t>Macros</a:t>
-            </a:r>
-          </a:p>
-          <a:p>
-            <a:pPr marL="0" indent="0">
-              <a:buNone/>
-            </a:pPr>
-            <a:r>
-              <a:rPr lang="en-US" sz="4400" dirty="0">
+            </a:br>
+            <a:br>
+              <a:rPr lang="en-US" sz="11500" dirty="0"/>
+            </a:br>
+            <a:r>
+              <a:rPr lang="en-US" sz="11500" dirty="0">
                 <a:solidFill>
-                  <a:schemeClr val="accent6">
-                    <a:lumMod val="75000"/>
-                  </a:schemeClr>
+                  <a:srgbClr val="FF5757"/>
                 </a:solidFill>
               </a:rPr>
-              <a:t>Control</a:t>
-            </a:r>
-          </a:p>
-        </p:txBody>
-      </p:sp>
-      <p:sp>
-        <p:nvSpPr>
-          <p:cNvPr id="3" name="Title 2"/>
-          <p:cNvSpPr>
-            <a:spLocks noGrp="1"/>
-          </p:cNvSpPr>
-          <p:nvPr>
-            <p:ph type="title"/>
-          </p:nvPr>
-        </p:nvSpPr>
-        <p:spPr>
-          <a:xfrm>
-            <a:off x="1917701" y="239714"/>
-            <a:ext cx="7494588" cy="3161213"/>
-          </a:xfrm>
-        </p:spPr>
-        <p:txBody>
-          <a:bodyPr>
-            <a:normAutofit/>
-          </a:bodyPr>
-          <a:lstStyle/>
-          <a:p>
-            <a:r>
-              <a:rPr lang="en-US" sz="16600" dirty="0" err="1"/>
-              <a:t>Eunit</a:t>
-            </a:r>
-            <a:endParaRPr lang="en-US" sz="16600" dirty="0"/>
-          </a:p>
-        </p:txBody>
-      </p:sp>
-      <p:sp>
-        <p:nvSpPr>
-          <p:cNvPr id="5" name="Rectangle 4"/>
-          <p:cNvSpPr/>
-          <p:nvPr/>
-        </p:nvSpPr>
-        <p:spPr bwMode="auto">
-          <a:xfrm>
-            <a:off x="1868906" y="4219074"/>
-            <a:ext cx="8293769" cy="2198659"/>
-          </a:xfrm>
-          <a:prstGeom prst="rect">
-            <a:avLst/>
-          </a:prstGeom>
-          <a:solidFill>
-            <a:schemeClr val="bg1">
-              <a:alpha val="80000"/>
-            </a:schemeClr>
-          </a:solidFill>
-          <a:ln w="12700" cap="flat" cmpd="sng" algn="ctr">
-            <a:noFill/>
-            <a:prstDash val="solid"/>
-            <a:round/>
-            <a:headEnd type="none" w="med" len="med"/>
-            <a:tailEnd type="none" w="med" len="med"/>
-          </a:ln>
-          <a:effectLst/>
-        </p:spPr>
-        <p:txBody>
-          <a:bodyPr vert="horz" wrap="none" lIns="72000" tIns="45720" rIns="72000" bIns="45720" numCol="1" rtlCol="0" anchor="t" anchorCtr="0" compatLnSpc="1">
-            <a:prstTxWarp prst="textNoShape">
-              <a:avLst/>
-            </a:prstTxWarp>
-          </a:bodyPr>
-          <a:lstStyle/>
-          <a:p>
-            <a:endParaRPr lang="en-US" dirty="0"/>
+              <a:t>Part 2: </a:t>
+            </a:r>
+            <a:r>
+              <a:rPr lang="en-US" sz="11500" dirty="0" err="1">
+                <a:solidFill>
+                  <a:srgbClr val="FF5757"/>
+                </a:solidFill>
+              </a:rPr>
+              <a:t>Meck</a:t>
+            </a:r>
+            <a:endParaRPr lang="en-US" sz="11500" dirty="0">
+              <a:solidFill>
+                <a:srgbClr val="FF5757"/>
+              </a:solidFill>
+            </a:endParaRPr>
           </a:p>
         </p:txBody>
       </p:sp>
@@ -12617,6 +13057,141 @@
             <p:ph idx="1"/>
           </p:nvPr>
         </p:nvSpPr>
+        <p:spPr>
+          <a:xfrm>
+            <a:off x="1375834" y="3092562"/>
+            <a:ext cx="8919631" cy="2238765"/>
+          </a:xfrm>
+        </p:spPr>
+        <p:txBody>
+          <a:bodyPr/>
+          <a:lstStyle/>
+          <a:p>
+            <a:pPr marL="0" indent="0" algn="ctr">
+              <a:buNone/>
+            </a:pPr>
+            <a:r>
+              <a:rPr lang="en-US" sz="4400" dirty="0">
+                <a:solidFill>
+                  <a:srgbClr val="007B78"/>
+                </a:solidFill>
+              </a:rPr>
+              <a:t>A mocking library for Erlang</a:t>
+            </a:r>
+          </a:p>
+        </p:txBody>
+      </p:sp>
+      <p:sp>
+        <p:nvSpPr>
+          <p:cNvPr id="3" name="Title 2"/>
+          <p:cNvSpPr>
+            <a:spLocks noGrp="1"/>
+          </p:cNvSpPr>
+          <p:nvPr>
+            <p:ph type="title"/>
+          </p:nvPr>
+        </p:nvSpPr>
+        <p:spPr>
+          <a:xfrm>
+            <a:off x="2630223" y="239714"/>
+            <a:ext cx="7494588" cy="3161213"/>
+          </a:xfrm>
+        </p:spPr>
+        <p:txBody>
+          <a:bodyPr>
+            <a:normAutofit/>
+          </a:bodyPr>
+          <a:lstStyle/>
+          <a:p>
+            <a:r>
+              <a:rPr lang="en-US" sz="16600" dirty="0" err="1">
+                <a:solidFill>
+                  <a:srgbClr val="FF5757"/>
+                </a:solidFill>
+              </a:rPr>
+              <a:t>meck</a:t>
+            </a:r>
+            <a:endParaRPr lang="en-US" sz="16600" dirty="0">
+              <a:solidFill>
+                <a:srgbClr val="FF5757"/>
+              </a:solidFill>
+            </a:endParaRPr>
+          </a:p>
+        </p:txBody>
+      </p:sp>
+      <p:sp>
+        <p:nvSpPr>
+          <p:cNvPr id="4" name="TextBox 3"/>
+          <p:cNvSpPr txBox="1"/>
+          <p:nvPr/>
+        </p:nvSpPr>
+        <p:spPr>
+          <a:xfrm>
+            <a:off x="0" y="3966016"/>
+            <a:ext cx="12005734" cy="523220"/>
+          </a:xfrm>
+          <a:prstGeom prst="rect">
+            <a:avLst/>
+          </a:prstGeom>
+          <a:noFill/>
+        </p:spPr>
+        <p:txBody>
+          <a:bodyPr wrap="square" rtlCol="0">
+            <a:spAutoFit/>
+          </a:bodyPr>
+          <a:lstStyle/>
+          <a:p>
+            <a:pPr algn="ctr"/>
+            <a:r>
+              <a:rPr lang="en-US" sz="2800" dirty="0">
+                <a:latin typeface="Consolas" panose="020B0609020204030204" pitchFamily="49" charset="0"/>
+                <a:cs typeface="Consolas" panose="020B0609020204030204" pitchFamily="49" charset="0"/>
+              </a:rPr>
+              <a:t>https://github.com/eproxus/meck</a:t>
+            </a:r>
+          </a:p>
+        </p:txBody>
+      </p:sp>
+    </p:spTree>
+    <p:extLst>
+      <p:ext uri="{BB962C8B-B14F-4D97-AF65-F5344CB8AC3E}">
+        <p14:creationId xmlns:p14="http://schemas.microsoft.com/office/powerpoint/2010/main" val="1175298411"/>
+      </p:ext>
+    </p:extLst>
+  </p:cSld>
+  <p:clrMapOvr>
+    <a:masterClrMapping/>
+  </p:clrMapOvr>
+</p:sld>
+</file>
+
+<file path=ppt/slides/slide31.xml><?xml version="1.0" encoding="utf-8"?>
+<p:sld xmlns:a="http://schemas.openxmlformats.org/drawingml/2006/main" xmlns:r="http://schemas.openxmlformats.org/officeDocument/2006/relationships" xmlns:p="http://schemas.openxmlformats.org/presentationml/2006/main">
+  <p:cSld>
+    <p:spTree>
+      <p:nvGrpSpPr>
+        <p:cNvPr id="1" name=""/>
+        <p:cNvGrpSpPr/>
+        <p:nvPr/>
+      </p:nvGrpSpPr>
+      <p:grpSpPr>
+        <a:xfrm>
+          <a:off x="0" y="0"/>
+          <a:ext cx="0" cy="0"/>
+          <a:chOff x="0" y="0"/>
+          <a:chExt cx="0" cy="0"/>
+        </a:xfrm>
+      </p:grpSpPr>
+      <p:sp>
+        <p:nvSpPr>
+          <p:cNvPr id="2" name="Content Placeholder 1"/>
+          <p:cNvSpPr>
+            <a:spLocks noGrp="1"/>
+          </p:cNvSpPr>
+          <p:nvPr>
+            <p:ph idx="1"/>
+          </p:nvPr>
+        </p:nvSpPr>
         <p:spPr/>
         <p:txBody>
           <a:bodyPr/>
@@ -12701,7 +13276,7 @@
 </p:sld>
 </file>
 
-<file path=ppt/slides/slide31.xml><?xml version="1.0" encoding="utf-8"?>
+<file path=ppt/slides/slide32.xml><?xml version="1.0" encoding="utf-8"?>
 <p:sld xmlns:a="http://schemas.openxmlformats.org/drawingml/2006/main" xmlns:r="http://schemas.openxmlformats.org/officeDocument/2006/relationships" xmlns:p="http://schemas.openxmlformats.org/presentationml/2006/main">
   <p:cSld>
     <p:spTree>
@@ -12904,7 +13479,7 @@
 </p:sld>
 </file>
 
-<file path=ppt/slides/slide32.xml><?xml version="1.0" encoding="utf-8"?>
+<file path=ppt/slides/slide33.xml><?xml version="1.0" encoding="utf-8"?>
 <p:sld xmlns:a="http://schemas.openxmlformats.org/drawingml/2006/main" xmlns:r="http://schemas.openxmlformats.org/officeDocument/2006/relationships" xmlns:p="http://schemas.openxmlformats.org/presentationml/2006/main">
   <p:cSld>
     <p:spTree>
@@ -13068,7 +13643,7 @@
 </p:sld>
 </file>
 
-<file path=ppt/slides/slide33.xml><?xml version="1.0" encoding="utf-8"?>
+<file path=ppt/slides/slide34.xml><?xml version="1.0" encoding="utf-8"?>
 <p:sld xmlns:a="http://schemas.openxmlformats.org/drawingml/2006/main" xmlns:r="http://schemas.openxmlformats.org/officeDocument/2006/relationships" xmlns:p="http://schemas.openxmlformats.org/presentationml/2006/main">
   <p:cSld>
     <p:spTree>
@@ -13240,7 +13815,7 @@
 </p:sld>
 </file>
 
-<file path=ppt/slides/slide34.xml><?xml version="1.0" encoding="utf-8"?>
+<file path=ppt/slides/slide35.xml><?xml version="1.0" encoding="utf-8"?>
 <p:sld xmlns:a="http://schemas.openxmlformats.org/drawingml/2006/main" xmlns:r="http://schemas.openxmlformats.org/officeDocument/2006/relationships" xmlns:p="http://schemas.openxmlformats.org/presentationml/2006/main">
   <p:cSld>
     <p:spTree>
@@ -13322,80 +13897,94 @@
               </a:rPr>
             </a:br>
             <a:r>
-              <a:rPr lang="en-US" dirty="0" err="1">
+              <a:rPr lang="en-US" sz="2000" dirty="0" err="1">
                 <a:latin typeface="Consolas" panose="020B0609020204030204" pitchFamily="49" charset="0"/>
                 <a:cs typeface="Consolas" panose="020B0609020204030204" pitchFamily="49" charset="0"/>
               </a:rPr>
               <a:t>meck:new</a:t>
             </a:r>
             <a:r>
-              <a:rPr lang="en-US" dirty="0">
+              <a:rPr lang="en-US" sz="2000" dirty="0">
                 <a:latin typeface="Consolas" panose="020B0609020204030204" pitchFamily="49" charset="0"/>
                 <a:cs typeface="Consolas" panose="020B0609020204030204" pitchFamily="49" charset="0"/>
               </a:rPr>
               <a:t>(</a:t>
             </a:r>
             <a:r>
-              <a:rPr lang="en-US" dirty="0" err="1">
+              <a:rPr lang="en-US" sz="2000" dirty="0" err="1">
                 <a:latin typeface="Consolas" panose="020B0609020204030204" pitchFamily="49" charset="0"/>
                 <a:cs typeface="Consolas" panose="020B0609020204030204" pitchFamily="49" charset="0"/>
               </a:rPr>
               <a:t>my_chat_client</a:t>
             </a:r>
             <a:r>
-              <a:rPr lang="en-US" dirty="0">
+              <a:rPr lang="en-US" sz="2000" dirty="0">
                 <a:latin typeface="Consolas" panose="020B0609020204030204" pitchFamily="49" charset="0"/>
                 <a:cs typeface="Consolas" panose="020B0609020204030204" pitchFamily="49" charset="0"/>
               </a:rPr>
               <a:t>, [</a:t>
             </a:r>
             <a:r>
-              <a:rPr lang="en-US" dirty="0" err="1">
+              <a:rPr lang="en-US" sz="2000" dirty="0" err="1">
                 <a:latin typeface="Consolas" panose="020B0609020204030204" pitchFamily="49" charset="0"/>
                 <a:cs typeface="Consolas" panose="020B0609020204030204" pitchFamily="49" charset="0"/>
               </a:rPr>
               <a:t>passthrough</a:t>
             </a:r>
             <a:r>
-              <a:rPr lang="en-US" dirty="0">
+              <a:rPr lang="en-US" sz="2000" dirty="0">
                 <a:latin typeface="Consolas" panose="020B0609020204030204" pitchFamily="49" charset="0"/>
                 <a:cs typeface="Consolas" panose="020B0609020204030204" pitchFamily="49" charset="0"/>
               </a:rPr>
               <a:t>]),</a:t>
             </a:r>
             <a:br>
-              <a:rPr lang="en-US" dirty="0">
+              <a:rPr lang="en-US" sz="2000" dirty="0">
                 <a:latin typeface="Consolas" panose="020B0609020204030204" pitchFamily="49" charset="0"/>
                 <a:cs typeface="Consolas" panose="020B0609020204030204" pitchFamily="49" charset="0"/>
               </a:rPr>
             </a:br>
             <a:r>
-              <a:rPr lang="en-US" dirty="0" err="1">
+              <a:rPr lang="en-US" sz="2000" dirty="0" err="1">
                 <a:latin typeface="Consolas" panose="020B0609020204030204" pitchFamily="49" charset="0"/>
                 <a:cs typeface="Consolas" panose="020B0609020204030204" pitchFamily="49" charset="0"/>
               </a:rPr>
               <a:t>meck:expect</a:t>
             </a:r>
             <a:r>
-              <a:rPr lang="en-US" dirty="0">
+              <a:rPr lang="en-US" sz="2000" dirty="0">
                 <a:latin typeface="Consolas" panose="020B0609020204030204" pitchFamily="49" charset="0"/>
                 <a:cs typeface="Consolas" panose="020B0609020204030204" pitchFamily="49" charset="0"/>
               </a:rPr>
               <a:t>(</a:t>
             </a:r>
             <a:r>
-              <a:rPr lang="en-US" dirty="0" err="1">
+              <a:rPr lang="en-US" sz="2000" dirty="0" err="1">
                 <a:latin typeface="Consolas" panose="020B0609020204030204" pitchFamily="49" charset="0"/>
                 <a:cs typeface="Consolas" panose="020B0609020204030204" pitchFamily="49" charset="0"/>
               </a:rPr>
               <a:t>my_chat_client</a:t>
             </a:r>
             <a:r>
-              <a:rPr lang="en-US" dirty="0">
+              <a:rPr lang="en-US" sz="2000" dirty="0">
                 <a:latin typeface="Consolas" panose="020B0609020204030204" pitchFamily="49" charset="0"/>
                 <a:cs typeface="Consolas" panose="020B0609020204030204" pitchFamily="49" charset="0"/>
               </a:rPr>
-              <a:t>, ping, fun(_) -&gt; pong end).</a:t>
+              <a:t>, </a:t>
+            </a:r>
+            <a:r>
+              <a:rPr lang="en-US" sz="2000" dirty="0" err="1">
+                <a:latin typeface="Consolas" panose="020B0609020204030204" pitchFamily="49" charset="0"/>
+                <a:cs typeface="Consolas" panose="020B0609020204030204" pitchFamily="49" charset="0"/>
+              </a:rPr>
+              <a:t>get_ping_response</a:t>
+            </a:r>
+            <a:r>
+              <a:rPr lang="en-US" sz="2000" dirty="0">
+                <a:latin typeface="Consolas" panose="020B0609020204030204" pitchFamily="49" charset="0"/>
+                <a:cs typeface="Consolas" panose="020B0609020204030204" pitchFamily="49" charset="0"/>
+              </a:rPr>
+              <a:t>, fun(_) -&gt; pong end).</a:t>
             </a:r>
           </a:p>
           <a:p>
@@ -13464,7 +14053,7 @@
 </p:sld>
 </file>
 
-<file path=ppt/slides/slide35.xml><?xml version="1.0" encoding="utf-8"?>
+<file path=ppt/slides/slide36.xml><?xml version="1.0" encoding="utf-8"?>
 <p:sld xmlns:a="http://schemas.openxmlformats.org/drawingml/2006/main" xmlns:r="http://schemas.openxmlformats.org/officeDocument/2006/relationships" xmlns:p="http://schemas.openxmlformats.org/presentationml/2006/main">
   <p:cSld>
     <p:spTree>
@@ -13634,7 +14223,7 @@
 </p:sld>
 </file>
 
-<file path=ppt/slides/slide36.xml><?xml version="1.0" encoding="utf-8"?>
+<file path=ppt/slides/slide37.xml><?xml version="1.0" encoding="utf-8"?>
 <p:sld xmlns:a="http://schemas.openxmlformats.org/drawingml/2006/main" xmlns:r="http://schemas.openxmlformats.org/officeDocument/2006/relationships" xmlns:p="http://schemas.openxmlformats.org/presentationml/2006/main">
   <p:cSld>
     <p:spTree>
@@ -13860,7 +14449,7 @@
 </p:sld>
 </file>
 
-<file path=ppt/slides/slide37.xml><?xml version="1.0" encoding="utf-8"?>
+<file path=ppt/slides/slide38.xml><?xml version="1.0" encoding="utf-8"?>
 <p:sld xmlns:a="http://schemas.openxmlformats.org/drawingml/2006/main" xmlns:r="http://schemas.openxmlformats.org/officeDocument/2006/relationships" xmlns:p="http://schemas.openxmlformats.org/presentationml/2006/main">
   <p:cSld>
     <p:spTree>
@@ -14036,7 +14625,7 @@
 </p:sld>
 </file>
 
-<file path=ppt/slides/slide38.xml><?xml version="1.0" encoding="utf-8"?>
+<file path=ppt/slides/slide39.xml><?xml version="1.0" encoding="utf-8"?>
 <p:sld xmlns:a="http://schemas.openxmlformats.org/drawingml/2006/main" xmlns:r="http://schemas.openxmlformats.org/officeDocument/2006/relationships" xmlns:p="http://schemas.openxmlformats.org/presentationml/2006/main">
   <p:cSld>
     <p:spTree>
@@ -14062,7 +14651,7 @@
           <p:nvPr/>
         </p:nvPicPr>
         <p:blipFill>
-          <a:blip r:embed="rId2">
+          <a:blip r:embed="rId3">
             <a:extLst>
               <a:ext uri="{28A0092B-C50C-407E-A947-70E740481C1C}">
                 <a14:useLocalDpi xmlns:a14="http://schemas.microsoft.com/office/drawing/2010/main" val="0"/>
@@ -14198,8 +14787,8 @@
         </p:nvSpPr>
         <p:spPr>
           <a:xfrm>
-            <a:off x="524935" y="1693334"/>
-            <a:ext cx="11226150" cy="954107"/>
+            <a:off x="524935" y="1401567"/>
+            <a:ext cx="11226150" cy="2031325"/>
           </a:xfrm>
           <a:prstGeom prst="rect">
             <a:avLst/>
@@ -14211,6 +14800,42 @@
             <a:spAutoFit/>
           </a:bodyPr>
           <a:lstStyle/>
+          <a:p>
+            <a:r>
+              <a:rPr lang="en-US" sz="2800" dirty="0">
+                <a:latin typeface="Consolas" panose="020B0609020204030204" pitchFamily="49" charset="0"/>
+                <a:cs typeface="Consolas" panose="020B0609020204030204" pitchFamily="49" charset="0"/>
+              </a:rPr>
+              <a:t>All code examples, snippets, instructions and</a:t>
+            </a:r>
+            <a:br>
+              <a:rPr lang="en-US" sz="2800" dirty="0">
+                <a:latin typeface="Consolas" panose="020B0609020204030204" pitchFamily="49" charset="0"/>
+                <a:cs typeface="Consolas" panose="020B0609020204030204" pitchFamily="49" charset="0"/>
+              </a:rPr>
+            </a:br>
+            <a:r>
+              <a:rPr lang="en-US" sz="2800" dirty="0">
+                <a:latin typeface="Consolas" panose="020B0609020204030204" pitchFamily="49" charset="0"/>
+                <a:cs typeface="Consolas" panose="020B0609020204030204" pitchFamily="49" charset="0"/>
+              </a:rPr>
+              <a:t>this presentation itself are available on </a:t>
+            </a:r>
+            <a:r>
+              <a:rPr lang="en-US" sz="2800" dirty="0" err="1">
+                <a:latin typeface="Consolas" panose="020B0609020204030204" pitchFamily="49" charset="0"/>
+                <a:cs typeface="Consolas" panose="020B0609020204030204" pitchFamily="49" charset="0"/>
+              </a:rPr>
+              <a:t>github</a:t>
+            </a:r>
+            <a:r>
+              <a:rPr lang="en-US" sz="2800" dirty="0">
+                <a:latin typeface="Consolas" panose="020B0609020204030204" pitchFamily="49" charset="0"/>
+                <a:cs typeface="Consolas" panose="020B0609020204030204" pitchFamily="49" charset="0"/>
+              </a:rPr>
+              <a:t>:</a:t>
+            </a:r>
+          </a:p>
           <a:p>
             <a:r>
               <a:rPr lang="en-US" sz="2800" dirty="0" err="1">
@@ -14282,6 +14907,194 @@
             <p:ph idx="1"/>
           </p:nvPr>
         </p:nvSpPr>
+        <p:spPr>
+          <a:xfrm>
+            <a:off x="1917702" y="3416968"/>
+            <a:ext cx="8351839" cy="2700253"/>
+          </a:xfrm>
+        </p:spPr>
+        <p:txBody>
+          <a:bodyPr/>
+          <a:lstStyle/>
+          <a:p>
+            <a:pPr marL="0" indent="0">
+              <a:buNone/>
+            </a:pPr>
+            <a:r>
+              <a:rPr lang="en-US" sz="4400" dirty="0">
+                <a:solidFill>
+                  <a:schemeClr val="tx2">
+                    <a:lumMod val="50000"/>
+                    <a:lumOff val="50000"/>
+                  </a:schemeClr>
+                </a:solidFill>
+              </a:rPr>
+              <a:t>Test modules and test functions</a:t>
+            </a:r>
+          </a:p>
+          <a:p>
+            <a:pPr marL="0" indent="0">
+              <a:buNone/>
+            </a:pPr>
+            <a:r>
+              <a:rPr lang="en-US" sz="4400" dirty="0">
+                <a:solidFill>
+                  <a:srgbClr val="C00000"/>
+                </a:solidFill>
+              </a:rPr>
+              <a:t>Fixtures</a:t>
+            </a:r>
+          </a:p>
+          <a:p>
+            <a:pPr marL="0" indent="0">
+              <a:buNone/>
+            </a:pPr>
+            <a:r>
+              <a:rPr lang="en-US" sz="4400" dirty="0">
+                <a:solidFill>
+                  <a:schemeClr val="accent1">
+                    <a:lumMod val="75000"/>
+                  </a:schemeClr>
+                </a:solidFill>
+              </a:rPr>
+              <a:t>Macros</a:t>
+            </a:r>
+          </a:p>
+          <a:p>
+            <a:pPr marL="0" indent="0">
+              <a:buNone/>
+            </a:pPr>
+            <a:r>
+              <a:rPr lang="en-US" sz="4400" dirty="0">
+                <a:solidFill>
+                  <a:schemeClr val="accent6">
+                    <a:lumMod val="75000"/>
+                  </a:schemeClr>
+                </a:solidFill>
+              </a:rPr>
+              <a:t>Control</a:t>
+            </a:r>
+          </a:p>
+        </p:txBody>
+      </p:sp>
+      <p:sp>
+        <p:nvSpPr>
+          <p:cNvPr id="3" name="Title 2"/>
+          <p:cNvSpPr>
+            <a:spLocks noGrp="1"/>
+          </p:cNvSpPr>
+          <p:nvPr>
+            <p:ph type="title"/>
+          </p:nvPr>
+        </p:nvSpPr>
+        <p:spPr>
+          <a:xfrm>
+            <a:off x="1917701" y="239714"/>
+            <a:ext cx="7494588" cy="3161213"/>
+          </a:xfrm>
+        </p:spPr>
+        <p:txBody>
+          <a:bodyPr>
+            <a:normAutofit/>
+          </a:bodyPr>
+          <a:lstStyle/>
+          <a:p>
+            <a:r>
+              <a:rPr lang="en-US" sz="16600" dirty="0" err="1">
+                <a:solidFill>
+                  <a:srgbClr val="00B050"/>
+                </a:solidFill>
+              </a:rPr>
+              <a:t>Eunit</a:t>
+            </a:r>
+            <a:endParaRPr lang="en-US" sz="16600" dirty="0">
+              <a:solidFill>
+                <a:srgbClr val="00B050"/>
+              </a:solidFill>
+            </a:endParaRPr>
+          </a:p>
+        </p:txBody>
+      </p:sp>
+      <p:sp>
+        <p:nvSpPr>
+          <p:cNvPr id="5" name="Rectangle 4"/>
+          <p:cNvSpPr/>
+          <p:nvPr/>
+        </p:nvSpPr>
+        <p:spPr bwMode="auto">
+          <a:xfrm>
+            <a:off x="1868906" y="4219074"/>
+            <a:ext cx="8293769" cy="2198659"/>
+          </a:xfrm>
+          <a:prstGeom prst="rect">
+            <a:avLst/>
+          </a:prstGeom>
+          <a:solidFill>
+            <a:schemeClr val="bg1">
+              <a:alpha val="80000"/>
+            </a:schemeClr>
+          </a:solidFill>
+          <a:ln w="12700" cap="flat" cmpd="sng" algn="ctr">
+            <a:noFill/>
+            <a:prstDash val="solid"/>
+            <a:round/>
+            <a:headEnd type="none" w="med" len="med"/>
+            <a:tailEnd type="none" w="med" len="med"/>
+          </a:ln>
+          <a:effectLst/>
+        </p:spPr>
+        <p:txBody>
+          <a:bodyPr vert="horz" wrap="none" lIns="72000" tIns="45720" rIns="72000" bIns="45720" numCol="1" rtlCol="0" anchor="t" anchorCtr="0" compatLnSpc="1">
+            <a:prstTxWarp prst="textNoShape">
+              <a:avLst/>
+            </a:prstTxWarp>
+          </a:bodyPr>
+          <a:lstStyle/>
+          <a:p>
+            <a:endParaRPr lang="en-US" dirty="0"/>
+          </a:p>
+        </p:txBody>
+      </p:sp>
+    </p:spTree>
+    <p:extLst>
+      <p:ext uri="{BB962C8B-B14F-4D97-AF65-F5344CB8AC3E}">
+        <p14:creationId xmlns:p14="http://schemas.microsoft.com/office/powerpoint/2010/main" val="3717950912"/>
+      </p:ext>
+    </p:extLst>
+  </p:cSld>
+  <p:clrMapOvr>
+    <a:masterClrMapping/>
+  </p:clrMapOvr>
+</p:sld>
+</file>
+
+<file path=ppt/slides/slide5.xml><?xml version="1.0" encoding="utf-8"?>
+<p:sld xmlns:a="http://schemas.openxmlformats.org/drawingml/2006/main" xmlns:r="http://schemas.openxmlformats.org/officeDocument/2006/relationships" xmlns:p="http://schemas.openxmlformats.org/presentationml/2006/main">
+  <p:cSld>
+    <p:spTree>
+      <p:nvGrpSpPr>
+        <p:cNvPr id="1" name=""/>
+        <p:cNvGrpSpPr/>
+        <p:nvPr/>
+      </p:nvGrpSpPr>
+      <p:grpSpPr>
+        <a:xfrm>
+          <a:off x="0" y="0"/>
+          <a:ext cx="0" cy="0"/>
+          <a:chOff x="0" y="0"/>
+          <a:chExt cx="0" cy="0"/>
+        </a:xfrm>
+      </p:grpSpPr>
+      <p:sp>
+        <p:nvSpPr>
+          <p:cNvPr id="2" name="Content Placeholder 1"/>
+          <p:cNvSpPr>
+            <a:spLocks noGrp="1"/>
+          </p:cNvSpPr>
+          <p:nvPr>
+            <p:ph idx="1"/>
+          </p:nvPr>
+        </p:nvSpPr>
         <p:spPr/>
         <p:txBody>
           <a:bodyPr/>
@@ -14366,7 +15179,7 @@
 </p:sld>
 </file>
 
-<file path=ppt/slides/slide5.xml><?xml version="1.0" encoding="utf-8"?>
+<file path=ppt/slides/slide6.xml><?xml version="1.0" encoding="utf-8"?>
 <p:sld xmlns:a="http://schemas.openxmlformats.org/drawingml/2006/main" xmlns:r="http://schemas.openxmlformats.org/officeDocument/2006/relationships" xmlns:p="http://schemas.openxmlformats.org/presentationml/2006/main">
   <p:cSld>
     <p:spTree>
@@ -14493,7 +15306,7 @@
 </p:sld>
 </file>
 
-<file path=ppt/slides/slide6.xml><?xml version="1.0" encoding="utf-8"?>
+<file path=ppt/slides/slide7.xml><?xml version="1.0" encoding="utf-8"?>
 <p:sld xmlns:a="http://schemas.openxmlformats.org/drawingml/2006/main" xmlns:r="http://schemas.openxmlformats.org/officeDocument/2006/relationships" xmlns:p="http://schemas.openxmlformats.org/presentationml/2006/main">
   <p:cSld>
     <p:spTree>
@@ -14840,7 +15653,7 @@
 </p:sld>
 </file>
 
-<file path=ppt/slides/slide7.xml><?xml version="1.0" encoding="utf-8"?>
+<file path=ppt/slides/slide8.xml><?xml version="1.0" encoding="utf-8"?>
 <p:sld xmlns:a="http://schemas.openxmlformats.org/drawingml/2006/main" xmlns:r="http://schemas.openxmlformats.org/officeDocument/2006/relationships" xmlns:p="http://schemas.openxmlformats.org/presentationml/2006/main">
   <p:cSld>
     <p:bg>
@@ -14968,10 +15781,18 @@
           <a:lstStyle/>
           <a:p>
             <a:r>
-              <a:rPr lang="en-US" sz="16600" dirty="0" err="1"/>
+              <a:rPr lang="en-US" sz="16600" dirty="0" err="1">
+                <a:solidFill>
+                  <a:srgbClr val="00B050"/>
+                </a:solidFill>
+              </a:rPr>
               <a:t>Eunit</a:t>
             </a:r>
-            <a:endParaRPr lang="en-US" sz="16600" dirty="0"/>
+            <a:endParaRPr lang="en-US" sz="16600" dirty="0">
+              <a:solidFill>
+                <a:srgbClr val="00B050"/>
+              </a:solidFill>
+            </a:endParaRPr>
           </a:p>
         </p:txBody>
       </p:sp>
@@ -15068,102 +15889,6 @@
 </p:sld>
 </file>
 
-<file path=ppt/slides/slide8.xml><?xml version="1.0" encoding="utf-8"?>
-<p:sld xmlns:a="http://schemas.openxmlformats.org/drawingml/2006/main" xmlns:r="http://schemas.openxmlformats.org/officeDocument/2006/relationships" xmlns:p="http://schemas.openxmlformats.org/presentationml/2006/main">
-  <p:cSld>
-    <p:spTree>
-      <p:nvGrpSpPr>
-        <p:cNvPr id="1" name=""/>
-        <p:cNvGrpSpPr/>
-        <p:nvPr/>
-      </p:nvGrpSpPr>
-      <p:grpSpPr>
-        <a:xfrm>
-          <a:off x="0" y="0"/>
-          <a:ext cx="0" cy="0"/>
-          <a:chOff x="0" y="0"/>
-          <a:chExt cx="0" cy="0"/>
-        </a:xfrm>
-      </p:grpSpPr>
-      <p:sp>
-        <p:nvSpPr>
-          <p:cNvPr id="2" name="Content Placeholder 1"/>
-          <p:cNvSpPr>
-            <a:spLocks noGrp="1"/>
-          </p:cNvSpPr>
-          <p:nvPr>
-            <p:ph idx="1"/>
-          </p:nvPr>
-        </p:nvSpPr>
-        <p:spPr/>
-        <p:txBody>
-          <a:bodyPr/>
-          <a:lstStyle/>
-          <a:p>
-            <a:r>
-              <a:rPr lang="en-US" dirty="0"/>
-              <a:t>A fixture is a state that is necessary for a certain set of tests to run.</a:t>
-            </a:r>
-          </a:p>
-          <a:p>
-            <a:r>
-              <a:rPr lang="en-US" dirty="0"/>
-              <a:t>A fixture can define a setup and cleanup function to apply either for the entire set, or for each test case in the set.</a:t>
-            </a:r>
-          </a:p>
-          <a:p>
-            <a:r>
-              <a:rPr lang="en-US" dirty="0"/>
-              <a:t>There are a few different ways of writing a fixture and we will look at the ones that are probably the most commonly used.</a:t>
-            </a:r>
-          </a:p>
-          <a:p>
-            <a:endParaRPr lang="en-US" dirty="0"/>
-          </a:p>
-        </p:txBody>
-      </p:sp>
-      <p:sp>
-        <p:nvSpPr>
-          <p:cNvPr id="5" name="Title 4"/>
-          <p:cNvSpPr>
-            <a:spLocks noGrp="1"/>
-          </p:cNvSpPr>
-          <p:nvPr>
-            <p:ph type="title"/>
-          </p:nvPr>
-        </p:nvSpPr>
-        <p:spPr/>
-        <p:txBody>
-          <a:bodyPr>
-            <a:normAutofit/>
-          </a:bodyPr>
-          <a:lstStyle/>
-          <a:p>
-            <a:r>
-              <a:rPr lang="en-US" sz="4000" dirty="0">
-                <a:solidFill>
-                  <a:srgbClr val="C00000"/>
-                </a:solidFill>
-                <a:latin typeface="+mn-lt"/>
-              </a:rPr>
-              <a:t>Fixtures</a:t>
-            </a:r>
-          </a:p>
-        </p:txBody>
-      </p:sp>
-    </p:spTree>
-    <p:extLst>
-      <p:ext uri="{BB962C8B-B14F-4D97-AF65-F5344CB8AC3E}">
-        <p14:creationId xmlns:p14="http://schemas.microsoft.com/office/powerpoint/2010/main" val="3788001104"/>
-      </p:ext>
-    </p:extLst>
-  </p:cSld>
-  <p:clrMapOvr>
-    <a:masterClrMapping/>
-  </p:clrMapOvr>
-</p:sld>
-</file>
-
 <file path=ppt/slides/slide9.xml><?xml version="1.0" encoding="utf-8"?>
 <p:sld xmlns:a="http://schemas.openxmlformats.org/drawingml/2006/main" xmlns:r="http://schemas.openxmlformats.org/officeDocument/2006/relationships" xmlns:p="http://schemas.openxmlformats.org/presentationml/2006/main">
   <p:cSld>
@@ -15197,33 +15922,24 @@
           <a:lstStyle/>
           <a:p>
             <a:r>
-              <a:rPr lang="en-US" dirty="0" err="1"/>
-              <a:t>eunit</a:t>
-            </a:r>
-            <a:r>
-              <a:rPr lang="en-US" dirty="0"/>
-              <a:t> recognizes any function with a name ending in _test_  as a </a:t>
-            </a:r>
-            <a:r>
-              <a:rPr lang="en-US" i="1" dirty="0"/>
-              <a:t>test fixture</a:t>
-            </a:r>
-            <a:r>
-              <a:rPr lang="en-US" dirty="0"/>
-              <a:t>.</a:t>
-            </a:r>
-          </a:p>
-          <a:p>
-            <a:r>
-              <a:rPr lang="en-US" dirty="0"/>
-              <a:t>A test fixture contains a set of tests to run, represented as lambda functions in a list.</a:t>
-            </a:r>
-          </a:p>
-          <a:p>
-            <a:r>
-              <a:rPr lang="en-US" dirty="0"/>
-              <a:t>You can also use tuples of a description and a lambda function.</a:t>
-            </a:r>
+              <a:rPr lang="en-US" dirty="0"/>
+              <a:t>A fixture is a state that is necessary for a certain set of tests to run.</a:t>
+            </a:r>
+          </a:p>
+          <a:p>
+            <a:r>
+              <a:rPr lang="en-US" dirty="0"/>
+              <a:t>A fixture can define a setup and cleanup function to apply either for the entire set, or for each test case in the set.</a:t>
+            </a:r>
+          </a:p>
+          <a:p>
+            <a:r>
+              <a:rPr lang="en-US" dirty="0"/>
+              <a:t>There are a few different ways of writing a fixture and we will look at the ones that are probably the most commonly used.</a:t>
+            </a:r>
+          </a:p>
+          <a:p>
+            <a:endParaRPr lang="en-US" dirty="0"/>
           </a:p>
         </p:txBody>
       </p:sp>
@@ -15259,7 +15975,7 @@
     </p:spTree>
     <p:extLst>
       <p:ext uri="{BB962C8B-B14F-4D97-AF65-F5344CB8AC3E}">
-        <p14:creationId xmlns:p14="http://schemas.microsoft.com/office/powerpoint/2010/main" val="4085028244"/>
+        <p14:creationId xmlns:p14="http://schemas.microsoft.com/office/powerpoint/2010/main" val="3788001104"/>
       </p:ext>
     </p:extLst>
   </p:cSld>
